--- a/Project Report/Final Project Report Presentation.pptx
+++ b/Project Report/Final Project Report Presentation.pptx
@@ -9,24 +9,26 @@
     <p:sldId id="257" r:id="rId3"/>
     <p:sldId id="261" r:id="rId4"/>
     <p:sldId id="258" r:id="rId5"/>
-    <p:sldId id="262" r:id="rId6"/>
-    <p:sldId id="268" r:id="rId7"/>
-    <p:sldId id="280" r:id="rId8"/>
-    <p:sldId id="281" r:id="rId9"/>
-    <p:sldId id="271" r:id="rId10"/>
-    <p:sldId id="272" r:id="rId11"/>
-    <p:sldId id="273" r:id="rId12"/>
-    <p:sldId id="274" r:id="rId13"/>
-    <p:sldId id="275" r:id="rId14"/>
-    <p:sldId id="276" r:id="rId15"/>
-    <p:sldId id="277" r:id="rId16"/>
-    <p:sldId id="278" r:id="rId17"/>
-    <p:sldId id="279" r:id="rId18"/>
-    <p:sldId id="259" r:id="rId19"/>
-    <p:sldId id="264" r:id="rId20"/>
-    <p:sldId id="265" r:id="rId21"/>
-    <p:sldId id="266" r:id="rId22"/>
-    <p:sldId id="267" r:id="rId23"/>
+    <p:sldId id="268" r:id="rId6"/>
+    <p:sldId id="280" r:id="rId7"/>
+    <p:sldId id="281" r:id="rId8"/>
+    <p:sldId id="271" r:id="rId9"/>
+    <p:sldId id="272" r:id="rId10"/>
+    <p:sldId id="273" r:id="rId11"/>
+    <p:sldId id="274" r:id="rId12"/>
+    <p:sldId id="275" r:id="rId13"/>
+    <p:sldId id="276" r:id="rId14"/>
+    <p:sldId id="277" r:id="rId15"/>
+    <p:sldId id="278" r:id="rId16"/>
+    <p:sldId id="279" r:id="rId17"/>
+    <p:sldId id="259" r:id="rId18"/>
+    <p:sldId id="264" r:id="rId19"/>
+    <p:sldId id="265" r:id="rId20"/>
+    <p:sldId id="266" r:id="rId21"/>
+    <p:sldId id="267" r:id="rId22"/>
+    <p:sldId id="284" r:id="rId23"/>
+    <p:sldId id="282" r:id="rId24"/>
+    <p:sldId id="283" r:id="rId25"/>
   </p:sldIdLst>
   <p:sldSz cx="12192000" cy="6858000"/>
   <p:notesSz cx="6858000" cy="9144000"/>
@@ -134,45 +136,42 @@
 </file>
 
 <file path=ppt/diagrams/colors1.xml><?xml version="1.0" encoding="utf-8"?>
-<dgm:colorsDef xmlns:dgm="http://schemas.openxmlformats.org/drawingml/2006/diagram" xmlns:a="http://schemas.openxmlformats.org/drawingml/2006/main" uniqueId="urn:microsoft.com/office/officeart/2005/8/colors/colorful2">
+<dgm:colorsDef xmlns:dgm="http://schemas.openxmlformats.org/drawingml/2006/diagram" xmlns:a="http://schemas.openxmlformats.org/drawingml/2006/main" uniqueId="urn:microsoft.com/office/officeart/2005/8/colors/accent0_3">
   <dgm:title val=""/>
   <dgm:desc val=""/>
   <dgm:catLst>
-    <dgm:cat type="colorful" pri="10200"/>
+    <dgm:cat type="mainScheme" pri="10300"/>
   </dgm:catLst>
   <dgm:styleLbl name="node0">
     <dgm:fillClrLst meth="repeat">
-      <a:schemeClr val="accent1"/>
+      <a:schemeClr val="dk2"/>
     </dgm:fillClrLst>
     <dgm:linClrLst meth="repeat">
-      <a:schemeClr val="lt1"/>
+      <a:schemeClr val="lt2"/>
     </dgm:linClrLst>
     <dgm:effectClrLst/>
     <dgm:txLinClrLst/>
     <dgm:txFillClrLst/>
     <dgm:txEffectClrLst/>
   </dgm:styleLbl>
-  <dgm:styleLbl name="node1">
-    <dgm:fillClrLst>
-      <a:schemeClr val="accent2"/>
-      <a:schemeClr val="accent3"/>
+  <dgm:styleLbl name="alignNode1">
+    <dgm:fillClrLst meth="repeat">
+      <a:schemeClr val="dk2"/>
     </dgm:fillClrLst>
     <dgm:linClrLst meth="repeat">
-      <a:schemeClr val="lt1"/>
+      <a:schemeClr val="dk2"/>
     </dgm:linClrLst>
     <dgm:effectClrLst/>
     <dgm:txLinClrLst/>
     <dgm:txFillClrLst/>
     <dgm:txEffectClrLst/>
   </dgm:styleLbl>
-  <dgm:styleLbl name="alignNode1">
-    <dgm:fillClrLst>
-      <a:schemeClr val="accent2"/>
-      <a:schemeClr val="accent3"/>
+  <dgm:styleLbl name="node1">
+    <dgm:fillClrLst meth="repeat">
+      <a:schemeClr val="dk2"/>
     </dgm:fillClrLst>
-    <dgm:linClrLst>
-      <a:schemeClr val="accent2"/>
-      <a:schemeClr val="accent3"/>
+    <dgm:linClrLst meth="repeat">
+      <a:schemeClr val="lt2"/>
     </dgm:linClrLst>
     <dgm:effectClrLst/>
     <dgm:txLinClrLst/>
@@ -180,12 +179,11 @@
     <dgm:txEffectClrLst/>
   </dgm:styleLbl>
   <dgm:styleLbl name="lnNode1">
-    <dgm:fillClrLst>
-      <a:schemeClr val="accent2"/>
-      <a:schemeClr val="accent3"/>
+    <dgm:fillClrLst meth="repeat">
+      <a:schemeClr val="dk2"/>
     </dgm:fillClrLst>
     <dgm:linClrLst meth="repeat">
-      <a:schemeClr val="lt1"/>
+      <a:schemeClr val="lt2"/>
     </dgm:linClrLst>
     <dgm:effectClrLst/>
     <dgm:txLinClrLst/>
@@ -193,16 +191,13 @@
     <dgm:txEffectClrLst/>
   </dgm:styleLbl>
   <dgm:styleLbl name="vennNode1">
-    <dgm:fillClrLst>
-      <a:schemeClr val="accent2">
-        <a:alpha val="50000"/>
-      </a:schemeClr>
-      <a:schemeClr val="accent3">
+    <dgm:fillClrLst meth="repeat">
+      <a:schemeClr val="dk2">
         <a:alpha val="50000"/>
       </a:schemeClr>
     </dgm:fillClrLst>
     <dgm:linClrLst meth="repeat">
-      <a:schemeClr val="lt1"/>
+      <a:schemeClr val="lt2"/>
     </dgm:linClrLst>
     <dgm:effectClrLst/>
     <dgm:txLinClrLst/>
@@ -210,11 +205,11 @@
     <dgm:txEffectClrLst/>
   </dgm:styleLbl>
   <dgm:styleLbl name="node2">
-    <dgm:fillClrLst>
-      <a:schemeClr val="accent3"/>
+    <dgm:fillClrLst meth="repeat">
+      <a:schemeClr val="dk2"/>
     </dgm:fillClrLst>
     <dgm:linClrLst meth="repeat">
-      <a:schemeClr val="lt1"/>
+      <a:schemeClr val="lt2"/>
     </dgm:linClrLst>
     <dgm:effectClrLst/>
     <dgm:txLinClrLst/>
@@ -222,11 +217,11 @@
     <dgm:txEffectClrLst/>
   </dgm:styleLbl>
   <dgm:styleLbl name="node3">
-    <dgm:fillClrLst>
-      <a:schemeClr val="accent4"/>
+    <dgm:fillClrLst meth="repeat">
+      <a:schemeClr val="dk2"/>
     </dgm:fillClrLst>
     <dgm:linClrLst meth="repeat">
-      <a:schemeClr val="lt1"/>
+      <a:schemeClr val="lt2"/>
     </dgm:linClrLst>
     <dgm:effectClrLst/>
     <dgm:txLinClrLst/>
@@ -234,11 +229,11 @@
     <dgm:txEffectClrLst/>
   </dgm:styleLbl>
   <dgm:styleLbl name="node4">
-    <dgm:fillClrLst>
-      <a:schemeClr val="accent5"/>
+    <dgm:fillClrLst meth="repeat">
+      <a:schemeClr val="dk2"/>
     </dgm:fillClrLst>
     <dgm:linClrLst meth="repeat">
-      <a:schemeClr val="lt1"/>
+      <a:schemeClr val="lt2"/>
     </dgm:linClrLst>
     <dgm:effectClrLst/>
     <dgm:txLinClrLst/>
@@ -246,69 +241,67 @@
     <dgm:txEffectClrLst/>
   </dgm:styleLbl>
   <dgm:styleLbl name="fgImgPlace1">
-    <dgm:fillClrLst>
-      <a:schemeClr val="accent2">
-        <a:tint val="50000"/>
-      </a:schemeClr>
-      <a:schemeClr val="accent3">
+    <dgm:fillClrLst meth="repeat">
+      <a:schemeClr val="dk2">
         <a:tint val="50000"/>
       </a:schemeClr>
     </dgm:fillClrLst>
     <dgm:linClrLst meth="repeat">
-      <a:schemeClr val="lt1"/>
+      <a:schemeClr val="lt2"/>
     </dgm:linClrLst>
     <dgm:effectClrLst/>
     <dgm:txLinClrLst/>
     <dgm:txFillClrLst meth="repeat">
-      <a:schemeClr val="lt1"/>
+      <a:schemeClr val="lt2"/>
     </dgm:txFillClrLst>
     <dgm:txEffectClrLst/>
   </dgm:styleLbl>
   <dgm:styleLbl name="alignImgPlace1">
-    <dgm:fillClrLst>
-      <a:schemeClr val="accent2">
+    <dgm:fillClrLst meth="repeat">
+      <a:schemeClr val="dk2">
         <a:tint val="50000"/>
-      </a:schemeClr>
-      <a:schemeClr val="accent3">
-        <a:tint val="20000"/>
       </a:schemeClr>
     </dgm:fillClrLst>
     <dgm:linClrLst meth="repeat">
-      <a:schemeClr val="lt1"/>
+      <a:schemeClr val="dk2">
+        <a:shade val="80000"/>
+      </a:schemeClr>
     </dgm:linClrLst>
     <dgm:effectClrLst/>
     <dgm:txLinClrLst/>
     <dgm:txFillClrLst meth="repeat">
-      <a:schemeClr val="lt1"/>
+      <a:schemeClr val="lt2"/>
     </dgm:txFillClrLst>
     <dgm:txEffectClrLst/>
   </dgm:styleLbl>
   <dgm:styleLbl name="bgImgPlace1">
-    <dgm:fillClrLst>
-      <a:schemeClr val="accent2">
+    <dgm:fillClrLst meth="repeat">
+      <a:schemeClr val="dk2">
         <a:tint val="50000"/>
-      </a:schemeClr>
-      <a:schemeClr val="accent3">
-        <a:tint val="20000"/>
       </a:schemeClr>
     </dgm:fillClrLst>
     <dgm:linClrLst meth="repeat">
-      <a:schemeClr val="lt1"/>
+      <a:schemeClr val="dk2">
+        <a:shade val="80000"/>
+      </a:schemeClr>
     </dgm:linClrLst>
     <dgm:effectClrLst/>
     <dgm:txLinClrLst/>
     <dgm:txFillClrLst meth="repeat">
-      <a:schemeClr val="lt1"/>
+      <a:schemeClr val="lt2"/>
     </dgm:txFillClrLst>
     <dgm:txEffectClrLst/>
   </dgm:styleLbl>
   <dgm:styleLbl name="sibTrans2D1">
-    <dgm:fillClrLst>
-      <a:schemeClr val="accent2"/>
-      <a:schemeClr val="accent3"/>
+    <dgm:fillClrLst meth="repeat">
+      <a:schemeClr val="dk2">
+        <a:tint val="60000"/>
+      </a:schemeClr>
     </dgm:fillClrLst>
     <dgm:linClrLst meth="repeat">
-      <a:schemeClr val="lt1"/>
+      <a:schemeClr val="dk2">
+        <a:tint val="60000"/>
+      </a:schemeClr>
     </dgm:linClrLst>
     <dgm:effectClrLst/>
     <dgm:txLinClrLst/>
@@ -316,55 +309,194 @@
     <dgm:txEffectClrLst/>
   </dgm:styleLbl>
   <dgm:styleLbl name="fgSibTrans2D1">
-    <dgm:fillClrLst>
-      <a:schemeClr val="accent2"/>
-      <a:schemeClr val="accent3"/>
+    <dgm:fillClrLst meth="repeat">
+      <a:schemeClr val="dk2">
+        <a:tint val="60000"/>
+      </a:schemeClr>
     </dgm:fillClrLst>
     <dgm:linClrLst meth="repeat">
-      <a:schemeClr val="lt1"/>
+      <a:schemeClr val="dk2">
+        <a:tint val="60000"/>
+      </a:schemeClr>
+    </dgm:linClrLst>
+    <dgm:effectClrLst/>
+    <dgm:txLinClrLst/>
+    <dgm:txFillClrLst/>
+    <dgm:txEffectClrLst/>
+  </dgm:styleLbl>
+  <dgm:styleLbl name="bgSibTrans2D1">
+    <dgm:fillClrLst meth="repeat">
+      <a:schemeClr val="dk2">
+        <a:tint val="60000"/>
+      </a:schemeClr>
+    </dgm:fillClrLst>
+    <dgm:linClrLst meth="repeat">
+      <a:schemeClr val="dk2">
+        <a:tint val="60000"/>
+      </a:schemeClr>
+    </dgm:linClrLst>
+    <dgm:effectClrLst/>
+    <dgm:txLinClrLst/>
+    <dgm:txFillClrLst/>
+    <dgm:txEffectClrLst/>
+  </dgm:styleLbl>
+  <dgm:styleLbl name="sibTrans1D1">
+    <dgm:fillClrLst meth="repeat">
+      <a:schemeClr val="dk2"/>
+    </dgm:fillClrLst>
+    <dgm:linClrLst meth="repeat">
+      <a:schemeClr val="dk2"/>
     </dgm:linClrLst>
     <dgm:effectClrLst/>
     <dgm:txLinClrLst/>
     <dgm:txFillClrLst meth="repeat">
-      <a:schemeClr val="lt1"/>
+      <a:schemeClr val="lt2"/>
     </dgm:txFillClrLst>
     <dgm:txEffectClrLst/>
   </dgm:styleLbl>
-  <dgm:styleLbl name="bgSibTrans2D1">
-    <dgm:fillClrLst>
-      <a:schemeClr val="accent2"/>
-      <a:schemeClr val="accent3"/>
+  <dgm:styleLbl name="callout">
+    <dgm:fillClrLst meth="repeat">
+      <a:schemeClr val="dk2"/>
     </dgm:fillClrLst>
     <dgm:linClrLst meth="repeat">
-      <a:schemeClr val="lt1"/>
+      <a:schemeClr val="dk2">
+        <a:tint val="50000"/>
+      </a:schemeClr>
     </dgm:linClrLst>
     <dgm:effectClrLst/>
     <dgm:txLinClrLst/>
     <dgm:txFillClrLst meth="repeat">
-      <a:schemeClr val="lt1"/>
+      <a:schemeClr val="lt2"/>
     </dgm:txFillClrLst>
     <dgm:txEffectClrLst/>
   </dgm:styleLbl>
-  <dgm:styleLbl name="sibTrans1D1">
-    <dgm:fillClrLst/>
-    <dgm:linClrLst>
-      <a:schemeClr val="accent2"/>
-      <a:schemeClr val="accent3"/>
+  <dgm:styleLbl name="asst0">
+    <dgm:fillClrLst meth="repeat">
+      <a:schemeClr val="dk2"/>
+    </dgm:fillClrLst>
+    <dgm:linClrLst meth="repeat">
+      <a:schemeClr val="lt2"/>
+    </dgm:linClrLst>
+    <dgm:effectClrLst/>
+    <dgm:txLinClrLst/>
+    <dgm:txFillClrLst/>
+    <dgm:txEffectClrLst/>
+  </dgm:styleLbl>
+  <dgm:styleLbl name="asst1">
+    <dgm:fillClrLst meth="repeat">
+      <a:schemeClr val="dk2"/>
+    </dgm:fillClrLst>
+    <dgm:linClrLst meth="repeat">
+      <a:schemeClr val="lt2"/>
+    </dgm:linClrLst>
+    <dgm:effectClrLst/>
+    <dgm:txLinClrLst/>
+    <dgm:txFillClrLst/>
+    <dgm:txEffectClrLst/>
+  </dgm:styleLbl>
+  <dgm:styleLbl name="asst2">
+    <dgm:fillClrLst meth="repeat">
+      <a:schemeClr val="dk2"/>
+    </dgm:fillClrLst>
+    <dgm:linClrLst meth="repeat">
+      <a:schemeClr val="lt2"/>
+    </dgm:linClrLst>
+    <dgm:effectClrLst/>
+    <dgm:txLinClrLst/>
+    <dgm:txFillClrLst/>
+    <dgm:txEffectClrLst/>
+  </dgm:styleLbl>
+  <dgm:styleLbl name="asst3">
+    <dgm:fillClrLst meth="repeat">
+      <a:schemeClr val="dk2"/>
+    </dgm:fillClrLst>
+    <dgm:linClrLst meth="repeat">
+      <a:schemeClr val="lt2"/>
+    </dgm:linClrLst>
+    <dgm:effectClrLst/>
+    <dgm:txLinClrLst/>
+    <dgm:txFillClrLst/>
+    <dgm:txEffectClrLst/>
+  </dgm:styleLbl>
+  <dgm:styleLbl name="asst4">
+    <dgm:fillClrLst meth="repeat">
+      <a:schemeClr val="dk2"/>
+    </dgm:fillClrLst>
+    <dgm:linClrLst meth="repeat">
+      <a:schemeClr val="lt2"/>
+    </dgm:linClrLst>
+    <dgm:effectClrLst/>
+    <dgm:txLinClrLst/>
+    <dgm:txFillClrLst/>
+    <dgm:txEffectClrLst/>
+  </dgm:styleLbl>
+  <dgm:styleLbl name="parChTrans2D1">
+    <dgm:fillClrLst meth="repeat">
+      <a:schemeClr val="dk2">
+        <a:tint val="60000"/>
+      </a:schemeClr>
+    </dgm:fillClrLst>
+    <dgm:linClrLst meth="repeat">
+      <a:schemeClr val="dk2">
+        <a:tint val="60000"/>
+      </a:schemeClr>
     </dgm:linClrLst>
     <dgm:effectClrLst/>
     <dgm:txLinClrLst/>
     <dgm:txFillClrLst meth="repeat">
-      <a:schemeClr val="tx1"/>
+      <a:schemeClr val="lt2"/>
     </dgm:txFillClrLst>
     <dgm:txEffectClrLst/>
   </dgm:styleLbl>
-  <dgm:styleLbl name="callout">
+  <dgm:styleLbl name="parChTrans2D2">
     <dgm:fillClrLst meth="repeat">
-      <a:schemeClr val="accent2"/>
+      <a:schemeClr val="dk2"/>
     </dgm:fillClrLst>
     <dgm:linClrLst meth="repeat">
-      <a:schemeClr val="accent2">
-        <a:tint val="50000"/>
+      <a:schemeClr val="dk2"/>
+    </dgm:linClrLst>
+    <dgm:effectClrLst/>
+    <dgm:txLinClrLst/>
+    <dgm:txFillClrLst meth="repeat">
+      <a:schemeClr val="lt2"/>
+    </dgm:txFillClrLst>
+    <dgm:txEffectClrLst/>
+  </dgm:styleLbl>
+  <dgm:styleLbl name="parChTrans2D3">
+    <dgm:fillClrLst meth="repeat">
+      <a:schemeClr val="dk2"/>
+    </dgm:fillClrLst>
+    <dgm:linClrLst meth="repeat">
+      <a:schemeClr val="dk2"/>
+    </dgm:linClrLst>
+    <dgm:effectClrLst/>
+    <dgm:txLinClrLst/>
+    <dgm:txFillClrLst meth="repeat">
+      <a:schemeClr val="lt2"/>
+    </dgm:txFillClrLst>
+    <dgm:txEffectClrLst/>
+  </dgm:styleLbl>
+  <dgm:styleLbl name="parChTrans2D4">
+    <dgm:fillClrLst meth="repeat">
+      <a:schemeClr val="dk2"/>
+    </dgm:fillClrLst>
+    <dgm:linClrLst meth="repeat">
+      <a:schemeClr val="dk2"/>
+    </dgm:linClrLst>
+    <dgm:effectClrLst/>
+    <dgm:txLinClrLst/>
+    <dgm:txFillClrLst meth="repeat">
+      <a:schemeClr val="lt2"/>
+    </dgm:txFillClrLst>
+    <dgm:txEffectClrLst/>
+  </dgm:styleLbl>
+  <dgm:styleLbl name="parChTrans1D1">
+    <dgm:fillClrLst meth="repeat">
+      <a:schemeClr val="dk2"/>
+    </dgm:fillClrLst>
+    <dgm:linClrLst meth="repeat">
+      <a:schemeClr val="dk2">
+        <a:shade val="60000"/>
       </a:schemeClr>
     </dgm:linClrLst>
     <dgm:effectClrLst/>
@@ -374,128 +506,14 @@
     </dgm:txFillClrLst>
     <dgm:txEffectClrLst/>
   </dgm:styleLbl>
-  <dgm:styleLbl name="asst0">
+  <dgm:styleLbl name="parChTrans1D2">
     <dgm:fillClrLst meth="repeat">
-      <a:schemeClr val="accent2"/>
+      <a:schemeClr val="dk2"/>
     </dgm:fillClrLst>
     <dgm:linClrLst meth="repeat">
-      <a:schemeClr val="lt1">
-        <a:shade val="80000"/>
+      <a:schemeClr val="dk2">
+        <a:shade val="60000"/>
       </a:schemeClr>
-    </dgm:linClrLst>
-    <dgm:effectClrLst/>
-    <dgm:txLinClrLst/>
-    <dgm:txFillClrLst/>
-    <dgm:txEffectClrLst/>
-  </dgm:styleLbl>
-  <dgm:styleLbl name="asst1">
-    <dgm:fillClrLst meth="repeat">
-      <a:schemeClr val="accent3"/>
-    </dgm:fillClrLst>
-    <dgm:linClrLst meth="repeat">
-      <a:schemeClr val="lt1">
-        <a:shade val="80000"/>
-      </a:schemeClr>
-    </dgm:linClrLst>
-    <dgm:effectClrLst/>
-    <dgm:txLinClrLst/>
-    <dgm:txFillClrLst/>
-    <dgm:txEffectClrLst/>
-  </dgm:styleLbl>
-  <dgm:styleLbl name="asst2">
-    <dgm:fillClrLst>
-      <a:schemeClr val="accent4"/>
-    </dgm:fillClrLst>
-    <dgm:linClrLst meth="repeat">
-      <a:schemeClr val="lt1"/>
-    </dgm:linClrLst>
-    <dgm:effectClrLst/>
-    <dgm:txLinClrLst/>
-    <dgm:txFillClrLst/>
-    <dgm:txEffectClrLst/>
-  </dgm:styleLbl>
-  <dgm:styleLbl name="asst3">
-    <dgm:fillClrLst>
-      <a:schemeClr val="accent5"/>
-    </dgm:fillClrLst>
-    <dgm:linClrLst meth="repeat">
-      <a:schemeClr val="lt1"/>
-    </dgm:linClrLst>
-    <dgm:effectClrLst/>
-    <dgm:txLinClrLst/>
-    <dgm:txFillClrLst/>
-    <dgm:txEffectClrLst/>
-  </dgm:styleLbl>
-  <dgm:styleLbl name="asst4">
-    <dgm:fillClrLst>
-      <a:schemeClr val="accent6"/>
-    </dgm:fillClrLst>
-    <dgm:linClrLst meth="repeat">
-      <a:schemeClr val="lt1"/>
-    </dgm:linClrLst>
-    <dgm:effectClrLst/>
-    <dgm:txLinClrLst/>
-    <dgm:txFillClrLst/>
-    <dgm:txEffectClrLst/>
-  </dgm:styleLbl>
-  <dgm:styleLbl name="parChTrans2D1">
-    <dgm:fillClrLst meth="repeat">
-      <a:schemeClr val="accent2"/>
-    </dgm:fillClrLst>
-    <dgm:linClrLst meth="repeat">
-      <a:schemeClr val="lt1"/>
-    </dgm:linClrLst>
-    <dgm:effectClrLst/>
-    <dgm:txLinClrLst/>
-    <dgm:txFillClrLst meth="repeat">
-      <a:schemeClr val="lt1"/>
-    </dgm:txFillClrLst>
-    <dgm:txEffectClrLst/>
-  </dgm:styleLbl>
-  <dgm:styleLbl name="parChTrans2D2">
-    <dgm:fillClrLst meth="repeat">
-      <a:schemeClr val="accent3"/>
-    </dgm:fillClrLst>
-    <dgm:linClrLst meth="repeat">
-      <a:schemeClr val="lt1"/>
-    </dgm:linClrLst>
-    <dgm:effectClrLst/>
-    <dgm:txLinClrLst/>
-    <dgm:txFillClrLst/>
-    <dgm:txEffectClrLst/>
-  </dgm:styleLbl>
-  <dgm:styleLbl name="parChTrans2D3">
-    <dgm:fillClrLst meth="repeat">
-      <a:schemeClr val="accent4"/>
-    </dgm:fillClrLst>
-    <dgm:linClrLst meth="repeat">
-      <a:schemeClr val="lt1"/>
-    </dgm:linClrLst>
-    <dgm:effectClrLst/>
-    <dgm:txLinClrLst/>
-    <dgm:txFillClrLst/>
-    <dgm:txEffectClrLst/>
-  </dgm:styleLbl>
-  <dgm:styleLbl name="parChTrans2D4">
-    <dgm:fillClrLst meth="repeat">
-      <a:schemeClr val="accent5"/>
-    </dgm:fillClrLst>
-    <dgm:linClrLst meth="repeat">
-      <a:schemeClr val="lt1"/>
-    </dgm:linClrLst>
-    <dgm:effectClrLst/>
-    <dgm:txLinClrLst/>
-    <dgm:txFillClrLst meth="repeat">
-      <a:schemeClr val="lt1"/>
-    </dgm:txFillClrLst>
-    <dgm:txEffectClrLst/>
-  </dgm:styleLbl>
-  <dgm:styleLbl name="parChTrans1D1">
-    <dgm:fillClrLst meth="repeat">
-      <a:schemeClr val="accent2"/>
-    </dgm:fillClrLst>
-    <dgm:linClrLst meth="repeat">
-      <a:schemeClr val="accent2"/>
     </dgm:linClrLst>
     <dgm:effectClrLst/>
     <dgm:txLinClrLst/>
@@ -504,14 +522,14 @@
     </dgm:txFillClrLst>
     <dgm:txEffectClrLst/>
   </dgm:styleLbl>
-  <dgm:styleLbl name="parChTrans1D2">
+  <dgm:styleLbl name="parChTrans1D3">
     <dgm:fillClrLst meth="repeat">
-      <a:schemeClr val="accent2">
-        <a:tint val="90000"/>
-      </a:schemeClr>
+      <a:schemeClr val="dk2"/>
     </dgm:fillClrLst>
     <dgm:linClrLst meth="repeat">
-      <a:schemeClr val="accent3"/>
+      <a:schemeClr val="dk2">
+        <a:shade val="80000"/>
+      </a:schemeClr>
     </dgm:linClrLst>
     <dgm:effectClrLst/>
     <dgm:txLinClrLst/>
@@ -520,14 +538,14 @@
     </dgm:txFillClrLst>
     <dgm:txEffectClrLst/>
   </dgm:styleLbl>
-  <dgm:styleLbl name="parChTrans1D3">
+  <dgm:styleLbl name="parChTrans1D4">
     <dgm:fillClrLst meth="repeat">
-      <a:schemeClr val="accent2">
-        <a:tint val="70000"/>
-      </a:schemeClr>
+      <a:schemeClr val="dk2"/>
     </dgm:fillClrLst>
     <dgm:linClrLst meth="repeat">
-      <a:schemeClr val="accent4"/>
+      <a:schemeClr val="dk2">
+        <a:shade val="80000"/>
+      </a:schemeClr>
     </dgm:linClrLst>
     <dgm:effectClrLst/>
     <dgm:txLinClrLst/>
@@ -536,31 +554,14 @@
     </dgm:txFillClrLst>
     <dgm:txEffectClrLst/>
   </dgm:styleLbl>
-  <dgm:styleLbl name="parChTrans1D4">
+  <dgm:styleLbl name="fgAcc1">
     <dgm:fillClrLst meth="repeat">
-      <a:schemeClr val="accent2">
-        <a:tint val="50000"/>
+      <a:schemeClr val="lt2">
+        <a:alpha val="90000"/>
       </a:schemeClr>
     </dgm:fillClrLst>
     <dgm:linClrLst meth="repeat">
-      <a:schemeClr val="accent5"/>
-    </dgm:linClrLst>
-    <dgm:effectClrLst/>
-    <dgm:txLinClrLst/>
-    <dgm:txFillClrLst meth="repeat">
-      <a:schemeClr val="tx1"/>
-    </dgm:txFillClrLst>
-    <dgm:txEffectClrLst/>
-  </dgm:styleLbl>
-  <dgm:styleLbl name="fgAcc1">
-    <dgm:fillClrLst meth="repeat">
-      <a:schemeClr val="lt1">
-        <a:alpha val="90000"/>
-      </a:schemeClr>
-    </dgm:fillClrLst>
-    <dgm:linClrLst>
-      <a:schemeClr val="accent2"/>
-      <a:schemeClr val="accent3"/>
+      <a:schemeClr val="dk2"/>
     </dgm:linClrLst>
     <dgm:effectClrLst/>
     <dgm:txLinClrLst/>
@@ -571,13 +572,12 @@
   </dgm:styleLbl>
   <dgm:styleLbl name="conFgAcc1">
     <dgm:fillClrLst meth="repeat">
-      <a:schemeClr val="lt1">
+      <a:schemeClr val="lt2">
         <a:alpha val="90000"/>
       </a:schemeClr>
     </dgm:fillClrLst>
-    <dgm:linClrLst>
-      <a:schemeClr val="accent2"/>
-      <a:schemeClr val="accent3"/>
+    <dgm:linClrLst meth="repeat">
+      <a:schemeClr val="dk2"/>
     </dgm:linClrLst>
     <dgm:effectClrLst/>
     <dgm:txLinClrLst/>
@@ -588,13 +588,12 @@
   </dgm:styleLbl>
   <dgm:styleLbl name="alignAcc1">
     <dgm:fillClrLst meth="repeat">
-      <a:schemeClr val="lt1">
+      <a:schemeClr val="lt2">
         <a:alpha val="90000"/>
       </a:schemeClr>
     </dgm:fillClrLst>
-    <dgm:linClrLst>
-      <a:schemeClr val="accent2"/>
-      <a:schemeClr val="accent3"/>
+    <dgm:linClrLst meth="repeat">
+      <a:schemeClr val="dk2"/>
     </dgm:linClrLst>
     <dgm:effectClrLst/>
     <dgm:txLinClrLst/>
@@ -605,12 +604,12 @@
   </dgm:styleLbl>
   <dgm:styleLbl name="trAlignAcc1">
     <dgm:fillClrLst meth="repeat">
-      <a:schemeClr val="lt1">
+      <a:schemeClr val="lt2">
         <a:alpha val="40000"/>
       </a:schemeClr>
     </dgm:fillClrLst>
     <dgm:linClrLst meth="repeat">
-      <a:schemeClr val="accent2"/>
+      <a:schemeClr val="dk2"/>
     </dgm:linClrLst>
     <dgm:effectClrLst/>
     <dgm:txLinClrLst/>
@@ -621,13 +620,12 @@
   </dgm:styleLbl>
   <dgm:styleLbl name="bgAcc1">
     <dgm:fillClrLst meth="repeat">
-      <a:schemeClr val="lt1">
+      <a:schemeClr val="lt2">
         <a:alpha val="90000"/>
       </a:schemeClr>
     </dgm:fillClrLst>
-    <dgm:linClrLst>
-      <a:schemeClr val="accent2"/>
-      <a:schemeClr val="accent3"/>
+    <dgm:linClrLst meth="repeat">
+      <a:schemeClr val="dk2"/>
     </dgm:linClrLst>
     <dgm:effectClrLst/>
     <dgm:txLinClrLst/>
@@ -638,11 +636,10 @@
   </dgm:styleLbl>
   <dgm:styleLbl name="solidFgAcc1">
     <dgm:fillClrLst meth="repeat">
-      <a:schemeClr val="lt1"/>
+      <a:schemeClr val="lt2"/>
     </dgm:fillClrLst>
-    <dgm:linClrLst>
-      <a:schemeClr val="accent2"/>
-      <a:schemeClr val="accent3"/>
+    <dgm:linClrLst meth="repeat">
+      <a:schemeClr val="dk2"/>
     </dgm:linClrLst>
     <dgm:effectClrLst/>
     <dgm:txLinClrLst/>
@@ -653,11 +650,10 @@
   </dgm:styleLbl>
   <dgm:styleLbl name="solidAlignAcc1">
     <dgm:fillClrLst meth="repeat">
-      <a:schemeClr val="lt1"/>
+      <a:schemeClr val="lt2"/>
     </dgm:fillClrLst>
-    <dgm:linClrLst>
-      <a:schemeClr val="accent2"/>
-      <a:schemeClr val="accent3"/>
+    <dgm:linClrLst meth="repeat">
+      <a:schemeClr val="dk2"/>
     </dgm:linClrLst>
     <dgm:effectClrLst/>
     <dgm:txLinClrLst/>
@@ -668,11 +664,10 @@
   </dgm:styleLbl>
   <dgm:styleLbl name="solidBgAcc1">
     <dgm:fillClrLst meth="repeat">
-      <a:schemeClr val="lt1"/>
+      <a:schemeClr val="lt2"/>
     </dgm:fillClrLst>
-    <dgm:linClrLst>
-      <a:schemeClr val="accent2"/>
-      <a:schemeClr val="accent3"/>
+    <dgm:linClrLst meth="repeat">
+      <a:schemeClr val="dk2"/>
     </dgm:linClrLst>
     <dgm:effectClrLst/>
     <dgm:txLinClrLst/>
@@ -682,24 +677,16 @@
     <dgm:txEffectClrLst/>
   </dgm:styleLbl>
   <dgm:styleLbl name="fgAccFollowNode1">
-    <dgm:fillClrLst>
-      <a:schemeClr val="accent2">
+    <dgm:fillClrLst meth="repeat">
+      <a:schemeClr val="dk2">
+        <a:alpha val="90000"/>
         <a:tint val="40000"/>
-        <a:alpha val="90000"/>
-      </a:schemeClr>
-      <a:schemeClr val="accent3">
-        <a:tint val="40000"/>
-        <a:alpha val="90000"/>
       </a:schemeClr>
     </dgm:fillClrLst>
-    <dgm:linClrLst>
-      <a:schemeClr val="accent2">
+    <dgm:linClrLst meth="repeat">
+      <a:schemeClr val="dk2">
+        <a:alpha val="90000"/>
         <a:tint val="40000"/>
-        <a:alpha val="90000"/>
-      </a:schemeClr>
-      <a:schemeClr val="accent3">
-        <a:tint val="40000"/>
-        <a:alpha val="90000"/>
       </a:schemeClr>
     </dgm:linClrLst>
     <dgm:effectClrLst/>
@@ -710,24 +697,16 @@
     <dgm:txEffectClrLst/>
   </dgm:styleLbl>
   <dgm:styleLbl name="alignAccFollowNode1">
-    <dgm:fillClrLst>
-      <a:schemeClr val="accent2">
+    <dgm:fillClrLst meth="repeat">
+      <a:schemeClr val="dk2">
+        <a:alpha val="90000"/>
         <a:tint val="40000"/>
-        <a:alpha val="90000"/>
-      </a:schemeClr>
-      <a:schemeClr val="accent3">
-        <a:tint val="40000"/>
-        <a:alpha val="90000"/>
       </a:schemeClr>
     </dgm:fillClrLst>
-    <dgm:linClrLst>
-      <a:schemeClr val="accent2">
+    <dgm:linClrLst meth="repeat">
+      <a:schemeClr val="dk2">
+        <a:alpha val="90000"/>
         <a:tint val="40000"/>
-        <a:alpha val="90000"/>
-      </a:schemeClr>
-      <a:schemeClr val="accent3">
-        <a:tint val="40000"/>
-        <a:alpha val="90000"/>
       </a:schemeClr>
     </dgm:linClrLst>
     <dgm:effectClrLst/>
@@ -738,24 +717,16 @@
     <dgm:txEffectClrLst/>
   </dgm:styleLbl>
   <dgm:styleLbl name="bgAccFollowNode1">
-    <dgm:fillClrLst>
-      <a:schemeClr val="accent2">
+    <dgm:fillClrLst meth="repeat">
+      <a:schemeClr val="dk2">
+        <a:alpha val="90000"/>
         <a:tint val="40000"/>
-        <a:alpha val="90000"/>
-      </a:schemeClr>
-      <a:schemeClr val="accent3">
-        <a:tint val="40000"/>
-        <a:alpha val="90000"/>
       </a:schemeClr>
     </dgm:fillClrLst>
-    <dgm:linClrLst>
-      <a:schemeClr val="accent2">
+    <dgm:linClrLst meth="repeat">
+      <a:schemeClr val="dk2">
+        <a:alpha val="90000"/>
         <a:tint val="40000"/>
-        <a:alpha val="90000"/>
-      </a:schemeClr>
-      <a:schemeClr val="accent3">
-        <a:tint val="40000"/>
-        <a:alpha val="90000"/>
       </a:schemeClr>
     </dgm:linClrLst>
     <dgm:effectClrLst/>
@@ -767,12 +738,12 @@
   </dgm:styleLbl>
   <dgm:styleLbl name="fgAcc0">
     <dgm:fillClrLst meth="repeat">
-      <a:schemeClr val="lt1">
+      <a:schemeClr val="lt2">
         <a:alpha val="90000"/>
       </a:schemeClr>
     </dgm:fillClrLst>
-    <dgm:linClrLst>
-      <a:schemeClr val="accent1"/>
+    <dgm:linClrLst meth="repeat">
+      <a:schemeClr val="dk2"/>
     </dgm:linClrLst>
     <dgm:effectClrLst/>
     <dgm:txLinClrLst/>
@@ -783,12 +754,12 @@
   </dgm:styleLbl>
   <dgm:styleLbl name="fgAcc2">
     <dgm:fillClrLst meth="repeat">
-      <a:schemeClr val="lt1">
+      <a:schemeClr val="lt2">
         <a:alpha val="90000"/>
       </a:schemeClr>
     </dgm:fillClrLst>
-    <dgm:linClrLst>
-      <a:schemeClr val="accent3"/>
+    <dgm:linClrLst meth="repeat">
+      <a:schemeClr val="dk2"/>
     </dgm:linClrLst>
     <dgm:effectClrLst/>
     <dgm:txLinClrLst/>
@@ -799,12 +770,12 @@
   </dgm:styleLbl>
   <dgm:styleLbl name="fgAcc3">
     <dgm:fillClrLst meth="repeat">
-      <a:schemeClr val="lt1">
+      <a:schemeClr val="lt2">
         <a:alpha val="90000"/>
       </a:schemeClr>
     </dgm:fillClrLst>
-    <dgm:linClrLst>
-      <a:schemeClr val="accent4"/>
+    <dgm:linClrLst meth="repeat">
+      <a:schemeClr val="dk2"/>
     </dgm:linClrLst>
     <dgm:effectClrLst/>
     <dgm:txLinClrLst/>
@@ -815,12 +786,12 @@
   </dgm:styleLbl>
   <dgm:styleLbl name="fgAcc4">
     <dgm:fillClrLst meth="repeat">
-      <a:schemeClr val="lt1">
+      <a:schemeClr val="lt2">
         <a:alpha val="90000"/>
       </a:schemeClr>
     </dgm:fillClrLst>
-    <dgm:linClrLst>
-      <a:schemeClr val="accent5"/>
+    <dgm:linClrLst meth="repeat">
+      <a:schemeClr val="dk2"/>
     </dgm:linClrLst>
     <dgm:effectClrLst/>
     <dgm:txLinClrLst/>
@@ -831,12 +802,12 @@
   </dgm:styleLbl>
   <dgm:styleLbl name="bgShp">
     <dgm:fillClrLst meth="repeat">
-      <a:schemeClr val="accent2">
+      <a:schemeClr val="dk2">
         <a:tint val="40000"/>
       </a:schemeClr>
     </dgm:fillClrLst>
     <dgm:linClrLst meth="repeat">
-      <a:schemeClr val="dk1"/>
+      <a:schemeClr val="dk2"/>
     </dgm:linClrLst>
     <dgm:effectClrLst/>
     <dgm:txLinClrLst/>
@@ -847,12 +818,12 @@
   </dgm:styleLbl>
   <dgm:styleLbl name="dkBgShp">
     <dgm:fillClrLst meth="repeat">
-      <a:schemeClr val="accent2">
-        <a:shade val="90000"/>
+      <a:schemeClr val="dk2">
+        <a:shade val="80000"/>
       </a:schemeClr>
     </dgm:fillClrLst>
     <dgm:linClrLst meth="repeat">
-      <a:schemeClr val="dk1"/>
+      <a:schemeClr val="dk2"/>
     </dgm:linClrLst>
     <dgm:effectClrLst/>
     <dgm:txLinClrLst/>
@@ -863,13 +834,13 @@
   </dgm:styleLbl>
   <dgm:styleLbl name="trBgShp">
     <dgm:fillClrLst meth="repeat">
-      <a:schemeClr val="accent2">
+      <a:schemeClr val="dk2">
         <a:tint val="50000"/>
         <a:alpha val="40000"/>
       </a:schemeClr>
     </dgm:fillClrLst>
     <dgm:linClrLst meth="repeat">
-      <a:schemeClr val="accent2"/>
+      <a:schemeClr val="dk2"/>
     </dgm:linClrLst>
     <dgm:effectClrLst/>
     <dgm:txLinClrLst/>
@@ -880,12 +851,12 @@
   </dgm:styleLbl>
   <dgm:styleLbl name="fgShp">
     <dgm:fillClrLst meth="repeat">
-      <a:schemeClr val="accent2">
-        <a:tint val="40000"/>
+      <a:schemeClr val="dk2">
+        <a:tint val="60000"/>
       </a:schemeClr>
     </dgm:fillClrLst>
     <dgm:linClrLst meth="repeat">
-      <a:schemeClr val="lt1"/>
+      <a:schemeClr val="lt2"/>
     </dgm:linClrLst>
     <dgm:effectClrLst/>
     <dgm:txLinClrLst/>
@@ -896,7 +867,7 @@
   </dgm:styleLbl>
   <dgm:styleLbl name="revTx">
     <dgm:fillClrLst meth="repeat">
-      <a:schemeClr val="lt1">
+      <a:schemeClr val="lt2">
         <a:alpha val="0"/>
       </a:schemeClr>
     </dgm:fillClrLst>
@@ -3159,11 +3130,880 @@
 </dgm:colorsDef>
 </file>
 
+<file path=ppt/diagrams/colors5.xml><?xml version="1.0" encoding="utf-8"?>
+<dgm:colorsDef xmlns:dgm="http://schemas.openxmlformats.org/drawingml/2006/diagram" xmlns:a="http://schemas.openxmlformats.org/drawingml/2006/main" uniqueId="urn:microsoft.com/office/officeart/2005/8/colors/accent1_4">
+  <dgm:title val=""/>
+  <dgm:desc val=""/>
+  <dgm:catLst>
+    <dgm:cat type="accent1" pri="11400"/>
+  </dgm:catLst>
+  <dgm:styleLbl name="node0">
+    <dgm:fillClrLst meth="cycle">
+      <a:schemeClr val="accent1">
+        <a:shade val="60000"/>
+      </a:schemeClr>
+    </dgm:fillClrLst>
+    <dgm:linClrLst meth="repeat">
+      <a:schemeClr val="lt1"/>
+    </dgm:linClrLst>
+    <dgm:effectClrLst/>
+    <dgm:txLinClrLst/>
+    <dgm:txFillClrLst/>
+    <dgm:txEffectClrLst/>
+  </dgm:styleLbl>
+  <dgm:styleLbl name="node1">
+    <dgm:fillClrLst meth="cycle">
+      <a:schemeClr val="accent1">
+        <a:shade val="50000"/>
+      </a:schemeClr>
+      <a:schemeClr val="accent1">
+        <a:tint val="55000"/>
+      </a:schemeClr>
+    </dgm:fillClrLst>
+    <dgm:linClrLst meth="repeat">
+      <a:schemeClr val="lt1"/>
+    </dgm:linClrLst>
+    <dgm:effectClrLst/>
+    <dgm:txLinClrLst/>
+    <dgm:txFillClrLst/>
+    <dgm:txEffectClrLst/>
+  </dgm:styleLbl>
+  <dgm:styleLbl name="alignNode1">
+    <dgm:fillClrLst meth="cycle">
+      <a:schemeClr val="accent1">
+        <a:shade val="50000"/>
+      </a:schemeClr>
+      <a:schemeClr val="accent1">
+        <a:tint val="55000"/>
+      </a:schemeClr>
+    </dgm:fillClrLst>
+    <dgm:linClrLst meth="cycle">
+      <a:schemeClr val="accent1">
+        <a:shade val="50000"/>
+      </a:schemeClr>
+      <a:schemeClr val="accent1">
+        <a:tint val="55000"/>
+      </a:schemeClr>
+    </dgm:linClrLst>
+    <dgm:effectClrLst/>
+    <dgm:txLinClrLst/>
+    <dgm:txFillClrLst/>
+    <dgm:txEffectClrLst/>
+  </dgm:styleLbl>
+  <dgm:styleLbl name="lnNode1">
+    <dgm:fillClrLst meth="cycle">
+      <a:schemeClr val="accent1">
+        <a:shade val="50000"/>
+      </a:schemeClr>
+      <a:schemeClr val="accent1">
+        <a:tint val="55000"/>
+      </a:schemeClr>
+    </dgm:fillClrLst>
+    <dgm:linClrLst meth="repeat">
+      <a:schemeClr val="lt1"/>
+    </dgm:linClrLst>
+    <dgm:effectClrLst/>
+    <dgm:txLinClrLst/>
+    <dgm:txFillClrLst/>
+    <dgm:txEffectClrLst/>
+  </dgm:styleLbl>
+  <dgm:styleLbl name="vennNode1">
+    <dgm:fillClrLst meth="cycle">
+      <a:schemeClr val="accent1">
+        <a:shade val="80000"/>
+        <a:alpha val="50000"/>
+      </a:schemeClr>
+      <a:schemeClr val="accent1">
+        <a:tint val="50000"/>
+        <a:alpha val="50000"/>
+      </a:schemeClr>
+    </dgm:fillClrLst>
+    <dgm:linClrLst meth="repeat">
+      <a:schemeClr val="lt1"/>
+    </dgm:linClrLst>
+    <dgm:effectClrLst/>
+    <dgm:txLinClrLst/>
+    <dgm:txFillClrLst/>
+    <dgm:txEffectClrLst/>
+  </dgm:styleLbl>
+  <dgm:styleLbl name="node2">
+    <dgm:fillClrLst>
+      <a:schemeClr val="accent1">
+        <a:shade val="80000"/>
+      </a:schemeClr>
+    </dgm:fillClrLst>
+    <dgm:linClrLst meth="repeat">
+      <a:schemeClr val="lt1"/>
+    </dgm:linClrLst>
+    <dgm:effectClrLst/>
+    <dgm:txLinClrLst/>
+    <dgm:txFillClrLst/>
+    <dgm:txEffectClrLst/>
+  </dgm:styleLbl>
+  <dgm:styleLbl name="node3">
+    <dgm:fillClrLst>
+      <a:schemeClr val="accent1">
+        <a:tint val="99000"/>
+      </a:schemeClr>
+    </dgm:fillClrLst>
+    <dgm:linClrLst meth="repeat">
+      <a:schemeClr val="lt1"/>
+    </dgm:linClrLst>
+    <dgm:effectClrLst/>
+    <dgm:txLinClrLst/>
+    <dgm:txFillClrLst/>
+    <dgm:txEffectClrLst/>
+  </dgm:styleLbl>
+  <dgm:styleLbl name="node4">
+    <dgm:fillClrLst>
+      <a:schemeClr val="accent1">
+        <a:tint val="70000"/>
+      </a:schemeClr>
+    </dgm:fillClrLst>
+    <dgm:linClrLst meth="repeat">
+      <a:schemeClr val="lt1"/>
+    </dgm:linClrLst>
+    <dgm:effectClrLst/>
+    <dgm:txLinClrLst/>
+    <dgm:txFillClrLst/>
+    <dgm:txEffectClrLst/>
+  </dgm:styleLbl>
+  <dgm:styleLbl name="fgImgPlace1">
+    <dgm:fillClrLst>
+      <a:schemeClr val="accent1">
+        <a:tint val="50000"/>
+      </a:schemeClr>
+      <a:schemeClr val="accent1">
+        <a:tint val="55000"/>
+      </a:schemeClr>
+    </dgm:fillClrLst>
+    <dgm:linClrLst meth="repeat">
+      <a:schemeClr val="lt1"/>
+    </dgm:linClrLst>
+    <dgm:effectClrLst/>
+    <dgm:txLinClrLst/>
+    <dgm:txFillClrLst meth="repeat">
+      <a:schemeClr val="lt1"/>
+    </dgm:txFillClrLst>
+    <dgm:txEffectClrLst/>
+  </dgm:styleLbl>
+  <dgm:styleLbl name="alignImgPlace1">
+    <dgm:fillClrLst>
+      <a:schemeClr val="accent1">
+        <a:tint val="50000"/>
+      </a:schemeClr>
+      <a:schemeClr val="accent1">
+        <a:tint val="55000"/>
+      </a:schemeClr>
+    </dgm:fillClrLst>
+    <dgm:linClrLst meth="repeat">
+      <a:schemeClr val="lt1"/>
+    </dgm:linClrLst>
+    <dgm:effectClrLst/>
+    <dgm:txLinClrLst/>
+    <dgm:txFillClrLst meth="repeat">
+      <a:schemeClr val="lt1"/>
+    </dgm:txFillClrLst>
+    <dgm:txEffectClrLst/>
+  </dgm:styleLbl>
+  <dgm:styleLbl name="bgImgPlace1">
+    <dgm:fillClrLst>
+      <a:schemeClr val="accent1">
+        <a:tint val="50000"/>
+      </a:schemeClr>
+      <a:schemeClr val="accent1">
+        <a:tint val="55000"/>
+      </a:schemeClr>
+    </dgm:fillClrLst>
+    <dgm:linClrLst meth="repeat">
+      <a:schemeClr val="lt1"/>
+    </dgm:linClrLst>
+    <dgm:effectClrLst/>
+    <dgm:txLinClrLst/>
+    <dgm:txFillClrLst meth="repeat">
+      <a:schemeClr val="lt1"/>
+    </dgm:txFillClrLst>
+    <dgm:txEffectClrLst/>
+  </dgm:styleLbl>
+  <dgm:styleLbl name="sibTrans2D1">
+    <dgm:fillClrLst meth="cycle">
+      <a:schemeClr val="accent1">
+        <a:shade val="90000"/>
+      </a:schemeClr>
+      <a:schemeClr val="accent1">
+        <a:tint val="50000"/>
+      </a:schemeClr>
+    </dgm:fillClrLst>
+    <dgm:linClrLst meth="cycle">
+      <a:schemeClr val="accent1">
+        <a:shade val="90000"/>
+      </a:schemeClr>
+      <a:schemeClr val="accent1">
+        <a:tint val="50000"/>
+      </a:schemeClr>
+    </dgm:linClrLst>
+    <dgm:effectClrLst/>
+    <dgm:txLinClrLst/>
+    <dgm:txFillClrLst/>
+    <dgm:txEffectClrLst/>
+  </dgm:styleLbl>
+  <dgm:styleLbl name="fgSibTrans2D1">
+    <dgm:fillClrLst meth="cycle">
+      <a:schemeClr val="accent1">
+        <a:shade val="90000"/>
+      </a:schemeClr>
+      <a:schemeClr val="accent1">
+        <a:tint val="50000"/>
+      </a:schemeClr>
+    </dgm:fillClrLst>
+    <dgm:linClrLst meth="cycle">
+      <a:schemeClr val="accent1">
+        <a:shade val="90000"/>
+      </a:schemeClr>
+      <a:schemeClr val="accent1">
+        <a:tint val="50000"/>
+      </a:schemeClr>
+    </dgm:linClrLst>
+    <dgm:effectClrLst/>
+    <dgm:txLinClrLst/>
+    <dgm:txFillClrLst/>
+    <dgm:txEffectClrLst/>
+  </dgm:styleLbl>
+  <dgm:styleLbl name="bgSibTrans2D1">
+    <dgm:fillClrLst meth="cycle">
+      <a:schemeClr val="accent1">
+        <a:shade val="90000"/>
+      </a:schemeClr>
+      <a:schemeClr val="accent1">
+        <a:tint val="50000"/>
+      </a:schemeClr>
+    </dgm:fillClrLst>
+    <dgm:linClrLst meth="cycle">
+      <a:schemeClr val="accent1">
+        <a:shade val="90000"/>
+      </a:schemeClr>
+      <a:schemeClr val="accent1">
+        <a:tint val="50000"/>
+      </a:schemeClr>
+    </dgm:linClrLst>
+    <dgm:effectClrLst/>
+    <dgm:txLinClrLst/>
+    <dgm:txFillClrLst/>
+    <dgm:txEffectClrLst/>
+  </dgm:styleLbl>
+  <dgm:styleLbl name="sibTrans1D1">
+    <dgm:fillClrLst meth="cycle">
+      <a:schemeClr val="accent1">
+        <a:shade val="90000"/>
+      </a:schemeClr>
+      <a:schemeClr val="accent1">
+        <a:tint val="50000"/>
+      </a:schemeClr>
+    </dgm:fillClrLst>
+    <dgm:linClrLst meth="cycle">
+      <a:schemeClr val="accent1">
+        <a:shade val="90000"/>
+      </a:schemeClr>
+      <a:schemeClr val="accent1">
+        <a:tint val="50000"/>
+      </a:schemeClr>
+    </dgm:linClrLst>
+    <dgm:effectClrLst/>
+    <dgm:txLinClrLst/>
+    <dgm:txFillClrLst meth="repeat">
+      <a:schemeClr val="tx1"/>
+    </dgm:txFillClrLst>
+    <dgm:txEffectClrLst/>
+  </dgm:styleLbl>
+  <dgm:styleLbl name="callout">
+    <dgm:fillClrLst meth="repeat">
+      <a:schemeClr val="accent1"/>
+    </dgm:fillClrLst>
+    <dgm:linClrLst meth="repeat">
+      <a:schemeClr val="accent1"/>
+    </dgm:linClrLst>
+    <dgm:effectClrLst/>
+    <dgm:txLinClrLst/>
+    <dgm:txFillClrLst meth="repeat">
+      <a:schemeClr val="tx1"/>
+    </dgm:txFillClrLst>
+    <dgm:txEffectClrLst/>
+  </dgm:styleLbl>
+  <dgm:styleLbl name="asst0">
+    <dgm:fillClrLst meth="repeat">
+      <a:schemeClr val="accent1">
+        <a:shade val="80000"/>
+      </a:schemeClr>
+    </dgm:fillClrLst>
+    <dgm:linClrLst meth="repeat">
+      <a:schemeClr val="lt1"/>
+    </dgm:linClrLst>
+    <dgm:effectClrLst/>
+    <dgm:txLinClrLst/>
+    <dgm:txFillClrLst/>
+    <dgm:txEffectClrLst/>
+  </dgm:styleLbl>
+  <dgm:styleLbl name="asst1">
+    <dgm:fillClrLst meth="repeat">
+      <a:schemeClr val="accent1">
+        <a:shade val="80000"/>
+      </a:schemeClr>
+    </dgm:fillClrLst>
+    <dgm:linClrLst meth="repeat">
+      <a:schemeClr val="lt1"/>
+    </dgm:linClrLst>
+    <dgm:effectClrLst/>
+    <dgm:txLinClrLst/>
+    <dgm:txFillClrLst/>
+    <dgm:txEffectClrLst/>
+  </dgm:styleLbl>
+  <dgm:styleLbl name="asst2">
+    <dgm:fillClrLst>
+      <a:schemeClr val="accent1">
+        <a:tint val="90000"/>
+      </a:schemeClr>
+    </dgm:fillClrLst>
+    <dgm:linClrLst meth="repeat">
+      <a:schemeClr val="lt1"/>
+    </dgm:linClrLst>
+    <dgm:effectClrLst/>
+    <dgm:txLinClrLst/>
+    <dgm:txFillClrLst/>
+    <dgm:txEffectClrLst/>
+  </dgm:styleLbl>
+  <dgm:styleLbl name="asst3">
+    <dgm:fillClrLst>
+      <a:schemeClr val="accent1">
+        <a:tint val="70000"/>
+      </a:schemeClr>
+    </dgm:fillClrLst>
+    <dgm:linClrLst meth="repeat">
+      <a:schemeClr val="lt1"/>
+    </dgm:linClrLst>
+    <dgm:effectClrLst/>
+    <dgm:txLinClrLst/>
+    <dgm:txFillClrLst/>
+    <dgm:txEffectClrLst/>
+  </dgm:styleLbl>
+  <dgm:styleLbl name="asst4">
+    <dgm:fillClrLst>
+      <a:schemeClr val="accent1">
+        <a:tint val="50000"/>
+      </a:schemeClr>
+    </dgm:fillClrLst>
+    <dgm:linClrLst meth="repeat">
+      <a:schemeClr val="lt1"/>
+    </dgm:linClrLst>
+    <dgm:effectClrLst/>
+    <dgm:txLinClrLst/>
+    <dgm:txFillClrLst/>
+    <dgm:txEffectClrLst/>
+  </dgm:styleLbl>
+  <dgm:styleLbl name="parChTrans2D1">
+    <dgm:fillClrLst meth="repeat">
+      <a:schemeClr val="accent1">
+        <a:tint val="60000"/>
+      </a:schemeClr>
+    </dgm:fillClrLst>
+    <dgm:linClrLst meth="repeat">
+      <a:schemeClr val="accent1">
+        <a:shade val="80000"/>
+      </a:schemeClr>
+    </dgm:linClrLst>
+    <dgm:effectClrLst/>
+    <dgm:txLinClrLst/>
+    <dgm:txFillClrLst/>
+    <dgm:txEffectClrLst/>
+  </dgm:styleLbl>
+  <dgm:styleLbl name="parChTrans2D2">
+    <dgm:fillClrLst meth="repeat">
+      <a:schemeClr val="accent1">
+        <a:tint val="90000"/>
+      </a:schemeClr>
+    </dgm:fillClrLst>
+    <dgm:linClrLst meth="repeat">
+      <a:schemeClr val="accent1">
+        <a:tint val="90000"/>
+      </a:schemeClr>
+    </dgm:linClrLst>
+    <dgm:effectClrLst/>
+    <dgm:txLinClrLst/>
+    <dgm:txFillClrLst/>
+    <dgm:txEffectClrLst/>
+  </dgm:styleLbl>
+  <dgm:styleLbl name="parChTrans2D3">
+    <dgm:fillClrLst meth="repeat">
+      <a:schemeClr val="accent1">
+        <a:tint val="70000"/>
+      </a:schemeClr>
+    </dgm:fillClrLst>
+    <dgm:linClrLst meth="repeat">
+      <a:schemeClr val="accent1">
+        <a:tint val="70000"/>
+      </a:schemeClr>
+    </dgm:linClrLst>
+    <dgm:effectClrLst/>
+    <dgm:txLinClrLst/>
+    <dgm:txFillClrLst/>
+    <dgm:txEffectClrLst/>
+  </dgm:styleLbl>
+  <dgm:styleLbl name="parChTrans2D4">
+    <dgm:fillClrLst meth="repeat">
+      <a:schemeClr val="accent1">
+        <a:tint val="50000"/>
+      </a:schemeClr>
+    </dgm:fillClrLst>
+    <dgm:linClrLst meth="repeat">
+      <a:schemeClr val="accent1">
+        <a:tint val="50000"/>
+      </a:schemeClr>
+    </dgm:linClrLst>
+    <dgm:effectClrLst/>
+    <dgm:txLinClrLst/>
+    <dgm:txFillClrLst meth="repeat">
+      <a:schemeClr val="dk1"/>
+    </dgm:txFillClrLst>
+    <dgm:txEffectClrLst/>
+  </dgm:styleLbl>
+  <dgm:styleLbl name="parChTrans1D1">
+    <dgm:fillClrLst meth="repeat">
+      <a:schemeClr val="accent1">
+        <a:shade val="80000"/>
+      </a:schemeClr>
+    </dgm:fillClrLst>
+    <dgm:linClrLst meth="repeat">
+      <a:schemeClr val="accent1">
+        <a:shade val="80000"/>
+      </a:schemeClr>
+    </dgm:linClrLst>
+    <dgm:effectClrLst/>
+    <dgm:txLinClrLst/>
+    <dgm:txFillClrLst meth="repeat">
+      <a:schemeClr val="tx1"/>
+    </dgm:txFillClrLst>
+    <dgm:txEffectClrLst/>
+  </dgm:styleLbl>
+  <dgm:styleLbl name="parChTrans1D2">
+    <dgm:fillClrLst meth="repeat">
+      <a:schemeClr val="accent1">
+        <a:tint val="90000"/>
+      </a:schemeClr>
+    </dgm:fillClrLst>
+    <dgm:linClrLst meth="repeat">
+      <a:schemeClr val="accent1">
+        <a:tint val="90000"/>
+      </a:schemeClr>
+    </dgm:linClrLst>
+    <dgm:effectClrLst/>
+    <dgm:txLinClrLst/>
+    <dgm:txFillClrLst meth="repeat">
+      <a:schemeClr val="tx1"/>
+    </dgm:txFillClrLst>
+    <dgm:txEffectClrLst/>
+  </dgm:styleLbl>
+  <dgm:styleLbl name="parChTrans1D3">
+    <dgm:fillClrLst meth="repeat">
+      <a:schemeClr val="accent1">
+        <a:tint val="70000"/>
+      </a:schemeClr>
+    </dgm:fillClrLst>
+    <dgm:linClrLst meth="repeat">
+      <a:schemeClr val="accent1">
+        <a:tint val="70000"/>
+      </a:schemeClr>
+    </dgm:linClrLst>
+    <dgm:effectClrLst/>
+    <dgm:txLinClrLst/>
+    <dgm:txFillClrLst meth="repeat">
+      <a:schemeClr val="tx1"/>
+    </dgm:txFillClrLst>
+    <dgm:txEffectClrLst/>
+  </dgm:styleLbl>
+  <dgm:styleLbl name="parChTrans1D4">
+    <dgm:fillClrLst meth="repeat">
+      <a:schemeClr val="accent1">
+        <a:tint val="50000"/>
+      </a:schemeClr>
+    </dgm:fillClrLst>
+    <dgm:linClrLst meth="repeat">
+      <a:schemeClr val="accent1">
+        <a:tint val="50000"/>
+      </a:schemeClr>
+    </dgm:linClrLst>
+    <dgm:effectClrLst/>
+    <dgm:txLinClrLst/>
+    <dgm:txFillClrLst meth="repeat">
+      <a:schemeClr val="tx1"/>
+    </dgm:txFillClrLst>
+    <dgm:txEffectClrLst/>
+  </dgm:styleLbl>
+  <dgm:styleLbl name="fgAcc1">
+    <dgm:fillClrLst meth="repeat">
+      <a:schemeClr val="lt1">
+        <a:alpha val="90000"/>
+      </a:schemeClr>
+    </dgm:fillClrLst>
+    <dgm:linClrLst meth="cycle">
+      <a:schemeClr val="accent1">
+        <a:shade val="50000"/>
+      </a:schemeClr>
+      <a:schemeClr val="accent1">
+        <a:tint val="55000"/>
+      </a:schemeClr>
+    </dgm:linClrLst>
+    <dgm:effectClrLst/>
+    <dgm:txLinClrLst/>
+    <dgm:txFillClrLst meth="repeat">
+      <a:schemeClr val="dk1"/>
+    </dgm:txFillClrLst>
+    <dgm:txEffectClrLst/>
+  </dgm:styleLbl>
+  <dgm:styleLbl name="conFgAcc1">
+    <dgm:fillClrLst meth="repeat">
+      <a:schemeClr val="lt1">
+        <a:alpha val="90000"/>
+      </a:schemeClr>
+    </dgm:fillClrLst>
+    <dgm:linClrLst meth="cycle">
+      <a:schemeClr val="accent1">
+        <a:shade val="50000"/>
+      </a:schemeClr>
+      <a:schemeClr val="accent1">
+        <a:tint val="55000"/>
+      </a:schemeClr>
+    </dgm:linClrLst>
+    <dgm:effectClrLst/>
+    <dgm:txLinClrLst/>
+    <dgm:txFillClrLst meth="repeat">
+      <a:schemeClr val="dk1"/>
+    </dgm:txFillClrLst>
+    <dgm:txEffectClrLst/>
+  </dgm:styleLbl>
+  <dgm:styleLbl name="alignAcc1">
+    <dgm:fillClrLst meth="repeat">
+      <a:schemeClr val="lt1">
+        <a:alpha val="90000"/>
+      </a:schemeClr>
+    </dgm:fillClrLst>
+    <dgm:linClrLst meth="cycle">
+      <a:schemeClr val="accent1">
+        <a:shade val="50000"/>
+      </a:schemeClr>
+      <a:schemeClr val="accent1">
+        <a:tint val="55000"/>
+      </a:schemeClr>
+    </dgm:linClrLst>
+    <dgm:effectClrLst/>
+    <dgm:txLinClrLst/>
+    <dgm:txFillClrLst meth="repeat">
+      <a:schemeClr val="dk1"/>
+    </dgm:txFillClrLst>
+    <dgm:txEffectClrLst/>
+  </dgm:styleLbl>
+  <dgm:styleLbl name="trAlignAcc1">
+    <dgm:fillClrLst meth="repeat">
+      <a:schemeClr val="lt1">
+        <a:alpha val="55000"/>
+      </a:schemeClr>
+    </dgm:fillClrLst>
+    <dgm:linClrLst meth="repeat">
+      <a:schemeClr val="accent1"/>
+    </dgm:linClrLst>
+    <dgm:effectClrLst/>
+    <dgm:txLinClrLst/>
+    <dgm:txFillClrLst meth="repeat">
+      <a:schemeClr val="dk1"/>
+    </dgm:txFillClrLst>
+    <dgm:txEffectClrLst/>
+  </dgm:styleLbl>
+  <dgm:styleLbl name="bgAcc1">
+    <dgm:fillClrLst meth="repeat">
+      <a:schemeClr val="lt1">
+        <a:alpha val="90000"/>
+      </a:schemeClr>
+    </dgm:fillClrLst>
+    <dgm:linClrLst meth="cycle">
+      <a:schemeClr val="accent1">
+        <a:shade val="50000"/>
+      </a:schemeClr>
+      <a:schemeClr val="accent1">
+        <a:tint val="55000"/>
+      </a:schemeClr>
+    </dgm:linClrLst>
+    <dgm:effectClrLst/>
+    <dgm:txLinClrLst/>
+    <dgm:txFillClrLst meth="repeat">
+      <a:schemeClr val="dk1"/>
+    </dgm:txFillClrLst>
+    <dgm:txEffectClrLst/>
+  </dgm:styleLbl>
+  <dgm:styleLbl name="solidFgAcc1">
+    <dgm:fillClrLst meth="repeat">
+      <a:schemeClr val="lt1"/>
+    </dgm:fillClrLst>
+    <dgm:linClrLst meth="cycle">
+      <a:schemeClr val="accent1">
+        <a:shade val="50000"/>
+      </a:schemeClr>
+      <a:schemeClr val="accent1">
+        <a:tint val="55000"/>
+      </a:schemeClr>
+    </dgm:linClrLst>
+    <dgm:effectClrLst/>
+    <dgm:txLinClrLst/>
+    <dgm:txFillClrLst meth="repeat">
+      <a:schemeClr val="dk1"/>
+    </dgm:txFillClrLst>
+    <dgm:txEffectClrLst/>
+  </dgm:styleLbl>
+  <dgm:styleLbl name="solidAlignAcc1">
+    <dgm:fillClrLst meth="repeat">
+      <a:schemeClr val="lt1"/>
+    </dgm:fillClrLst>
+    <dgm:linClrLst meth="repeat">
+      <a:schemeClr val="accent1"/>
+    </dgm:linClrLst>
+    <dgm:effectClrLst/>
+    <dgm:txLinClrLst/>
+    <dgm:txFillClrLst meth="repeat">
+      <a:schemeClr val="dk1"/>
+    </dgm:txFillClrLst>
+    <dgm:txEffectClrLst/>
+  </dgm:styleLbl>
+  <dgm:styleLbl name="solidBgAcc1">
+    <dgm:fillClrLst meth="repeat">
+      <a:schemeClr val="lt1"/>
+    </dgm:fillClrLst>
+    <dgm:linClrLst meth="repeat">
+      <a:schemeClr val="accent1"/>
+    </dgm:linClrLst>
+    <dgm:effectClrLst/>
+    <dgm:txLinClrLst/>
+    <dgm:txFillClrLst meth="repeat">
+      <a:schemeClr val="dk1"/>
+    </dgm:txFillClrLst>
+    <dgm:txEffectClrLst/>
+  </dgm:styleLbl>
+  <dgm:styleLbl name="fgAccFollowNode1">
+    <dgm:fillClrLst meth="repeat">
+      <a:schemeClr val="accent1">
+        <a:alpha val="90000"/>
+        <a:tint val="55000"/>
+      </a:schemeClr>
+    </dgm:fillClrLst>
+    <dgm:linClrLst meth="repeat">
+      <a:schemeClr val="accent1">
+        <a:alpha val="90000"/>
+        <a:tint val="55000"/>
+      </a:schemeClr>
+    </dgm:linClrLst>
+    <dgm:effectClrLst/>
+    <dgm:txLinClrLst/>
+    <dgm:txFillClrLst meth="repeat">
+      <a:schemeClr val="dk1"/>
+    </dgm:txFillClrLst>
+    <dgm:txEffectClrLst/>
+  </dgm:styleLbl>
+  <dgm:styleLbl name="alignAccFollowNode1">
+    <dgm:fillClrLst meth="repeat">
+      <a:schemeClr val="accent1">
+        <a:alpha val="90000"/>
+        <a:tint val="55000"/>
+      </a:schemeClr>
+    </dgm:fillClrLst>
+    <dgm:linClrLst meth="repeat">
+      <a:schemeClr val="accent1">
+        <a:alpha val="90000"/>
+        <a:tint val="55000"/>
+      </a:schemeClr>
+    </dgm:linClrLst>
+    <dgm:effectClrLst/>
+    <dgm:txLinClrLst/>
+    <dgm:txFillClrLst meth="repeat">
+      <a:schemeClr val="dk1"/>
+    </dgm:txFillClrLst>
+    <dgm:txEffectClrLst/>
+  </dgm:styleLbl>
+  <dgm:styleLbl name="bgAccFollowNode1">
+    <dgm:fillClrLst meth="repeat">
+      <a:schemeClr val="accent1">
+        <a:alpha val="90000"/>
+        <a:tint val="55000"/>
+      </a:schemeClr>
+    </dgm:fillClrLst>
+    <dgm:linClrLst meth="repeat">
+      <a:schemeClr val="lt1"/>
+    </dgm:linClrLst>
+    <dgm:effectClrLst/>
+    <dgm:txLinClrLst/>
+    <dgm:txFillClrLst meth="repeat">
+      <a:schemeClr val="dk1"/>
+    </dgm:txFillClrLst>
+    <dgm:txEffectClrLst/>
+  </dgm:styleLbl>
+  <dgm:styleLbl name="fgAcc0">
+    <dgm:fillClrLst meth="repeat">
+      <a:schemeClr val="lt1">
+        <a:alpha val="90000"/>
+      </a:schemeClr>
+    </dgm:fillClrLst>
+    <dgm:linClrLst meth="repeat">
+      <a:schemeClr val="accent1">
+        <a:shade val="80000"/>
+      </a:schemeClr>
+    </dgm:linClrLst>
+    <dgm:effectClrLst/>
+    <dgm:txLinClrLst/>
+    <dgm:txFillClrLst meth="repeat">
+      <a:schemeClr val="dk1"/>
+    </dgm:txFillClrLst>
+    <dgm:txEffectClrLst/>
+  </dgm:styleLbl>
+  <dgm:styleLbl name="fgAcc2">
+    <dgm:fillClrLst meth="repeat">
+      <a:schemeClr val="lt1">
+        <a:alpha val="90000"/>
+      </a:schemeClr>
+    </dgm:fillClrLst>
+    <dgm:linClrLst meth="repeat">
+      <a:schemeClr val="accent1">
+        <a:tint val="90000"/>
+      </a:schemeClr>
+    </dgm:linClrLst>
+    <dgm:effectClrLst/>
+    <dgm:txLinClrLst/>
+    <dgm:txFillClrLst meth="repeat">
+      <a:schemeClr val="dk1"/>
+    </dgm:txFillClrLst>
+    <dgm:txEffectClrLst/>
+  </dgm:styleLbl>
+  <dgm:styleLbl name="fgAcc3">
+    <dgm:fillClrLst meth="repeat">
+      <a:schemeClr val="lt1">
+        <a:alpha val="90000"/>
+      </a:schemeClr>
+    </dgm:fillClrLst>
+    <dgm:linClrLst meth="repeat">
+      <a:schemeClr val="accent1">
+        <a:tint val="70000"/>
+      </a:schemeClr>
+    </dgm:linClrLst>
+    <dgm:effectClrLst/>
+    <dgm:txLinClrLst/>
+    <dgm:txFillClrLst meth="repeat">
+      <a:schemeClr val="dk1"/>
+    </dgm:txFillClrLst>
+    <dgm:txEffectClrLst/>
+  </dgm:styleLbl>
+  <dgm:styleLbl name="fgAcc4">
+    <dgm:fillClrLst meth="repeat">
+      <a:schemeClr val="lt1">
+        <a:alpha val="90000"/>
+      </a:schemeClr>
+    </dgm:fillClrLst>
+    <dgm:linClrLst meth="repeat">
+      <a:schemeClr val="accent1">
+        <a:tint val="50000"/>
+      </a:schemeClr>
+    </dgm:linClrLst>
+    <dgm:effectClrLst/>
+    <dgm:txLinClrLst/>
+    <dgm:txFillClrLst meth="repeat">
+      <a:schemeClr val="dk1"/>
+    </dgm:txFillClrLst>
+    <dgm:txEffectClrLst/>
+  </dgm:styleLbl>
+  <dgm:styleLbl name="bgShp">
+    <dgm:fillClrLst meth="repeat">
+      <a:schemeClr val="accent1">
+        <a:tint val="55000"/>
+      </a:schemeClr>
+    </dgm:fillClrLst>
+    <dgm:linClrLst meth="repeat">
+      <a:schemeClr val="dk1"/>
+    </dgm:linClrLst>
+    <dgm:effectClrLst/>
+    <dgm:txLinClrLst/>
+    <dgm:txFillClrLst meth="repeat">
+      <a:schemeClr val="dk1"/>
+    </dgm:txFillClrLst>
+    <dgm:txEffectClrLst/>
+  </dgm:styleLbl>
+  <dgm:styleLbl name="dkBgShp">
+    <dgm:fillClrLst meth="repeat">
+      <a:schemeClr val="accent1">
+        <a:shade val="90000"/>
+      </a:schemeClr>
+    </dgm:fillClrLst>
+    <dgm:linClrLst meth="repeat">
+      <a:schemeClr val="dk1"/>
+    </dgm:linClrLst>
+    <dgm:effectClrLst/>
+    <dgm:txLinClrLst/>
+    <dgm:txFillClrLst meth="repeat">
+      <a:schemeClr val="lt1"/>
+    </dgm:txFillClrLst>
+    <dgm:txEffectClrLst/>
+  </dgm:styleLbl>
+  <dgm:styleLbl name="trBgShp">
+    <dgm:fillClrLst meth="repeat">
+      <a:schemeClr val="accent1">
+        <a:tint val="50000"/>
+        <a:alpha val="55000"/>
+      </a:schemeClr>
+    </dgm:fillClrLst>
+    <dgm:linClrLst meth="repeat">
+      <a:schemeClr val="accent1"/>
+    </dgm:linClrLst>
+    <dgm:effectClrLst/>
+    <dgm:txLinClrLst/>
+    <dgm:txFillClrLst meth="repeat">
+      <a:schemeClr val="lt1"/>
+    </dgm:txFillClrLst>
+    <dgm:txEffectClrLst/>
+  </dgm:styleLbl>
+  <dgm:styleLbl name="fgShp">
+    <dgm:fillClrLst meth="repeat">
+      <a:schemeClr val="accent1">
+        <a:tint val="55000"/>
+      </a:schemeClr>
+    </dgm:fillClrLst>
+    <dgm:linClrLst meth="repeat">
+      <a:schemeClr val="lt1"/>
+    </dgm:linClrLst>
+    <dgm:effectClrLst/>
+    <dgm:txLinClrLst/>
+    <dgm:txFillClrLst meth="repeat">
+      <a:schemeClr val="dk1"/>
+    </dgm:txFillClrLst>
+    <dgm:txEffectClrLst/>
+  </dgm:styleLbl>
+  <dgm:styleLbl name="revTx">
+    <dgm:fillClrLst meth="repeat">
+      <a:schemeClr val="lt1">
+        <a:alpha val="0"/>
+      </a:schemeClr>
+    </dgm:fillClrLst>
+    <dgm:linClrLst meth="repeat">
+      <a:schemeClr val="dk1">
+        <a:alpha val="0"/>
+      </a:schemeClr>
+    </dgm:linClrLst>
+    <dgm:effectClrLst/>
+    <dgm:txLinClrLst/>
+    <dgm:txFillClrLst meth="repeat">
+      <a:schemeClr val="tx1"/>
+    </dgm:txFillClrLst>
+    <dgm:txEffectClrLst/>
+  </dgm:styleLbl>
+</dgm:colorsDef>
+</file>
+
 <file path=ppt/diagrams/data1.xml><?xml version="1.0" encoding="utf-8"?>
 <dgm:dataModel xmlns:dgm="http://schemas.openxmlformats.org/drawingml/2006/diagram" xmlns:a="http://schemas.openxmlformats.org/drawingml/2006/main">
   <dgm:ptLst>
     <dgm:pt modelId="{65DB8F2D-BADD-44BB-9E24-E3BAB8AB6155}" type="doc">
-      <dgm:prSet loTypeId="urn:microsoft.com/office/officeart/2009/3/layout/SubStepProcess" loCatId="process" qsTypeId="urn:microsoft.com/office/officeart/2005/8/quickstyle/simple2" qsCatId="simple" csTypeId="urn:microsoft.com/office/officeart/2005/8/colors/colorful2" csCatId="colorful" phldr="1"/>
+      <dgm:prSet loTypeId="urn:microsoft.com/office/officeart/2009/3/layout/SubStepProcess" loCatId="process" qsTypeId="urn:microsoft.com/office/officeart/2005/8/quickstyle/simple2" qsCatId="simple" csTypeId="urn:microsoft.com/office/officeart/2005/8/colors/accent0_3" csCatId="mainScheme" phldr="1"/>
       <dgm:spPr/>
       <dgm:t>
         <a:bodyPr/>
@@ -3217,7 +4057,7 @@
         <a:lstStyle/>
         <a:p>
           <a:r>
-            <a:rPr lang="en-US"/>
+            <a:rPr lang="en-US" dirty="0"/>
             <a:t>Goals</a:t>
           </a:r>
         </a:p>
@@ -3253,7 +4093,7 @@
         <a:lstStyle/>
         <a:p>
           <a:r>
-            <a:rPr lang="en-US"/>
+            <a:rPr lang="en-US" dirty="0"/>
             <a:t>Requirements</a:t>
           </a:r>
         </a:p>
@@ -5821,6 +6661,459 @@
 </dgm:dataModel>
 </file>
 
+<file path=ppt/diagrams/data5.xml><?xml version="1.0" encoding="utf-8"?>
+<dgm:dataModel xmlns:dgm="http://schemas.openxmlformats.org/drawingml/2006/diagram" xmlns:a="http://schemas.openxmlformats.org/drawingml/2006/main">
+  <dgm:ptLst>
+    <dgm:pt modelId="{046FE9ED-74D4-4FE0-B80B-F7BDF7228852}" type="doc">
+      <dgm:prSet loTypeId="urn:microsoft.com/office/officeart/2016/7/layout/VerticalHollowActionList" loCatId="List" qsTypeId="urn:microsoft.com/office/officeart/2005/8/quickstyle/simple2" qsCatId="simple" csTypeId="urn:microsoft.com/office/officeart/2005/8/colors/accent1_4" csCatId="accent1" phldr="1"/>
+      <dgm:spPr/>
+      <dgm:t>
+        <a:bodyPr/>
+        <a:lstStyle/>
+        <a:p>
+          <a:endParaRPr lang="en-US"/>
+        </a:p>
+      </dgm:t>
+    </dgm:pt>
+    <dgm:pt modelId="{A31477FA-FCF5-4CD7-A0AA-E4B8B356296B}">
+      <dgm:prSet/>
+      <dgm:spPr/>
+      <dgm:t>
+        <a:bodyPr/>
+        <a:lstStyle/>
+        <a:p>
+          <a:r>
+            <a:rPr lang="en-US" dirty="0"/>
+            <a:t>Improve</a:t>
+          </a:r>
+        </a:p>
+      </dgm:t>
+    </dgm:pt>
+    <dgm:pt modelId="{24EE31B7-A9DB-41FF-A336-B2D947D86B6E}" type="parTrans" cxnId="{B257FF70-1652-453C-8624-5FFAF116507A}">
+      <dgm:prSet/>
+      <dgm:spPr/>
+      <dgm:t>
+        <a:bodyPr/>
+        <a:lstStyle/>
+        <a:p>
+          <a:endParaRPr lang="en-US"/>
+        </a:p>
+      </dgm:t>
+    </dgm:pt>
+    <dgm:pt modelId="{AE37DFEE-4973-4F71-8522-77B0DC968997}" type="sibTrans" cxnId="{B257FF70-1652-453C-8624-5FFAF116507A}">
+      <dgm:prSet/>
+      <dgm:spPr/>
+      <dgm:t>
+        <a:bodyPr/>
+        <a:lstStyle/>
+        <a:p>
+          <a:endParaRPr lang="en-US"/>
+        </a:p>
+      </dgm:t>
+    </dgm:pt>
+    <dgm:pt modelId="{6EDF6C5C-78A3-464B-A9CC-8BE5D1BD03A0}">
+      <dgm:prSet/>
+      <dgm:spPr/>
+      <dgm:t>
+        <a:bodyPr/>
+        <a:lstStyle/>
+        <a:p>
+          <a:r>
+            <a:rPr lang="en-US"/>
+            <a:t>Improve solving efficiency by implementing the paper-and-pen algorithm.</a:t>
+          </a:r>
+        </a:p>
+      </dgm:t>
+    </dgm:pt>
+    <dgm:pt modelId="{B006C935-4B29-4ABA-8DD6-2E316EB0BF68}" type="parTrans" cxnId="{23C8A848-D0FC-47E8-A84D-783E3EA02CD6}">
+      <dgm:prSet/>
+      <dgm:spPr/>
+      <dgm:t>
+        <a:bodyPr/>
+        <a:lstStyle/>
+        <a:p>
+          <a:endParaRPr lang="en-US"/>
+        </a:p>
+      </dgm:t>
+    </dgm:pt>
+    <dgm:pt modelId="{68F84209-1A85-4768-8D4D-CA30637C09F1}" type="sibTrans" cxnId="{23C8A848-D0FC-47E8-A84D-783E3EA02CD6}">
+      <dgm:prSet/>
+      <dgm:spPr/>
+      <dgm:t>
+        <a:bodyPr/>
+        <a:lstStyle/>
+        <a:p>
+          <a:endParaRPr lang="en-US"/>
+        </a:p>
+      </dgm:t>
+    </dgm:pt>
+    <dgm:pt modelId="{1D3E2F08-A6F6-4050-B0C2-A81E2FD2400F}">
+      <dgm:prSet/>
+      <dgm:spPr/>
+      <dgm:t>
+        <a:bodyPr/>
+        <a:lstStyle/>
+        <a:p>
+          <a:r>
+            <a:rPr lang="en-US"/>
+            <a:t>Open</a:t>
+          </a:r>
+        </a:p>
+      </dgm:t>
+    </dgm:pt>
+    <dgm:pt modelId="{6A87E0FB-3A2D-4B09-8A6D-ADB1A09B863D}" type="parTrans" cxnId="{650E2BF3-F239-407F-8DED-F49363F98306}">
+      <dgm:prSet/>
+      <dgm:spPr/>
+      <dgm:t>
+        <a:bodyPr/>
+        <a:lstStyle/>
+        <a:p>
+          <a:endParaRPr lang="en-US"/>
+        </a:p>
+      </dgm:t>
+    </dgm:pt>
+    <dgm:pt modelId="{5E605DFC-3584-4FAB-960B-30809A1181DD}" type="sibTrans" cxnId="{650E2BF3-F239-407F-8DED-F49363F98306}">
+      <dgm:prSet/>
+      <dgm:spPr/>
+      <dgm:t>
+        <a:bodyPr/>
+        <a:lstStyle/>
+        <a:p>
+          <a:endParaRPr lang="en-US"/>
+        </a:p>
+      </dgm:t>
+    </dgm:pt>
+    <dgm:pt modelId="{C71FCCF9-D933-4C71-8D71-D3371AC2901C}">
+      <dgm:prSet/>
+      <dgm:spPr/>
+      <dgm:t>
+        <a:bodyPr/>
+        <a:lstStyle/>
+        <a:p>
+          <a:r>
+            <a:rPr lang="en-US" dirty="0"/>
+            <a:t>Open-source TESS so anyone can adapt and improve our code.</a:t>
+          </a:r>
+        </a:p>
+      </dgm:t>
+    </dgm:pt>
+    <dgm:pt modelId="{946FA730-787F-4393-9F60-16829685AA3E}" type="parTrans" cxnId="{E830079D-56FB-4F7C-AF04-DFF84E4FA80F}">
+      <dgm:prSet/>
+      <dgm:spPr/>
+      <dgm:t>
+        <a:bodyPr/>
+        <a:lstStyle/>
+        <a:p>
+          <a:endParaRPr lang="en-US"/>
+        </a:p>
+      </dgm:t>
+    </dgm:pt>
+    <dgm:pt modelId="{A2C97763-D4E7-4E76-B7CC-9854C1B5B88B}" type="sibTrans" cxnId="{E830079D-56FB-4F7C-AF04-DFF84E4FA80F}">
+      <dgm:prSet/>
+      <dgm:spPr/>
+      <dgm:t>
+        <a:bodyPr/>
+        <a:lstStyle/>
+        <a:p>
+          <a:endParaRPr lang="en-US"/>
+        </a:p>
+      </dgm:t>
+    </dgm:pt>
+    <dgm:pt modelId="{97C8CE72-74C6-4968-8291-6508783F8638}">
+      <dgm:prSet/>
+      <dgm:spPr/>
+      <dgm:t>
+        <a:bodyPr/>
+        <a:lstStyle/>
+        <a:p>
+          <a:r>
+            <a:rPr lang="en-US"/>
+            <a:t>Publish</a:t>
+          </a:r>
+        </a:p>
+      </dgm:t>
+    </dgm:pt>
+    <dgm:pt modelId="{F93136DC-77AF-4434-9CF0-2219CDF3CC1B}" type="parTrans" cxnId="{610C5F0F-92E6-406A-9A12-350FD4EFF7C6}">
+      <dgm:prSet/>
+      <dgm:spPr/>
+      <dgm:t>
+        <a:bodyPr/>
+        <a:lstStyle/>
+        <a:p>
+          <a:endParaRPr lang="en-US"/>
+        </a:p>
+      </dgm:t>
+    </dgm:pt>
+    <dgm:pt modelId="{2D774AE4-4932-4EE3-81A5-71C158432705}" type="sibTrans" cxnId="{610C5F0F-92E6-406A-9A12-350FD4EFF7C6}">
+      <dgm:prSet/>
+      <dgm:spPr/>
+      <dgm:t>
+        <a:bodyPr/>
+        <a:lstStyle/>
+        <a:p>
+          <a:endParaRPr lang="en-US"/>
+        </a:p>
+      </dgm:t>
+    </dgm:pt>
+    <dgm:pt modelId="{A32B8A63-38FE-403C-9712-7A429BDDC619}">
+      <dgm:prSet/>
+      <dgm:spPr/>
+      <dgm:t>
+        <a:bodyPr/>
+        <a:lstStyle/>
+        <a:p>
+          <a:r>
+            <a:rPr lang="en-US" dirty="0"/>
+            <a:t>Publish TESS on the Play Store for free download.</a:t>
+          </a:r>
+        </a:p>
+      </dgm:t>
+    </dgm:pt>
+    <dgm:pt modelId="{17A149E3-244B-480C-B25E-5273FE9E4FB5}" type="parTrans" cxnId="{97404AE7-94DF-40A9-BB03-D3BE910FD81A}">
+      <dgm:prSet/>
+      <dgm:spPr/>
+      <dgm:t>
+        <a:bodyPr/>
+        <a:lstStyle/>
+        <a:p>
+          <a:endParaRPr lang="en-US"/>
+        </a:p>
+      </dgm:t>
+    </dgm:pt>
+    <dgm:pt modelId="{32406140-0D4E-43FC-BE2B-24B3B8B67EC1}" type="sibTrans" cxnId="{97404AE7-94DF-40A9-BB03-D3BE910FD81A}">
+      <dgm:prSet/>
+      <dgm:spPr/>
+      <dgm:t>
+        <a:bodyPr/>
+        <a:lstStyle/>
+        <a:p>
+          <a:endParaRPr lang="en-US"/>
+        </a:p>
+      </dgm:t>
+    </dgm:pt>
+    <dgm:pt modelId="{F19AAC43-5367-4F13-8959-F9D2F5FE8C6B}">
+      <dgm:prSet/>
+      <dgm:spPr/>
+      <dgm:t>
+        <a:bodyPr/>
+        <a:lstStyle/>
+        <a:p>
+          <a:r>
+            <a:rPr lang="en-US" dirty="0"/>
+            <a:t>Add</a:t>
+          </a:r>
+        </a:p>
+      </dgm:t>
+    </dgm:pt>
+    <dgm:pt modelId="{5632322D-AA74-417C-8767-D17D21275027}" type="parTrans" cxnId="{0B34F7EB-1BA1-4003-A4DF-85EAA665BBB7}">
+      <dgm:prSet/>
+      <dgm:spPr/>
+      <dgm:t>
+        <a:bodyPr/>
+        <a:lstStyle/>
+        <a:p>
+          <a:endParaRPr lang="en-US"/>
+        </a:p>
+      </dgm:t>
+    </dgm:pt>
+    <dgm:pt modelId="{4552FB0E-9D70-4A77-AAA3-755DE77A17E1}" type="sibTrans" cxnId="{0B34F7EB-1BA1-4003-A4DF-85EAA665BBB7}">
+      <dgm:prSet/>
+      <dgm:spPr/>
+      <dgm:t>
+        <a:bodyPr/>
+        <a:lstStyle/>
+        <a:p>
+          <a:endParaRPr lang="en-US"/>
+        </a:p>
+      </dgm:t>
+    </dgm:pt>
+    <dgm:pt modelId="{AE1C0BC8-6618-468E-AC87-CCC5254757AF}">
+      <dgm:prSet/>
+      <dgm:spPr/>
+      <dgm:t>
+        <a:bodyPr/>
+        <a:lstStyle/>
+        <a:p>
+          <a:r>
+            <a:rPr lang="en-US" dirty="0"/>
+            <a:t>Add more challenging levels based on the difficulty levels.</a:t>
+          </a:r>
+        </a:p>
+      </dgm:t>
+    </dgm:pt>
+    <dgm:pt modelId="{186785FF-A323-40A8-BBED-89A89B9D91D8}" type="parTrans" cxnId="{2FBFB9BB-7487-42C5-ADE3-FC342752C984}">
+      <dgm:prSet/>
+      <dgm:spPr/>
+      <dgm:t>
+        <a:bodyPr/>
+        <a:lstStyle/>
+        <a:p>
+          <a:endParaRPr lang="en-US"/>
+        </a:p>
+      </dgm:t>
+    </dgm:pt>
+    <dgm:pt modelId="{7A8D7695-AF7A-4B43-B994-4E0C98694DF7}" type="sibTrans" cxnId="{2FBFB9BB-7487-42C5-ADE3-FC342752C984}">
+      <dgm:prSet/>
+      <dgm:spPr/>
+      <dgm:t>
+        <a:bodyPr/>
+        <a:lstStyle/>
+        <a:p>
+          <a:endParaRPr lang="en-US"/>
+        </a:p>
+      </dgm:t>
+    </dgm:pt>
+    <dgm:pt modelId="{1E4DA05B-1EBA-488A-B94E-F380B022C2CC}" type="pres">
+      <dgm:prSet presAssocID="{046FE9ED-74D4-4FE0-B80B-F7BDF7228852}" presName="Name0" presStyleCnt="0">
+        <dgm:presLayoutVars>
+          <dgm:dir/>
+          <dgm:animLvl val="lvl"/>
+          <dgm:resizeHandles val="exact"/>
+        </dgm:presLayoutVars>
+      </dgm:prSet>
+      <dgm:spPr/>
+    </dgm:pt>
+    <dgm:pt modelId="{ACD9E282-F0BC-4546-AD9E-2239FF4B35A6}" type="pres">
+      <dgm:prSet presAssocID="{F19AAC43-5367-4F13-8959-F9D2F5FE8C6B}" presName="linNode" presStyleCnt="0"/>
+      <dgm:spPr/>
+    </dgm:pt>
+    <dgm:pt modelId="{BF649806-2B1C-49FA-BD91-470461187B55}" type="pres">
+      <dgm:prSet presAssocID="{F19AAC43-5367-4F13-8959-F9D2F5FE8C6B}" presName="parentText" presStyleLbl="solidFgAcc1" presStyleIdx="0" presStyleCnt="4">
+        <dgm:presLayoutVars>
+          <dgm:chMax val="1"/>
+          <dgm:bulletEnabled/>
+        </dgm:presLayoutVars>
+      </dgm:prSet>
+      <dgm:spPr/>
+    </dgm:pt>
+    <dgm:pt modelId="{35E0E86F-3154-42BF-8CB9-DDA2DA3BA788}" type="pres">
+      <dgm:prSet presAssocID="{F19AAC43-5367-4F13-8959-F9D2F5FE8C6B}" presName="descendantText" presStyleLbl="alignNode1" presStyleIdx="0" presStyleCnt="4">
+        <dgm:presLayoutVars>
+          <dgm:bulletEnabled/>
+        </dgm:presLayoutVars>
+      </dgm:prSet>
+      <dgm:spPr/>
+    </dgm:pt>
+    <dgm:pt modelId="{6675AC75-D3F5-45D2-8293-0CDC6DE75097}" type="pres">
+      <dgm:prSet presAssocID="{4552FB0E-9D70-4A77-AAA3-755DE77A17E1}" presName="sp" presStyleCnt="0"/>
+      <dgm:spPr/>
+    </dgm:pt>
+    <dgm:pt modelId="{8DFEF004-F820-40D1-9161-28069F9DB5A8}" type="pres">
+      <dgm:prSet presAssocID="{A31477FA-FCF5-4CD7-A0AA-E4B8B356296B}" presName="linNode" presStyleCnt="0"/>
+      <dgm:spPr/>
+    </dgm:pt>
+    <dgm:pt modelId="{A33779B3-090C-4F27-BBA9-4FD0E8869A9C}" type="pres">
+      <dgm:prSet presAssocID="{A31477FA-FCF5-4CD7-A0AA-E4B8B356296B}" presName="parentText" presStyleLbl="solidFgAcc1" presStyleIdx="1" presStyleCnt="4">
+        <dgm:presLayoutVars>
+          <dgm:chMax val="1"/>
+          <dgm:bulletEnabled/>
+        </dgm:presLayoutVars>
+      </dgm:prSet>
+      <dgm:spPr/>
+    </dgm:pt>
+    <dgm:pt modelId="{12B3B2B8-D1D9-4CA0-8C5B-A65EF9E43B57}" type="pres">
+      <dgm:prSet presAssocID="{A31477FA-FCF5-4CD7-A0AA-E4B8B356296B}" presName="descendantText" presStyleLbl="alignNode1" presStyleIdx="1" presStyleCnt="4">
+        <dgm:presLayoutVars>
+          <dgm:bulletEnabled/>
+        </dgm:presLayoutVars>
+      </dgm:prSet>
+      <dgm:spPr/>
+    </dgm:pt>
+    <dgm:pt modelId="{39A8FBEE-9D7E-469F-962F-D8CFB9E35929}" type="pres">
+      <dgm:prSet presAssocID="{AE37DFEE-4973-4F71-8522-77B0DC968997}" presName="sp" presStyleCnt="0"/>
+      <dgm:spPr/>
+    </dgm:pt>
+    <dgm:pt modelId="{210480DD-655C-42B4-BBC0-B904935FC50C}" type="pres">
+      <dgm:prSet presAssocID="{1D3E2F08-A6F6-4050-B0C2-A81E2FD2400F}" presName="linNode" presStyleCnt="0"/>
+      <dgm:spPr/>
+    </dgm:pt>
+    <dgm:pt modelId="{1CB66459-D050-4F73-95CF-4B5B14EE12F4}" type="pres">
+      <dgm:prSet presAssocID="{1D3E2F08-A6F6-4050-B0C2-A81E2FD2400F}" presName="parentText" presStyleLbl="solidFgAcc1" presStyleIdx="2" presStyleCnt="4">
+        <dgm:presLayoutVars>
+          <dgm:chMax val="1"/>
+          <dgm:bulletEnabled/>
+        </dgm:presLayoutVars>
+      </dgm:prSet>
+      <dgm:spPr/>
+    </dgm:pt>
+    <dgm:pt modelId="{3B17603A-ED81-4AE9-9E75-30800911CA30}" type="pres">
+      <dgm:prSet presAssocID="{1D3E2F08-A6F6-4050-B0C2-A81E2FD2400F}" presName="descendantText" presStyleLbl="alignNode1" presStyleIdx="2" presStyleCnt="4">
+        <dgm:presLayoutVars>
+          <dgm:bulletEnabled/>
+        </dgm:presLayoutVars>
+      </dgm:prSet>
+      <dgm:spPr/>
+    </dgm:pt>
+    <dgm:pt modelId="{E0B5E151-B839-42DB-9ED4-F242EEA25F46}" type="pres">
+      <dgm:prSet presAssocID="{5E605DFC-3584-4FAB-960B-30809A1181DD}" presName="sp" presStyleCnt="0"/>
+      <dgm:spPr/>
+    </dgm:pt>
+    <dgm:pt modelId="{1DC14B6D-0C85-4894-B53B-F86CEED680A5}" type="pres">
+      <dgm:prSet presAssocID="{97C8CE72-74C6-4968-8291-6508783F8638}" presName="linNode" presStyleCnt="0"/>
+      <dgm:spPr/>
+    </dgm:pt>
+    <dgm:pt modelId="{9AAF4027-C7FF-44E1-A73C-0BB0147B06D9}" type="pres">
+      <dgm:prSet presAssocID="{97C8CE72-74C6-4968-8291-6508783F8638}" presName="parentText" presStyleLbl="solidFgAcc1" presStyleIdx="3" presStyleCnt="4">
+        <dgm:presLayoutVars>
+          <dgm:chMax val="1"/>
+          <dgm:bulletEnabled/>
+        </dgm:presLayoutVars>
+      </dgm:prSet>
+      <dgm:spPr/>
+    </dgm:pt>
+    <dgm:pt modelId="{A28285AE-18BB-46FC-B240-BC5C726938E1}" type="pres">
+      <dgm:prSet presAssocID="{97C8CE72-74C6-4968-8291-6508783F8638}" presName="descendantText" presStyleLbl="alignNode1" presStyleIdx="3" presStyleCnt="4">
+        <dgm:presLayoutVars>
+          <dgm:bulletEnabled/>
+        </dgm:presLayoutVars>
+      </dgm:prSet>
+      <dgm:spPr/>
+    </dgm:pt>
+  </dgm:ptLst>
+  <dgm:cxnLst>
+    <dgm:cxn modelId="{610C5F0F-92E6-406A-9A12-350FD4EFF7C6}" srcId="{046FE9ED-74D4-4FE0-B80B-F7BDF7228852}" destId="{97C8CE72-74C6-4968-8291-6508783F8638}" srcOrd="3" destOrd="0" parTransId="{F93136DC-77AF-4434-9CF0-2219CDF3CC1B}" sibTransId="{2D774AE4-4932-4EE3-81A5-71C158432705}"/>
+    <dgm:cxn modelId="{B5E73430-6C0F-48F4-849E-FEF6F0E34512}" type="presOf" srcId="{1D3E2F08-A6F6-4050-B0C2-A81E2FD2400F}" destId="{1CB66459-D050-4F73-95CF-4B5B14EE12F4}" srcOrd="0" destOrd="0" presId="urn:microsoft.com/office/officeart/2016/7/layout/VerticalHollowActionList"/>
+    <dgm:cxn modelId="{30A91F5F-3F52-4FC3-BADE-73595F10EF19}" type="presOf" srcId="{C71FCCF9-D933-4C71-8D71-D3371AC2901C}" destId="{3B17603A-ED81-4AE9-9E75-30800911CA30}" srcOrd="0" destOrd="0" presId="urn:microsoft.com/office/officeart/2016/7/layout/VerticalHollowActionList"/>
+    <dgm:cxn modelId="{7597F241-8F9E-49A2-B97F-E70AB96631C3}" type="presOf" srcId="{F19AAC43-5367-4F13-8959-F9D2F5FE8C6B}" destId="{BF649806-2B1C-49FA-BD91-470461187B55}" srcOrd="0" destOrd="0" presId="urn:microsoft.com/office/officeart/2016/7/layout/VerticalHollowActionList"/>
+    <dgm:cxn modelId="{23C8A848-D0FC-47E8-A84D-783E3EA02CD6}" srcId="{A31477FA-FCF5-4CD7-A0AA-E4B8B356296B}" destId="{6EDF6C5C-78A3-464B-A9CC-8BE5D1BD03A0}" srcOrd="0" destOrd="0" parTransId="{B006C935-4B29-4ABA-8DD6-2E316EB0BF68}" sibTransId="{68F84209-1A85-4768-8D4D-CA30637C09F1}"/>
+    <dgm:cxn modelId="{B257FF70-1652-453C-8624-5FFAF116507A}" srcId="{046FE9ED-74D4-4FE0-B80B-F7BDF7228852}" destId="{A31477FA-FCF5-4CD7-A0AA-E4B8B356296B}" srcOrd="1" destOrd="0" parTransId="{24EE31B7-A9DB-41FF-A336-B2D947D86B6E}" sibTransId="{AE37DFEE-4973-4F71-8522-77B0DC968997}"/>
+    <dgm:cxn modelId="{E830079D-56FB-4F7C-AF04-DFF84E4FA80F}" srcId="{1D3E2F08-A6F6-4050-B0C2-A81E2FD2400F}" destId="{C71FCCF9-D933-4C71-8D71-D3371AC2901C}" srcOrd="0" destOrd="0" parTransId="{946FA730-787F-4393-9F60-16829685AA3E}" sibTransId="{A2C97763-D4E7-4E76-B7CC-9854C1B5B88B}"/>
+    <dgm:cxn modelId="{CE53B7AC-9683-4E72-9665-70C7A4E85904}" type="presOf" srcId="{6EDF6C5C-78A3-464B-A9CC-8BE5D1BD03A0}" destId="{12B3B2B8-D1D9-4CA0-8C5B-A65EF9E43B57}" srcOrd="0" destOrd="0" presId="urn:microsoft.com/office/officeart/2016/7/layout/VerticalHollowActionList"/>
+    <dgm:cxn modelId="{C119ADAE-5DED-4CC1-8016-88651814F1FE}" type="presOf" srcId="{046FE9ED-74D4-4FE0-B80B-F7BDF7228852}" destId="{1E4DA05B-1EBA-488A-B94E-F380B022C2CC}" srcOrd="0" destOrd="0" presId="urn:microsoft.com/office/officeart/2016/7/layout/VerticalHollowActionList"/>
+    <dgm:cxn modelId="{9770A3B4-0ED5-45D2-987D-D4EA77A5763A}" type="presOf" srcId="{A31477FA-FCF5-4CD7-A0AA-E4B8B356296B}" destId="{A33779B3-090C-4F27-BBA9-4FD0E8869A9C}" srcOrd="0" destOrd="0" presId="urn:microsoft.com/office/officeart/2016/7/layout/VerticalHollowActionList"/>
+    <dgm:cxn modelId="{6B8EA8B9-8C7E-42B1-BBDB-E580E43A1406}" type="presOf" srcId="{97C8CE72-74C6-4968-8291-6508783F8638}" destId="{9AAF4027-C7FF-44E1-A73C-0BB0147B06D9}" srcOrd="0" destOrd="0" presId="urn:microsoft.com/office/officeart/2016/7/layout/VerticalHollowActionList"/>
+    <dgm:cxn modelId="{2FBFB9BB-7487-42C5-ADE3-FC342752C984}" srcId="{F19AAC43-5367-4F13-8959-F9D2F5FE8C6B}" destId="{AE1C0BC8-6618-468E-AC87-CCC5254757AF}" srcOrd="0" destOrd="0" parTransId="{186785FF-A323-40A8-BBED-89A89B9D91D8}" sibTransId="{7A8D7695-AF7A-4B43-B994-4E0C98694DF7}"/>
+    <dgm:cxn modelId="{1C4C05DD-539E-40EF-A90E-60AF8A8F8E14}" type="presOf" srcId="{A32B8A63-38FE-403C-9712-7A429BDDC619}" destId="{A28285AE-18BB-46FC-B240-BC5C726938E1}" srcOrd="0" destOrd="0" presId="urn:microsoft.com/office/officeart/2016/7/layout/VerticalHollowActionList"/>
+    <dgm:cxn modelId="{97404AE7-94DF-40A9-BB03-D3BE910FD81A}" srcId="{97C8CE72-74C6-4968-8291-6508783F8638}" destId="{A32B8A63-38FE-403C-9712-7A429BDDC619}" srcOrd="0" destOrd="0" parTransId="{17A149E3-244B-480C-B25E-5273FE9E4FB5}" sibTransId="{32406140-0D4E-43FC-BE2B-24B3B8B67EC1}"/>
+    <dgm:cxn modelId="{0B34F7EB-1BA1-4003-A4DF-85EAA665BBB7}" srcId="{046FE9ED-74D4-4FE0-B80B-F7BDF7228852}" destId="{F19AAC43-5367-4F13-8959-F9D2F5FE8C6B}" srcOrd="0" destOrd="0" parTransId="{5632322D-AA74-417C-8767-D17D21275027}" sibTransId="{4552FB0E-9D70-4A77-AAA3-755DE77A17E1}"/>
+    <dgm:cxn modelId="{B3A687F2-6535-49C4-A1E5-4138AE610796}" type="presOf" srcId="{AE1C0BC8-6618-468E-AC87-CCC5254757AF}" destId="{35E0E86F-3154-42BF-8CB9-DDA2DA3BA788}" srcOrd="0" destOrd="0" presId="urn:microsoft.com/office/officeart/2016/7/layout/VerticalHollowActionList"/>
+    <dgm:cxn modelId="{650E2BF3-F239-407F-8DED-F49363F98306}" srcId="{046FE9ED-74D4-4FE0-B80B-F7BDF7228852}" destId="{1D3E2F08-A6F6-4050-B0C2-A81E2FD2400F}" srcOrd="2" destOrd="0" parTransId="{6A87E0FB-3A2D-4B09-8A6D-ADB1A09B863D}" sibTransId="{5E605DFC-3584-4FAB-960B-30809A1181DD}"/>
+    <dgm:cxn modelId="{B847F8B0-1927-4B6B-B8C1-93B2A5749450}" type="presParOf" srcId="{1E4DA05B-1EBA-488A-B94E-F380B022C2CC}" destId="{ACD9E282-F0BC-4546-AD9E-2239FF4B35A6}" srcOrd="0" destOrd="0" presId="urn:microsoft.com/office/officeart/2016/7/layout/VerticalHollowActionList"/>
+    <dgm:cxn modelId="{F6262CB7-DE13-4746-8920-571386B95A5A}" type="presParOf" srcId="{ACD9E282-F0BC-4546-AD9E-2239FF4B35A6}" destId="{BF649806-2B1C-49FA-BD91-470461187B55}" srcOrd="0" destOrd="0" presId="urn:microsoft.com/office/officeart/2016/7/layout/VerticalHollowActionList"/>
+    <dgm:cxn modelId="{0C088540-D730-492A-A25E-62B392B39DF1}" type="presParOf" srcId="{ACD9E282-F0BC-4546-AD9E-2239FF4B35A6}" destId="{35E0E86F-3154-42BF-8CB9-DDA2DA3BA788}" srcOrd="1" destOrd="0" presId="urn:microsoft.com/office/officeart/2016/7/layout/VerticalHollowActionList"/>
+    <dgm:cxn modelId="{8D50465D-55D8-4C4D-ABEB-353589423E7A}" type="presParOf" srcId="{1E4DA05B-1EBA-488A-B94E-F380B022C2CC}" destId="{6675AC75-D3F5-45D2-8293-0CDC6DE75097}" srcOrd="1" destOrd="0" presId="urn:microsoft.com/office/officeart/2016/7/layout/VerticalHollowActionList"/>
+    <dgm:cxn modelId="{4791025D-1035-40B2-99BE-E74F2C732D97}" type="presParOf" srcId="{1E4DA05B-1EBA-488A-B94E-F380B022C2CC}" destId="{8DFEF004-F820-40D1-9161-28069F9DB5A8}" srcOrd="2" destOrd="0" presId="urn:microsoft.com/office/officeart/2016/7/layout/VerticalHollowActionList"/>
+    <dgm:cxn modelId="{E2E72C9E-10B3-49D5-992A-7AE21C43092F}" type="presParOf" srcId="{8DFEF004-F820-40D1-9161-28069F9DB5A8}" destId="{A33779B3-090C-4F27-BBA9-4FD0E8869A9C}" srcOrd="0" destOrd="0" presId="urn:microsoft.com/office/officeart/2016/7/layout/VerticalHollowActionList"/>
+    <dgm:cxn modelId="{7F2FF327-4302-4D07-A822-801ED05B295D}" type="presParOf" srcId="{8DFEF004-F820-40D1-9161-28069F9DB5A8}" destId="{12B3B2B8-D1D9-4CA0-8C5B-A65EF9E43B57}" srcOrd="1" destOrd="0" presId="urn:microsoft.com/office/officeart/2016/7/layout/VerticalHollowActionList"/>
+    <dgm:cxn modelId="{CEC3BBC9-9673-496C-8623-1D207FF8791A}" type="presParOf" srcId="{1E4DA05B-1EBA-488A-B94E-F380B022C2CC}" destId="{39A8FBEE-9D7E-469F-962F-D8CFB9E35929}" srcOrd="3" destOrd="0" presId="urn:microsoft.com/office/officeart/2016/7/layout/VerticalHollowActionList"/>
+    <dgm:cxn modelId="{3C5660A4-DB56-4986-B393-5BDBB7F6B767}" type="presParOf" srcId="{1E4DA05B-1EBA-488A-B94E-F380B022C2CC}" destId="{210480DD-655C-42B4-BBC0-B904935FC50C}" srcOrd="4" destOrd="0" presId="urn:microsoft.com/office/officeart/2016/7/layout/VerticalHollowActionList"/>
+    <dgm:cxn modelId="{7DB11880-D8B4-41E7-830B-58E328643A59}" type="presParOf" srcId="{210480DD-655C-42B4-BBC0-B904935FC50C}" destId="{1CB66459-D050-4F73-95CF-4B5B14EE12F4}" srcOrd="0" destOrd="0" presId="urn:microsoft.com/office/officeart/2016/7/layout/VerticalHollowActionList"/>
+    <dgm:cxn modelId="{3703D583-B49E-4C73-BAB4-A0B1C4B409F1}" type="presParOf" srcId="{210480DD-655C-42B4-BBC0-B904935FC50C}" destId="{3B17603A-ED81-4AE9-9E75-30800911CA30}" srcOrd="1" destOrd="0" presId="urn:microsoft.com/office/officeart/2016/7/layout/VerticalHollowActionList"/>
+    <dgm:cxn modelId="{A521F40D-4527-42D0-9AA3-364ED6253DBC}" type="presParOf" srcId="{1E4DA05B-1EBA-488A-B94E-F380B022C2CC}" destId="{E0B5E151-B839-42DB-9ED4-F242EEA25F46}" srcOrd="5" destOrd="0" presId="urn:microsoft.com/office/officeart/2016/7/layout/VerticalHollowActionList"/>
+    <dgm:cxn modelId="{A8371C12-4021-465E-8D98-3551FFED583C}" type="presParOf" srcId="{1E4DA05B-1EBA-488A-B94E-F380B022C2CC}" destId="{1DC14B6D-0C85-4894-B53B-F86CEED680A5}" srcOrd="6" destOrd="0" presId="urn:microsoft.com/office/officeart/2016/7/layout/VerticalHollowActionList"/>
+    <dgm:cxn modelId="{7C51950D-7081-4686-8638-B9BC38D9D680}" type="presParOf" srcId="{1DC14B6D-0C85-4894-B53B-F86CEED680A5}" destId="{9AAF4027-C7FF-44E1-A73C-0BB0147B06D9}" srcOrd="0" destOrd="0" presId="urn:microsoft.com/office/officeart/2016/7/layout/VerticalHollowActionList"/>
+    <dgm:cxn modelId="{86478974-7107-40E1-B9AA-37E09440F984}" type="presParOf" srcId="{1DC14B6D-0C85-4894-B53B-F86CEED680A5}" destId="{A28285AE-18BB-46FC-B240-BC5C726938E1}" srcOrd="1" destOrd="0" presId="urn:microsoft.com/office/officeart/2016/7/layout/VerticalHollowActionList"/>
+  </dgm:cxnLst>
+  <dgm:bg/>
+  <dgm:whole/>
+  <dgm:extLst>
+    <a:ext uri="http://schemas.microsoft.com/office/drawing/2008/diagram">
+      <dsp:dataModelExt xmlns:dsp="http://schemas.microsoft.com/office/drawing/2008/diagram" relId="rId6" minVer="http://schemas.openxmlformats.org/drawingml/2006/diagram"/>
+    </a:ext>
+  </dgm:extLst>
+</dgm:dataModel>
+</file>
+
 <file path=ppt/diagrams/drawing1.xml><?xml version="1.0" encoding="utf-8"?>
 <dsp:drawing xmlns:dgm="http://schemas.openxmlformats.org/drawingml/2006/diagram" xmlns:dsp="http://schemas.microsoft.com/office/drawing/2008/diagram" xmlns:a="http://schemas.openxmlformats.org/drawingml/2006/main">
   <dsp:spTree>
@@ -5843,7 +7136,7 @@
           <a:avLst/>
         </a:prstGeom>
         <a:solidFill>
-          <a:schemeClr val="accent2">
+          <a:schemeClr val="dk2">
             <a:hueOff val="0"/>
             <a:satOff val="0"/>
             <a:lumOff val="0"/>
@@ -5852,7 +7145,7 @@
         </a:solidFill>
         <a:ln w="17145" cap="flat" cmpd="sng" algn="ctr">
           <a:solidFill>
-            <a:schemeClr val="lt1">
+            <a:schemeClr val="lt2">
               <a:hueOff val="0"/>
               <a:satOff val="0"/>
               <a:lumOff val="0"/>
@@ -5920,16 +7213,16 @@
           <a:avLst/>
         </a:prstGeom>
         <a:solidFill>
-          <a:schemeClr val="accent2">
-            <a:hueOff val="-1237445"/>
-            <a:satOff val="404"/>
-            <a:lumOff val="-360"/>
+          <a:schemeClr val="dk2">
+            <a:hueOff val="0"/>
+            <a:satOff val="0"/>
+            <a:lumOff val="0"/>
             <a:alphaOff val="0"/>
           </a:schemeClr>
         </a:solidFill>
         <a:ln w="17145" cap="flat" cmpd="sng" algn="ctr">
           <a:solidFill>
-            <a:schemeClr val="lt1">
+            <a:schemeClr val="lt2">
               <a:hueOff val="0"/>
               <a:satOff val="0"/>
               <a:lumOff val="0"/>
@@ -5973,7 +7266,7 @@
             <a:buNone/>
           </a:pPr>
           <a:r>
-            <a:rPr lang="en-US" sz="1000" kern="1200"/>
+            <a:rPr lang="en-US" sz="1000" kern="1200" dirty="0"/>
             <a:t>Goals</a:t>
           </a:r>
         </a:p>
@@ -5997,16 +7290,16 @@
           <a:avLst/>
         </a:prstGeom>
         <a:solidFill>
-          <a:schemeClr val="accent2">
-            <a:hueOff val="-2474889"/>
-            <a:satOff val="807"/>
-            <a:lumOff val="-719"/>
+          <a:schemeClr val="dk2">
+            <a:hueOff val="0"/>
+            <a:satOff val="0"/>
+            <a:lumOff val="0"/>
             <a:alphaOff val="0"/>
           </a:schemeClr>
         </a:solidFill>
         <a:ln w="17145" cap="flat" cmpd="sng" algn="ctr">
           <a:solidFill>
-            <a:schemeClr val="lt1">
+            <a:schemeClr val="lt2">
               <a:hueOff val="0"/>
               <a:satOff val="0"/>
               <a:lumOff val="0"/>
@@ -6050,7 +7343,7 @@
             <a:buNone/>
           </a:pPr>
           <a:r>
-            <a:rPr lang="en-US" sz="1000" kern="1200"/>
+            <a:rPr lang="en-US" sz="1000" kern="1200" dirty="0"/>
             <a:t>Requirements</a:t>
           </a:r>
         </a:p>
@@ -6074,16 +7367,16 @@
           <a:avLst/>
         </a:prstGeom>
         <a:solidFill>
-          <a:schemeClr val="accent2">
-            <a:hueOff val="-3712334"/>
-            <a:satOff val="1211"/>
-            <a:lumOff val="-1079"/>
+          <a:schemeClr val="dk2">
+            <a:hueOff val="0"/>
+            <a:satOff val="0"/>
+            <a:lumOff val="0"/>
             <a:alphaOff val="0"/>
           </a:schemeClr>
         </a:solidFill>
         <a:ln w="17145" cap="flat" cmpd="sng" algn="ctr">
           <a:solidFill>
-            <a:schemeClr val="lt1">
+            <a:schemeClr val="lt2">
               <a:hueOff val="0"/>
               <a:satOff val="0"/>
               <a:lumOff val="0"/>
@@ -6151,16 +7444,16 @@
           <a:avLst/>
         </a:prstGeom>
         <a:solidFill>
-          <a:schemeClr val="accent2">
-            <a:hueOff val="-4949778"/>
-            <a:satOff val="1615"/>
-            <a:lumOff val="-1438"/>
+          <a:schemeClr val="dk2">
+            <a:hueOff val="0"/>
+            <a:satOff val="0"/>
+            <a:lumOff val="0"/>
             <a:alphaOff val="0"/>
           </a:schemeClr>
         </a:solidFill>
         <a:ln w="17145" cap="flat" cmpd="sng" algn="ctr">
           <a:solidFill>
-            <a:schemeClr val="lt1">
+            <a:schemeClr val="lt2">
               <a:hueOff val="0"/>
               <a:satOff val="0"/>
               <a:lumOff val="0"/>
@@ -6228,16 +7521,16 @@
           <a:avLst/>
         </a:prstGeom>
         <a:solidFill>
-          <a:schemeClr val="accent2">
-            <a:hueOff val="-6187223"/>
-            <a:satOff val="2018"/>
-            <a:lumOff val="-1798"/>
+          <a:schemeClr val="dk2">
+            <a:hueOff val="0"/>
+            <a:satOff val="0"/>
+            <a:lumOff val="0"/>
             <a:alphaOff val="0"/>
           </a:schemeClr>
         </a:solidFill>
         <a:ln w="17145" cap="flat" cmpd="sng" algn="ctr">
           <a:solidFill>
-            <a:schemeClr val="lt1">
+            <a:schemeClr val="lt2">
               <a:hueOff val="0"/>
               <a:satOff val="0"/>
               <a:lumOff val="0"/>
@@ -6305,16 +7598,16 @@
           <a:avLst/>
         </a:prstGeom>
         <a:solidFill>
-          <a:schemeClr val="accent2">
-            <a:hueOff val="-7424668"/>
-            <a:satOff val="2422"/>
-            <a:lumOff val="-2157"/>
+          <a:schemeClr val="dk2">
+            <a:hueOff val="0"/>
+            <a:satOff val="0"/>
+            <a:lumOff val="0"/>
             <a:alphaOff val="0"/>
           </a:schemeClr>
         </a:solidFill>
         <a:ln w="17145" cap="flat" cmpd="sng" algn="ctr">
           <a:solidFill>
-            <a:schemeClr val="lt1">
+            <a:schemeClr val="lt2">
               <a:hueOff val="0"/>
               <a:satOff val="0"/>
               <a:lumOff val="0"/>
@@ -11820,6 +13113,638 @@
 </dsp:drawing>
 </file>
 
+<file path=ppt/diagrams/drawing5.xml><?xml version="1.0" encoding="utf-8"?>
+<dsp:drawing xmlns:dgm="http://schemas.openxmlformats.org/drawingml/2006/diagram" xmlns:dsp="http://schemas.microsoft.com/office/drawing/2008/diagram" xmlns:a="http://schemas.openxmlformats.org/drawingml/2006/main">
+  <dsp:spTree>
+    <dsp:nvGrpSpPr>
+      <dsp:cNvPr id="0" name=""/>
+      <dsp:cNvGrpSpPr/>
+    </dsp:nvGrpSpPr>
+    <dsp:grpSpPr/>
+    <dsp:sp modelId="{35E0E86F-3154-42BF-8CB9-DDA2DA3BA788}">
+      <dsp:nvSpPr>
+        <dsp:cNvPr id="0" name=""/>
+        <dsp:cNvSpPr/>
+      </dsp:nvSpPr>
+      <dsp:spPr>
+        <a:xfrm>
+          <a:off x="1971638" y="1938"/>
+          <a:ext cx="7886552" cy="1004210"/>
+        </a:xfrm>
+        <a:prstGeom prst="rect">
+          <a:avLst/>
+        </a:prstGeom>
+        <a:solidFill>
+          <a:schemeClr val="accent1">
+            <a:shade val="50000"/>
+            <a:hueOff val="0"/>
+            <a:satOff val="0"/>
+            <a:lumOff val="0"/>
+            <a:alphaOff val="0"/>
+          </a:schemeClr>
+        </a:solidFill>
+        <a:ln w="13970" cap="flat" cmpd="sng" algn="ctr">
+          <a:solidFill>
+            <a:schemeClr val="accent1">
+              <a:shade val="50000"/>
+              <a:hueOff val="0"/>
+              <a:satOff val="0"/>
+              <a:lumOff val="0"/>
+              <a:alphaOff val="0"/>
+            </a:schemeClr>
+          </a:solidFill>
+          <a:prstDash val="solid"/>
+        </a:ln>
+        <a:effectLst/>
+      </dsp:spPr>
+      <dsp:style>
+        <a:lnRef idx="2">
+          <a:scrgbClr r="0" g="0" b="0"/>
+        </a:lnRef>
+        <a:fillRef idx="1">
+          <a:scrgbClr r="0" g="0" b="0"/>
+        </a:fillRef>
+        <a:effectRef idx="1">
+          <a:scrgbClr r="0" g="0" b="0"/>
+        </a:effectRef>
+        <a:fontRef idx="minor">
+          <a:schemeClr val="lt1"/>
+        </a:fontRef>
+      </dsp:style>
+      <dsp:txBody>
+        <a:bodyPr spcFirstLastPara="0" vert="horz" wrap="square" lIns="153021" tIns="255070" rIns="153021" bIns="255070" numCol="1" spcCol="1270" anchor="ctr" anchorCtr="0">
+          <a:noAutofit/>
+        </a:bodyPr>
+        <a:lstStyle/>
+        <a:p>
+          <a:pPr marL="0" lvl="0" indent="0" algn="l" defTabSz="755650">
+            <a:lnSpc>
+              <a:spcPct val="90000"/>
+            </a:lnSpc>
+            <a:spcBef>
+              <a:spcPct val="0"/>
+            </a:spcBef>
+            <a:spcAft>
+              <a:spcPct val="35000"/>
+            </a:spcAft>
+            <a:buNone/>
+          </a:pPr>
+          <a:r>
+            <a:rPr lang="en-US" sz="1700" kern="1200" dirty="0"/>
+            <a:t>Add more challenging levels based on the difficulty levels.</a:t>
+          </a:r>
+        </a:p>
+      </dsp:txBody>
+      <dsp:txXfrm>
+        <a:off x="1971638" y="1938"/>
+        <a:ext cx="7886552" cy="1004210"/>
+      </dsp:txXfrm>
+    </dsp:sp>
+    <dsp:sp modelId="{BF649806-2B1C-49FA-BD91-470461187B55}">
+      <dsp:nvSpPr>
+        <dsp:cNvPr id="0" name=""/>
+        <dsp:cNvSpPr/>
+      </dsp:nvSpPr>
+      <dsp:spPr>
+        <a:xfrm>
+          <a:off x="0" y="1938"/>
+          <a:ext cx="1971638" cy="1004210"/>
+        </a:xfrm>
+        <a:prstGeom prst="rect">
+          <a:avLst/>
+        </a:prstGeom>
+        <a:solidFill>
+          <a:schemeClr val="lt1">
+            <a:hueOff val="0"/>
+            <a:satOff val="0"/>
+            <a:lumOff val="0"/>
+            <a:alphaOff val="0"/>
+          </a:schemeClr>
+        </a:solidFill>
+        <a:ln w="13970" cap="flat" cmpd="sng" algn="ctr">
+          <a:solidFill>
+            <a:schemeClr val="accent1">
+              <a:shade val="50000"/>
+              <a:hueOff val="0"/>
+              <a:satOff val="0"/>
+              <a:lumOff val="0"/>
+              <a:alphaOff val="0"/>
+            </a:schemeClr>
+          </a:solidFill>
+          <a:prstDash val="solid"/>
+        </a:ln>
+        <a:effectLst/>
+      </dsp:spPr>
+      <dsp:style>
+        <a:lnRef idx="2">
+          <a:scrgbClr r="0" g="0" b="0"/>
+        </a:lnRef>
+        <a:fillRef idx="1">
+          <a:scrgbClr r="0" g="0" b="0"/>
+        </a:fillRef>
+        <a:effectRef idx="0">
+          <a:scrgbClr r="0" g="0" b="0"/>
+        </a:effectRef>
+        <a:fontRef idx="minor"/>
+      </dsp:style>
+      <dsp:txBody>
+        <a:bodyPr spcFirstLastPara="0" vert="horz" wrap="square" lIns="104333" tIns="99194" rIns="104333" bIns="99194" numCol="1" spcCol="1270" anchor="ctr" anchorCtr="0">
+          <a:noAutofit/>
+        </a:bodyPr>
+        <a:lstStyle/>
+        <a:p>
+          <a:pPr marL="0" lvl="0" indent="0" algn="ctr" defTabSz="977900">
+            <a:lnSpc>
+              <a:spcPct val="90000"/>
+            </a:lnSpc>
+            <a:spcBef>
+              <a:spcPct val="0"/>
+            </a:spcBef>
+            <a:spcAft>
+              <a:spcPct val="35000"/>
+            </a:spcAft>
+            <a:buNone/>
+          </a:pPr>
+          <a:r>
+            <a:rPr lang="en-US" sz="2200" kern="1200" dirty="0"/>
+            <a:t>Add</a:t>
+          </a:r>
+        </a:p>
+      </dsp:txBody>
+      <dsp:txXfrm>
+        <a:off x="0" y="1938"/>
+        <a:ext cx="1971638" cy="1004210"/>
+      </dsp:txXfrm>
+    </dsp:sp>
+    <dsp:sp modelId="{12B3B2B8-D1D9-4CA0-8C5B-A65EF9E43B57}">
+      <dsp:nvSpPr>
+        <dsp:cNvPr id="0" name=""/>
+        <dsp:cNvSpPr/>
+      </dsp:nvSpPr>
+      <dsp:spPr>
+        <a:xfrm>
+          <a:off x="1971638" y="1066401"/>
+          <a:ext cx="7886552" cy="1004210"/>
+        </a:xfrm>
+        <a:prstGeom prst="rect">
+          <a:avLst/>
+        </a:prstGeom>
+        <a:solidFill>
+          <a:schemeClr val="accent1">
+            <a:shade val="50000"/>
+            <a:hueOff val="0"/>
+            <a:satOff val="-578"/>
+            <a:lumOff val="22128"/>
+            <a:alphaOff val="0"/>
+          </a:schemeClr>
+        </a:solidFill>
+        <a:ln w="13970" cap="flat" cmpd="sng" algn="ctr">
+          <a:solidFill>
+            <a:schemeClr val="accent1">
+              <a:shade val="50000"/>
+              <a:hueOff val="0"/>
+              <a:satOff val="-578"/>
+              <a:lumOff val="22128"/>
+              <a:alphaOff val="0"/>
+            </a:schemeClr>
+          </a:solidFill>
+          <a:prstDash val="solid"/>
+        </a:ln>
+        <a:effectLst/>
+      </dsp:spPr>
+      <dsp:style>
+        <a:lnRef idx="2">
+          <a:scrgbClr r="0" g="0" b="0"/>
+        </a:lnRef>
+        <a:fillRef idx="1">
+          <a:scrgbClr r="0" g="0" b="0"/>
+        </a:fillRef>
+        <a:effectRef idx="1">
+          <a:scrgbClr r="0" g="0" b="0"/>
+        </a:effectRef>
+        <a:fontRef idx="minor">
+          <a:schemeClr val="lt1"/>
+        </a:fontRef>
+      </dsp:style>
+      <dsp:txBody>
+        <a:bodyPr spcFirstLastPara="0" vert="horz" wrap="square" lIns="153021" tIns="255070" rIns="153021" bIns="255070" numCol="1" spcCol="1270" anchor="ctr" anchorCtr="0">
+          <a:noAutofit/>
+        </a:bodyPr>
+        <a:lstStyle/>
+        <a:p>
+          <a:pPr marL="0" lvl="0" indent="0" algn="l" defTabSz="755650">
+            <a:lnSpc>
+              <a:spcPct val="90000"/>
+            </a:lnSpc>
+            <a:spcBef>
+              <a:spcPct val="0"/>
+            </a:spcBef>
+            <a:spcAft>
+              <a:spcPct val="35000"/>
+            </a:spcAft>
+            <a:buNone/>
+          </a:pPr>
+          <a:r>
+            <a:rPr lang="en-US" sz="1700" kern="1200"/>
+            <a:t>Improve solving efficiency by implementing the paper-and-pen algorithm.</a:t>
+          </a:r>
+        </a:p>
+      </dsp:txBody>
+      <dsp:txXfrm>
+        <a:off x="1971638" y="1066401"/>
+        <a:ext cx="7886552" cy="1004210"/>
+      </dsp:txXfrm>
+    </dsp:sp>
+    <dsp:sp modelId="{A33779B3-090C-4F27-BBA9-4FD0E8869A9C}">
+      <dsp:nvSpPr>
+        <dsp:cNvPr id="0" name=""/>
+        <dsp:cNvSpPr/>
+      </dsp:nvSpPr>
+      <dsp:spPr>
+        <a:xfrm>
+          <a:off x="0" y="1066401"/>
+          <a:ext cx="1971638" cy="1004210"/>
+        </a:xfrm>
+        <a:prstGeom prst="rect">
+          <a:avLst/>
+        </a:prstGeom>
+        <a:solidFill>
+          <a:schemeClr val="lt1">
+            <a:hueOff val="0"/>
+            <a:satOff val="0"/>
+            <a:lumOff val="0"/>
+            <a:alphaOff val="0"/>
+          </a:schemeClr>
+        </a:solidFill>
+        <a:ln w="13970" cap="flat" cmpd="sng" algn="ctr">
+          <a:solidFill>
+            <a:schemeClr val="accent1">
+              <a:shade val="50000"/>
+              <a:hueOff val="0"/>
+              <a:satOff val="-578"/>
+              <a:lumOff val="22128"/>
+              <a:alphaOff val="0"/>
+            </a:schemeClr>
+          </a:solidFill>
+          <a:prstDash val="solid"/>
+        </a:ln>
+        <a:effectLst/>
+      </dsp:spPr>
+      <dsp:style>
+        <a:lnRef idx="2">
+          <a:scrgbClr r="0" g="0" b="0"/>
+        </a:lnRef>
+        <a:fillRef idx="1">
+          <a:scrgbClr r="0" g="0" b="0"/>
+        </a:fillRef>
+        <a:effectRef idx="0">
+          <a:scrgbClr r="0" g="0" b="0"/>
+        </a:effectRef>
+        <a:fontRef idx="minor"/>
+      </dsp:style>
+      <dsp:txBody>
+        <a:bodyPr spcFirstLastPara="0" vert="horz" wrap="square" lIns="104333" tIns="99194" rIns="104333" bIns="99194" numCol="1" spcCol="1270" anchor="ctr" anchorCtr="0">
+          <a:noAutofit/>
+        </a:bodyPr>
+        <a:lstStyle/>
+        <a:p>
+          <a:pPr marL="0" lvl="0" indent="0" algn="ctr" defTabSz="977900">
+            <a:lnSpc>
+              <a:spcPct val="90000"/>
+            </a:lnSpc>
+            <a:spcBef>
+              <a:spcPct val="0"/>
+            </a:spcBef>
+            <a:spcAft>
+              <a:spcPct val="35000"/>
+            </a:spcAft>
+            <a:buNone/>
+          </a:pPr>
+          <a:r>
+            <a:rPr lang="en-US" sz="2200" kern="1200" dirty="0"/>
+            <a:t>Improve</a:t>
+          </a:r>
+        </a:p>
+      </dsp:txBody>
+      <dsp:txXfrm>
+        <a:off x="0" y="1066401"/>
+        <a:ext cx="1971638" cy="1004210"/>
+      </dsp:txXfrm>
+    </dsp:sp>
+    <dsp:sp modelId="{3B17603A-ED81-4AE9-9E75-30800911CA30}">
+      <dsp:nvSpPr>
+        <dsp:cNvPr id="0" name=""/>
+        <dsp:cNvSpPr/>
+      </dsp:nvSpPr>
+      <dsp:spPr>
+        <a:xfrm>
+          <a:off x="1971638" y="2130865"/>
+          <a:ext cx="7886552" cy="1004210"/>
+        </a:xfrm>
+        <a:prstGeom prst="rect">
+          <a:avLst/>
+        </a:prstGeom>
+        <a:solidFill>
+          <a:schemeClr val="accent1">
+            <a:shade val="50000"/>
+            <a:hueOff val="0"/>
+            <a:satOff val="-1156"/>
+            <a:lumOff val="44255"/>
+            <a:alphaOff val="0"/>
+          </a:schemeClr>
+        </a:solidFill>
+        <a:ln w="13970" cap="flat" cmpd="sng" algn="ctr">
+          <a:solidFill>
+            <a:schemeClr val="accent1">
+              <a:shade val="50000"/>
+              <a:hueOff val="0"/>
+              <a:satOff val="-1156"/>
+              <a:lumOff val="44255"/>
+              <a:alphaOff val="0"/>
+            </a:schemeClr>
+          </a:solidFill>
+          <a:prstDash val="solid"/>
+        </a:ln>
+        <a:effectLst/>
+      </dsp:spPr>
+      <dsp:style>
+        <a:lnRef idx="2">
+          <a:scrgbClr r="0" g="0" b="0"/>
+        </a:lnRef>
+        <a:fillRef idx="1">
+          <a:scrgbClr r="0" g="0" b="0"/>
+        </a:fillRef>
+        <a:effectRef idx="1">
+          <a:scrgbClr r="0" g="0" b="0"/>
+        </a:effectRef>
+        <a:fontRef idx="minor">
+          <a:schemeClr val="lt1"/>
+        </a:fontRef>
+      </dsp:style>
+      <dsp:txBody>
+        <a:bodyPr spcFirstLastPara="0" vert="horz" wrap="square" lIns="153021" tIns="255070" rIns="153021" bIns="255070" numCol="1" spcCol="1270" anchor="ctr" anchorCtr="0">
+          <a:noAutofit/>
+        </a:bodyPr>
+        <a:lstStyle/>
+        <a:p>
+          <a:pPr marL="0" lvl="0" indent="0" algn="l" defTabSz="755650">
+            <a:lnSpc>
+              <a:spcPct val="90000"/>
+            </a:lnSpc>
+            <a:spcBef>
+              <a:spcPct val="0"/>
+            </a:spcBef>
+            <a:spcAft>
+              <a:spcPct val="35000"/>
+            </a:spcAft>
+            <a:buNone/>
+          </a:pPr>
+          <a:r>
+            <a:rPr lang="en-US" sz="1700" kern="1200" dirty="0"/>
+            <a:t>Open-source TESS so anyone can adapt and improve our code.</a:t>
+          </a:r>
+        </a:p>
+      </dsp:txBody>
+      <dsp:txXfrm>
+        <a:off x="1971638" y="2130865"/>
+        <a:ext cx="7886552" cy="1004210"/>
+      </dsp:txXfrm>
+    </dsp:sp>
+    <dsp:sp modelId="{1CB66459-D050-4F73-95CF-4B5B14EE12F4}">
+      <dsp:nvSpPr>
+        <dsp:cNvPr id="0" name=""/>
+        <dsp:cNvSpPr/>
+      </dsp:nvSpPr>
+      <dsp:spPr>
+        <a:xfrm>
+          <a:off x="0" y="2130865"/>
+          <a:ext cx="1971638" cy="1004210"/>
+        </a:xfrm>
+        <a:prstGeom prst="rect">
+          <a:avLst/>
+        </a:prstGeom>
+        <a:solidFill>
+          <a:schemeClr val="lt1">
+            <a:hueOff val="0"/>
+            <a:satOff val="0"/>
+            <a:lumOff val="0"/>
+            <a:alphaOff val="0"/>
+          </a:schemeClr>
+        </a:solidFill>
+        <a:ln w="13970" cap="flat" cmpd="sng" algn="ctr">
+          <a:solidFill>
+            <a:schemeClr val="accent1">
+              <a:shade val="50000"/>
+              <a:hueOff val="0"/>
+              <a:satOff val="-1156"/>
+              <a:lumOff val="44255"/>
+              <a:alphaOff val="0"/>
+            </a:schemeClr>
+          </a:solidFill>
+          <a:prstDash val="solid"/>
+        </a:ln>
+        <a:effectLst/>
+      </dsp:spPr>
+      <dsp:style>
+        <a:lnRef idx="2">
+          <a:scrgbClr r="0" g="0" b="0"/>
+        </a:lnRef>
+        <a:fillRef idx="1">
+          <a:scrgbClr r="0" g="0" b="0"/>
+        </a:fillRef>
+        <a:effectRef idx="0">
+          <a:scrgbClr r="0" g="0" b="0"/>
+        </a:effectRef>
+        <a:fontRef idx="minor"/>
+      </dsp:style>
+      <dsp:txBody>
+        <a:bodyPr spcFirstLastPara="0" vert="horz" wrap="square" lIns="104333" tIns="99194" rIns="104333" bIns="99194" numCol="1" spcCol="1270" anchor="ctr" anchorCtr="0">
+          <a:noAutofit/>
+        </a:bodyPr>
+        <a:lstStyle/>
+        <a:p>
+          <a:pPr marL="0" lvl="0" indent="0" algn="ctr" defTabSz="977900">
+            <a:lnSpc>
+              <a:spcPct val="90000"/>
+            </a:lnSpc>
+            <a:spcBef>
+              <a:spcPct val="0"/>
+            </a:spcBef>
+            <a:spcAft>
+              <a:spcPct val="35000"/>
+            </a:spcAft>
+            <a:buNone/>
+          </a:pPr>
+          <a:r>
+            <a:rPr lang="en-US" sz="2200" kern="1200"/>
+            <a:t>Open</a:t>
+          </a:r>
+        </a:p>
+      </dsp:txBody>
+      <dsp:txXfrm>
+        <a:off x="0" y="2130865"/>
+        <a:ext cx="1971638" cy="1004210"/>
+      </dsp:txXfrm>
+    </dsp:sp>
+    <dsp:sp modelId="{A28285AE-18BB-46FC-B240-BC5C726938E1}">
+      <dsp:nvSpPr>
+        <dsp:cNvPr id="0" name=""/>
+        <dsp:cNvSpPr/>
+      </dsp:nvSpPr>
+      <dsp:spPr>
+        <a:xfrm>
+          <a:off x="1971638" y="3195328"/>
+          <a:ext cx="7886552" cy="1004210"/>
+        </a:xfrm>
+        <a:prstGeom prst="rect">
+          <a:avLst/>
+        </a:prstGeom>
+        <a:solidFill>
+          <a:schemeClr val="accent1">
+            <a:shade val="50000"/>
+            <a:hueOff val="0"/>
+            <a:satOff val="-578"/>
+            <a:lumOff val="22128"/>
+            <a:alphaOff val="0"/>
+          </a:schemeClr>
+        </a:solidFill>
+        <a:ln w="13970" cap="flat" cmpd="sng" algn="ctr">
+          <a:solidFill>
+            <a:schemeClr val="accent1">
+              <a:shade val="50000"/>
+              <a:hueOff val="0"/>
+              <a:satOff val="-578"/>
+              <a:lumOff val="22128"/>
+              <a:alphaOff val="0"/>
+            </a:schemeClr>
+          </a:solidFill>
+          <a:prstDash val="solid"/>
+        </a:ln>
+        <a:effectLst/>
+      </dsp:spPr>
+      <dsp:style>
+        <a:lnRef idx="2">
+          <a:scrgbClr r="0" g="0" b="0"/>
+        </a:lnRef>
+        <a:fillRef idx="1">
+          <a:scrgbClr r="0" g="0" b="0"/>
+        </a:fillRef>
+        <a:effectRef idx="1">
+          <a:scrgbClr r="0" g="0" b="0"/>
+        </a:effectRef>
+        <a:fontRef idx="minor">
+          <a:schemeClr val="lt1"/>
+        </a:fontRef>
+      </dsp:style>
+      <dsp:txBody>
+        <a:bodyPr spcFirstLastPara="0" vert="horz" wrap="square" lIns="153021" tIns="255070" rIns="153021" bIns="255070" numCol="1" spcCol="1270" anchor="ctr" anchorCtr="0">
+          <a:noAutofit/>
+        </a:bodyPr>
+        <a:lstStyle/>
+        <a:p>
+          <a:pPr marL="0" lvl="0" indent="0" algn="l" defTabSz="755650">
+            <a:lnSpc>
+              <a:spcPct val="90000"/>
+            </a:lnSpc>
+            <a:spcBef>
+              <a:spcPct val="0"/>
+            </a:spcBef>
+            <a:spcAft>
+              <a:spcPct val="35000"/>
+            </a:spcAft>
+            <a:buNone/>
+          </a:pPr>
+          <a:r>
+            <a:rPr lang="en-US" sz="1700" kern="1200" dirty="0"/>
+            <a:t>Publish TESS on the Play Store for free download.</a:t>
+          </a:r>
+        </a:p>
+      </dsp:txBody>
+      <dsp:txXfrm>
+        <a:off x="1971638" y="3195328"/>
+        <a:ext cx="7886552" cy="1004210"/>
+      </dsp:txXfrm>
+    </dsp:sp>
+    <dsp:sp modelId="{9AAF4027-C7FF-44E1-A73C-0BB0147B06D9}">
+      <dsp:nvSpPr>
+        <dsp:cNvPr id="0" name=""/>
+        <dsp:cNvSpPr/>
+      </dsp:nvSpPr>
+      <dsp:spPr>
+        <a:xfrm>
+          <a:off x="0" y="3195328"/>
+          <a:ext cx="1971638" cy="1004210"/>
+        </a:xfrm>
+        <a:prstGeom prst="rect">
+          <a:avLst/>
+        </a:prstGeom>
+        <a:solidFill>
+          <a:schemeClr val="lt1">
+            <a:hueOff val="0"/>
+            <a:satOff val="0"/>
+            <a:lumOff val="0"/>
+            <a:alphaOff val="0"/>
+          </a:schemeClr>
+        </a:solidFill>
+        <a:ln w="13970" cap="flat" cmpd="sng" algn="ctr">
+          <a:solidFill>
+            <a:schemeClr val="accent1">
+              <a:shade val="50000"/>
+              <a:hueOff val="0"/>
+              <a:satOff val="-578"/>
+              <a:lumOff val="22128"/>
+              <a:alphaOff val="0"/>
+            </a:schemeClr>
+          </a:solidFill>
+          <a:prstDash val="solid"/>
+        </a:ln>
+        <a:effectLst/>
+      </dsp:spPr>
+      <dsp:style>
+        <a:lnRef idx="2">
+          <a:scrgbClr r="0" g="0" b="0"/>
+        </a:lnRef>
+        <a:fillRef idx="1">
+          <a:scrgbClr r="0" g="0" b="0"/>
+        </a:fillRef>
+        <a:effectRef idx="0">
+          <a:scrgbClr r="0" g="0" b="0"/>
+        </a:effectRef>
+        <a:fontRef idx="minor"/>
+      </dsp:style>
+      <dsp:txBody>
+        <a:bodyPr spcFirstLastPara="0" vert="horz" wrap="square" lIns="104333" tIns="99194" rIns="104333" bIns="99194" numCol="1" spcCol="1270" anchor="ctr" anchorCtr="0">
+          <a:noAutofit/>
+        </a:bodyPr>
+        <a:lstStyle/>
+        <a:p>
+          <a:pPr marL="0" lvl="0" indent="0" algn="ctr" defTabSz="977900">
+            <a:lnSpc>
+              <a:spcPct val="90000"/>
+            </a:lnSpc>
+            <a:spcBef>
+              <a:spcPct val="0"/>
+            </a:spcBef>
+            <a:spcAft>
+              <a:spcPct val="35000"/>
+            </a:spcAft>
+            <a:buNone/>
+          </a:pPr>
+          <a:r>
+            <a:rPr lang="en-US" sz="2200" kern="1200"/>
+            <a:t>Publish</a:t>
+          </a:r>
+        </a:p>
+      </dsp:txBody>
+      <dsp:txXfrm>
+        <a:off x="0" y="3195328"/>
+        <a:ext cx="1971638" cy="1004210"/>
+      </dsp:txXfrm>
+    </dsp:sp>
+  </dsp:spTree>
+</dsp:drawing>
+</file>
+
 <file path=ppt/diagrams/layout1.xml><?xml version="1.0" encoding="utf-8"?>
 <dgm:layoutDef xmlns:dgm="http://schemas.openxmlformats.org/drawingml/2006/diagram" xmlns:a="http://schemas.openxmlformats.org/drawingml/2006/main" uniqueId="urn:microsoft.com/office/officeart/2009/3/layout/SubStepProcess">
   <dgm:title val=""/>
@@ -14839,6 +16764,240 @@
 </dgm:layoutDef>
 </file>
 
+<file path=ppt/diagrams/layout5.xml><?xml version="1.0" encoding="utf-8"?>
+<dgm:layoutDef xmlns:dgm="http://schemas.openxmlformats.org/drawingml/2006/diagram" xmlns:a="http://schemas.openxmlformats.org/drawingml/2006/main" uniqueId="urn:microsoft.com/office/officeart/2016/7/layout/VerticalHollowActionList">
+  <dgm:title val="Vertical Hollow Action List"/>
+  <dgm:desc val="Use to show non-sequential or grouped lists of information. Works well with large amounts of text. All text has the same level of emphasis, and direction is not implied."/>
+  <dgm:catLst>
+    <dgm:cat type="list" pri="500"/>
+  </dgm:catLst>
+  <dgm:sampData>
+    <dgm:dataModel>
+      <dgm:ptLst>
+        <dgm:pt modelId="0" type="doc"/>
+        <dgm:pt modelId="1">
+          <dgm:prSet phldr="1"/>
+        </dgm:pt>
+        <dgm:pt modelId="11">
+          <dgm:prSet phldr="1"/>
+        </dgm:pt>
+        <dgm:pt modelId="2">
+          <dgm:prSet phldr="1"/>
+        </dgm:pt>
+        <dgm:pt modelId="21">
+          <dgm:prSet phldr="1"/>
+        </dgm:pt>
+        <dgm:pt modelId="3">
+          <dgm:prSet phldr="1"/>
+        </dgm:pt>
+        <dgm:pt modelId="31">
+          <dgm:prSet phldr="1"/>
+        </dgm:pt>
+        <dgm:pt modelId="4">
+          <dgm:prSet phldr="1"/>
+        </dgm:pt>
+        <dgm:pt modelId="41">
+          <dgm:prSet phldr="1"/>
+        </dgm:pt>
+        <dgm:pt modelId="5">
+          <dgm:prSet phldr="1"/>
+        </dgm:pt>
+        <dgm:pt modelId="51">
+          <dgm:prSet phldr="1"/>
+        </dgm:pt>
+      </dgm:ptLst>
+      <dgm:cxnLst>
+        <dgm:cxn modelId="4" srcId="0" destId="1" srcOrd="0" destOrd="0"/>
+        <dgm:cxn modelId="5" srcId="0" destId="2" srcOrd="1" destOrd="0"/>
+        <dgm:cxn modelId="6" srcId="0" destId="3" srcOrd="2" destOrd="0"/>
+        <dgm:cxn modelId="7" srcId="0" destId="4" srcOrd="3" destOrd="0"/>
+        <dgm:cxn modelId="8" srcId="0" destId="5" srcOrd="4" destOrd="0"/>
+        <dgm:cxn modelId="13" srcId="1" destId="11" srcOrd="0" destOrd="0"/>
+        <dgm:cxn modelId="23" srcId="2" destId="21" srcOrd="0" destOrd="0"/>
+        <dgm:cxn modelId="33" srcId="3" destId="31" srcOrd="0" destOrd="0"/>
+        <dgm:cxn modelId="43" srcId="4" destId="41" srcOrd="0" destOrd="0"/>
+        <dgm:cxn modelId="53" srcId="5" destId="51" srcOrd="0" destOrd="0"/>
+      </dgm:cxnLst>
+      <dgm:bg/>
+      <dgm:whole/>
+    </dgm:dataModel>
+  </dgm:sampData>
+  <dgm:styleData>
+    <dgm:dataModel>
+      <dgm:ptLst>
+        <dgm:pt modelId="0" type="doc"/>
+        <dgm:pt modelId="1"/>
+        <dgm:pt modelId="11"/>
+        <dgm:pt modelId="2"/>
+        <dgm:pt modelId="21"/>
+      </dgm:ptLst>
+      <dgm:cxnLst>
+        <dgm:cxn modelId="4" srcId="0" destId="1" srcOrd="0" destOrd="0"/>
+        <dgm:cxn modelId="5" srcId="0" destId="2" srcOrd="1" destOrd="0"/>
+        <dgm:cxn modelId="13" srcId="1" destId="11" srcOrd="0" destOrd="0"/>
+        <dgm:cxn modelId="23" srcId="2" destId="21" srcOrd="0" destOrd="0"/>
+      </dgm:cxnLst>
+      <dgm:bg/>
+      <dgm:whole/>
+    </dgm:dataModel>
+  </dgm:styleData>
+  <dgm:clrData>
+    <dgm:dataModel>
+      <dgm:ptLst>
+        <dgm:pt modelId="0" type="doc"/>
+        <dgm:pt modelId="1"/>
+        <dgm:pt modelId="11"/>
+        <dgm:pt modelId="2"/>
+        <dgm:pt modelId="21"/>
+        <dgm:pt modelId="3"/>
+        <dgm:pt modelId="31"/>
+        <dgm:pt modelId="4"/>
+        <dgm:pt modelId="41"/>
+      </dgm:ptLst>
+      <dgm:cxnLst>
+        <dgm:cxn modelId="5" srcId="0" destId="1" srcOrd="0" destOrd="0"/>
+        <dgm:cxn modelId="6" srcId="0" destId="2" srcOrd="1" destOrd="0"/>
+        <dgm:cxn modelId="7" srcId="0" destId="3" srcOrd="2" destOrd="0"/>
+        <dgm:cxn modelId="8" srcId="0" destId="4" srcOrd="3" destOrd="0"/>
+        <dgm:cxn modelId="13" srcId="1" destId="11" srcOrd="0" destOrd="0"/>
+        <dgm:cxn modelId="23" srcId="2" destId="21" srcOrd="0" destOrd="0"/>
+        <dgm:cxn modelId="33" srcId="3" destId="31" srcOrd="0" destOrd="0"/>
+        <dgm:cxn modelId="43" srcId="4" destId="41" srcOrd="0" destOrd="0"/>
+      </dgm:cxnLst>
+      <dgm:bg/>
+      <dgm:whole/>
+    </dgm:dataModel>
+  </dgm:clrData>
+  <dgm:layoutNode name="Name0">
+    <dgm:varLst>
+      <dgm:dir/>
+      <dgm:animLvl val="lvl"/>
+      <dgm:resizeHandles val="exact"/>
+    </dgm:varLst>
+    <dgm:choose name="Name1">
+      <dgm:if name="Name2" func="var" arg="dir" op="equ" val="norm">
+        <dgm:alg type="lin">
+          <dgm:param type="linDir" val="fromT"/>
+          <dgm:param type="nodeHorzAlign" val="l"/>
+        </dgm:alg>
+      </dgm:if>
+      <dgm:else name="Name3">
+        <dgm:alg type="lin">
+          <dgm:param type="linDir" val="fromT"/>
+          <dgm:param type="nodeHorzAlign" val="r"/>
+        </dgm:alg>
+      </dgm:else>
+    </dgm:choose>
+    <dgm:shape xmlns:r="http://schemas.openxmlformats.org/officeDocument/2006/relationships" r:blip="">
+      <dgm:adjLst/>
+    </dgm:shape>
+    <dgm:presOf/>
+    <dgm:constrLst>
+      <dgm:constr type="h" for="ch" forName="linNode" refType="h"/>
+      <dgm:constr type="w" for="ch" forName="linNode" refType="w"/>
+      <dgm:constr type="h" for="ch" forName="sp" refType="h" fact="0.06"/>
+      <dgm:constr type="primFontSz" for="des" forName="parentText" op="equ" val="28"/>
+      <dgm:constr type="primFontSz" for="des" forName="descendantText" refType="primFontSz" refFor="des" refForName="parentText" op="lte" fact="0.82"/>
+      <dgm:constr type="primFontSz" for="des" forName="parentText" refType="primFontSz" refFor="des" refForName="descendantText" op="lte" fact="1.25"/>
+    </dgm:constrLst>
+    <dgm:ruleLst/>
+    <dgm:forEach name="Name4" axis="ch" ptType="node">
+      <dgm:layoutNode name="linNode">
+        <dgm:choose name="Name5">
+          <dgm:if name="Name6" func="var" arg="dir" op="equ" val="norm">
+            <dgm:alg type="lin">
+              <dgm:param type="linDir" val="fromL"/>
+            </dgm:alg>
+          </dgm:if>
+          <dgm:else name="Name7">
+            <dgm:alg type="lin">
+              <dgm:param type="linDir" val="fromR"/>
+            </dgm:alg>
+          </dgm:else>
+        </dgm:choose>
+        <dgm:shape xmlns:r="http://schemas.openxmlformats.org/officeDocument/2006/relationships" r:blip="">
+          <dgm:adjLst/>
+        </dgm:shape>
+        <dgm:presOf/>
+        <dgm:constrLst>
+          <dgm:constr type="w" for="ch" forName="parentText" refType="w" fact="0.2"/>
+          <dgm:constr type="w" for="ch" forName="descendantText" refType="w" fact="0.8"/>
+          <dgm:constr type="h" for="ch" forName="parentText" refType="h"/>
+          <dgm:constr type="h" for="ch" forName="descendantText" refType="h" refFor="ch" refForName="parentText"/>
+        </dgm:constrLst>
+        <dgm:ruleLst/>
+        <dgm:layoutNode name="parentText" styleLbl="solidFgAcc1">
+          <dgm:varLst>
+            <dgm:chMax val="1"/>
+            <dgm:bulletEnabled/>
+          </dgm:varLst>
+          <dgm:alg type="tx"/>
+          <dgm:shape xmlns:r="http://schemas.openxmlformats.org/officeDocument/2006/relationships" type="rect" r:blip="" zOrderOff="3">
+            <dgm:adjLst/>
+          </dgm:shape>
+          <dgm:presOf axis="self" ptType="node"/>
+          <dgm:constrLst>
+            <dgm:constr type="tMarg" refType="h" fact="0.28"/>
+            <dgm:constr type="bMarg" refType="h" fact="0.28"/>
+            <dgm:constr type="lMarg" refType="w" fact="0.15"/>
+            <dgm:constr type="rMarg" refType="w" fact="0.15"/>
+          </dgm:constrLst>
+          <dgm:ruleLst>
+            <dgm:rule type="primFontSz" val="15" fact="NaN" max="NaN"/>
+          </dgm:ruleLst>
+        </dgm:layoutNode>
+        <dgm:layoutNode name="descendantText" styleLbl="alignNode1">
+          <dgm:varLst>
+            <dgm:bulletEnabled/>
+          </dgm:varLst>
+          <dgm:alg type="tx">
+            <dgm:param type="stBulletLvl" val="0"/>
+            <dgm:param type="parTxLTRAlign" val="l"/>
+            <dgm:param type="shpTxLTRAlignCh" val="l"/>
+            <dgm:param type="parTxRTLAlign" val="r"/>
+            <dgm:param type="shpTxRTLAlignCh" val="r"/>
+          </dgm:alg>
+          <dgm:choose name="Name10">
+            <dgm:if name="Name11" func="var" arg="dir" op="equ" val="norm">
+              <dgm:shape xmlns:r="http://schemas.openxmlformats.org/officeDocument/2006/relationships" type="rect" r:blip="">
+                <dgm:adjLst/>
+              </dgm:shape>
+            </dgm:if>
+            <dgm:else name="Name12">
+              <dgm:shape xmlns:r="http://schemas.openxmlformats.org/officeDocument/2006/relationships" type="rect" r:blip="">
+                <dgm:adjLst/>
+              </dgm:shape>
+            </dgm:else>
+          </dgm:choose>
+          <dgm:presOf axis="des" ptType="node"/>
+          <dgm:constrLst>
+            <dgm:constr type="primFontSz" val="24"/>
+            <dgm:constr type="lMarg" refType="w" fact="0.055"/>
+            <dgm:constr type="rMarg" refType="w" fact="0.055"/>
+            <dgm:constr type="tMarg" refType="h" fact="0.72"/>
+            <dgm:constr type="bMarg" refType="h" fact="0.72"/>
+          </dgm:constrLst>
+          <dgm:ruleLst>
+            <dgm:rule type="primFontSz" val="11" fact="NaN" max="NaN"/>
+          </dgm:ruleLst>
+        </dgm:layoutNode>
+      </dgm:layoutNode>
+      <dgm:forEach name="Name14" axis="followSib" ptType="sibTrans" cnt="1">
+        <dgm:layoutNode name="sp">
+          <dgm:alg type="sp"/>
+          <dgm:shape xmlns:r="http://schemas.openxmlformats.org/officeDocument/2006/relationships" r:blip="">
+            <dgm:adjLst/>
+          </dgm:shape>
+          <dgm:presOf/>
+          <dgm:constrLst/>
+          <dgm:ruleLst/>
+        </dgm:layoutNode>
+      </dgm:forEach>
+    </dgm:forEach>
+  </dgm:layoutNode>
+</dgm:layoutDef>
+</file>
+
 <file path=ppt/diagrams/quickStyle1.xml><?xml version="1.0" encoding="utf-8"?>
 <dgm:styleDef xmlns:dgm="http://schemas.openxmlformats.org/drawingml/2006/diagram" xmlns:a="http://schemas.openxmlformats.org/drawingml/2006/main" uniqueId="urn:microsoft.com/office/officeart/2005/8/quickstyle/simple2">
   <dgm:title val=""/>
@@ -18947,6 +21106,1040 @@
         <a:scrgbClr r="0" g="0" b="0"/>
       </a:fillRef>
       <a:effectRef idx="0">
+        <a:scrgbClr r="0" g="0" b="0"/>
+      </a:effectRef>
+      <a:fontRef idx="minor"/>
+    </dgm:style>
+  </dgm:styleLbl>
+  <dgm:styleLbl name="revTx">
+    <dgm:scene3d>
+      <a:camera prst="orthographicFront"/>
+      <a:lightRig rig="threePt" dir="t"/>
+    </dgm:scene3d>
+    <dgm:sp3d/>
+    <dgm:txPr/>
+    <dgm:style>
+      <a:lnRef idx="0">
+        <a:scrgbClr r="0" g="0" b="0"/>
+      </a:lnRef>
+      <a:fillRef idx="0">
+        <a:scrgbClr r="0" g="0" b="0"/>
+      </a:fillRef>
+      <a:effectRef idx="0">
+        <a:scrgbClr r="0" g="0" b="0"/>
+      </a:effectRef>
+      <a:fontRef idx="minor"/>
+    </dgm:style>
+  </dgm:styleLbl>
+</dgm:styleDef>
+</file>
+
+<file path=ppt/diagrams/quickStyle5.xml><?xml version="1.0" encoding="utf-8"?>
+<dgm:styleDef xmlns:dgm="http://schemas.openxmlformats.org/drawingml/2006/diagram" xmlns:a="http://schemas.openxmlformats.org/drawingml/2006/main" uniqueId="urn:microsoft.com/office/officeart/2005/8/quickstyle/simple2">
+  <dgm:title val=""/>
+  <dgm:desc val=""/>
+  <dgm:catLst>
+    <dgm:cat type="simple" pri="10200"/>
+  </dgm:catLst>
+  <dgm:scene3d>
+    <a:camera prst="orthographicFront"/>
+    <a:lightRig rig="threePt" dir="t"/>
+  </dgm:scene3d>
+  <dgm:styleLbl name="node0">
+    <dgm:scene3d>
+      <a:camera prst="orthographicFront"/>
+      <a:lightRig rig="threePt" dir="t"/>
+    </dgm:scene3d>
+    <dgm:sp3d/>
+    <dgm:txPr/>
+    <dgm:style>
+      <a:lnRef idx="3">
+        <a:scrgbClr r="0" g="0" b="0"/>
+      </a:lnRef>
+      <a:fillRef idx="1">
+        <a:scrgbClr r="0" g="0" b="0"/>
+      </a:fillRef>
+      <a:effectRef idx="1">
+        <a:scrgbClr r="0" g="0" b="0"/>
+      </a:effectRef>
+      <a:fontRef idx="minor">
+        <a:schemeClr val="lt1"/>
+      </a:fontRef>
+    </dgm:style>
+  </dgm:styleLbl>
+  <dgm:styleLbl name="lnNode1">
+    <dgm:scene3d>
+      <a:camera prst="orthographicFront"/>
+      <a:lightRig rig="threePt" dir="t"/>
+    </dgm:scene3d>
+    <dgm:sp3d/>
+    <dgm:txPr/>
+    <dgm:style>
+      <a:lnRef idx="3">
+        <a:scrgbClr r="0" g="0" b="0"/>
+      </a:lnRef>
+      <a:fillRef idx="1">
+        <a:scrgbClr r="0" g="0" b="0"/>
+      </a:fillRef>
+      <a:effectRef idx="1">
+        <a:scrgbClr r="0" g="0" b="0"/>
+      </a:effectRef>
+      <a:fontRef idx="minor">
+        <a:schemeClr val="lt1"/>
+      </a:fontRef>
+    </dgm:style>
+  </dgm:styleLbl>
+  <dgm:styleLbl name="vennNode1">
+    <dgm:scene3d>
+      <a:camera prst="orthographicFront"/>
+      <a:lightRig rig="threePt" dir="t"/>
+    </dgm:scene3d>
+    <dgm:sp3d/>
+    <dgm:txPr/>
+    <dgm:style>
+      <a:lnRef idx="3">
+        <a:scrgbClr r="0" g="0" b="0"/>
+      </a:lnRef>
+      <a:fillRef idx="1">
+        <a:scrgbClr r="0" g="0" b="0"/>
+      </a:fillRef>
+      <a:effectRef idx="0">
+        <a:scrgbClr r="0" g="0" b="0"/>
+      </a:effectRef>
+      <a:fontRef idx="minor">
+        <a:schemeClr val="tx1"/>
+      </a:fontRef>
+    </dgm:style>
+  </dgm:styleLbl>
+  <dgm:styleLbl name="alignNode1">
+    <dgm:scene3d>
+      <a:camera prst="orthographicFront"/>
+      <a:lightRig rig="threePt" dir="t"/>
+    </dgm:scene3d>
+    <dgm:sp3d/>
+    <dgm:txPr/>
+    <dgm:style>
+      <a:lnRef idx="2">
+        <a:scrgbClr r="0" g="0" b="0"/>
+      </a:lnRef>
+      <a:fillRef idx="1">
+        <a:scrgbClr r="0" g="0" b="0"/>
+      </a:fillRef>
+      <a:effectRef idx="1">
+        <a:scrgbClr r="0" g="0" b="0"/>
+      </a:effectRef>
+      <a:fontRef idx="minor">
+        <a:schemeClr val="lt1"/>
+      </a:fontRef>
+    </dgm:style>
+  </dgm:styleLbl>
+  <dgm:styleLbl name="node1">
+    <dgm:scene3d>
+      <a:camera prst="orthographicFront"/>
+      <a:lightRig rig="threePt" dir="t"/>
+    </dgm:scene3d>
+    <dgm:sp3d/>
+    <dgm:txPr/>
+    <dgm:style>
+      <a:lnRef idx="3">
+        <a:scrgbClr r="0" g="0" b="0"/>
+      </a:lnRef>
+      <a:fillRef idx="1">
+        <a:scrgbClr r="0" g="0" b="0"/>
+      </a:fillRef>
+      <a:effectRef idx="1">
+        <a:scrgbClr r="0" g="0" b="0"/>
+      </a:effectRef>
+      <a:fontRef idx="minor">
+        <a:schemeClr val="lt1"/>
+      </a:fontRef>
+    </dgm:style>
+  </dgm:styleLbl>
+  <dgm:styleLbl name="node2">
+    <dgm:scene3d>
+      <a:camera prst="orthographicFront"/>
+      <a:lightRig rig="threePt" dir="t"/>
+    </dgm:scene3d>
+    <dgm:sp3d/>
+    <dgm:txPr/>
+    <dgm:style>
+      <a:lnRef idx="3">
+        <a:scrgbClr r="0" g="0" b="0"/>
+      </a:lnRef>
+      <a:fillRef idx="1">
+        <a:scrgbClr r="0" g="0" b="0"/>
+      </a:fillRef>
+      <a:effectRef idx="1">
+        <a:scrgbClr r="0" g="0" b="0"/>
+      </a:effectRef>
+      <a:fontRef idx="minor">
+        <a:schemeClr val="lt1"/>
+      </a:fontRef>
+    </dgm:style>
+  </dgm:styleLbl>
+  <dgm:styleLbl name="node3">
+    <dgm:scene3d>
+      <a:camera prst="orthographicFront"/>
+      <a:lightRig rig="threePt" dir="t"/>
+    </dgm:scene3d>
+    <dgm:sp3d/>
+    <dgm:txPr/>
+    <dgm:style>
+      <a:lnRef idx="3">
+        <a:scrgbClr r="0" g="0" b="0"/>
+      </a:lnRef>
+      <a:fillRef idx="1">
+        <a:scrgbClr r="0" g="0" b="0"/>
+      </a:fillRef>
+      <a:effectRef idx="1">
+        <a:scrgbClr r="0" g="0" b="0"/>
+      </a:effectRef>
+      <a:fontRef idx="minor">
+        <a:schemeClr val="lt1"/>
+      </a:fontRef>
+    </dgm:style>
+  </dgm:styleLbl>
+  <dgm:styleLbl name="node4">
+    <dgm:scene3d>
+      <a:camera prst="orthographicFront"/>
+      <a:lightRig rig="threePt" dir="t"/>
+    </dgm:scene3d>
+    <dgm:sp3d/>
+    <dgm:txPr/>
+    <dgm:style>
+      <a:lnRef idx="3">
+        <a:scrgbClr r="0" g="0" b="0"/>
+      </a:lnRef>
+      <a:fillRef idx="1">
+        <a:scrgbClr r="0" g="0" b="0"/>
+      </a:fillRef>
+      <a:effectRef idx="1">
+        <a:scrgbClr r="0" g="0" b="0"/>
+      </a:effectRef>
+      <a:fontRef idx="minor">
+        <a:schemeClr val="lt1"/>
+      </a:fontRef>
+    </dgm:style>
+  </dgm:styleLbl>
+  <dgm:styleLbl name="fgImgPlace1">
+    <dgm:scene3d>
+      <a:camera prst="orthographicFront"/>
+      <a:lightRig rig="threePt" dir="t"/>
+    </dgm:scene3d>
+    <dgm:sp3d/>
+    <dgm:txPr/>
+    <dgm:style>
+      <a:lnRef idx="3">
+        <a:scrgbClr r="0" g="0" b="0"/>
+      </a:lnRef>
+      <a:fillRef idx="1">
+        <a:scrgbClr r="0" g="0" b="0"/>
+      </a:fillRef>
+      <a:effectRef idx="1">
+        <a:scrgbClr r="0" g="0" b="0"/>
+      </a:effectRef>
+      <a:fontRef idx="minor"/>
+    </dgm:style>
+  </dgm:styleLbl>
+  <dgm:styleLbl name="alignImgPlace1">
+    <dgm:scene3d>
+      <a:camera prst="orthographicFront"/>
+      <a:lightRig rig="threePt" dir="t"/>
+    </dgm:scene3d>
+    <dgm:sp3d/>
+    <dgm:txPr/>
+    <dgm:style>
+      <a:lnRef idx="3">
+        <a:scrgbClr r="0" g="0" b="0"/>
+      </a:lnRef>
+      <a:fillRef idx="1">
+        <a:scrgbClr r="0" g="0" b="0"/>
+      </a:fillRef>
+      <a:effectRef idx="1">
+        <a:scrgbClr r="0" g="0" b="0"/>
+      </a:effectRef>
+      <a:fontRef idx="minor"/>
+    </dgm:style>
+  </dgm:styleLbl>
+  <dgm:styleLbl name="bgImgPlace1">
+    <dgm:scene3d>
+      <a:camera prst="orthographicFront"/>
+      <a:lightRig rig="threePt" dir="t"/>
+    </dgm:scene3d>
+    <dgm:sp3d/>
+    <dgm:txPr/>
+    <dgm:style>
+      <a:lnRef idx="3">
+        <a:scrgbClr r="0" g="0" b="0"/>
+      </a:lnRef>
+      <a:fillRef idx="1">
+        <a:scrgbClr r="0" g="0" b="0"/>
+      </a:fillRef>
+      <a:effectRef idx="1">
+        <a:scrgbClr r="0" g="0" b="0"/>
+      </a:effectRef>
+      <a:fontRef idx="minor"/>
+    </dgm:style>
+  </dgm:styleLbl>
+  <dgm:styleLbl name="sibTrans2D1">
+    <dgm:scene3d>
+      <a:camera prst="orthographicFront"/>
+      <a:lightRig rig="threePt" dir="t"/>
+    </dgm:scene3d>
+    <dgm:sp3d/>
+    <dgm:txPr/>
+    <dgm:style>
+      <a:lnRef idx="0">
+        <a:scrgbClr r="0" g="0" b="0"/>
+      </a:lnRef>
+      <a:fillRef idx="1">
+        <a:scrgbClr r="0" g="0" b="0"/>
+      </a:fillRef>
+      <a:effectRef idx="1">
+        <a:scrgbClr r="0" g="0" b="0"/>
+      </a:effectRef>
+      <a:fontRef idx="minor">
+        <a:schemeClr val="lt1"/>
+      </a:fontRef>
+    </dgm:style>
+  </dgm:styleLbl>
+  <dgm:styleLbl name="fgSibTrans2D1">
+    <dgm:scene3d>
+      <a:camera prst="orthographicFront"/>
+      <a:lightRig rig="threePt" dir="t"/>
+    </dgm:scene3d>
+    <dgm:sp3d/>
+    <dgm:txPr/>
+    <dgm:style>
+      <a:lnRef idx="0">
+        <a:scrgbClr r="0" g="0" b="0"/>
+      </a:lnRef>
+      <a:fillRef idx="1">
+        <a:scrgbClr r="0" g="0" b="0"/>
+      </a:fillRef>
+      <a:effectRef idx="1">
+        <a:scrgbClr r="0" g="0" b="0"/>
+      </a:effectRef>
+      <a:fontRef idx="minor">
+        <a:schemeClr val="lt1"/>
+      </a:fontRef>
+    </dgm:style>
+  </dgm:styleLbl>
+  <dgm:styleLbl name="bgSibTrans2D1">
+    <dgm:scene3d>
+      <a:camera prst="orthographicFront"/>
+      <a:lightRig rig="threePt" dir="t"/>
+    </dgm:scene3d>
+    <dgm:sp3d/>
+    <dgm:txPr/>
+    <dgm:style>
+      <a:lnRef idx="0">
+        <a:scrgbClr r="0" g="0" b="0"/>
+      </a:lnRef>
+      <a:fillRef idx="1">
+        <a:scrgbClr r="0" g="0" b="0"/>
+      </a:fillRef>
+      <a:effectRef idx="1">
+        <a:scrgbClr r="0" g="0" b="0"/>
+      </a:effectRef>
+      <a:fontRef idx="minor">
+        <a:schemeClr val="lt1"/>
+      </a:fontRef>
+    </dgm:style>
+  </dgm:styleLbl>
+  <dgm:styleLbl name="sibTrans1D1">
+    <dgm:scene3d>
+      <a:camera prst="orthographicFront"/>
+      <a:lightRig rig="threePt" dir="t"/>
+    </dgm:scene3d>
+    <dgm:sp3d/>
+    <dgm:txPr/>
+    <dgm:style>
+      <a:lnRef idx="1">
+        <a:scrgbClr r="0" g="0" b="0"/>
+      </a:lnRef>
+      <a:fillRef idx="0">
+        <a:scrgbClr r="0" g="0" b="0"/>
+      </a:fillRef>
+      <a:effectRef idx="0">
+        <a:scrgbClr r="0" g="0" b="0"/>
+      </a:effectRef>
+      <a:fontRef idx="minor"/>
+    </dgm:style>
+  </dgm:styleLbl>
+  <dgm:styleLbl name="callout">
+    <dgm:scene3d>
+      <a:camera prst="orthographicFront"/>
+      <a:lightRig rig="threePt" dir="t"/>
+    </dgm:scene3d>
+    <dgm:sp3d/>
+    <dgm:txPr/>
+    <dgm:style>
+      <a:lnRef idx="2">
+        <a:scrgbClr r="0" g="0" b="0"/>
+      </a:lnRef>
+      <a:fillRef idx="1">
+        <a:scrgbClr r="0" g="0" b="0"/>
+      </a:fillRef>
+      <a:effectRef idx="1">
+        <a:scrgbClr r="0" g="0" b="0"/>
+      </a:effectRef>
+      <a:fontRef idx="minor"/>
+    </dgm:style>
+  </dgm:styleLbl>
+  <dgm:styleLbl name="asst0">
+    <dgm:scene3d>
+      <a:camera prst="orthographicFront"/>
+      <a:lightRig rig="threePt" dir="t"/>
+    </dgm:scene3d>
+    <dgm:sp3d/>
+    <dgm:txPr/>
+    <dgm:style>
+      <a:lnRef idx="3">
+        <a:scrgbClr r="0" g="0" b="0"/>
+      </a:lnRef>
+      <a:fillRef idx="1">
+        <a:scrgbClr r="0" g="0" b="0"/>
+      </a:fillRef>
+      <a:effectRef idx="1">
+        <a:scrgbClr r="0" g="0" b="0"/>
+      </a:effectRef>
+      <a:fontRef idx="minor">
+        <a:schemeClr val="lt1"/>
+      </a:fontRef>
+    </dgm:style>
+  </dgm:styleLbl>
+  <dgm:styleLbl name="asst1">
+    <dgm:scene3d>
+      <a:camera prst="orthographicFront"/>
+      <a:lightRig rig="threePt" dir="t"/>
+    </dgm:scene3d>
+    <dgm:sp3d/>
+    <dgm:txPr/>
+    <dgm:style>
+      <a:lnRef idx="3">
+        <a:scrgbClr r="0" g="0" b="0"/>
+      </a:lnRef>
+      <a:fillRef idx="1">
+        <a:scrgbClr r="0" g="0" b="0"/>
+      </a:fillRef>
+      <a:effectRef idx="1">
+        <a:scrgbClr r="0" g="0" b="0"/>
+      </a:effectRef>
+      <a:fontRef idx="minor">
+        <a:schemeClr val="lt1"/>
+      </a:fontRef>
+    </dgm:style>
+  </dgm:styleLbl>
+  <dgm:styleLbl name="asst2">
+    <dgm:scene3d>
+      <a:camera prst="orthographicFront"/>
+      <a:lightRig rig="threePt" dir="t"/>
+    </dgm:scene3d>
+    <dgm:sp3d/>
+    <dgm:txPr/>
+    <dgm:style>
+      <a:lnRef idx="3">
+        <a:scrgbClr r="0" g="0" b="0"/>
+      </a:lnRef>
+      <a:fillRef idx="1">
+        <a:scrgbClr r="0" g="0" b="0"/>
+      </a:fillRef>
+      <a:effectRef idx="1">
+        <a:scrgbClr r="0" g="0" b="0"/>
+      </a:effectRef>
+      <a:fontRef idx="minor">
+        <a:schemeClr val="lt1"/>
+      </a:fontRef>
+    </dgm:style>
+  </dgm:styleLbl>
+  <dgm:styleLbl name="asst3">
+    <dgm:scene3d>
+      <a:camera prst="orthographicFront"/>
+      <a:lightRig rig="threePt" dir="t"/>
+    </dgm:scene3d>
+    <dgm:sp3d/>
+    <dgm:txPr/>
+    <dgm:style>
+      <a:lnRef idx="3">
+        <a:scrgbClr r="0" g="0" b="0"/>
+      </a:lnRef>
+      <a:fillRef idx="1">
+        <a:scrgbClr r="0" g="0" b="0"/>
+      </a:fillRef>
+      <a:effectRef idx="1">
+        <a:scrgbClr r="0" g="0" b="0"/>
+      </a:effectRef>
+      <a:fontRef idx="minor">
+        <a:schemeClr val="lt1"/>
+      </a:fontRef>
+    </dgm:style>
+  </dgm:styleLbl>
+  <dgm:styleLbl name="asst4">
+    <dgm:scene3d>
+      <a:camera prst="orthographicFront"/>
+      <a:lightRig rig="threePt" dir="t"/>
+    </dgm:scene3d>
+    <dgm:sp3d/>
+    <dgm:txPr/>
+    <dgm:style>
+      <a:lnRef idx="3">
+        <a:scrgbClr r="0" g="0" b="0"/>
+      </a:lnRef>
+      <a:fillRef idx="1">
+        <a:scrgbClr r="0" g="0" b="0"/>
+      </a:fillRef>
+      <a:effectRef idx="1">
+        <a:scrgbClr r="0" g="0" b="0"/>
+      </a:effectRef>
+      <a:fontRef idx="minor">
+        <a:schemeClr val="lt1"/>
+      </a:fontRef>
+    </dgm:style>
+  </dgm:styleLbl>
+  <dgm:styleLbl name="parChTrans2D1">
+    <dgm:scene3d>
+      <a:camera prst="orthographicFront"/>
+      <a:lightRig rig="threePt" dir="t"/>
+    </dgm:scene3d>
+    <dgm:sp3d/>
+    <dgm:txPr/>
+    <dgm:style>
+      <a:lnRef idx="3">
+        <a:scrgbClr r="0" g="0" b="0"/>
+      </a:lnRef>
+      <a:fillRef idx="1">
+        <a:scrgbClr r="0" g="0" b="0"/>
+      </a:fillRef>
+      <a:effectRef idx="1">
+        <a:scrgbClr r="0" g="0" b="0"/>
+      </a:effectRef>
+      <a:fontRef idx="minor">
+        <a:schemeClr val="lt1"/>
+      </a:fontRef>
+    </dgm:style>
+  </dgm:styleLbl>
+  <dgm:styleLbl name="parChTrans2D2">
+    <dgm:scene3d>
+      <a:camera prst="orthographicFront"/>
+      <a:lightRig rig="threePt" dir="t"/>
+    </dgm:scene3d>
+    <dgm:sp3d/>
+    <dgm:txPr/>
+    <dgm:style>
+      <a:lnRef idx="3">
+        <a:scrgbClr r="0" g="0" b="0"/>
+      </a:lnRef>
+      <a:fillRef idx="1">
+        <a:scrgbClr r="0" g="0" b="0"/>
+      </a:fillRef>
+      <a:effectRef idx="1">
+        <a:scrgbClr r="0" g="0" b="0"/>
+      </a:effectRef>
+      <a:fontRef idx="minor">
+        <a:schemeClr val="lt1"/>
+      </a:fontRef>
+    </dgm:style>
+  </dgm:styleLbl>
+  <dgm:styleLbl name="parChTrans2D3">
+    <dgm:scene3d>
+      <a:camera prst="orthographicFront"/>
+      <a:lightRig rig="threePt" dir="t"/>
+    </dgm:scene3d>
+    <dgm:sp3d/>
+    <dgm:txPr/>
+    <dgm:style>
+      <a:lnRef idx="3">
+        <a:scrgbClr r="0" g="0" b="0"/>
+      </a:lnRef>
+      <a:fillRef idx="1">
+        <a:scrgbClr r="0" g="0" b="0"/>
+      </a:fillRef>
+      <a:effectRef idx="1">
+        <a:scrgbClr r="0" g="0" b="0"/>
+      </a:effectRef>
+      <a:fontRef idx="minor">
+        <a:schemeClr val="lt1"/>
+      </a:fontRef>
+    </dgm:style>
+  </dgm:styleLbl>
+  <dgm:styleLbl name="parChTrans2D4">
+    <dgm:scene3d>
+      <a:camera prst="orthographicFront"/>
+      <a:lightRig rig="threePt" dir="t"/>
+    </dgm:scene3d>
+    <dgm:sp3d/>
+    <dgm:txPr/>
+    <dgm:style>
+      <a:lnRef idx="3">
+        <a:scrgbClr r="0" g="0" b="0"/>
+      </a:lnRef>
+      <a:fillRef idx="1">
+        <a:scrgbClr r="0" g="0" b="0"/>
+      </a:fillRef>
+      <a:effectRef idx="1">
+        <a:scrgbClr r="0" g="0" b="0"/>
+      </a:effectRef>
+      <a:fontRef idx="minor">
+        <a:schemeClr val="lt1"/>
+      </a:fontRef>
+    </dgm:style>
+  </dgm:styleLbl>
+  <dgm:styleLbl name="parChTrans1D1">
+    <dgm:scene3d>
+      <a:camera prst="orthographicFront"/>
+      <a:lightRig rig="threePt" dir="t"/>
+    </dgm:scene3d>
+    <dgm:sp3d/>
+    <dgm:txPr/>
+    <dgm:style>
+      <a:lnRef idx="2">
+        <a:scrgbClr r="0" g="0" b="0"/>
+      </a:lnRef>
+      <a:fillRef idx="0">
+        <a:scrgbClr r="0" g="0" b="0"/>
+      </a:fillRef>
+      <a:effectRef idx="0">
+        <a:scrgbClr r="0" g="0" b="0"/>
+      </a:effectRef>
+      <a:fontRef idx="minor"/>
+    </dgm:style>
+  </dgm:styleLbl>
+  <dgm:styleLbl name="parChTrans1D2">
+    <dgm:scene3d>
+      <a:camera prst="orthographicFront"/>
+      <a:lightRig rig="threePt" dir="t"/>
+    </dgm:scene3d>
+    <dgm:sp3d/>
+    <dgm:txPr/>
+    <dgm:style>
+      <a:lnRef idx="2">
+        <a:scrgbClr r="0" g="0" b="0"/>
+      </a:lnRef>
+      <a:fillRef idx="0">
+        <a:scrgbClr r="0" g="0" b="0"/>
+      </a:fillRef>
+      <a:effectRef idx="0">
+        <a:scrgbClr r="0" g="0" b="0"/>
+      </a:effectRef>
+      <a:fontRef idx="minor"/>
+    </dgm:style>
+  </dgm:styleLbl>
+  <dgm:styleLbl name="parChTrans1D3">
+    <dgm:scene3d>
+      <a:camera prst="orthographicFront"/>
+      <a:lightRig rig="threePt" dir="t"/>
+    </dgm:scene3d>
+    <dgm:sp3d/>
+    <dgm:txPr/>
+    <dgm:style>
+      <a:lnRef idx="2">
+        <a:scrgbClr r="0" g="0" b="0"/>
+      </a:lnRef>
+      <a:fillRef idx="0">
+        <a:scrgbClr r="0" g="0" b="0"/>
+      </a:fillRef>
+      <a:effectRef idx="0">
+        <a:scrgbClr r="0" g="0" b="0"/>
+      </a:effectRef>
+      <a:fontRef idx="minor"/>
+    </dgm:style>
+  </dgm:styleLbl>
+  <dgm:styleLbl name="parChTrans1D4">
+    <dgm:scene3d>
+      <a:camera prst="orthographicFront"/>
+      <a:lightRig rig="threePt" dir="t"/>
+    </dgm:scene3d>
+    <dgm:sp3d/>
+    <dgm:txPr/>
+    <dgm:style>
+      <a:lnRef idx="2">
+        <a:scrgbClr r="0" g="0" b="0"/>
+      </a:lnRef>
+      <a:fillRef idx="0">
+        <a:scrgbClr r="0" g="0" b="0"/>
+      </a:fillRef>
+      <a:effectRef idx="0">
+        <a:scrgbClr r="0" g="0" b="0"/>
+      </a:effectRef>
+      <a:fontRef idx="minor"/>
+    </dgm:style>
+  </dgm:styleLbl>
+  <dgm:styleLbl name="fgAcc1">
+    <dgm:scene3d>
+      <a:camera prst="orthographicFront"/>
+      <a:lightRig rig="threePt" dir="t"/>
+    </dgm:scene3d>
+    <dgm:sp3d/>
+    <dgm:txPr/>
+    <dgm:style>
+      <a:lnRef idx="2">
+        <a:scrgbClr r="0" g="0" b="0"/>
+      </a:lnRef>
+      <a:fillRef idx="1">
+        <a:scrgbClr r="0" g="0" b="0"/>
+      </a:fillRef>
+      <a:effectRef idx="0">
+        <a:scrgbClr r="0" g="0" b="0"/>
+      </a:effectRef>
+      <a:fontRef idx="minor"/>
+    </dgm:style>
+  </dgm:styleLbl>
+  <dgm:styleLbl name="conFgAcc1">
+    <dgm:scene3d>
+      <a:camera prst="orthographicFront"/>
+      <a:lightRig rig="threePt" dir="t"/>
+    </dgm:scene3d>
+    <dgm:sp3d/>
+    <dgm:txPr/>
+    <dgm:style>
+      <a:lnRef idx="2">
+        <a:scrgbClr r="0" g="0" b="0"/>
+      </a:lnRef>
+      <a:fillRef idx="1">
+        <a:scrgbClr r="0" g="0" b="0"/>
+      </a:fillRef>
+      <a:effectRef idx="0">
+        <a:scrgbClr r="0" g="0" b="0"/>
+      </a:effectRef>
+      <a:fontRef idx="minor"/>
+    </dgm:style>
+  </dgm:styleLbl>
+  <dgm:styleLbl name="alignAcc1">
+    <dgm:scene3d>
+      <a:camera prst="orthographicFront"/>
+      <a:lightRig rig="threePt" dir="t"/>
+    </dgm:scene3d>
+    <dgm:sp3d/>
+    <dgm:txPr/>
+    <dgm:style>
+      <a:lnRef idx="2">
+        <a:scrgbClr r="0" g="0" b="0"/>
+      </a:lnRef>
+      <a:fillRef idx="1">
+        <a:scrgbClr r="0" g="0" b="0"/>
+      </a:fillRef>
+      <a:effectRef idx="0">
+        <a:scrgbClr r="0" g="0" b="0"/>
+      </a:effectRef>
+      <a:fontRef idx="minor"/>
+    </dgm:style>
+  </dgm:styleLbl>
+  <dgm:styleLbl name="trAlignAcc1">
+    <dgm:scene3d>
+      <a:camera prst="orthographicFront"/>
+      <a:lightRig rig="threePt" dir="t"/>
+    </dgm:scene3d>
+    <dgm:sp3d/>
+    <dgm:txPr/>
+    <dgm:style>
+      <a:lnRef idx="1">
+        <a:scrgbClr r="0" g="0" b="0"/>
+      </a:lnRef>
+      <a:fillRef idx="1">
+        <a:scrgbClr r="0" g="0" b="0"/>
+      </a:fillRef>
+      <a:effectRef idx="0">
+        <a:scrgbClr r="0" g="0" b="0"/>
+      </a:effectRef>
+      <a:fontRef idx="minor"/>
+    </dgm:style>
+  </dgm:styleLbl>
+  <dgm:styleLbl name="bgAcc1">
+    <dgm:scene3d>
+      <a:camera prst="orthographicFront"/>
+      <a:lightRig rig="threePt" dir="t"/>
+    </dgm:scene3d>
+    <dgm:sp3d/>
+    <dgm:txPr/>
+    <dgm:style>
+      <a:lnRef idx="2">
+        <a:scrgbClr r="0" g="0" b="0"/>
+      </a:lnRef>
+      <a:fillRef idx="1">
+        <a:scrgbClr r="0" g="0" b="0"/>
+      </a:fillRef>
+      <a:effectRef idx="0">
+        <a:scrgbClr r="0" g="0" b="0"/>
+      </a:effectRef>
+      <a:fontRef idx="minor"/>
+    </dgm:style>
+  </dgm:styleLbl>
+  <dgm:styleLbl name="solidFgAcc1">
+    <dgm:scene3d>
+      <a:camera prst="orthographicFront"/>
+      <a:lightRig rig="threePt" dir="t"/>
+    </dgm:scene3d>
+    <dgm:sp3d/>
+    <dgm:txPr/>
+    <dgm:style>
+      <a:lnRef idx="2">
+        <a:scrgbClr r="0" g="0" b="0"/>
+      </a:lnRef>
+      <a:fillRef idx="1">
+        <a:scrgbClr r="0" g="0" b="0"/>
+      </a:fillRef>
+      <a:effectRef idx="0">
+        <a:scrgbClr r="0" g="0" b="0"/>
+      </a:effectRef>
+      <a:fontRef idx="minor"/>
+    </dgm:style>
+  </dgm:styleLbl>
+  <dgm:styleLbl name="solidAlignAcc1">
+    <dgm:scene3d>
+      <a:camera prst="orthographicFront"/>
+      <a:lightRig rig="threePt" dir="t"/>
+    </dgm:scene3d>
+    <dgm:sp3d/>
+    <dgm:txPr/>
+    <dgm:style>
+      <a:lnRef idx="2">
+        <a:scrgbClr r="0" g="0" b="0"/>
+      </a:lnRef>
+      <a:fillRef idx="1">
+        <a:scrgbClr r="0" g="0" b="0"/>
+      </a:fillRef>
+      <a:effectRef idx="0">
+        <a:scrgbClr r="0" g="0" b="0"/>
+      </a:effectRef>
+      <a:fontRef idx="minor"/>
+    </dgm:style>
+  </dgm:styleLbl>
+  <dgm:styleLbl name="solidBgAcc1">
+    <dgm:scene3d>
+      <a:camera prst="orthographicFront"/>
+      <a:lightRig rig="threePt" dir="t"/>
+    </dgm:scene3d>
+    <dgm:sp3d/>
+    <dgm:txPr/>
+    <dgm:style>
+      <a:lnRef idx="2">
+        <a:scrgbClr r="0" g="0" b="0"/>
+      </a:lnRef>
+      <a:fillRef idx="1">
+        <a:scrgbClr r="0" g="0" b="0"/>
+      </a:fillRef>
+      <a:effectRef idx="0">
+        <a:scrgbClr r="0" g="0" b="0"/>
+      </a:effectRef>
+      <a:fontRef idx="minor"/>
+    </dgm:style>
+  </dgm:styleLbl>
+  <dgm:styleLbl name="fgAccFollowNode1">
+    <dgm:scene3d>
+      <a:camera prst="orthographicFront"/>
+      <a:lightRig rig="threePt" dir="t"/>
+    </dgm:scene3d>
+    <dgm:sp3d/>
+    <dgm:txPr/>
+    <dgm:style>
+      <a:lnRef idx="2">
+        <a:scrgbClr r="0" g="0" b="0"/>
+      </a:lnRef>
+      <a:fillRef idx="1">
+        <a:scrgbClr r="0" g="0" b="0"/>
+      </a:fillRef>
+      <a:effectRef idx="0">
+        <a:scrgbClr r="0" g="0" b="0"/>
+      </a:effectRef>
+      <a:fontRef idx="minor"/>
+    </dgm:style>
+  </dgm:styleLbl>
+  <dgm:styleLbl name="alignAccFollowNode1">
+    <dgm:scene3d>
+      <a:camera prst="orthographicFront"/>
+      <a:lightRig rig="threePt" dir="t"/>
+    </dgm:scene3d>
+    <dgm:sp3d/>
+    <dgm:txPr/>
+    <dgm:style>
+      <a:lnRef idx="2">
+        <a:scrgbClr r="0" g="0" b="0"/>
+      </a:lnRef>
+      <a:fillRef idx="1">
+        <a:scrgbClr r="0" g="0" b="0"/>
+      </a:fillRef>
+      <a:effectRef idx="0">
+        <a:scrgbClr r="0" g="0" b="0"/>
+      </a:effectRef>
+      <a:fontRef idx="minor"/>
+    </dgm:style>
+  </dgm:styleLbl>
+  <dgm:styleLbl name="bgAccFollowNode1">
+    <dgm:scene3d>
+      <a:camera prst="orthographicFront"/>
+      <a:lightRig rig="threePt" dir="t"/>
+    </dgm:scene3d>
+    <dgm:sp3d/>
+    <dgm:txPr/>
+    <dgm:style>
+      <a:lnRef idx="2">
+        <a:scrgbClr r="0" g="0" b="0"/>
+      </a:lnRef>
+      <a:fillRef idx="1">
+        <a:scrgbClr r="0" g="0" b="0"/>
+      </a:fillRef>
+      <a:effectRef idx="0">
+        <a:scrgbClr r="0" g="0" b="0"/>
+      </a:effectRef>
+      <a:fontRef idx="minor"/>
+    </dgm:style>
+  </dgm:styleLbl>
+  <dgm:styleLbl name="fgAcc0">
+    <dgm:scene3d>
+      <a:camera prst="orthographicFront"/>
+      <a:lightRig rig="threePt" dir="t"/>
+    </dgm:scene3d>
+    <dgm:sp3d/>
+    <dgm:txPr/>
+    <dgm:style>
+      <a:lnRef idx="2">
+        <a:scrgbClr r="0" g="0" b="0"/>
+      </a:lnRef>
+      <a:fillRef idx="1">
+        <a:scrgbClr r="0" g="0" b="0"/>
+      </a:fillRef>
+      <a:effectRef idx="0">
+        <a:scrgbClr r="0" g="0" b="0"/>
+      </a:effectRef>
+      <a:fontRef idx="minor"/>
+    </dgm:style>
+  </dgm:styleLbl>
+  <dgm:styleLbl name="fgAcc2">
+    <dgm:scene3d>
+      <a:camera prst="orthographicFront"/>
+      <a:lightRig rig="threePt" dir="t"/>
+    </dgm:scene3d>
+    <dgm:sp3d/>
+    <dgm:txPr/>
+    <dgm:style>
+      <a:lnRef idx="2">
+        <a:scrgbClr r="0" g="0" b="0"/>
+      </a:lnRef>
+      <a:fillRef idx="1">
+        <a:scrgbClr r="0" g="0" b="0"/>
+      </a:fillRef>
+      <a:effectRef idx="0">
+        <a:scrgbClr r="0" g="0" b="0"/>
+      </a:effectRef>
+      <a:fontRef idx="minor"/>
+    </dgm:style>
+  </dgm:styleLbl>
+  <dgm:styleLbl name="fgAcc3">
+    <dgm:scene3d>
+      <a:camera prst="orthographicFront"/>
+      <a:lightRig rig="threePt" dir="t"/>
+    </dgm:scene3d>
+    <dgm:sp3d/>
+    <dgm:txPr/>
+    <dgm:style>
+      <a:lnRef idx="2">
+        <a:scrgbClr r="0" g="0" b="0"/>
+      </a:lnRef>
+      <a:fillRef idx="1">
+        <a:scrgbClr r="0" g="0" b="0"/>
+      </a:fillRef>
+      <a:effectRef idx="0">
+        <a:scrgbClr r="0" g="0" b="0"/>
+      </a:effectRef>
+      <a:fontRef idx="minor"/>
+    </dgm:style>
+  </dgm:styleLbl>
+  <dgm:styleLbl name="fgAcc4">
+    <dgm:scene3d>
+      <a:camera prst="orthographicFront"/>
+      <a:lightRig rig="threePt" dir="t"/>
+    </dgm:scene3d>
+    <dgm:sp3d/>
+    <dgm:txPr/>
+    <dgm:style>
+      <a:lnRef idx="2">
+        <a:scrgbClr r="0" g="0" b="0"/>
+      </a:lnRef>
+      <a:fillRef idx="1">
+        <a:scrgbClr r="0" g="0" b="0"/>
+      </a:fillRef>
+      <a:effectRef idx="0">
+        <a:scrgbClr r="0" g="0" b="0"/>
+      </a:effectRef>
+      <a:fontRef idx="minor"/>
+    </dgm:style>
+  </dgm:styleLbl>
+  <dgm:styleLbl name="bgShp">
+    <dgm:scene3d>
+      <a:camera prst="orthographicFront"/>
+      <a:lightRig rig="threePt" dir="t"/>
+    </dgm:scene3d>
+    <dgm:sp3d/>
+    <dgm:txPr/>
+    <dgm:style>
+      <a:lnRef idx="0">
+        <a:scrgbClr r="0" g="0" b="0"/>
+      </a:lnRef>
+      <a:fillRef idx="1">
+        <a:scrgbClr r="0" g="0" b="0"/>
+      </a:fillRef>
+      <a:effectRef idx="0">
+        <a:scrgbClr r="0" g="0" b="0"/>
+      </a:effectRef>
+      <a:fontRef idx="minor"/>
+    </dgm:style>
+  </dgm:styleLbl>
+  <dgm:styleLbl name="dkBgShp">
+    <dgm:scene3d>
+      <a:camera prst="orthographicFront"/>
+      <a:lightRig rig="threePt" dir="t"/>
+    </dgm:scene3d>
+    <dgm:sp3d/>
+    <dgm:txPr/>
+    <dgm:style>
+      <a:lnRef idx="0">
+        <a:scrgbClr r="0" g="0" b="0"/>
+      </a:lnRef>
+      <a:fillRef idx="1">
+        <a:scrgbClr r="0" g="0" b="0"/>
+      </a:fillRef>
+      <a:effectRef idx="0">
+        <a:scrgbClr r="0" g="0" b="0"/>
+      </a:effectRef>
+      <a:fontRef idx="minor"/>
+    </dgm:style>
+  </dgm:styleLbl>
+  <dgm:styleLbl name="trBgShp">
+    <dgm:scene3d>
+      <a:camera prst="orthographicFront"/>
+      <a:lightRig rig="threePt" dir="t"/>
+    </dgm:scene3d>
+    <dgm:sp3d/>
+    <dgm:txPr/>
+    <dgm:style>
+      <a:lnRef idx="0">
+        <a:scrgbClr r="0" g="0" b="0"/>
+      </a:lnRef>
+      <a:fillRef idx="1">
+        <a:scrgbClr r="0" g="0" b="0"/>
+      </a:fillRef>
+      <a:effectRef idx="0">
+        <a:scrgbClr r="0" g="0" b="0"/>
+      </a:effectRef>
+      <a:fontRef idx="minor"/>
+    </dgm:style>
+  </dgm:styleLbl>
+  <dgm:styleLbl name="fgShp">
+    <dgm:scene3d>
+      <a:camera prst="orthographicFront"/>
+      <a:lightRig rig="threePt" dir="t"/>
+    </dgm:scene3d>
+    <dgm:sp3d/>
+    <dgm:txPr/>
+    <dgm:style>
+      <a:lnRef idx="3">
+        <a:scrgbClr r="0" g="0" b="0"/>
+      </a:lnRef>
+      <a:fillRef idx="1">
+        <a:scrgbClr r="0" g="0" b="0"/>
+      </a:fillRef>
+      <a:effectRef idx="1">
         <a:scrgbClr r="0" g="0" b="0"/>
       </a:effectRef>
       <a:fontRef idx="minor"/>
@@ -22404,7 +25597,7 @@
           <a:p>
             <a:r>
               <a:rPr lang="en-US" dirty="0"/>
-              <a:t>CSC-470 – Final Project Presentation</a:t>
+              <a:t>CSC-470 – Final Project Presentation | 4-20-17</a:t>
             </a:r>
           </a:p>
           <a:p>
@@ -22436,132 +25629,6 @@
 </file>
 
 <file path=ppt/slides/slide10.xml><?xml version="1.0" encoding="utf-8"?>
-<p:sld xmlns:a="http://schemas.openxmlformats.org/drawingml/2006/main" xmlns:r="http://schemas.openxmlformats.org/officeDocument/2006/relationships" xmlns:p="http://schemas.openxmlformats.org/presentationml/2006/main">
-  <p:cSld>
-    <p:spTree>
-      <p:nvGrpSpPr>
-        <p:cNvPr id="1" name=""/>
-        <p:cNvGrpSpPr/>
-        <p:nvPr/>
-      </p:nvGrpSpPr>
-      <p:grpSpPr>
-        <a:xfrm>
-          <a:off x="0" y="0"/>
-          <a:ext cx="0" cy="0"/>
-          <a:chOff x="0" y="0"/>
-          <a:chExt cx="0" cy="0"/>
-        </a:xfrm>
-      </p:grpSpPr>
-      <p:pic>
-        <p:nvPicPr>
-          <p:cNvPr id="8" name="Content Placeholder 4"/>
-          <p:cNvPicPr>
-            <a:picLocks noChangeAspect="1"/>
-          </p:cNvPicPr>
-          <p:nvPr/>
-        </p:nvPicPr>
-        <p:blipFill>
-          <a:blip r:embed="rId2">
-            <a:extLst>
-              <a:ext uri="{28A0092B-C50C-407E-A947-70E740481C1C}">
-                <a14:useLocalDpi xmlns:a14="http://schemas.microsoft.com/office/drawing/2010/main" val="0"/>
-              </a:ext>
-            </a:extLst>
-          </a:blip>
-          <a:stretch>
-            <a:fillRect/>
-          </a:stretch>
-        </p:blipFill>
-        <p:spPr>
-          <a:xfrm>
-            <a:off x="6165452" y="645107"/>
-            <a:ext cx="4223505" cy="5594047"/>
-          </a:xfrm>
-          <a:prstGeom prst="rect">
-            <a:avLst/>
-          </a:prstGeom>
-        </p:spPr>
-      </p:pic>
-      <p:sp>
-        <p:nvSpPr>
-          <p:cNvPr id="2" name="Title 1"/>
-          <p:cNvSpPr>
-            <a:spLocks noGrp="1"/>
-          </p:cNvSpPr>
-          <p:nvPr>
-            <p:ph type="title"/>
-          </p:nvPr>
-        </p:nvSpPr>
-        <p:spPr>
-          <a:xfrm>
-            <a:off x="1251679" y="645107"/>
-            <a:ext cx="3384329" cy="1640894"/>
-          </a:xfrm>
-        </p:spPr>
-        <p:txBody>
-          <a:bodyPr anchor="t">
-            <a:normAutofit fontScale="90000"/>
-          </a:bodyPr>
-          <a:lstStyle/>
-          <a:p>
-            <a:pPr>
-              <a:lnSpc>
-                <a:spcPct val="80000"/>
-              </a:lnSpc>
-            </a:pPr>
-            <a:r>
-              <a:rPr lang="en-US" sz="4000"/>
-              <a:t>System Design | User Constraints</a:t>
-            </a:r>
-          </a:p>
-        </p:txBody>
-      </p:sp>
-      <p:sp>
-        <p:nvSpPr>
-          <p:cNvPr id="10" name="Content Placeholder 9"/>
-          <p:cNvSpPr>
-            <a:spLocks noGrp="1"/>
-          </p:cNvSpPr>
-          <p:nvPr>
-            <p:ph idx="1"/>
-          </p:nvPr>
-        </p:nvSpPr>
-        <p:spPr>
-          <a:xfrm>
-            <a:off x="1251679" y="2286001"/>
-            <a:ext cx="3384330" cy="3940844"/>
-          </a:xfrm>
-        </p:spPr>
-        <p:txBody>
-          <a:bodyPr>
-            <a:normAutofit/>
-          </a:bodyPr>
-          <a:lstStyle/>
-          <a:p>
-            <a:r>
-              <a:rPr lang="en-US" dirty="0"/>
-              <a:t>Explanation ..</a:t>
-            </a:r>
-          </a:p>
-          <a:p>
-            <a:endParaRPr lang="en-US" dirty="0"/>
-          </a:p>
-        </p:txBody>
-      </p:sp>
-    </p:spTree>
-    <p:extLst>
-      <p:ext uri="{BB962C8B-B14F-4D97-AF65-F5344CB8AC3E}">
-        <p14:creationId xmlns:p14="http://schemas.microsoft.com/office/powerpoint/2010/main" val="3980179067"/>
-      </p:ext>
-    </p:extLst>
-  </p:cSld>
-  <p:clrMapOvr>
-    <a:masterClrMapping/>
-  </p:clrMapOvr>
-</p:sld>
-</file>
-
-<file path=ppt/slides/slide11.xml><?xml version="1.0" encoding="utf-8"?>
 <p:sld xmlns:a="http://schemas.openxmlformats.org/drawingml/2006/main" xmlns:r="http://schemas.openxmlformats.org/officeDocument/2006/relationships" xmlns:p="http://schemas.openxmlformats.org/presentationml/2006/main">
   <p:cSld>
     <p:spTree>
@@ -22665,10 +25732,13 @@
   <p:clrMapOvr>
     <a:masterClrMapping/>
   </p:clrMapOvr>
+  <p:transition spd="slow">
+    <p:push dir="u"/>
+  </p:transition>
 </p:sld>
 </file>
 
-<file path=ppt/slides/slide12.xml><?xml version="1.0" encoding="utf-8"?>
+<file path=ppt/slides/slide11.xml><?xml version="1.0" encoding="utf-8"?>
 <p:sld xmlns:a="http://schemas.openxmlformats.org/drawingml/2006/main" xmlns:r="http://schemas.openxmlformats.org/officeDocument/2006/relationships" xmlns:p="http://schemas.openxmlformats.org/presentationml/2006/main">
   <p:cSld>
     <p:spTree>
@@ -22761,8 +25831,8 @@
         </p:nvSpPr>
         <p:spPr>
           <a:xfrm>
-            <a:off x="1251679" y="2286001"/>
-            <a:ext cx="3384330" cy="3940844"/>
+            <a:off x="1251678" y="2286001"/>
+            <a:ext cx="3962005" cy="4195010"/>
           </a:xfrm>
         </p:spPr>
         <p:txBody>
@@ -22815,7 +25885,7 @@
             </a:pPr>
             <a:r>
               <a:rPr lang="en-US" dirty="0"/>
-              <a:t>ID:UC1</a:t>
+              <a:t>ID:UC1 – Select Play Game</a:t>
             </a:r>
           </a:p>
           <a:p>
@@ -22825,7 +25895,7 @@
             </a:pPr>
             <a:r>
               <a:rPr lang="en-US" dirty="0"/>
-              <a:t>ID:UC2</a:t>
+              <a:t>ID:UC2 – Select Solver</a:t>
             </a:r>
           </a:p>
           <a:p>
@@ -22835,7 +25905,7 @@
             </a:pPr>
             <a:r>
               <a:rPr lang="en-US" dirty="0"/>
-              <a:t>ID:UC3</a:t>
+              <a:t>ID:UC3 – Selecting a difficulty</a:t>
             </a:r>
           </a:p>
           <a:p>
@@ -22845,7 +25915,7 @@
             </a:pPr>
             <a:r>
               <a:rPr lang="en-US" dirty="0"/>
-              <a:t>ID:UC4</a:t>
+              <a:t>ID:UC4 – Quitting Time</a:t>
             </a:r>
           </a:p>
           <a:p>
@@ -22855,7 +25925,98 @@
             </a:pPr>
             <a:r>
               <a:rPr lang="en-US" dirty="0"/>
-              <a:t>ID:UC5 …</a:t>
+              <a:t>ID:UC5 – Continuing </a:t>
+            </a:r>
+          </a:p>
+          <a:p>
+            <a:pPr lvl="1">
+              <a:buFont typeface="Arial" panose="020B0604020202020204" pitchFamily="34" charset="0"/>
+              <a:buChar char="•"/>
+            </a:pPr>
+            <a:r>
+              <a:rPr lang="en-US" dirty="0"/>
+              <a:t>ID:UC6 – Give me a hint</a:t>
+            </a:r>
+          </a:p>
+          <a:p>
+            <a:pPr lvl="1">
+              <a:buFont typeface="Arial" panose="020B0604020202020204" pitchFamily="34" charset="0"/>
+              <a:buChar char="•"/>
+            </a:pPr>
+            <a:r>
+              <a:rPr lang="en-US" dirty="0"/>
+              <a:t>ID:UC7 – Solve the Puzzle</a:t>
+            </a:r>
+          </a:p>
+          <a:p>
+            <a:pPr lvl="1">
+              <a:buFont typeface="Arial" panose="020B0604020202020204" pitchFamily="34" charset="0"/>
+              <a:buChar char="•"/>
+            </a:pPr>
+            <a:r>
+              <a:rPr lang="en-US" dirty="0"/>
+              <a:t>ID:UC8 – Clear the Board</a:t>
+            </a:r>
+          </a:p>
+          <a:p>
+            <a:pPr lvl="1">
+              <a:buFont typeface="Arial" panose="020B0604020202020204" pitchFamily="34" charset="0"/>
+              <a:buChar char="•"/>
+            </a:pPr>
+            <a:r>
+              <a:rPr lang="en-US" dirty="0"/>
+              <a:t>ID:UC9 – Playing the game</a:t>
+            </a:r>
+          </a:p>
+          <a:p>
+            <a:pPr lvl="1">
+              <a:buFont typeface="Arial" panose="020B0604020202020204" pitchFamily="34" charset="0"/>
+              <a:buChar char="•"/>
+            </a:pPr>
+            <a:endParaRPr lang="en-US" dirty="0"/>
+          </a:p>
+          <a:p>
+            <a:pPr lvl="1">
+              <a:buFont typeface="Arial" panose="020B0604020202020204" pitchFamily="34" charset="0"/>
+              <a:buChar char="•"/>
+            </a:pPr>
+            <a:endParaRPr lang="en-US" dirty="0"/>
+          </a:p>
+          <a:p>
+            <a:pPr lvl="1">
+              <a:buFont typeface="Arial" panose="020B0604020202020204" pitchFamily="34" charset="0"/>
+              <a:buChar char="•"/>
+            </a:pPr>
+            <a:endParaRPr lang="en-US" dirty="0"/>
+          </a:p>
+        </p:txBody>
+      </p:sp>
+      <p:sp>
+        <p:nvSpPr>
+          <p:cNvPr id="5" name="TextBox 4"/>
+          <p:cNvSpPr txBox="1"/>
+          <p:nvPr/>
+        </p:nvSpPr>
+        <p:spPr>
+          <a:xfrm>
+            <a:off x="5710058" y="5662942"/>
+            <a:ext cx="5134292" cy="261610"/>
+          </a:xfrm>
+          <a:prstGeom prst="rect">
+            <a:avLst/>
+          </a:prstGeom>
+          <a:noFill/>
+        </p:spPr>
+        <p:txBody>
+          <a:bodyPr wrap="square" rtlCol="0">
+            <a:spAutoFit/>
+          </a:bodyPr>
+          <a:lstStyle/>
+          <a:p>
+            <a:pPr algn="ctr"/>
+            <a:r>
+              <a:rPr lang="en-US" sz="1100" dirty="0"/>
+              <a:t>Figure 2: Use case diagram of TESS.</a:t>
             </a:r>
           </a:p>
         </p:txBody>
@@ -22870,10 +26031,22 @@
   <p:clrMapOvr>
     <a:masterClrMapping/>
   </p:clrMapOvr>
+  <mc:AlternateContent xmlns:mc="http://schemas.openxmlformats.org/markup-compatibility/2006">
+    <mc:Choice xmlns:p159="http://schemas.microsoft.com/office/powerpoint/2015/09/main" Requires="p159">
+      <p:transition xmlns:p14="http://schemas.microsoft.com/office/powerpoint/2010/main" spd="slow" p14:dur="2000">
+        <p159:morph option="byObject"/>
+      </p:transition>
+    </mc:Choice>
+    <mc:Fallback>
+      <p:transition spd="slow">
+        <p:fade/>
+      </p:transition>
+    </mc:Fallback>
+  </mc:AlternateContent>
 </p:sld>
 </file>
 
-<file path=ppt/slides/slide13.xml><?xml version="1.0" encoding="utf-8"?>
+<file path=ppt/slides/slide12.xml><?xml version="1.0" encoding="utf-8"?>
 <p:sld xmlns:a="http://schemas.openxmlformats.org/drawingml/2006/main" xmlns:r="http://schemas.openxmlformats.org/officeDocument/2006/relationships" xmlns:p="http://schemas.openxmlformats.org/presentationml/2006/main">
   <p:cSld>
     <p:spTree>
@@ -23026,8 +26199,38 @@
           <a:lstStyle/>
           <a:p>
             <a:r>
-              <a:rPr lang="en-US" sz="1600"/>
+              <a:rPr lang="en-US" sz="1600" dirty="0"/>
               <a:t>Explanation ..</a:t>
+            </a:r>
+          </a:p>
+        </p:txBody>
+      </p:sp>
+      <p:sp>
+        <p:nvSpPr>
+          <p:cNvPr id="6" name="TextBox 5"/>
+          <p:cNvSpPr txBox="1"/>
+          <p:nvPr/>
+        </p:nvSpPr>
+        <p:spPr>
+          <a:xfrm>
+            <a:off x="5355309" y="5442439"/>
+            <a:ext cx="5134292" cy="261610"/>
+          </a:xfrm>
+          <a:prstGeom prst="rect">
+            <a:avLst/>
+          </a:prstGeom>
+          <a:noFill/>
+        </p:spPr>
+        <p:txBody>
+          <a:bodyPr wrap="square" rtlCol="0">
+            <a:spAutoFit/>
+          </a:bodyPr>
+          <a:lstStyle/>
+          <a:p>
+            <a:pPr algn="ctr"/>
+            <a:r>
+              <a:rPr lang="en-US" sz="1100" dirty="0"/>
+              <a:t>Figure 3: Traceability matrix of the use cases.</a:t>
             </a:r>
           </a:p>
         </p:txBody>
@@ -23042,10 +26245,22 @@
   <p:clrMapOvr>
     <a:masterClrMapping/>
   </p:clrMapOvr>
+  <mc:AlternateContent xmlns:mc="http://schemas.openxmlformats.org/markup-compatibility/2006">
+    <mc:Choice xmlns:p159="http://schemas.microsoft.com/office/powerpoint/2015/09/main" Requires="p159">
+      <p:transition xmlns:p14="http://schemas.microsoft.com/office/powerpoint/2010/main" spd="slow" p14:dur="2000">
+        <p159:morph option="byObject"/>
+      </p:transition>
+    </mc:Choice>
+    <mc:Fallback>
+      <p:transition spd="slow">
+        <p:fade/>
+      </p:transition>
+    </mc:Fallback>
+  </mc:AlternateContent>
 </p:sld>
 </file>
 
-<file path=ppt/slides/slide14.xml><?xml version="1.0" encoding="utf-8"?>
+<file path=ppt/slides/slide13.xml><?xml version="1.0" encoding="utf-8"?>
 <p:sld xmlns:a="http://schemas.openxmlformats.org/drawingml/2006/main" xmlns:r="http://schemas.openxmlformats.org/officeDocument/2006/relationships" xmlns:p="http://schemas.openxmlformats.org/presentationml/2006/main">
   <p:cSld>
     <p:spTree>
@@ -23081,9 +26296,35 @@
             <a:off x="6043734" y="411297"/>
             <a:ext cx="4833815" cy="6323157"/>
           </a:xfrm>
-          <a:prstGeom prst="rect">
-            <a:avLst/>
+          <a:prstGeom prst="roundRect">
+            <a:avLst>
+              <a:gd name="adj" fmla="val 4167"/>
+            </a:avLst>
           </a:prstGeom>
+          <a:solidFill>
+            <a:srgbClr val="FFFFFF"/>
+          </a:solidFill>
+          <a:ln w="76200" cap="sq">
+            <a:solidFill>
+              <a:srgbClr val="EAEAEA"/>
+            </a:solidFill>
+            <a:miter lim="800000"/>
+          </a:ln>
+          <a:effectLst>
+            <a:reflection blurRad="12700" stA="33000" endPos="28000" dist="5000" dir="5400000" sy="-100000" algn="bl" rotWithShape="0"/>
+          </a:effectLst>
+          <a:scene3d>
+            <a:camera prst="orthographicFront"/>
+            <a:lightRig rig="threePt" dir="t">
+              <a:rot lat="0" lon="0" rev="2700000"/>
+            </a:lightRig>
+          </a:scene3d>
+          <a:sp3d contourW="6350">
+            <a:bevelT h="38100"/>
+            <a:contourClr>
+              <a:srgbClr val="C0C0C0"/>
+            </a:contourClr>
+          </a:sp3d>
         </p:spPr>
       </p:pic>
       <p:sp>
@@ -23144,7 +26385,46 @@
           <a:p>
             <a:r>
               <a:rPr lang="en-US" dirty="0"/>
-              <a:t>Explanation ..</a:t>
+              <a:t>We went through multiple design iterations.</a:t>
+            </a:r>
+          </a:p>
+          <a:p>
+            <a:r>
+              <a:rPr lang="en-US" dirty="0"/>
+              <a:t>(stuff)</a:t>
+            </a:r>
+          </a:p>
+          <a:p>
+            <a:endParaRPr lang="en-US" dirty="0"/>
+          </a:p>
+        </p:txBody>
+      </p:sp>
+      <p:sp>
+        <p:nvSpPr>
+          <p:cNvPr id="5" name="TextBox 4"/>
+          <p:cNvSpPr txBox="1"/>
+          <p:nvPr/>
+        </p:nvSpPr>
+        <p:spPr>
+          <a:xfrm>
+            <a:off x="5971129" y="6472844"/>
+            <a:ext cx="5134292" cy="261610"/>
+          </a:xfrm>
+          <a:prstGeom prst="rect">
+            <a:avLst/>
+          </a:prstGeom>
+          <a:noFill/>
+        </p:spPr>
+        <p:txBody>
+          <a:bodyPr wrap="square" rtlCol="0">
+            <a:spAutoFit/>
+          </a:bodyPr>
+          <a:lstStyle/>
+          <a:p>
+            <a:pPr algn="ctr"/>
+            <a:r>
+              <a:rPr lang="en-US" sz="1100" dirty="0"/>
+              <a:t>Figure 4: The top four design iterations of TESS.</a:t>
             </a:r>
           </a:p>
         </p:txBody>
@@ -23159,10 +26439,22 @@
   <p:clrMapOvr>
     <a:masterClrMapping/>
   </p:clrMapOvr>
+  <mc:AlternateContent xmlns:mc="http://schemas.openxmlformats.org/markup-compatibility/2006">
+    <mc:Choice xmlns:p159="http://schemas.microsoft.com/office/powerpoint/2015/09/main" Requires="p159">
+      <p:transition xmlns:p14="http://schemas.microsoft.com/office/powerpoint/2010/main" spd="slow" p14:dur="2000">
+        <p159:morph option="byObject"/>
+      </p:transition>
+    </mc:Choice>
+    <mc:Fallback>
+      <p:transition spd="slow">
+        <p:fade/>
+      </p:transition>
+    </mc:Fallback>
+  </mc:AlternateContent>
 </p:sld>
 </file>
 
-<file path=ppt/slides/slide15.xml><?xml version="1.0" encoding="utf-8"?>
+<file path=ppt/slides/slide14.xml><?xml version="1.0" encoding="utf-8"?>
 <p:sld xmlns:a="http://schemas.openxmlformats.org/drawingml/2006/main" xmlns:r="http://schemas.openxmlformats.org/officeDocument/2006/relationships" xmlns:p="http://schemas.openxmlformats.org/presentationml/2006/main">
   <p:cSld>
     <p:spTree>
@@ -23249,8 +26541,8 @@
         </p:blipFill>
         <p:spPr>
           <a:xfrm>
-            <a:off x="4654296" y="1302707"/>
-            <a:ext cx="6155736" cy="4262847"/>
+            <a:off x="4546792" y="1041097"/>
+            <a:ext cx="6533512" cy="4524457"/>
           </a:xfrm>
           <a:prstGeom prst="rect">
             <a:avLst/>
@@ -23314,8 +26606,38 @@
           <a:lstStyle/>
           <a:p>
             <a:r>
-              <a:rPr lang="en-US" sz="1600"/>
+              <a:rPr lang="en-US" sz="1600" dirty="0"/>
               <a:t>Explanation</a:t>
+            </a:r>
+          </a:p>
+        </p:txBody>
+      </p:sp>
+      <p:sp>
+        <p:nvSpPr>
+          <p:cNvPr id="6" name="TextBox 5"/>
+          <p:cNvSpPr txBox="1"/>
+          <p:nvPr/>
+        </p:nvSpPr>
+        <p:spPr>
+          <a:xfrm>
+            <a:off x="4817064" y="5565554"/>
+            <a:ext cx="5134292" cy="261610"/>
+          </a:xfrm>
+          <a:prstGeom prst="rect">
+            <a:avLst/>
+          </a:prstGeom>
+          <a:noFill/>
+        </p:spPr>
+        <p:txBody>
+          <a:bodyPr wrap="square" rtlCol="0">
+            <a:spAutoFit/>
+          </a:bodyPr>
+          <a:lstStyle/>
+          <a:p>
+            <a:pPr algn="ctr"/>
+            <a:r>
+              <a:rPr lang="en-US" sz="1100" dirty="0"/>
+              <a:t>Figure 5: Activity diagram of TESS.</a:t>
             </a:r>
           </a:p>
         </p:txBody>
@@ -23330,10 +26652,13 @@
   <p:clrMapOvr>
     <a:masterClrMapping/>
   </p:clrMapOvr>
+  <p:transition spd="slow">
+    <p:push dir="u"/>
+  </p:transition>
 </p:sld>
 </file>
 
-<file path=ppt/slides/slide16.xml><?xml version="1.0" encoding="utf-8"?>
+<file path=ppt/slides/slide15.xml><?xml version="1.0" encoding="utf-8"?>
 <p:sld xmlns:a="http://schemas.openxmlformats.org/drawingml/2006/main" xmlns:r="http://schemas.openxmlformats.org/officeDocument/2006/relationships" xmlns:p="http://schemas.openxmlformats.org/presentationml/2006/main">
   <p:cSld>
     <p:spTree>
@@ -23421,8 +26746,8 @@
         </p:blipFill>
         <p:spPr>
           <a:xfrm>
-            <a:off x="4654296" y="1318096"/>
-            <a:ext cx="6155736" cy="4232069"/>
+            <a:off x="4334256" y="1187291"/>
+            <a:ext cx="6536260" cy="4493679"/>
           </a:xfrm>
           <a:prstGeom prst="rect">
             <a:avLst/>
@@ -23486,8 +26811,38 @@
           <a:lstStyle/>
           <a:p>
             <a:r>
-              <a:rPr lang="en-US" sz="1600"/>
+              <a:rPr lang="en-US" sz="1600" dirty="0"/>
               <a:t>Explanation ..</a:t>
+            </a:r>
+          </a:p>
+        </p:txBody>
+      </p:sp>
+      <p:sp>
+        <p:nvSpPr>
+          <p:cNvPr id="6" name="TextBox 5"/>
+          <p:cNvSpPr txBox="1"/>
+          <p:nvPr/>
+        </p:nvSpPr>
+        <p:spPr>
+          <a:xfrm>
+            <a:off x="5246402" y="5668943"/>
+            <a:ext cx="5134292" cy="261610"/>
+          </a:xfrm>
+          <a:prstGeom prst="rect">
+            <a:avLst/>
+          </a:prstGeom>
+          <a:noFill/>
+        </p:spPr>
+        <p:txBody>
+          <a:bodyPr wrap="square" rtlCol="0">
+            <a:spAutoFit/>
+          </a:bodyPr>
+          <a:lstStyle/>
+          <a:p>
+            <a:pPr algn="ctr"/>
+            <a:r>
+              <a:rPr lang="en-US" sz="1100" dirty="0"/>
+              <a:t>Figure 6: Sequence diagram of TESS.</a:t>
             </a:r>
           </a:p>
         </p:txBody>
@@ -23502,10 +26857,13 @@
   <p:clrMapOvr>
     <a:masterClrMapping/>
   </p:clrMapOvr>
+  <p:transition spd="slow">
+    <p:push dir="u"/>
+  </p:transition>
 </p:sld>
 </file>
 
-<file path=ppt/slides/slide17.xml><?xml version="1.0" encoding="utf-8"?>
+<file path=ppt/slides/slide16.xml><?xml version="1.0" encoding="utf-8"?>
 <p:sld xmlns:a="http://schemas.openxmlformats.org/drawingml/2006/main" xmlns:r="http://schemas.openxmlformats.org/officeDocument/2006/relationships" xmlns:p="http://schemas.openxmlformats.org/presentationml/2006/main">
   <p:cSld>
     <p:spTree>
@@ -23586,6 +26944,36 @@
           </a:p>
         </p:txBody>
       </p:sp>
+      <p:sp>
+        <p:nvSpPr>
+          <p:cNvPr id="4" name="TextBox 3"/>
+          <p:cNvSpPr txBox="1"/>
+          <p:nvPr/>
+        </p:nvSpPr>
+        <p:spPr>
+          <a:xfrm>
+            <a:off x="3387582" y="6349515"/>
+            <a:ext cx="5134292" cy="261610"/>
+          </a:xfrm>
+          <a:prstGeom prst="rect">
+            <a:avLst/>
+          </a:prstGeom>
+          <a:noFill/>
+        </p:spPr>
+        <p:txBody>
+          <a:bodyPr wrap="square" rtlCol="0">
+            <a:spAutoFit/>
+          </a:bodyPr>
+          <a:lstStyle/>
+          <a:p>
+            <a:pPr algn="ctr"/>
+            <a:r>
+              <a:rPr lang="en-US" sz="1100" dirty="0"/>
+              <a:t>Figure 7: Class diagram of TESS.</a:t>
+            </a:r>
+          </a:p>
+        </p:txBody>
+      </p:sp>
     </p:spTree>
     <p:extLst>
       <p:ext uri="{BB962C8B-B14F-4D97-AF65-F5344CB8AC3E}">
@@ -23596,10 +26984,13 @@
   <p:clrMapOvr>
     <a:masterClrMapping/>
   </p:clrMapOvr>
+  <p:transition spd="slow">
+    <p:push dir="u"/>
+  </p:transition>
 </p:sld>
 </file>
 
-<file path=ppt/slides/slide18.xml><?xml version="1.0" encoding="utf-8"?>
+<file path=ppt/slides/slide17.xml><?xml version="1.0" encoding="utf-8"?>
 <p:sld xmlns:a="http://schemas.openxmlformats.org/drawingml/2006/main" xmlns:r="http://schemas.openxmlformats.org/officeDocument/2006/relationships" xmlns:p="http://schemas.openxmlformats.org/presentationml/2006/main">
   <p:cSld>
     <p:spTree>
@@ -23655,14 +27046,14 @@
           <a:p>
             <a:r>
               <a:rPr lang="en-US" dirty="0"/>
-              <a:t>We are going to be using the Extreme Programming (XP) software process model.</a:t>
+              <a:t>We executed the Extreme Programming (XP) software process model.</a:t>
             </a:r>
           </a:p>
           <a:p>
             <a:pPr lvl="1"/>
             <a:r>
               <a:rPr lang="en-US" dirty="0"/>
-              <a:t>Mainly implementing incremental development model</a:t>
+              <a:t>Mainly implemented incremental development model</a:t>
             </a:r>
           </a:p>
           <a:p>
@@ -23682,7 +27073,7 @@
           <a:p>
             <a:r>
               <a:rPr lang="en-US" dirty="0"/>
-              <a:t>Incrementally develop and get feedback from our alpha and beta testers (i.e. close friends and families).</a:t>
+              <a:t>Incrementally developed and got feedback from our alpha and beta testers (i.e. close friends and families).</a:t>
             </a:r>
           </a:p>
           <a:p>
@@ -23715,7 +27106,7 @@
 </p:sld>
 </file>
 
-<file path=ppt/slides/slide19.xml><?xml version="1.0" encoding="utf-8"?>
+<file path=ppt/slides/slide18.xml><?xml version="1.0" encoding="utf-8"?>
 <p:sld xmlns:a="http://schemas.openxmlformats.org/drawingml/2006/main" xmlns:r="http://schemas.openxmlformats.org/officeDocument/2006/relationships" xmlns:p="http://schemas.openxmlformats.org/presentationml/2006/main">
   <p:cSld>
     <p:spTree>
@@ -23769,7 +27160,10 @@
           <a:bodyPr/>
           <a:lstStyle/>
           <a:p>
-            <a:endParaRPr lang="en-US"/>
+            <a:r>
+              <a:rPr lang="en-US" dirty="0"/>
+              <a:t>**</a:t>
+            </a:r>
           </a:p>
         </p:txBody>
       </p:sp>
@@ -23783,6 +27177,275 @@
   <p:clrMapOvr>
     <a:masterClrMapping/>
   </p:clrMapOvr>
+  <p:transition spd="slow">
+    <p:push dir="u"/>
+  </p:transition>
+</p:sld>
+</file>
+
+<file path=ppt/slides/slide19.xml><?xml version="1.0" encoding="utf-8"?>
+<p:sld xmlns:a="http://schemas.openxmlformats.org/drawingml/2006/main" xmlns:r="http://schemas.openxmlformats.org/officeDocument/2006/relationships" xmlns:p="http://schemas.openxmlformats.org/presentationml/2006/main">
+  <p:cSld>
+    <p:spTree>
+      <p:nvGrpSpPr>
+        <p:cNvPr id="1" name=""/>
+        <p:cNvGrpSpPr/>
+        <p:nvPr/>
+      </p:nvGrpSpPr>
+      <p:grpSpPr>
+        <a:xfrm>
+          <a:off x="0" y="0"/>
+          <a:ext cx="0" cy="0"/>
+          <a:chOff x="0" y="0"/>
+          <a:chExt cx="0" cy="0"/>
+        </a:xfrm>
+      </p:grpSpPr>
+      <p:sp>
+        <p:nvSpPr>
+          <p:cNvPr id="29" name="Rectangle 23"/>
+          <p:cNvSpPr>
+            <a:spLocks noGrp="1" noRot="1" noChangeAspect="1" noMove="1" noResize="1" noEditPoints="1" noAdjustHandles="1" noChangeArrowheads="1" noChangeShapeType="1" noTextEdit="1"/>
+          </p:cNvSpPr>
+          <p:nvPr>
+            <p:extLst>
+              <p:ext uri="{386F3935-93C4-4BCD-93E2-E3B085C9AB24}">
+                <p16:designElem xmlns:p16="http://schemas.microsoft.com/office/powerpoint/2015/main" val="1"/>
+              </p:ext>
+            </p:extLst>
+          </p:nvPr>
+        </p:nvSpPr>
+        <p:spPr bwMode="white">
+          <a:xfrm>
+            <a:off x="0" y="0"/>
+            <a:ext cx="12192000" cy="6858000"/>
+          </a:xfrm>
+          <a:prstGeom prst="rect">
+            <a:avLst/>
+          </a:prstGeom>
+          <a:solidFill>
+            <a:schemeClr val="bg1"/>
+          </a:solidFill>
+          <a:ln>
+            <a:noFill/>
+          </a:ln>
+          <a:effectLst/>
+        </p:spPr>
+      </p:sp>
+      <p:sp>
+        <p:nvSpPr>
+          <p:cNvPr id="31" name="Rectangle 25"/>
+          <p:cNvSpPr>
+            <a:spLocks noGrp="1" noRot="1" noChangeAspect="1" noMove="1" noResize="1" noEditPoints="1" noAdjustHandles="1" noChangeArrowheads="1" noChangeShapeType="1" noTextEdit="1"/>
+          </p:cNvSpPr>
+          <p:nvPr>
+            <p:extLst>
+              <p:ext uri="{386F3935-93C4-4BCD-93E2-E3B085C9AB24}">
+                <p16:designElem xmlns:p16="http://schemas.microsoft.com/office/powerpoint/2015/main" val="1"/>
+              </p:ext>
+            </p:extLst>
+          </p:nvPr>
+        </p:nvSpPr>
+        <p:spPr>
+          <a:xfrm>
+            <a:off x="11292840" y="0"/>
+            <a:ext cx="914400" cy="6858000"/>
+          </a:xfrm>
+          <a:prstGeom prst="rect">
+            <a:avLst/>
+          </a:prstGeom>
+          <a:solidFill>
+            <a:schemeClr val="tx2">
+              <a:lumMod val="75000"/>
+            </a:schemeClr>
+          </a:solidFill>
+          <a:ln>
+            <a:noFill/>
+          </a:ln>
+        </p:spPr>
+        <p:style>
+          <a:lnRef idx="2">
+            <a:schemeClr val="accent1">
+              <a:shade val="50000"/>
+            </a:schemeClr>
+          </a:lnRef>
+          <a:fillRef idx="1">
+            <a:schemeClr val="accent1"/>
+          </a:fillRef>
+          <a:effectRef idx="0">
+            <a:schemeClr val="accent1"/>
+          </a:effectRef>
+          <a:fontRef idx="minor">
+            <a:schemeClr val="lt1"/>
+          </a:fontRef>
+        </p:style>
+      </p:sp>
+      <p:sp>
+        <p:nvSpPr>
+          <p:cNvPr id="28" name="Rectangle 27"/>
+          <p:cNvSpPr>
+            <a:spLocks noGrp="1" noRot="1" noChangeAspect="1" noMove="1" noResize="1" noEditPoints="1" noAdjustHandles="1" noChangeArrowheads="1" noChangeShapeType="1" noTextEdit="1"/>
+          </p:cNvSpPr>
+          <p:nvPr>
+            <p:extLst>
+              <p:ext uri="{386F3935-93C4-4BCD-93E2-E3B085C9AB24}">
+                <p16:designElem xmlns:p16="http://schemas.microsoft.com/office/powerpoint/2015/main" val="1"/>
+              </p:ext>
+            </p:extLst>
+          </p:nvPr>
+        </p:nvSpPr>
+        <p:spPr>
+          <a:xfrm>
+            <a:off x="0" y="0"/>
+            <a:ext cx="11292840" cy="6858000"/>
+          </a:xfrm>
+          <a:prstGeom prst="rect">
+            <a:avLst/>
+          </a:prstGeom>
+          <a:solidFill>
+            <a:schemeClr val="bg2"/>
+          </a:solidFill>
+          <a:ln>
+            <a:noFill/>
+          </a:ln>
+        </p:spPr>
+        <p:style>
+          <a:lnRef idx="2">
+            <a:schemeClr val="accent1">
+              <a:shade val="50000"/>
+            </a:schemeClr>
+          </a:lnRef>
+          <a:fillRef idx="1">
+            <a:schemeClr val="accent1"/>
+          </a:fillRef>
+          <a:effectRef idx="0">
+            <a:schemeClr val="accent1"/>
+          </a:effectRef>
+          <a:fontRef idx="minor">
+            <a:schemeClr val="lt1"/>
+          </a:fontRef>
+        </p:style>
+        <p:txBody>
+          <a:bodyPr rtlCol="0" anchor="ctr"/>
+          <a:lstStyle/>
+          <a:p>
+            <a:pPr algn="ctr"/>
+            <a:endParaRPr lang="en-US"/>
+          </a:p>
+        </p:txBody>
+      </p:sp>
+      <p:sp>
+        <p:nvSpPr>
+          <p:cNvPr id="30" name="Rectangle 29"/>
+          <p:cNvSpPr>
+            <a:spLocks noGrp="1" noRot="1" noChangeAspect="1" noMove="1" noResize="1" noEditPoints="1" noAdjustHandles="1" noChangeArrowheads="1" noChangeShapeType="1" noTextEdit="1"/>
+          </p:cNvSpPr>
+          <p:nvPr>
+            <p:extLst>
+              <p:ext uri="{386F3935-93C4-4BCD-93E2-E3B085C9AB24}">
+                <p16:designElem xmlns:p16="http://schemas.microsoft.com/office/powerpoint/2015/main" val="1"/>
+              </p:ext>
+            </p:extLst>
+          </p:nvPr>
+        </p:nvSpPr>
+        <p:spPr>
+          <a:xfrm>
+            <a:off x="477012" y="480060"/>
+            <a:ext cx="10333228" cy="5897880"/>
+          </a:xfrm>
+          <a:prstGeom prst="rect">
+            <a:avLst/>
+          </a:prstGeom>
+          <a:solidFill>
+            <a:srgbClr val="FFFFFF"/>
+          </a:solidFill>
+          <a:ln w="9525">
+            <a:noFill/>
+          </a:ln>
+          <a:effectLst>
+            <a:outerShdw blurRad="63500" dist="17780" dir="5400000" algn="t" rotWithShape="0">
+              <a:prstClr val="black">
+                <a:alpha val="43000"/>
+              </a:prstClr>
+            </a:outerShdw>
+          </a:effectLst>
+        </p:spPr>
+        <p:style>
+          <a:lnRef idx="2">
+            <a:schemeClr val="accent1">
+              <a:shade val="50000"/>
+            </a:schemeClr>
+          </a:lnRef>
+          <a:fillRef idx="1">
+            <a:schemeClr val="accent1"/>
+          </a:fillRef>
+          <a:effectRef idx="0">
+            <a:schemeClr val="accent1"/>
+          </a:effectRef>
+          <a:fontRef idx="minor">
+            <a:schemeClr val="lt1"/>
+          </a:fontRef>
+        </p:style>
+        <p:txBody>
+          <a:bodyPr rtlCol="0" anchor="ctr"/>
+          <a:lstStyle/>
+          <a:p>
+            <a:pPr algn="ctr"/>
+            <a:endParaRPr lang="en-US"/>
+          </a:p>
+        </p:txBody>
+      </p:sp>
+      <p:pic>
+        <p:nvPicPr>
+          <p:cNvPr id="19" name="Picture 2" descr="Image result for Demo icon png"/>
+          <p:cNvPicPr>
+            <a:picLocks noChangeAspect="1"/>
+          </p:cNvPicPr>
+          <p:nvPr/>
+        </p:nvPicPr>
+        <p:blipFill>
+          <a:blip r:embed="rId2">
+            <a:extLst>
+              <a:ext uri="{28A0092B-C50C-407E-A947-70E740481C1C}">
+                <a14:useLocalDpi xmlns:a14="http://schemas.microsoft.com/office/drawing/2010/main" val="0"/>
+              </a:ext>
+            </a:extLst>
+          </a:blip>
+          <a:stretch>
+            <a:fillRect/>
+          </a:stretch>
+        </p:blipFill>
+        <p:spPr>
+          <a:xfrm>
+            <a:off x="2860887" y="643467"/>
+            <a:ext cx="5571066" cy="5571066"/>
+          </a:xfrm>
+          <a:prstGeom prst="rect">
+            <a:avLst/>
+          </a:prstGeom>
+        </p:spPr>
+      </p:pic>
+    </p:spTree>
+    <p:extLst>
+      <p:ext uri="{BB962C8B-B14F-4D97-AF65-F5344CB8AC3E}">
+        <p14:creationId xmlns:p14="http://schemas.microsoft.com/office/powerpoint/2010/main" val="2155754336"/>
+      </p:ext>
+    </p:extLst>
+  </p:cSld>
+  <p:clrMapOvr>
+    <a:masterClrMapping/>
+  </p:clrMapOvr>
+  <mc:AlternateContent xmlns:mc="http://schemas.openxmlformats.org/markup-compatibility/2006">
+    <mc:Choice xmlns:p14="http://schemas.microsoft.com/office/powerpoint/2010/main" Requires="p14">
+      <p:transition spd="slow" p14:dur="800">
+        <p:circle/>
+      </p:transition>
+    </mc:Choice>
+    <mc:Fallback>
+      <p:transition spd="slow">
+        <p:circle/>
+      </p:transition>
+    </mc:Fallback>
+  </mc:AlternateContent>
 </p:sld>
 </file>
 
@@ -23988,7 +27651,7 @@
             <p:ph idx="1"/>
             <p:extLst>
               <p:ext uri="{D42A27DB-BD31-4B8C-83A1-F6EECF244321}">
-                <p14:modId xmlns:p14="http://schemas.microsoft.com/office/powerpoint/2010/main" val="2920139681"/>
+                <p14:modId xmlns:p14="http://schemas.microsoft.com/office/powerpoint/2010/main" val="2826832457"/>
               </p:ext>
             </p:extLst>
           </p:nvPr>
@@ -24020,95 +27683,6 @@
 </file>
 
 <file path=ppt/slides/slide20.xml><?xml version="1.0" encoding="utf-8"?>
-<p:sld xmlns:a="http://schemas.openxmlformats.org/drawingml/2006/main" xmlns:r="http://schemas.openxmlformats.org/officeDocument/2006/relationships" xmlns:p="http://schemas.openxmlformats.org/presentationml/2006/main">
-  <p:cSld>
-    <p:spTree>
-      <p:nvGrpSpPr>
-        <p:cNvPr id="1" name=""/>
-        <p:cNvGrpSpPr/>
-        <p:nvPr/>
-      </p:nvGrpSpPr>
-      <p:grpSpPr>
-        <a:xfrm>
-          <a:off x="0" y="0"/>
-          <a:ext cx="0" cy="0"/>
-          <a:chOff x="0" y="0"/>
-          <a:chExt cx="0" cy="0"/>
-        </a:xfrm>
-      </p:grpSpPr>
-      <p:pic>
-        <p:nvPicPr>
-          <p:cNvPr id="19" name="Picture 2" descr="Image result for Demo icon png"/>
-          <p:cNvPicPr>
-            <a:picLocks noChangeAspect="1"/>
-          </p:cNvPicPr>
-          <p:nvPr/>
-        </p:nvPicPr>
-        <p:blipFill>
-          <a:blip r:embed="rId2">
-            <a:extLst>
-              <a:ext uri="{28A0092B-C50C-407E-A947-70E740481C1C}">
-                <a14:useLocalDpi xmlns:a14="http://schemas.microsoft.com/office/drawing/2010/main" val="0"/>
-              </a:ext>
-            </a:extLst>
-          </a:blip>
-          <a:stretch>
-            <a:fillRect/>
-          </a:stretch>
-        </p:blipFill>
-        <p:spPr>
-          <a:xfrm>
-            <a:off x="4636008" y="645107"/>
-            <a:ext cx="5594047" cy="5594047"/>
-          </a:xfrm>
-          <a:prstGeom prst="rect">
-            <a:avLst/>
-          </a:prstGeom>
-        </p:spPr>
-      </p:pic>
-      <p:sp>
-        <p:nvSpPr>
-          <p:cNvPr id="2" name="Title 1"/>
-          <p:cNvSpPr>
-            <a:spLocks noGrp="1"/>
-          </p:cNvSpPr>
-          <p:nvPr>
-            <p:ph type="title"/>
-          </p:nvPr>
-        </p:nvSpPr>
-        <p:spPr>
-          <a:xfrm>
-            <a:off x="1251679" y="645107"/>
-            <a:ext cx="3384329" cy="1640894"/>
-          </a:xfrm>
-        </p:spPr>
-        <p:txBody>
-          <a:bodyPr anchor="t">
-            <a:normAutofit/>
-          </a:bodyPr>
-          <a:lstStyle/>
-          <a:p>
-            <a:r>
-              <a:rPr lang="en-US" sz="4000" dirty="0"/>
-              <a:t>Demo</a:t>
-            </a:r>
-          </a:p>
-        </p:txBody>
-      </p:sp>
-    </p:spTree>
-    <p:extLst>
-      <p:ext uri="{BB962C8B-B14F-4D97-AF65-F5344CB8AC3E}">
-        <p14:creationId xmlns:p14="http://schemas.microsoft.com/office/powerpoint/2010/main" val="2155754336"/>
-      </p:ext>
-    </p:extLst>
-  </p:cSld>
-  <p:clrMapOvr>
-    <a:masterClrMapping/>
-  </p:clrMapOvr>
-</p:sld>
-</file>
-
-<file path=ppt/slides/slide21.xml><?xml version="1.0" encoding="utf-8"?>
 <p:sld xmlns:a="http://schemas.openxmlformats.org/drawingml/2006/main" xmlns:r="http://schemas.openxmlformats.org/officeDocument/2006/relationships" xmlns:p="http://schemas.openxmlformats.org/presentationml/2006/main">
   <p:cSld>
     <p:spTree>
@@ -24162,7 +27736,10 @@
           <a:bodyPr/>
           <a:lstStyle/>
           <a:p>
-            <a:endParaRPr lang="en-US"/>
+            <a:r>
+              <a:rPr lang="en-US" dirty="0"/>
+              <a:t>**</a:t>
+            </a:r>
           </a:p>
         </p:txBody>
       </p:sp>
@@ -24176,10 +27753,13 @@
   <p:clrMapOvr>
     <a:masterClrMapping/>
   </p:clrMapOvr>
+  <p:transition spd="slow">
+    <p:push dir="u"/>
+  </p:transition>
 </p:sld>
 </file>
 
-<file path=ppt/slides/slide22.xml><?xml version="1.0" encoding="utf-8"?>
+<file path=ppt/slides/slide21.xml><?xml version="1.0" encoding="utf-8"?>
 <p:sld xmlns:a="http://schemas.openxmlformats.org/drawingml/2006/main" xmlns:r="http://schemas.openxmlformats.org/officeDocument/2006/relationships" xmlns:p="http://schemas.openxmlformats.org/presentationml/2006/main">
   <p:cSld>
     <p:spTree>
@@ -24233,7 +27813,65 @@
           <a:bodyPr/>
           <a:lstStyle/>
           <a:p>
-            <a:endParaRPr lang="en-US"/>
+            <a:r>
+              <a:rPr lang="en-US" dirty="0"/>
+              <a:t>TESS allows the user to </a:t>
+            </a:r>
+            <a:r>
+              <a:rPr lang="en-US" b="1" dirty="0"/>
+              <a:t>play</a:t>
+            </a:r>
+            <a:r>
+              <a:rPr lang="en-US" dirty="0"/>
+              <a:t> classic 9x9 Sudoku games based on </a:t>
+            </a:r>
+            <a:r>
+              <a:rPr lang="en-US" b="1" dirty="0"/>
+              <a:t>five difficulty levels</a:t>
+            </a:r>
+            <a:r>
+              <a:rPr lang="en-US" dirty="0"/>
+              <a:t>.</a:t>
+            </a:r>
+          </a:p>
+          <a:p>
+            <a:r>
+              <a:rPr lang="en-US" dirty="0"/>
+              <a:t>TESS allows the user to </a:t>
+            </a:r>
+            <a:r>
+              <a:rPr lang="en-US" b="1" dirty="0"/>
+              <a:t>input</a:t>
+            </a:r>
+            <a:r>
+              <a:rPr lang="en-US" dirty="0"/>
+              <a:t> a sudoku puzzle and it will </a:t>
+            </a:r>
+            <a:r>
+              <a:rPr lang="en-US" b="1" dirty="0"/>
+              <a:t>solve</a:t>
+            </a:r>
+            <a:r>
+              <a:rPr lang="en-US" dirty="0"/>
+              <a:t> it in seconds. </a:t>
+            </a:r>
+          </a:p>
+          <a:p>
+            <a:r>
+              <a:rPr lang="en-US" dirty="0"/>
+              <a:t>TESS </a:t>
+            </a:r>
+            <a:r>
+              <a:rPr lang="en-US" b="1" dirty="0"/>
+              <a:t>saves</a:t>
+            </a:r>
+            <a:r>
+              <a:rPr lang="en-US" dirty="0"/>
+              <a:t> the current progress of the user on a database entry, allowing users to resume their game even after closing the app.</a:t>
+            </a:r>
+          </a:p>
+          <a:p>
+            <a:endParaRPr lang="en-US" dirty="0"/>
           </a:p>
         </p:txBody>
       </p:sp>
@@ -24247,6 +27885,1181 @@
   <p:clrMapOvr>
     <a:masterClrMapping/>
   </p:clrMapOvr>
+  <p:transition spd="slow">
+    <p:push dir="u"/>
+  </p:transition>
+</p:sld>
+</file>
+
+<file path=ppt/slides/slide22.xml><?xml version="1.0" encoding="utf-8"?>
+<p:sld xmlns:a="http://schemas.openxmlformats.org/drawingml/2006/main" xmlns:r="http://schemas.openxmlformats.org/officeDocument/2006/relationships" xmlns:p="http://schemas.openxmlformats.org/presentationml/2006/main">
+  <p:cSld>
+    <p:spTree>
+      <p:nvGrpSpPr>
+        <p:cNvPr id="1" name=""/>
+        <p:cNvGrpSpPr/>
+        <p:nvPr/>
+      </p:nvGrpSpPr>
+      <p:grpSpPr>
+        <a:xfrm>
+          <a:off x="0" y="0"/>
+          <a:ext cx="0" cy="0"/>
+          <a:chOff x="0" y="0"/>
+          <a:chExt cx="0" cy="0"/>
+        </a:xfrm>
+      </p:grpSpPr>
+      <p:sp useBgFill="1">
+        <p:nvSpPr>
+          <p:cNvPr id="10" name="Rectangle 9"/>
+          <p:cNvSpPr>
+            <a:spLocks noGrp="1" noRot="1" noChangeAspect="1" noMove="1" noResize="1" noEditPoints="1" noAdjustHandles="1" noChangeArrowheads="1" noChangeShapeType="1" noTextEdit="1"/>
+          </p:cNvSpPr>
+          <p:nvPr>
+            <p:extLst>
+              <p:ext uri="{386F3935-93C4-4BCD-93E2-E3B085C9AB24}">
+                <p16:designElem xmlns:p16="http://schemas.microsoft.com/office/powerpoint/2015/main" val="1"/>
+              </p:ext>
+            </p:extLst>
+          </p:nvPr>
+        </p:nvSpPr>
+        <p:spPr>
+          <a:xfrm>
+            <a:off x="-1" y="0"/>
+            <a:ext cx="12220924" cy="6858000"/>
+          </a:xfrm>
+          <a:prstGeom prst="rect">
+            <a:avLst/>
+          </a:prstGeom>
+          <a:ln>
+            <a:noFill/>
+          </a:ln>
+        </p:spPr>
+        <p:style>
+          <a:lnRef idx="2">
+            <a:schemeClr val="accent1">
+              <a:shade val="50000"/>
+            </a:schemeClr>
+          </a:lnRef>
+          <a:fillRef idx="1">
+            <a:schemeClr val="accent1"/>
+          </a:fillRef>
+          <a:effectRef idx="0">
+            <a:schemeClr val="accent1"/>
+          </a:effectRef>
+          <a:fontRef idx="minor">
+            <a:schemeClr val="lt1"/>
+          </a:fontRef>
+        </p:style>
+        <p:txBody>
+          <a:bodyPr rtlCol="0" anchor="ctr"/>
+          <a:lstStyle/>
+          <a:p>
+            <a:pPr algn="ctr"/>
+            <a:endParaRPr lang="en-US"/>
+          </a:p>
+        </p:txBody>
+      </p:sp>
+      <p:sp>
+        <p:nvSpPr>
+          <p:cNvPr id="12" name="Rectangle 11"/>
+          <p:cNvSpPr>
+            <a:spLocks noGrp="1" noRot="1" noChangeAspect="1" noMove="1" noResize="1" noEditPoints="1" noAdjustHandles="1" noChangeArrowheads="1" noChangeShapeType="1" noTextEdit="1"/>
+          </p:cNvSpPr>
+          <p:nvPr>
+            <p:extLst>
+              <p:ext uri="{386F3935-93C4-4BCD-93E2-E3B085C9AB24}">
+                <p16:designElem xmlns:p16="http://schemas.microsoft.com/office/powerpoint/2015/main" val="1"/>
+              </p:ext>
+            </p:extLst>
+          </p:nvPr>
+        </p:nvSpPr>
+        <p:spPr>
+          <a:xfrm>
+            <a:off x="0" y="0"/>
+            <a:ext cx="914400" cy="6858000"/>
+          </a:xfrm>
+          <a:prstGeom prst="rect">
+            <a:avLst/>
+          </a:prstGeom>
+          <a:solidFill>
+            <a:schemeClr val="tx2">
+              <a:lumMod val="75000"/>
+            </a:schemeClr>
+          </a:solidFill>
+          <a:ln>
+            <a:noFill/>
+          </a:ln>
+        </p:spPr>
+        <p:style>
+          <a:lnRef idx="2">
+            <a:schemeClr val="accent1">
+              <a:shade val="50000"/>
+            </a:schemeClr>
+          </a:lnRef>
+          <a:fillRef idx="1">
+            <a:schemeClr val="accent1"/>
+          </a:fillRef>
+          <a:effectRef idx="0">
+            <a:schemeClr val="accent1"/>
+          </a:effectRef>
+          <a:fontRef idx="minor">
+            <a:schemeClr val="lt1"/>
+          </a:fontRef>
+        </p:style>
+      </p:sp>
+      <p:sp>
+        <p:nvSpPr>
+          <p:cNvPr id="14" name="Rectangle 13"/>
+          <p:cNvSpPr>
+            <a:spLocks noGrp="1" noRot="1" noChangeAspect="1" noMove="1" noResize="1" noEditPoints="1" noAdjustHandles="1" noChangeArrowheads="1" noChangeShapeType="1" noTextEdit="1"/>
+          </p:cNvSpPr>
+          <p:nvPr>
+            <p:extLst>
+              <p:ext uri="{386F3935-93C4-4BCD-93E2-E3B085C9AB24}">
+                <p16:designElem xmlns:p16="http://schemas.microsoft.com/office/powerpoint/2015/main" val="1"/>
+              </p:ext>
+            </p:extLst>
+          </p:nvPr>
+        </p:nvSpPr>
+        <p:spPr>
+          <a:xfrm>
+            <a:off x="11763724" y="0"/>
+            <a:ext cx="457200" cy="6858000"/>
+          </a:xfrm>
+          <a:prstGeom prst="rect">
+            <a:avLst/>
+          </a:prstGeom>
+          <a:solidFill>
+            <a:schemeClr val="accent1"/>
+          </a:solidFill>
+          <a:ln>
+            <a:noFill/>
+          </a:ln>
+        </p:spPr>
+        <p:style>
+          <a:lnRef idx="2">
+            <a:schemeClr val="accent1">
+              <a:shade val="50000"/>
+            </a:schemeClr>
+          </a:lnRef>
+          <a:fillRef idx="1">
+            <a:schemeClr val="accent1"/>
+          </a:fillRef>
+          <a:effectRef idx="0">
+            <a:schemeClr val="accent1"/>
+          </a:effectRef>
+          <a:fontRef idx="minor">
+            <a:schemeClr val="lt1"/>
+          </a:fontRef>
+        </p:style>
+      </p:sp>
+      <p:sp>
+        <p:nvSpPr>
+          <p:cNvPr id="2" name="Title 1"/>
+          <p:cNvSpPr>
+            <a:spLocks noGrp="1"/>
+          </p:cNvSpPr>
+          <p:nvPr>
+            <p:ph type="title"/>
+          </p:nvPr>
+        </p:nvSpPr>
+        <p:spPr>
+          <a:xfrm>
+            <a:off x="1261871" y="365760"/>
+            <a:ext cx="9858383" cy="1325562"/>
+          </a:xfrm>
+        </p:spPr>
+        <p:txBody>
+          <a:bodyPr>
+            <a:normAutofit/>
+          </a:bodyPr>
+          <a:lstStyle/>
+          <a:p>
+            <a:r>
+              <a:rPr lang="en-US" dirty="0"/>
+              <a:t>Future Work</a:t>
+            </a:r>
+          </a:p>
+        </p:txBody>
+      </p:sp>
+      <p:graphicFrame>
+        <p:nvGraphicFramePr>
+          <p:cNvPr id="5" name="Content Placeholder 2"/>
+          <p:cNvGraphicFramePr>
+            <a:graphicFrameLocks noGrp="1"/>
+          </p:cNvGraphicFramePr>
+          <p:nvPr>
+            <p:ph idx="1"/>
+            <p:extLst>
+              <p:ext uri="{D42A27DB-BD31-4B8C-83A1-F6EECF244321}">
+                <p14:modId xmlns:p14="http://schemas.microsoft.com/office/powerpoint/2010/main" val="3978025588"/>
+              </p:ext>
+            </p:extLst>
+          </p:nvPr>
+        </p:nvGraphicFramePr>
+        <p:xfrm>
+          <a:off x="1262063" y="2013055"/>
+          <a:ext cx="9858191" cy="4201478"/>
+        </p:xfrm>
+        <a:graphic>
+          <a:graphicData uri="http://schemas.openxmlformats.org/drawingml/2006/diagram">
+            <dgm:relIds xmlns:dgm="http://schemas.openxmlformats.org/drawingml/2006/diagram" xmlns:r="http://schemas.openxmlformats.org/officeDocument/2006/relationships" r:dm="rId2" r:lo="rId3" r:qs="rId4" r:cs="rId5"/>
+          </a:graphicData>
+        </a:graphic>
+      </p:graphicFrame>
+    </p:spTree>
+    <p:extLst>
+      <p:ext uri="{BB962C8B-B14F-4D97-AF65-F5344CB8AC3E}">
+        <p14:creationId xmlns:p14="http://schemas.microsoft.com/office/powerpoint/2010/main" val="2114203593"/>
+      </p:ext>
+    </p:extLst>
+  </p:cSld>
+  <p:clrMapOvr>
+    <a:masterClrMapping/>
+  </p:clrMapOvr>
+  <mc:AlternateContent xmlns:mc="http://schemas.openxmlformats.org/markup-compatibility/2006">
+    <mc:Choice xmlns:p15="http://schemas.microsoft.com/office/powerpoint/2012/main" Requires="p15">
+      <p:transition xmlns:p14="http://schemas.microsoft.com/office/powerpoint/2010/main" spd="slow" p14:dur="1250">
+        <p15:prstTrans prst="peelOff"/>
+      </p:transition>
+    </mc:Choice>
+    <mc:Fallback>
+      <p:transition spd="slow">
+        <p:fade/>
+      </p:transition>
+    </mc:Fallback>
+  </mc:AlternateContent>
+</p:sld>
+</file>
+
+<file path=ppt/slides/slide23.xml><?xml version="1.0" encoding="utf-8"?>
+<p:sld xmlns:a="http://schemas.openxmlformats.org/drawingml/2006/main" xmlns:r="http://schemas.openxmlformats.org/officeDocument/2006/relationships" xmlns:p="http://schemas.openxmlformats.org/presentationml/2006/main">
+  <p:cSld>
+    <p:spTree>
+      <p:nvGrpSpPr>
+        <p:cNvPr id="1" name=""/>
+        <p:cNvGrpSpPr/>
+        <p:nvPr/>
+      </p:nvGrpSpPr>
+      <p:grpSpPr>
+        <a:xfrm>
+          <a:off x="0" y="0"/>
+          <a:ext cx="0" cy="0"/>
+          <a:chOff x="0" y="0"/>
+          <a:chExt cx="0" cy="0"/>
+        </a:xfrm>
+      </p:grpSpPr>
+      <p:sp>
+        <p:nvSpPr>
+          <p:cNvPr id="2" name="Title 1"/>
+          <p:cNvSpPr>
+            <a:spLocks noGrp="1"/>
+          </p:cNvSpPr>
+          <p:nvPr>
+            <p:ph type="title"/>
+          </p:nvPr>
+        </p:nvSpPr>
+        <p:spPr/>
+        <p:txBody>
+          <a:bodyPr/>
+          <a:lstStyle/>
+          <a:p>
+            <a:r>
+              <a:rPr lang="en-US" dirty="0"/>
+              <a:t>References</a:t>
+            </a:r>
+          </a:p>
+        </p:txBody>
+      </p:sp>
+      <p:sp>
+        <p:nvSpPr>
+          <p:cNvPr id="3" name="Content Placeholder 2"/>
+          <p:cNvSpPr>
+            <a:spLocks noGrp="1"/>
+          </p:cNvSpPr>
+          <p:nvPr>
+            <p:ph idx="1"/>
+          </p:nvPr>
+        </p:nvSpPr>
+        <p:spPr/>
+        <p:txBody>
+          <a:bodyPr/>
+          <a:lstStyle/>
+          <a:p>
+            <a:r>
+              <a:rPr lang="en-US" dirty="0"/>
+              <a:t>[1] Ivan </a:t>
+            </a:r>
+            <a:r>
+              <a:rPr lang="en-US" dirty="0" err="1"/>
+              <a:t>Marsic</a:t>
+            </a:r>
+            <a:r>
+              <a:rPr lang="en-US" dirty="0"/>
+              <a:t>, Software Engineering; Appending G.</a:t>
+            </a:r>
+          </a:p>
+          <a:p>
+            <a:r>
+              <a:rPr lang="en-US" dirty="0"/>
+              <a:t>[2] </a:t>
+            </a:r>
+            <a:r>
+              <a:rPr lang="en-US" dirty="0" err="1"/>
+              <a:t>Fakhroutdinov</a:t>
+            </a:r>
+            <a:r>
+              <a:rPr lang="en-US" dirty="0"/>
+              <a:t>, Kirill. "Android Camera." </a:t>
+            </a:r>
+            <a:r>
+              <a:rPr lang="en-US" i="1" dirty="0"/>
+              <a:t>UML graphical notation overview, examples, and reference.</a:t>
+            </a:r>
+            <a:r>
+              <a:rPr lang="en-US" dirty="0"/>
+              <a:t> </a:t>
+            </a:r>
+            <a:r>
+              <a:rPr lang="en-US" dirty="0" err="1"/>
+              <a:t>N.p</a:t>
+            </a:r>
+            <a:r>
+              <a:rPr lang="en-US" dirty="0"/>
+              <a:t>., 10 Dec. 2015. Web. 11 Apr. 2017.</a:t>
+            </a:r>
+          </a:p>
+          <a:p>
+            <a:r>
+              <a:rPr lang="en-US" dirty="0"/>
+              <a:t>[3] Icons and images: </a:t>
+            </a:r>
+            <a:r>
+              <a:rPr lang="en-US" dirty="0">
+                <a:hlinkClick r:id="rId2"/>
+              </a:rPr>
+              <a:t>http://www.iconarchive.com</a:t>
+            </a:r>
+            <a:r>
+              <a:rPr lang="en-US" dirty="0"/>
+              <a:t> | </a:t>
+            </a:r>
+            <a:r>
+              <a:rPr lang="en-US" dirty="0">
+                <a:hlinkClick r:id="rId3"/>
+              </a:rPr>
+              <a:t>www.freeiconspng.com/icons</a:t>
+            </a:r>
+            <a:r>
+              <a:rPr lang="en-US" dirty="0"/>
+              <a:t> | </a:t>
+            </a:r>
+            <a:r>
+              <a:rPr lang="en-US" dirty="0">
+                <a:hlinkClick r:id="rId4"/>
+              </a:rPr>
+              <a:t>https://openclipart.org</a:t>
+            </a:r>
+            <a:r>
+              <a:rPr lang="en-US" dirty="0"/>
+              <a:t> </a:t>
+            </a:r>
+            <a:r>
+              <a:rPr lang="en-US" dirty="0">
+                <a:hlinkClick r:id="rId5"/>
+              </a:rPr>
+              <a:t>http://keywordsuggest.org</a:t>
+            </a:r>
+            <a:r>
+              <a:rPr lang="en-US" dirty="0"/>
+              <a:t> | </a:t>
+            </a:r>
+            <a:r>
+              <a:rPr lang="en-US" dirty="0">
+                <a:hlinkClick r:id="rId6"/>
+              </a:rPr>
+              <a:t>http://www.pngall.com/thank-you-png</a:t>
+            </a:r>
+            <a:r>
+              <a:rPr lang="en-US" dirty="0"/>
+              <a:t> </a:t>
+            </a:r>
+          </a:p>
+        </p:txBody>
+      </p:sp>
+    </p:spTree>
+    <p:extLst>
+      <p:ext uri="{BB962C8B-B14F-4D97-AF65-F5344CB8AC3E}">
+        <p14:creationId xmlns:p14="http://schemas.microsoft.com/office/powerpoint/2010/main" val="405879411"/>
+      </p:ext>
+    </p:extLst>
+  </p:cSld>
+  <p:clrMapOvr>
+    <a:masterClrMapping/>
+  </p:clrMapOvr>
+  <p:transition spd="slow">
+    <p:push dir="u"/>
+  </p:transition>
+</p:sld>
+</file>
+
+<file path=ppt/slides/slide24.xml><?xml version="1.0" encoding="utf-8"?>
+<p:sld xmlns:a="http://schemas.openxmlformats.org/drawingml/2006/main" xmlns:r="http://schemas.openxmlformats.org/officeDocument/2006/relationships" xmlns:p="http://schemas.openxmlformats.org/presentationml/2006/main">
+  <p:cSld>
+    <p:spTree>
+      <p:nvGrpSpPr>
+        <p:cNvPr id="1" name=""/>
+        <p:cNvGrpSpPr/>
+        <p:nvPr/>
+      </p:nvGrpSpPr>
+      <p:grpSpPr>
+        <a:xfrm>
+          <a:off x="0" y="0"/>
+          <a:ext cx="0" cy="0"/>
+          <a:chOff x="0" y="0"/>
+          <a:chExt cx="0" cy="0"/>
+        </a:xfrm>
+      </p:grpSpPr>
+      <p:sp>
+        <p:nvSpPr>
+          <p:cNvPr id="1031" name="Rectangle 1030"/>
+          <p:cNvSpPr>
+            <a:spLocks noGrp="1" noRot="1" noChangeAspect="1" noMove="1" noResize="1" noEditPoints="1" noAdjustHandles="1" noChangeArrowheads="1" noChangeShapeType="1" noTextEdit="1"/>
+          </p:cNvSpPr>
+          <p:nvPr>
+            <p:extLst>
+              <p:ext uri="{386F3935-93C4-4BCD-93E2-E3B085C9AB24}">
+                <p16:designElem xmlns:p16="http://schemas.microsoft.com/office/powerpoint/2015/main" val="1"/>
+              </p:ext>
+            </p:extLst>
+          </p:nvPr>
+        </p:nvSpPr>
+        <p:spPr bwMode="white">
+          <a:xfrm>
+            <a:off x="0" y="0"/>
+            <a:ext cx="12192000" cy="6858000"/>
+          </a:xfrm>
+          <a:prstGeom prst="rect">
+            <a:avLst/>
+          </a:prstGeom>
+          <a:gradFill rotWithShape="1">
+            <a:gsLst>
+              <a:gs pos="0">
+                <a:schemeClr val="bg1">
+                  <a:tint val="94000"/>
+                  <a:shade val="98000"/>
+                  <a:satMod val="130000"/>
+                  <a:lumMod val="102000"/>
+                </a:schemeClr>
+              </a:gs>
+              <a:gs pos="100000">
+                <a:schemeClr val="bg1">
+                  <a:tint val="98000"/>
+                  <a:shade val="78000"/>
+                  <a:satMod val="140000"/>
+                </a:schemeClr>
+              </a:gs>
+            </a:gsLst>
+            <a:path path="circle">
+              <a:fillToRect l="100000" t="100000" r="100000" b="100000"/>
+            </a:path>
+          </a:gradFill>
+          <a:ln>
+            <a:noFill/>
+          </a:ln>
+          <a:effectLst/>
+        </p:spPr>
+      </p:sp>
+      <p:sp>
+        <p:nvSpPr>
+          <p:cNvPr id="73" name="Rectangle 72"/>
+          <p:cNvSpPr>
+            <a:spLocks noGrp="1" noRot="1" noChangeAspect="1" noMove="1" noResize="1" noEditPoints="1" noAdjustHandles="1" noChangeArrowheads="1" noChangeShapeType="1" noTextEdit="1"/>
+          </p:cNvSpPr>
+          <p:nvPr>
+            <p:extLst>
+              <p:ext uri="{386F3935-93C4-4BCD-93E2-E3B085C9AB24}">
+                <p16:designElem xmlns:p16="http://schemas.microsoft.com/office/powerpoint/2015/main" val="1"/>
+              </p:ext>
+            </p:extLst>
+          </p:nvPr>
+        </p:nvSpPr>
+        <p:spPr>
+          <a:xfrm>
+            <a:off x="11292840" y="0"/>
+            <a:ext cx="914400" cy="6858000"/>
+          </a:xfrm>
+          <a:prstGeom prst="rect">
+            <a:avLst/>
+          </a:prstGeom>
+          <a:solidFill>
+            <a:schemeClr val="tx2">
+              <a:lumMod val="75000"/>
+            </a:schemeClr>
+          </a:solidFill>
+          <a:ln>
+            <a:noFill/>
+          </a:ln>
+        </p:spPr>
+        <p:style>
+          <a:lnRef idx="2">
+            <a:schemeClr val="accent1">
+              <a:shade val="50000"/>
+            </a:schemeClr>
+          </a:lnRef>
+          <a:fillRef idx="1">
+            <a:schemeClr val="accent1"/>
+          </a:fillRef>
+          <a:effectRef idx="0">
+            <a:schemeClr val="accent1"/>
+          </a:effectRef>
+          <a:fontRef idx="minor">
+            <a:schemeClr val="lt1"/>
+          </a:fontRef>
+        </p:style>
+      </p:sp>
+      <p:sp useBgFill="1">
+        <p:nvSpPr>
+          <p:cNvPr id="75" name="Rectangle 74"/>
+          <p:cNvSpPr>
+            <a:spLocks noGrp="1" noRot="1" noChangeAspect="1" noMove="1" noResize="1" noEditPoints="1" noAdjustHandles="1" noChangeArrowheads="1" noChangeShapeType="1" noTextEdit="1"/>
+          </p:cNvSpPr>
+          <p:nvPr>
+            <p:extLst>
+              <p:ext uri="{386F3935-93C4-4BCD-93E2-E3B085C9AB24}">
+                <p16:designElem xmlns:p16="http://schemas.microsoft.com/office/powerpoint/2015/main" val="1"/>
+              </p:ext>
+            </p:extLst>
+          </p:nvPr>
+        </p:nvSpPr>
+        <p:spPr>
+          <a:xfrm>
+            <a:off x="0" y="0"/>
+            <a:ext cx="12192000" cy="6858000"/>
+          </a:xfrm>
+          <a:prstGeom prst="rect">
+            <a:avLst/>
+          </a:prstGeom>
+          <a:ln>
+            <a:noFill/>
+          </a:ln>
+        </p:spPr>
+        <p:style>
+          <a:lnRef idx="2">
+            <a:schemeClr val="accent1">
+              <a:shade val="50000"/>
+            </a:schemeClr>
+          </a:lnRef>
+          <a:fillRef idx="1">
+            <a:schemeClr val="accent1"/>
+          </a:fillRef>
+          <a:effectRef idx="0">
+            <a:schemeClr val="accent1"/>
+          </a:effectRef>
+          <a:fontRef idx="minor">
+            <a:schemeClr val="lt1"/>
+          </a:fontRef>
+        </p:style>
+        <p:txBody>
+          <a:bodyPr rtlCol="0" anchor="ctr"/>
+          <a:lstStyle/>
+          <a:p>
+            <a:pPr algn="ctr"/>
+            <a:endParaRPr lang="en-US"/>
+          </a:p>
+        </p:txBody>
+      </p:sp>
+      <p:sp>
+        <p:nvSpPr>
+          <p:cNvPr id="77" name="Rectangle 76"/>
+          <p:cNvSpPr>
+            <a:spLocks noGrp="1" noRot="1" noChangeAspect="1" noMove="1" noResize="1" noEditPoints="1" noAdjustHandles="1" noChangeArrowheads="1" noChangeShapeType="1" noTextEdit="1"/>
+          </p:cNvSpPr>
+          <p:nvPr>
+            <p:extLst>
+              <p:ext uri="{386F3935-93C4-4BCD-93E2-E3B085C9AB24}">
+                <p16:designElem xmlns:p16="http://schemas.microsoft.com/office/powerpoint/2015/main" val="1"/>
+              </p:ext>
+            </p:extLst>
+          </p:nvPr>
+        </p:nvSpPr>
+        <p:spPr>
+          <a:xfrm>
+            <a:off x="477012" y="480060"/>
+            <a:ext cx="11237976" cy="5897880"/>
+          </a:xfrm>
+          <a:prstGeom prst="rect">
+            <a:avLst/>
+          </a:prstGeom>
+          <a:noFill/>
+          <a:ln>
+            <a:solidFill>
+              <a:schemeClr val="accent2"/>
+            </a:solidFill>
+          </a:ln>
+        </p:spPr>
+        <p:style>
+          <a:lnRef idx="2">
+            <a:schemeClr val="accent1">
+              <a:shade val="50000"/>
+            </a:schemeClr>
+          </a:lnRef>
+          <a:fillRef idx="1">
+            <a:schemeClr val="accent1"/>
+          </a:fillRef>
+          <a:effectRef idx="0">
+            <a:schemeClr val="accent1"/>
+          </a:effectRef>
+          <a:fontRef idx="minor">
+            <a:schemeClr val="lt1"/>
+          </a:fontRef>
+        </p:style>
+        <p:txBody>
+          <a:bodyPr rtlCol="0" anchor="ctr"/>
+          <a:lstStyle/>
+          <a:p>
+            <a:pPr algn="ctr"/>
+            <a:endParaRPr lang="en-US"/>
+          </a:p>
+        </p:txBody>
+      </p:sp>
+      <p:sp>
+        <p:nvSpPr>
+          <p:cNvPr id="79" name="Rectangle 78"/>
+          <p:cNvSpPr>
+            <a:spLocks noGrp="1" noRot="1" noChangeAspect="1" noMove="1" noResize="1" noEditPoints="1" noAdjustHandles="1" noChangeArrowheads="1" noChangeShapeType="1" noTextEdit="1"/>
+          </p:cNvSpPr>
+          <p:nvPr>
+            <p:extLst>
+              <p:ext uri="{386F3935-93C4-4BCD-93E2-E3B085C9AB24}">
+                <p16:designElem xmlns:p16="http://schemas.microsoft.com/office/powerpoint/2015/main" val="1"/>
+              </p:ext>
+            </p:extLst>
+          </p:nvPr>
+        </p:nvSpPr>
+        <p:spPr>
+          <a:xfrm>
+            <a:off x="643466" y="643468"/>
+            <a:ext cx="10905067" cy="5571066"/>
+          </a:xfrm>
+          <a:prstGeom prst="rect">
+            <a:avLst/>
+          </a:prstGeom>
+          <a:solidFill>
+            <a:srgbClr val="FFFFFF"/>
+          </a:solidFill>
+          <a:ln>
+            <a:noFill/>
+          </a:ln>
+        </p:spPr>
+        <p:style>
+          <a:lnRef idx="2">
+            <a:schemeClr val="accent1">
+              <a:shade val="50000"/>
+            </a:schemeClr>
+          </a:lnRef>
+          <a:fillRef idx="1">
+            <a:schemeClr val="accent1"/>
+          </a:fillRef>
+          <a:effectRef idx="0">
+            <a:schemeClr val="accent1"/>
+          </a:effectRef>
+          <a:fontRef idx="minor">
+            <a:schemeClr val="lt1"/>
+          </a:fontRef>
+        </p:style>
+        <p:txBody>
+          <a:bodyPr rtlCol="0" anchor="ctr"/>
+          <a:lstStyle/>
+          <a:p>
+            <a:pPr algn="ctr"/>
+            <a:endParaRPr lang="en-US"/>
+          </a:p>
+        </p:txBody>
+      </p:sp>
+      <p:pic>
+        <p:nvPicPr>
+          <p:cNvPr id="1026" name="Picture 2" descr="Image result for Thank you png"/>
+          <p:cNvPicPr>
+            <a:picLocks noGrp="1" noChangeAspect="1" noChangeArrowheads="1"/>
+          </p:cNvPicPr>
+          <p:nvPr>
+            <p:ph idx="1"/>
+          </p:nvPr>
+        </p:nvPicPr>
+        <p:blipFill rotWithShape="1">
+          <a:blip r:embed="rId2">
+            <a:extLst>
+              <a:ext uri="{28A0092B-C50C-407E-A947-70E740481C1C}">
+                <a14:useLocalDpi xmlns:a14="http://schemas.microsoft.com/office/drawing/2010/main" val="0"/>
+              </a:ext>
+            </a:extLst>
+          </a:blip>
+          <a:srcRect/>
+          <a:stretch/>
+        </p:blipFill>
+        <p:spPr bwMode="auto">
+          <a:xfrm>
+            <a:off x="1120477" y="1323770"/>
+            <a:ext cx="9951041" cy="4204314"/>
+          </a:xfrm>
+          <a:prstGeom prst="rect">
+            <a:avLst/>
+          </a:prstGeom>
+          <a:noFill/>
+          <a:extLst>
+            <a:ext uri="{909E8E84-426E-40DD-AFC4-6F175D3DCCD1}">
+              <a14:hiddenFill xmlns:a14="http://schemas.microsoft.com/office/drawing/2010/main">
+                <a:solidFill>
+                  <a:srgbClr val="FFFFFF"/>
+                </a:solidFill>
+              </a14:hiddenFill>
+            </a:ext>
+          </a:extLst>
+        </p:spPr>
+      </p:pic>
+      <p:sp>
+        <p:nvSpPr>
+          <p:cNvPr id="81" name="Date Placeholder 7"/>
+          <p:cNvSpPr txBox="1">
+            <a:spLocks noGrp="1" noRot="1" noChangeAspect="1" noMove="1" noResize="1" noEditPoints="1" noAdjustHandles="1" noChangeArrowheads="1" noChangeShapeType="1" noTextEdit="1"/>
+          </p:cNvSpPr>
+          <p:nvPr>
+            <p:extLst>
+              <p:ext uri="{386F3935-93C4-4BCD-93E2-E3B085C9AB24}">
+                <p16:designElem xmlns:p16="http://schemas.microsoft.com/office/powerpoint/2015/main" val="1"/>
+              </p:ext>
+            </p:extLst>
+          </p:nvPr>
+        </p:nvSpPr>
+        <p:spPr>
+          <a:xfrm>
+            <a:off x="6096000" y="6376583"/>
+            <a:ext cx="2030825" cy="365125"/>
+          </a:xfrm>
+          <a:prstGeom prst="rect">
+            <a:avLst/>
+          </a:prstGeom>
+        </p:spPr>
+        <p:txBody>
+          <a:bodyPr vert="horz" lIns="91440" tIns="45720" rIns="91440" bIns="45720" rtlCol="0" anchor="ctr"/>
+          <a:lstStyle>
+            <a:defPPr>
+              <a:defRPr lang="en-US"/>
+            </a:defPPr>
+            <a:lvl1pPr marL="0" algn="r" defTabSz="457200" rtl="0" eaLnBrk="1" latinLnBrk="0" hangingPunct="1">
+              <a:defRPr sz="1050" b="0" kern="1200">
+                <a:solidFill>
+                  <a:schemeClr val="tx2">
+                    <a:lumMod val="20000"/>
+                    <a:lumOff val="80000"/>
+                  </a:schemeClr>
+                </a:solidFill>
+                <a:latin typeface="+mn-lt"/>
+                <a:ea typeface="+mn-ea"/>
+                <a:cs typeface="+mn-cs"/>
+              </a:defRPr>
+            </a:lvl1pPr>
+            <a:lvl2pPr marL="457200" algn="l" defTabSz="457200" rtl="0" eaLnBrk="1" latinLnBrk="0" hangingPunct="1">
+              <a:defRPr sz="1800" kern="1200">
+                <a:solidFill>
+                  <a:schemeClr val="tx1"/>
+                </a:solidFill>
+                <a:latin typeface="+mn-lt"/>
+                <a:ea typeface="+mn-ea"/>
+                <a:cs typeface="+mn-cs"/>
+              </a:defRPr>
+            </a:lvl2pPr>
+            <a:lvl3pPr marL="914400" algn="l" defTabSz="457200" rtl="0" eaLnBrk="1" latinLnBrk="0" hangingPunct="1">
+              <a:defRPr sz="1800" kern="1200">
+                <a:solidFill>
+                  <a:schemeClr val="tx1"/>
+                </a:solidFill>
+                <a:latin typeface="+mn-lt"/>
+                <a:ea typeface="+mn-ea"/>
+                <a:cs typeface="+mn-cs"/>
+              </a:defRPr>
+            </a:lvl3pPr>
+            <a:lvl4pPr marL="1371600" algn="l" defTabSz="457200" rtl="0" eaLnBrk="1" latinLnBrk="0" hangingPunct="1">
+              <a:defRPr sz="1800" kern="1200">
+                <a:solidFill>
+                  <a:schemeClr val="tx1"/>
+                </a:solidFill>
+                <a:latin typeface="+mn-lt"/>
+                <a:ea typeface="+mn-ea"/>
+                <a:cs typeface="+mn-cs"/>
+              </a:defRPr>
+            </a:lvl4pPr>
+            <a:lvl5pPr marL="1828800" algn="l" defTabSz="457200" rtl="0" eaLnBrk="1" latinLnBrk="0" hangingPunct="1">
+              <a:defRPr sz="1800" kern="1200">
+                <a:solidFill>
+                  <a:schemeClr val="tx1"/>
+                </a:solidFill>
+                <a:latin typeface="+mn-lt"/>
+                <a:ea typeface="+mn-ea"/>
+                <a:cs typeface="+mn-cs"/>
+              </a:defRPr>
+            </a:lvl5pPr>
+            <a:lvl6pPr marL="2286000" algn="l" defTabSz="457200" rtl="0" eaLnBrk="1" latinLnBrk="0" hangingPunct="1">
+              <a:defRPr sz="1800" kern="1200">
+                <a:solidFill>
+                  <a:schemeClr val="tx1"/>
+                </a:solidFill>
+                <a:latin typeface="+mn-lt"/>
+                <a:ea typeface="+mn-ea"/>
+                <a:cs typeface="+mn-cs"/>
+              </a:defRPr>
+            </a:lvl6pPr>
+            <a:lvl7pPr marL="2743200" algn="l" defTabSz="457200" rtl="0" eaLnBrk="1" latinLnBrk="0" hangingPunct="1">
+              <a:defRPr sz="1800" kern="1200">
+                <a:solidFill>
+                  <a:schemeClr val="tx1"/>
+                </a:solidFill>
+                <a:latin typeface="+mn-lt"/>
+                <a:ea typeface="+mn-ea"/>
+                <a:cs typeface="+mn-cs"/>
+              </a:defRPr>
+            </a:lvl7pPr>
+            <a:lvl8pPr marL="3200400" algn="l" defTabSz="457200" rtl="0" eaLnBrk="1" latinLnBrk="0" hangingPunct="1">
+              <a:defRPr sz="1800" kern="1200">
+                <a:solidFill>
+                  <a:schemeClr val="tx1"/>
+                </a:solidFill>
+                <a:latin typeface="+mn-lt"/>
+                <a:ea typeface="+mn-ea"/>
+                <a:cs typeface="+mn-cs"/>
+              </a:defRPr>
+            </a:lvl8pPr>
+            <a:lvl9pPr marL="3657600" algn="l" defTabSz="457200" rtl="0" eaLnBrk="1" latinLnBrk="0" hangingPunct="1">
+              <a:defRPr sz="1800" kern="1200">
+                <a:solidFill>
+                  <a:schemeClr val="tx1"/>
+                </a:solidFill>
+                <a:latin typeface="+mn-lt"/>
+                <a:ea typeface="+mn-ea"/>
+                <a:cs typeface="+mn-cs"/>
+              </a:defRPr>
+            </a:lvl9pPr>
+          </a:lstStyle>
+          <a:p>
+            <a:fld id="{6BE544F1-4F57-4721-83FB-C17063D8A5C1}" type="datetime1">
+              <a:rPr lang="en-US" smtClean="0">
+                <a:solidFill>
+                  <a:srgbClr val="FFFFFF"/>
+                </a:solidFill>
+              </a:rPr>
+              <a:pPr/>
+              <a:t>4/20/2017</a:t>
+            </a:fld>
+            <a:endParaRPr lang="en-US" dirty="0">
+              <a:solidFill>
+                <a:srgbClr val="FFFFFF"/>
+              </a:solidFill>
+            </a:endParaRPr>
+          </a:p>
+        </p:txBody>
+      </p:sp>
+      <p:sp>
+        <p:nvSpPr>
+          <p:cNvPr id="83" name="Footer Placeholder 8"/>
+          <p:cNvSpPr txBox="1">
+            <a:spLocks noGrp="1" noRot="1" noChangeAspect="1" noMove="1" noResize="1" noEditPoints="1" noAdjustHandles="1" noChangeArrowheads="1" noChangeShapeType="1" noTextEdit="1"/>
+          </p:cNvSpPr>
+          <p:nvPr>
+            <p:extLst>
+              <p:ext uri="{386F3935-93C4-4BCD-93E2-E3B085C9AB24}">
+                <p16:designElem xmlns:p16="http://schemas.microsoft.com/office/powerpoint/2015/main" val="1"/>
+              </p:ext>
+            </p:extLst>
+          </p:nvPr>
+        </p:nvSpPr>
+        <p:spPr>
+          <a:xfrm>
+            <a:off x="643466" y="6376583"/>
+            <a:ext cx="4007781" cy="365125"/>
+          </a:xfrm>
+          <a:prstGeom prst="rect">
+            <a:avLst/>
+          </a:prstGeom>
+        </p:spPr>
+        <p:txBody>
+          <a:bodyPr vert="horz" lIns="91440" tIns="45720" rIns="91440" bIns="45720" rtlCol="0" anchor="ctr"/>
+          <a:lstStyle>
+            <a:defPPr>
+              <a:defRPr lang="en-US"/>
+            </a:defPPr>
+            <a:lvl1pPr marL="0" algn="l" defTabSz="457200" rtl="0" eaLnBrk="1" latinLnBrk="0" hangingPunct="1">
+              <a:defRPr sz="1050" kern="1200">
+                <a:solidFill>
+                  <a:schemeClr val="tx2">
+                    <a:lumMod val="20000"/>
+                    <a:lumOff val="80000"/>
+                  </a:schemeClr>
+                </a:solidFill>
+                <a:latin typeface="+mn-lt"/>
+                <a:ea typeface="+mn-ea"/>
+                <a:cs typeface="+mn-cs"/>
+              </a:defRPr>
+            </a:lvl1pPr>
+            <a:lvl2pPr marL="457200" algn="l" defTabSz="457200" rtl="0" eaLnBrk="1" latinLnBrk="0" hangingPunct="1">
+              <a:defRPr sz="1800" kern="1200">
+                <a:solidFill>
+                  <a:schemeClr val="tx1"/>
+                </a:solidFill>
+                <a:latin typeface="+mn-lt"/>
+                <a:ea typeface="+mn-ea"/>
+                <a:cs typeface="+mn-cs"/>
+              </a:defRPr>
+            </a:lvl2pPr>
+            <a:lvl3pPr marL="914400" algn="l" defTabSz="457200" rtl="0" eaLnBrk="1" latinLnBrk="0" hangingPunct="1">
+              <a:defRPr sz="1800" kern="1200">
+                <a:solidFill>
+                  <a:schemeClr val="tx1"/>
+                </a:solidFill>
+                <a:latin typeface="+mn-lt"/>
+                <a:ea typeface="+mn-ea"/>
+                <a:cs typeface="+mn-cs"/>
+              </a:defRPr>
+            </a:lvl3pPr>
+            <a:lvl4pPr marL="1371600" algn="l" defTabSz="457200" rtl="0" eaLnBrk="1" latinLnBrk="0" hangingPunct="1">
+              <a:defRPr sz="1800" kern="1200">
+                <a:solidFill>
+                  <a:schemeClr val="tx1"/>
+                </a:solidFill>
+                <a:latin typeface="+mn-lt"/>
+                <a:ea typeface="+mn-ea"/>
+                <a:cs typeface="+mn-cs"/>
+              </a:defRPr>
+            </a:lvl4pPr>
+            <a:lvl5pPr marL="1828800" algn="l" defTabSz="457200" rtl="0" eaLnBrk="1" latinLnBrk="0" hangingPunct="1">
+              <a:defRPr sz="1800" kern="1200">
+                <a:solidFill>
+                  <a:schemeClr val="tx1"/>
+                </a:solidFill>
+                <a:latin typeface="+mn-lt"/>
+                <a:ea typeface="+mn-ea"/>
+                <a:cs typeface="+mn-cs"/>
+              </a:defRPr>
+            </a:lvl5pPr>
+            <a:lvl6pPr marL="2286000" algn="l" defTabSz="457200" rtl="0" eaLnBrk="1" latinLnBrk="0" hangingPunct="1">
+              <a:defRPr sz="1800" kern="1200">
+                <a:solidFill>
+                  <a:schemeClr val="tx1"/>
+                </a:solidFill>
+                <a:latin typeface="+mn-lt"/>
+                <a:ea typeface="+mn-ea"/>
+                <a:cs typeface="+mn-cs"/>
+              </a:defRPr>
+            </a:lvl6pPr>
+            <a:lvl7pPr marL="2743200" algn="l" defTabSz="457200" rtl="0" eaLnBrk="1" latinLnBrk="0" hangingPunct="1">
+              <a:defRPr sz="1800" kern="1200">
+                <a:solidFill>
+                  <a:schemeClr val="tx1"/>
+                </a:solidFill>
+                <a:latin typeface="+mn-lt"/>
+                <a:ea typeface="+mn-ea"/>
+                <a:cs typeface="+mn-cs"/>
+              </a:defRPr>
+            </a:lvl7pPr>
+            <a:lvl8pPr marL="3200400" algn="l" defTabSz="457200" rtl="0" eaLnBrk="1" latinLnBrk="0" hangingPunct="1">
+              <a:defRPr sz="1800" kern="1200">
+                <a:solidFill>
+                  <a:schemeClr val="tx1"/>
+                </a:solidFill>
+                <a:latin typeface="+mn-lt"/>
+                <a:ea typeface="+mn-ea"/>
+                <a:cs typeface="+mn-cs"/>
+              </a:defRPr>
+            </a:lvl8pPr>
+            <a:lvl9pPr marL="3657600" algn="l" defTabSz="457200" rtl="0" eaLnBrk="1" latinLnBrk="0" hangingPunct="1">
+              <a:defRPr sz="1800" kern="1200">
+                <a:solidFill>
+                  <a:schemeClr val="tx1"/>
+                </a:solidFill>
+                <a:latin typeface="+mn-lt"/>
+                <a:ea typeface="+mn-ea"/>
+                <a:cs typeface="+mn-cs"/>
+              </a:defRPr>
+            </a:lvl9pPr>
+          </a:lstStyle>
+          <a:p>
+            <a:r>
+              <a:rPr lang="en-US" dirty="0">
+                <a:solidFill>
+                  <a:srgbClr val="FFFFFF"/>
+                </a:solidFill>
+              </a:rPr>
+              <a:t>Sample Footer Text</a:t>
+            </a:r>
+          </a:p>
+        </p:txBody>
+      </p:sp>
+      <p:sp>
+        <p:nvSpPr>
+          <p:cNvPr id="85" name="Slide Number Placeholder 9"/>
+          <p:cNvSpPr txBox="1">
+            <a:spLocks noGrp="1" noRot="1" noChangeAspect="1" noMove="1" noResize="1" noEditPoints="1" noAdjustHandles="1" noChangeArrowheads="1" noChangeShapeType="1" noTextEdit="1"/>
+          </p:cNvSpPr>
+          <p:nvPr>
+            <p:extLst>
+              <p:ext uri="{386F3935-93C4-4BCD-93E2-E3B085C9AB24}">
+                <p16:designElem xmlns:p16="http://schemas.microsoft.com/office/powerpoint/2015/main" val="1"/>
+              </p:ext>
+            </p:extLst>
+          </p:nvPr>
+        </p:nvSpPr>
+        <p:spPr>
+          <a:xfrm>
+            <a:off x="10634133" y="6376583"/>
+            <a:ext cx="914400" cy="365125"/>
+          </a:xfrm>
+          <a:prstGeom prst="rect">
+            <a:avLst/>
+          </a:prstGeom>
+        </p:spPr>
+        <p:txBody>
+          <a:bodyPr vert="horz" lIns="45720" tIns="45720" rIns="45720" bIns="45720" rtlCol="0" anchor="ctr">
+            <a:normAutofit/>
+          </a:bodyPr>
+          <a:lstStyle>
+            <a:defPPr>
+              <a:defRPr lang="en-US"/>
+            </a:defPPr>
+            <a:lvl1pPr marL="0" algn="ctr" defTabSz="457200" rtl="0" eaLnBrk="1" latinLnBrk="0" hangingPunct="1">
+              <a:defRPr sz="3600" kern="1200">
+                <a:solidFill>
+                  <a:schemeClr val="tx2">
+                    <a:lumMod val="60000"/>
+                    <a:lumOff val="40000"/>
+                  </a:schemeClr>
+                </a:solidFill>
+                <a:latin typeface="+mn-lt"/>
+                <a:ea typeface="+mn-ea"/>
+                <a:cs typeface="+mn-cs"/>
+              </a:defRPr>
+            </a:lvl1pPr>
+            <a:lvl2pPr marL="457200" algn="l" defTabSz="457200" rtl="0" eaLnBrk="1" latinLnBrk="0" hangingPunct="1">
+              <a:defRPr sz="1800" kern="1200">
+                <a:solidFill>
+                  <a:schemeClr val="tx1"/>
+                </a:solidFill>
+                <a:latin typeface="+mn-lt"/>
+                <a:ea typeface="+mn-ea"/>
+                <a:cs typeface="+mn-cs"/>
+              </a:defRPr>
+            </a:lvl2pPr>
+            <a:lvl3pPr marL="914400" algn="l" defTabSz="457200" rtl="0" eaLnBrk="1" latinLnBrk="0" hangingPunct="1">
+              <a:defRPr sz="1800" kern="1200">
+                <a:solidFill>
+                  <a:schemeClr val="tx1"/>
+                </a:solidFill>
+                <a:latin typeface="+mn-lt"/>
+                <a:ea typeface="+mn-ea"/>
+                <a:cs typeface="+mn-cs"/>
+              </a:defRPr>
+            </a:lvl3pPr>
+            <a:lvl4pPr marL="1371600" algn="l" defTabSz="457200" rtl="0" eaLnBrk="1" latinLnBrk="0" hangingPunct="1">
+              <a:defRPr sz="1800" kern="1200">
+                <a:solidFill>
+                  <a:schemeClr val="tx1"/>
+                </a:solidFill>
+                <a:latin typeface="+mn-lt"/>
+                <a:ea typeface="+mn-ea"/>
+                <a:cs typeface="+mn-cs"/>
+              </a:defRPr>
+            </a:lvl4pPr>
+            <a:lvl5pPr marL="1828800" algn="l" defTabSz="457200" rtl="0" eaLnBrk="1" latinLnBrk="0" hangingPunct="1">
+              <a:defRPr sz="1800" kern="1200">
+                <a:solidFill>
+                  <a:schemeClr val="tx1"/>
+                </a:solidFill>
+                <a:latin typeface="+mn-lt"/>
+                <a:ea typeface="+mn-ea"/>
+                <a:cs typeface="+mn-cs"/>
+              </a:defRPr>
+            </a:lvl5pPr>
+            <a:lvl6pPr marL="2286000" algn="l" defTabSz="457200" rtl="0" eaLnBrk="1" latinLnBrk="0" hangingPunct="1">
+              <a:defRPr sz="1800" kern="1200">
+                <a:solidFill>
+                  <a:schemeClr val="tx1"/>
+                </a:solidFill>
+                <a:latin typeface="+mn-lt"/>
+                <a:ea typeface="+mn-ea"/>
+                <a:cs typeface="+mn-cs"/>
+              </a:defRPr>
+            </a:lvl6pPr>
+            <a:lvl7pPr marL="2743200" algn="l" defTabSz="457200" rtl="0" eaLnBrk="1" latinLnBrk="0" hangingPunct="1">
+              <a:defRPr sz="1800" kern="1200">
+                <a:solidFill>
+                  <a:schemeClr val="tx1"/>
+                </a:solidFill>
+                <a:latin typeface="+mn-lt"/>
+                <a:ea typeface="+mn-ea"/>
+                <a:cs typeface="+mn-cs"/>
+              </a:defRPr>
+            </a:lvl7pPr>
+            <a:lvl8pPr marL="3200400" algn="l" defTabSz="457200" rtl="0" eaLnBrk="1" latinLnBrk="0" hangingPunct="1">
+              <a:defRPr sz="1800" kern="1200">
+                <a:solidFill>
+                  <a:schemeClr val="tx1"/>
+                </a:solidFill>
+                <a:latin typeface="+mn-lt"/>
+                <a:ea typeface="+mn-ea"/>
+                <a:cs typeface="+mn-cs"/>
+              </a:defRPr>
+            </a:lvl8pPr>
+            <a:lvl9pPr marL="3657600" algn="l" defTabSz="457200" rtl="0" eaLnBrk="1" latinLnBrk="0" hangingPunct="1">
+              <a:defRPr sz="1800" kern="1200">
+                <a:solidFill>
+                  <a:schemeClr val="tx1"/>
+                </a:solidFill>
+                <a:latin typeface="+mn-lt"/>
+                <a:ea typeface="+mn-ea"/>
+                <a:cs typeface="+mn-cs"/>
+              </a:defRPr>
+            </a:lvl9pPr>
+          </a:lstStyle>
+          <a:p>
+            <a:pPr algn="r"/>
+            <a:fld id="{3E59737B-AF67-42EE-B20D-05656D79239C}" type="slidenum">
+              <a:rPr lang="en-US" sz="1050" smtClean="0">
+                <a:solidFill>
+                  <a:srgbClr val="FFFFFF"/>
+                </a:solidFill>
+              </a:rPr>
+              <a:pPr algn="r"/>
+              <a:t>3</a:t>
+            </a:fld>
+            <a:endParaRPr lang="en-US" sz="1050">
+              <a:solidFill>
+                <a:srgbClr val="FFFFFF"/>
+              </a:solidFill>
+            </a:endParaRPr>
+          </a:p>
+        </p:txBody>
+      </p:sp>
+    </p:spTree>
+    <p:extLst>
+      <p:ext uri="{BB962C8B-B14F-4D97-AF65-F5344CB8AC3E}">
+        <p14:creationId xmlns:p14="http://schemas.microsoft.com/office/powerpoint/2010/main" val="1819140500"/>
+      </p:ext>
+    </p:extLst>
+  </p:cSld>
+  <p:clrMapOvr>
+    <a:overrideClrMapping bg1="dk1" tx1="lt1" bg2="dk2" tx2="lt2" accent1="accent1" accent2="accent2" accent3="accent3" accent4="accent4" accent5="accent5" accent6="accent6" hlink="hlink" folHlink="folHlink"/>
+  </p:clrMapOvr>
+  <mc:AlternateContent xmlns:mc="http://schemas.openxmlformats.org/markup-compatibility/2006">
+    <mc:Choice xmlns:p14="http://schemas.microsoft.com/office/powerpoint/2010/main" Requires="p14">
+      <p:transition spd="slow" p14:dur="1400">
+        <p14:doors dir="vert"/>
+      </p:transition>
+    </mc:Choice>
+    <mc:Fallback>
+      <p:transition spd="slow">
+        <p:fade/>
+      </p:transition>
+    </mc:Fallback>
+  </mc:AlternateContent>
 </p:sld>
 </file>
 
@@ -24312,28 +29125,71 @@
           <a:p>
             <a:r>
               <a:rPr lang="en-US" dirty="0"/>
-              <a:t>(personal story)</a:t>
+              <a:t>We are both avid Sudoku solvers.</a:t>
             </a:r>
           </a:p>
           <a:p>
             <a:r>
               <a:rPr lang="en-US" dirty="0"/>
-              <a:t>(About TESS)</a:t>
+              <a:t>About TESS</a:t>
             </a:r>
           </a:p>
           <a:p>
             <a:pPr lvl="1"/>
             <a:r>
               <a:rPr lang="en-US" dirty="0"/>
-              <a:t>We focused on solving the regular 9x9 board.</a:t>
+              <a:t>We focused on solving the </a:t>
+            </a:r>
+            <a:r>
+              <a:rPr lang="en-US" b="1" dirty="0"/>
+              <a:t>regular</a:t>
+            </a:r>
+            <a:r>
+              <a:rPr lang="en-US" dirty="0"/>
+              <a:t> 9x9 board.</a:t>
             </a:r>
           </a:p>
           <a:p>
             <a:pPr lvl="1"/>
             <a:r>
               <a:rPr lang="en-US" dirty="0"/>
-              <a:t>(talk about our algorithm)</a:t>
+              <a:t>We implemented a </a:t>
             </a:r>
+            <a:r>
+              <a:rPr lang="en-US" b="1" dirty="0"/>
+              <a:t>DFS</a:t>
+            </a:r>
+            <a:r>
+              <a:rPr lang="en-US" dirty="0"/>
+              <a:t> with </a:t>
+            </a:r>
+            <a:r>
+              <a:rPr lang="en-US" b="1" dirty="0"/>
+              <a:t>pruning </a:t>
+            </a:r>
+            <a:r>
+              <a:rPr lang="en-US" dirty="0"/>
+              <a:t>to solve puzzles.</a:t>
+            </a:r>
+          </a:p>
+          <a:p>
+            <a:pPr lvl="1"/>
+            <a:r>
+              <a:rPr lang="en-US" dirty="0"/>
+              <a:t>We kept the design as </a:t>
+            </a:r>
+            <a:r>
+              <a:rPr lang="en-US" b="1" dirty="0"/>
+              <a:t>simple</a:t>
+            </a:r>
+            <a:r>
+              <a:rPr lang="en-US" dirty="0"/>
+              <a:t> as possible.</a:t>
+            </a:r>
+          </a:p>
+          <a:p>
+            <a:pPr lvl="1"/>
+            <a:endParaRPr lang="en-US" dirty="0"/>
           </a:p>
           <a:p>
             <a:pPr lvl="1"/>
@@ -24354,6 +29210,9 @@
   <p:clrMapOvr>
     <a:masterClrMapping/>
   </p:clrMapOvr>
+  <p:transition spd="slow">
+    <p:push dir="u"/>
+  </p:transition>
 </p:sld>
 </file>
 
@@ -24391,7 +29250,7 @@
           <a:p>
             <a:r>
               <a:rPr lang="en-US" dirty="0"/>
-              <a:t>Goals*</a:t>
+              <a:t>Goals</a:t>
             </a:r>
           </a:p>
         </p:txBody>
@@ -24421,6 +29280,13 @@
             <a:r>
               <a:rPr lang="en-US" dirty="0"/>
               <a:t>Allowing the user to play a classic 9x9 sudoku game.</a:t>
+            </a:r>
+          </a:p>
+          <a:p>
+            <a:pPr lvl="1"/>
+            <a:r>
+              <a:rPr lang="en-US" dirty="0"/>
+              <a:t>Designing an intuitive UI.</a:t>
             </a:r>
           </a:p>
           <a:p>
@@ -24460,6 +29326,24 @@
                 </a:solidFill>
               </a:rPr>
               <a:t>Solutions:</a:t>
+            </a:r>
+          </a:p>
+          <a:p>
+            <a:pPr lvl="1">
+              <a:buClr>
+                <a:srgbClr val="0B082E"/>
+              </a:buClr>
+            </a:pPr>
+            <a:r>
+              <a:rPr lang="en-US" dirty="0">
+                <a:solidFill>
+                  <a:prstClr val="black">
+                    <a:lumMod val="65000"/>
+                    <a:lumOff val="35000"/>
+                  </a:prstClr>
+                </a:solidFill>
+              </a:rPr>
+              <a:t>Applied trial and error technique to solve UI issues.</a:t>
             </a:r>
           </a:p>
           <a:p>
@@ -24549,80 +29433,6 @@
         </p:nvSpPr>
         <p:spPr/>
         <p:txBody>
-          <a:bodyPr/>
-          <a:lstStyle/>
-          <a:p>
-            <a:r>
-              <a:rPr lang="en-US" dirty="0"/>
-              <a:t>Requirements</a:t>
-            </a:r>
-          </a:p>
-        </p:txBody>
-      </p:sp>
-      <p:sp>
-        <p:nvSpPr>
-          <p:cNvPr id="3" name="Content Placeholder 2"/>
-          <p:cNvSpPr>
-            <a:spLocks noGrp="1"/>
-          </p:cNvSpPr>
-          <p:nvPr>
-            <p:ph idx="1"/>
-          </p:nvPr>
-        </p:nvSpPr>
-        <p:spPr/>
-        <p:txBody>
-          <a:bodyPr/>
-          <a:lstStyle/>
-          <a:p>
-            <a:r>
-              <a:rPr lang="en-US" dirty="0"/>
-              <a:t>Short intro</a:t>
-            </a:r>
-          </a:p>
-        </p:txBody>
-      </p:sp>
-    </p:spTree>
-    <p:extLst>
-      <p:ext uri="{BB962C8B-B14F-4D97-AF65-F5344CB8AC3E}">
-        <p14:creationId xmlns:p14="http://schemas.microsoft.com/office/powerpoint/2010/main" val="2515429851"/>
-      </p:ext>
-    </p:extLst>
-  </p:cSld>
-  <p:clrMapOvr>
-    <a:masterClrMapping/>
-  </p:clrMapOvr>
-</p:sld>
-</file>
-
-<file path=ppt/slides/slide6.xml><?xml version="1.0" encoding="utf-8"?>
-<p:sld xmlns:a="http://schemas.openxmlformats.org/drawingml/2006/main" xmlns:r="http://schemas.openxmlformats.org/officeDocument/2006/relationships" xmlns:p="http://schemas.openxmlformats.org/presentationml/2006/main">
-  <p:cSld>
-    <p:spTree>
-      <p:nvGrpSpPr>
-        <p:cNvPr id="1" name=""/>
-        <p:cNvGrpSpPr/>
-        <p:nvPr/>
-      </p:nvGrpSpPr>
-      <p:grpSpPr>
-        <a:xfrm>
-          <a:off x="0" y="0"/>
-          <a:ext cx="0" cy="0"/>
-          <a:chOff x="0" y="0"/>
-          <a:chExt cx="0" cy="0"/>
-        </a:xfrm>
-      </p:grpSpPr>
-      <p:sp>
-        <p:nvSpPr>
-          <p:cNvPr id="2" name="Title 1"/>
-          <p:cNvSpPr>
-            <a:spLocks noGrp="1"/>
-          </p:cNvSpPr>
-          <p:nvPr>
-            <p:ph type="title"/>
-          </p:nvPr>
-        </p:nvSpPr>
-        <p:spPr/>
-        <p:txBody>
           <a:bodyPr anchor="ctr">
             <a:normAutofit/>
           </a:bodyPr>
@@ -24670,10 +29480,22 @@
   <p:clrMapOvr>
     <a:masterClrMapping/>
   </p:clrMapOvr>
+  <mc:AlternateContent xmlns:mc="http://schemas.openxmlformats.org/markup-compatibility/2006">
+    <mc:Choice xmlns:p159="http://schemas.microsoft.com/office/powerpoint/2015/09/main" Requires="p159">
+      <p:transition xmlns:p14="http://schemas.microsoft.com/office/powerpoint/2010/main" spd="slow" p14:dur="2000">
+        <p159:morph option="byObject"/>
+      </p:transition>
+    </mc:Choice>
+    <mc:Fallback>
+      <p:transition spd="slow">
+        <p:fade/>
+      </p:transition>
+    </mc:Fallback>
+  </mc:AlternateContent>
 </p:sld>
 </file>
 
-<file path=ppt/slides/slide7.xml><?xml version="1.0" encoding="utf-8"?>
+<file path=ppt/slides/slide6.xml><?xml version="1.0" encoding="utf-8"?>
 <p:sld xmlns:a="http://schemas.openxmlformats.org/drawingml/2006/main" xmlns:r="http://schemas.openxmlformats.org/officeDocument/2006/relationships" xmlns:p="http://schemas.openxmlformats.org/presentationml/2006/main">
   <p:cSld>
     <p:spTree>
@@ -24749,10 +29571,22 @@
   <p:clrMapOvr>
     <a:masterClrMapping/>
   </p:clrMapOvr>
+  <mc:AlternateContent xmlns:mc="http://schemas.openxmlformats.org/markup-compatibility/2006">
+    <mc:Choice xmlns:p159="http://schemas.microsoft.com/office/powerpoint/2015/09/main" Requires="p159">
+      <p:transition xmlns:p14="http://schemas.microsoft.com/office/powerpoint/2010/main" spd="slow" p14:dur="2000">
+        <p159:morph option="byObject"/>
+      </p:transition>
+    </mc:Choice>
+    <mc:Fallback>
+      <p:transition spd="slow">
+        <p:fade/>
+      </p:transition>
+    </mc:Fallback>
+  </mc:AlternateContent>
 </p:sld>
 </file>
 
-<file path=ppt/slides/slide8.xml><?xml version="1.0" encoding="utf-8"?>
+<file path=ppt/slides/slide7.xml><?xml version="1.0" encoding="utf-8"?>
 <p:sld xmlns:a="http://schemas.openxmlformats.org/drawingml/2006/main" xmlns:r="http://schemas.openxmlformats.org/officeDocument/2006/relationships" xmlns:p="http://schemas.openxmlformats.org/presentationml/2006/main">
   <p:cSld>
     <p:spTree>
@@ -24788,7 +29622,7 @@
           <a:p>
             <a:r>
               <a:rPr lang="en-US" dirty="0"/>
-              <a:t>Requirements | Non-functional </a:t>
+              <a:t>Requirements | Non-Functional </a:t>
             </a:r>
           </a:p>
         </p:txBody>
@@ -24828,10 +29662,22 @@
   <p:clrMapOvr>
     <a:masterClrMapping/>
   </p:clrMapOvr>
+  <mc:AlternateContent xmlns:mc="http://schemas.openxmlformats.org/markup-compatibility/2006">
+    <mc:Choice xmlns:p159="http://schemas.microsoft.com/office/powerpoint/2015/09/main" Requires="p159">
+      <p:transition xmlns:p14="http://schemas.microsoft.com/office/powerpoint/2010/main" spd="slow" p14:dur="2000">
+        <p159:morph option="byObject"/>
+      </p:transition>
+    </mc:Choice>
+    <mc:Fallback>
+      <p:transition spd="slow">
+        <p:fade/>
+      </p:transition>
+    </mc:Fallback>
+  </mc:AlternateContent>
 </p:sld>
 </file>
 
-<file path=ppt/slides/slide9.xml><?xml version="1.0" encoding="utf-8"?>
+<file path=ppt/slides/slide8.xml><?xml version="1.0" encoding="utf-8"?>
 <p:sld xmlns:a="http://schemas.openxmlformats.org/drawingml/2006/main" xmlns:r="http://schemas.openxmlformats.org/officeDocument/2006/relationships" xmlns:p="http://schemas.openxmlformats.org/presentationml/2006/main">
   <p:cSld>
     <p:spTree>
@@ -24885,7 +29731,10 @@
           <a:bodyPr/>
           <a:lstStyle/>
           <a:p>
-            <a:endParaRPr lang="en-US"/>
+            <a:r>
+              <a:rPr lang="en-US" dirty="0"/>
+              <a:t>(Design overview; interaction, structural models)</a:t>
+            </a:r>
           </a:p>
         </p:txBody>
       </p:sp>
@@ -24899,6 +29748,201 @@
   <p:clrMapOvr>
     <a:masterClrMapping/>
   </p:clrMapOvr>
+  <p:transition spd="slow">
+    <p:push dir="u"/>
+  </p:transition>
+</p:sld>
+</file>
+
+<file path=ppt/slides/slide9.xml><?xml version="1.0" encoding="utf-8"?>
+<p:sld xmlns:a="http://schemas.openxmlformats.org/drawingml/2006/main" xmlns:r="http://schemas.openxmlformats.org/officeDocument/2006/relationships" xmlns:p="http://schemas.openxmlformats.org/presentationml/2006/main">
+  <p:cSld>
+    <p:spTree>
+      <p:nvGrpSpPr>
+        <p:cNvPr id="1" name=""/>
+        <p:cNvGrpSpPr/>
+        <p:nvPr/>
+      </p:nvGrpSpPr>
+      <p:grpSpPr>
+        <a:xfrm>
+          <a:off x="0" y="0"/>
+          <a:ext cx="0" cy="0"/>
+          <a:chOff x="0" y="0"/>
+          <a:chExt cx="0" cy="0"/>
+        </a:xfrm>
+      </p:grpSpPr>
+      <p:pic>
+        <p:nvPicPr>
+          <p:cNvPr id="8" name="Content Placeholder 4"/>
+          <p:cNvPicPr>
+            <a:picLocks noChangeAspect="1"/>
+          </p:cNvPicPr>
+          <p:nvPr/>
+        </p:nvPicPr>
+        <p:blipFill>
+          <a:blip r:embed="rId2">
+            <a:extLst>
+              <a:ext uri="{28A0092B-C50C-407E-A947-70E740481C1C}">
+                <a14:useLocalDpi xmlns:a14="http://schemas.microsoft.com/office/drawing/2010/main" val="0"/>
+              </a:ext>
+            </a:extLst>
+          </a:blip>
+          <a:stretch>
+            <a:fillRect/>
+          </a:stretch>
+        </p:blipFill>
+        <p:spPr>
+          <a:xfrm>
+            <a:off x="5931814" y="645107"/>
+            <a:ext cx="4373168" cy="5792276"/>
+          </a:xfrm>
+          <a:prstGeom prst="roundRect">
+            <a:avLst>
+              <a:gd name="adj" fmla="val 8594"/>
+            </a:avLst>
+          </a:prstGeom>
+          <a:solidFill>
+            <a:srgbClr val="FFFFFF">
+              <a:shade val="85000"/>
+            </a:srgbClr>
+          </a:solidFill>
+          <a:ln>
+            <a:noFill/>
+          </a:ln>
+          <a:effectLst>
+            <a:reflection blurRad="12700" stA="38000" endPos="28000" dist="5000" dir="5400000" sy="-100000" algn="bl" rotWithShape="0"/>
+          </a:effectLst>
+        </p:spPr>
+      </p:pic>
+      <p:sp>
+        <p:nvSpPr>
+          <p:cNvPr id="2" name="Title 1"/>
+          <p:cNvSpPr>
+            <a:spLocks noGrp="1"/>
+          </p:cNvSpPr>
+          <p:nvPr>
+            <p:ph type="title"/>
+          </p:nvPr>
+        </p:nvSpPr>
+        <p:spPr>
+          <a:xfrm>
+            <a:off x="1251679" y="645107"/>
+            <a:ext cx="3384329" cy="1640894"/>
+          </a:xfrm>
+        </p:spPr>
+        <p:txBody>
+          <a:bodyPr anchor="t">
+            <a:normAutofit fontScale="90000"/>
+          </a:bodyPr>
+          <a:lstStyle/>
+          <a:p>
+            <a:pPr>
+              <a:lnSpc>
+                <a:spcPct val="80000"/>
+              </a:lnSpc>
+            </a:pPr>
+            <a:r>
+              <a:rPr lang="en-US" sz="4000"/>
+              <a:t>System Design | User Constraints</a:t>
+            </a:r>
+          </a:p>
+        </p:txBody>
+      </p:sp>
+      <p:sp>
+        <p:nvSpPr>
+          <p:cNvPr id="10" name="Content Placeholder 9"/>
+          <p:cNvSpPr>
+            <a:spLocks noGrp="1"/>
+          </p:cNvSpPr>
+          <p:nvPr>
+            <p:ph idx="1"/>
+          </p:nvPr>
+        </p:nvSpPr>
+        <p:spPr>
+          <a:xfrm>
+            <a:off x="1251679" y="2286001"/>
+            <a:ext cx="3384330" cy="3940844"/>
+          </a:xfrm>
+        </p:spPr>
+        <p:txBody>
+          <a:bodyPr>
+            <a:normAutofit/>
+          </a:bodyPr>
+          <a:lstStyle/>
+          <a:p>
+            <a:r>
+              <a:rPr lang="en-US" dirty="0"/>
+              <a:t>Client proposed the following design outlined in figure 1. </a:t>
+            </a:r>
+          </a:p>
+          <a:p>
+            <a:pPr lvl="1"/>
+            <a:r>
+              <a:rPr lang="en-US" dirty="0"/>
+              <a:t>Simple design.</a:t>
+            </a:r>
+          </a:p>
+          <a:p>
+            <a:pPr lvl="1"/>
+            <a:r>
+              <a:rPr lang="en-US" dirty="0"/>
+              <a:t>9x9 classic Sudoku game.</a:t>
+            </a:r>
+          </a:p>
+          <a:p>
+            <a:r>
+              <a:rPr lang="en-US" dirty="0"/>
+              <a:t>Play, input or solve a Sudoku game.</a:t>
+            </a:r>
+          </a:p>
+          <a:p>
+            <a:endParaRPr lang="en-US" dirty="0"/>
+          </a:p>
+        </p:txBody>
+      </p:sp>
+      <p:sp>
+        <p:nvSpPr>
+          <p:cNvPr id="3" name="TextBox 2"/>
+          <p:cNvSpPr txBox="1"/>
+          <p:nvPr/>
+        </p:nvSpPr>
+        <p:spPr>
+          <a:xfrm>
+            <a:off x="5551252" y="6437383"/>
+            <a:ext cx="5134292" cy="261610"/>
+          </a:xfrm>
+          <a:prstGeom prst="rect">
+            <a:avLst/>
+          </a:prstGeom>
+          <a:noFill/>
+        </p:spPr>
+        <p:txBody>
+          <a:bodyPr wrap="square" rtlCol="0">
+            <a:spAutoFit/>
+          </a:bodyPr>
+          <a:lstStyle/>
+          <a:p>
+            <a:pPr algn="ctr"/>
+            <a:r>
+              <a:rPr lang="en-US" sz="1100" dirty="0"/>
+              <a:t>Figure 1: User constraint of TESS.</a:t>
+            </a:r>
+          </a:p>
+        </p:txBody>
+      </p:sp>
+    </p:spTree>
+    <p:extLst>
+      <p:ext uri="{BB962C8B-B14F-4D97-AF65-F5344CB8AC3E}">
+        <p14:creationId xmlns:p14="http://schemas.microsoft.com/office/powerpoint/2010/main" val="3980179067"/>
+      </p:ext>
+    </p:extLst>
+  </p:cSld>
+  <p:clrMapOvr>
+    <a:masterClrMapping/>
+  </p:clrMapOvr>
+  <p:transition spd="slow">
+    <p:push dir="u"/>
+  </p:transition>
 </p:sld>
 </file>
 

--- a/Project Report/Final Project Report Presentation.pptx
+++ b/Project Report/Final Project Report Presentation.pptx
@@ -13,22 +13,20 @@
     <p:sldId id="280" r:id="rId7"/>
     <p:sldId id="281" r:id="rId8"/>
     <p:sldId id="271" r:id="rId9"/>
-    <p:sldId id="272" r:id="rId10"/>
-    <p:sldId id="273" r:id="rId11"/>
-    <p:sldId id="274" r:id="rId12"/>
-    <p:sldId id="275" r:id="rId13"/>
-    <p:sldId id="276" r:id="rId14"/>
+    <p:sldId id="276" r:id="rId10"/>
+    <p:sldId id="272" r:id="rId11"/>
+    <p:sldId id="273" r:id="rId12"/>
+    <p:sldId id="274" r:id="rId13"/>
+    <p:sldId id="275" r:id="rId14"/>
     <p:sldId id="277" r:id="rId15"/>
     <p:sldId id="278" r:id="rId16"/>
     <p:sldId id="279" r:id="rId17"/>
     <p:sldId id="259" r:id="rId18"/>
-    <p:sldId id="264" r:id="rId19"/>
-    <p:sldId id="265" r:id="rId20"/>
-    <p:sldId id="266" r:id="rId21"/>
-    <p:sldId id="267" r:id="rId22"/>
-    <p:sldId id="284" r:id="rId23"/>
-    <p:sldId id="282" r:id="rId24"/>
-    <p:sldId id="283" r:id="rId25"/>
+    <p:sldId id="265" r:id="rId19"/>
+    <p:sldId id="267" r:id="rId20"/>
+    <p:sldId id="284" r:id="rId21"/>
+    <p:sldId id="282" r:id="rId22"/>
+    <p:sldId id="283" r:id="rId23"/>
   </p:sldIdLst>
   <p:sldSz cx="12192000" cy="6858000"/>
   <p:notesSz cx="6858000" cy="9144000"/>
@@ -4419,7 +4417,7 @@
         <a:lstStyle/>
         <a:p>
           <a:r>
-            <a:rPr lang="en-US"/>
+            <a:rPr lang="en-US" dirty="0"/>
             <a:t>1</a:t>
           </a:r>
         </a:p>
@@ -4458,7 +4456,7 @@
         <a:lstStyle/>
         <a:p>
           <a:r>
-            <a:rPr lang="en-US"/>
+            <a:rPr lang="en-US" dirty="0"/>
             <a:t>2</a:t>
           </a:r>
         </a:p>
@@ -5284,10 +5282,9 @@
         <a:lstStyle/>
         <a:p>
           <a:r>
-            <a:rPr lang="en-US"/>
+            <a:rPr lang="en-US" dirty="0"/>
             <a:t>1</a:t>
           </a:r>
-          <a:endParaRPr lang="en-US" dirty="0"/>
         </a:p>
       </dgm:t>
     </dgm:pt>
@@ -5324,7 +5321,7 @@
         <a:lstStyle/>
         <a:p>
           <a:r>
-            <a:rPr lang="en-US"/>
+            <a:rPr lang="en-US" dirty="0"/>
             <a:t>2</a:t>
           </a:r>
         </a:p>
@@ -7844,7 +7841,7 @@
             <a:buNone/>
           </a:pPr>
           <a:r>
-            <a:rPr lang="en-US" sz="1600" kern="1200"/>
+            <a:rPr lang="en-US" sz="1600" kern="1200" dirty="0"/>
             <a:t>1</a:t>
           </a:r>
         </a:p>
@@ -8109,7 +8106,7 @@
             <a:buNone/>
           </a:pPr>
           <a:r>
-            <a:rPr lang="en-US" sz="1600" kern="1200"/>
+            <a:rPr lang="en-US" sz="1600" kern="1200" dirty="0"/>
             <a:t>2</a:t>
           </a:r>
         </a:p>
@@ -9923,10 +9920,9 @@
             <a:buNone/>
           </a:pPr>
           <a:r>
-            <a:rPr lang="en-US" sz="2300" kern="1200"/>
+            <a:rPr lang="en-US" sz="2300" kern="1200" dirty="0"/>
             <a:t>1</a:t>
           </a:r>
-          <a:endParaRPr lang="en-US" sz="2300" kern="1200" dirty="0"/>
         </a:p>
       </dsp:txBody>
       <dsp:txXfrm>
@@ -10189,7 +10185,7 @@
             <a:buNone/>
           </a:pPr>
           <a:r>
-            <a:rPr lang="en-US" sz="2300" kern="1200"/>
+            <a:rPr lang="en-US" sz="2300" kern="1200" dirty="0"/>
             <a:t>2</a:t>
           </a:r>
         </a:p>
@@ -25597,7 +25593,7 @@
           <a:p>
             <a:r>
               <a:rPr lang="en-US" dirty="0"/>
-              <a:t>CSC-470 – Final Project Presentation | 4-20-17</a:t>
+              <a:t>CSC-470 – Final Project Presentation | 4-21-17</a:t>
             </a:r>
           </a:p>
           <a:p>
@@ -25629,6 +25625,198 @@
 </file>
 
 <file path=ppt/slides/slide10.xml><?xml version="1.0" encoding="utf-8"?>
+<p:sld xmlns:a="http://schemas.openxmlformats.org/drawingml/2006/main" xmlns:r="http://schemas.openxmlformats.org/officeDocument/2006/relationships" xmlns:p="http://schemas.openxmlformats.org/presentationml/2006/main">
+  <p:cSld>
+    <p:spTree>
+      <p:nvGrpSpPr>
+        <p:cNvPr id="1" name=""/>
+        <p:cNvGrpSpPr/>
+        <p:nvPr/>
+      </p:nvGrpSpPr>
+      <p:grpSpPr>
+        <a:xfrm>
+          <a:off x="0" y="0"/>
+          <a:ext cx="0" cy="0"/>
+          <a:chOff x="0" y="0"/>
+          <a:chExt cx="0" cy="0"/>
+        </a:xfrm>
+      </p:grpSpPr>
+      <p:pic>
+        <p:nvPicPr>
+          <p:cNvPr id="8" name="Content Placeholder 4"/>
+          <p:cNvPicPr>
+            <a:picLocks noChangeAspect="1"/>
+          </p:cNvPicPr>
+          <p:nvPr/>
+        </p:nvPicPr>
+        <p:blipFill>
+          <a:blip r:embed="rId2">
+            <a:extLst>
+              <a:ext uri="{28A0092B-C50C-407E-A947-70E740481C1C}">
+                <a14:useLocalDpi xmlns:a14="http://schemas.microsoft.com/office/drawing/2010/main" val="0"/>
+              </a:ext>
+            </a:extLst>
+          </a:blip>
+          <a:stretch>
+            <a:fillRect/>
+          </a:stretch>
+        </p:blipFill>
+        <p:spPr>
+          <a:xfrm>
+            <a:off x="5931814" y="645107"/>
+            <a:ext cx="4373168" cy="5792276"/>
+          </a:xfrm>
+          <a:prstGeom prst="roundRect">
+            <a:avLst>
+              <a:gd name="adj" fmla="val 8594"/>
+            </a:avLst>
+          </a:prstGeom>
+          <a:solidFill>
+            <a:srgbClr val="FFFFFF">
+              <a:shade val="85000"/>
+            </a:srgbClr>
+          </a:solidFill>
+          <a:ln>
+            <a:noFill/>
+          </a:ln>
+          <a:effectLst>
+            <a:reflection blurRad="12700" stA="38000" endPos="28000" dist="5000" dir="5400000" sy="-100000" algn="bl" rotWithShape="0"/>
+          </a:effectLst>
+        </p:spPr>
+      </p:pic>
+      <p:sp>
+        <p:nvSpPr>
+          <p:cNvPr id="2" name="Title 1"/>
+          <p:cNvSpPr>
+            <a:spLocks noGrp="1"/>
+          </p:cNvSpPr>
+          <p:nvPr>
+            <p:ph type="title"/>
+          </p:nvPr>
+        </p:nvSpPr>
+        <p:spPr>
+          <a:xfrm>
+            <a:off x="1251679" y="645107"/>
+            <a:ext cx="4299573" cy="1640894"/>
+          </a:xfrm>
+        </p:spPr>
+        <p:txBody>
+          <a:bodyPr anchor="t">
+            <a:normAutofit/>
+          </a:bodyPr>
+          <a:lstStyle/>
+          <a:p>
+            <a:pPr>
+              <a:lnSpc>
+                <a:spcPct val="80000"/>
+              </a:lnSpc>
+            </a:pPr>
+            <a:r>
+              <a:rPr lang="en-US" sz="4000" dirty="0"/>
+              <a:t>System Design | User Constraints</a:t>
+            </a:r>
+          </a:p>
+        </p:txBody>
+      </p:sp>
+      <p:sp>
+        <p:nvSpPr>
+          <p:cNvPr id="10" name="Content Placeholder 9"/>
+          <p:cNvSpPr>
+            <a:spLocks noGrp="1"/>
+          </p:cNvSpPr>
+          <p:nvPr>
+            <p:ph idx="1"/>
+          </p:nvPr>
+        </p:nvSpPr>
+        <p:spPr>
+          <a:xfrm>
+            <a:off x="1251679" y="2286001"/>
+            <a:ext cx="3384330" cy="3940844"/>
+          </a:xfrm>
+        </p:spPr>
+        <p:txBody>
+          <a:bodyPr>
+            <a:normAutofit/>
+          </a:bodyPr>
+          <a:lstStyle/>
+          <a:p>
+            <a:r>
+              <a:rPr lang="en-US" dirty="0"/>
+              <a:t>Client proposed the following design outlined in figure 1. </a:t>
+            </a:r>
+          </a:p>
+          <a:p>
+            <a:pPr lvl="1"/>
+            <a:r>
+              <a:rPr lang="en-US" dirty="0"/>
+              <a:t>Simple design.</a:t>
+            </a:r>
+          </a:p>
+          <a:p>
+            <a:pPr lvl="1"/>
+            <a:r>
+              <a:rPr lang="en-US" dirty="0"/>
+              <a:t>9x9 classic Sudoku game.</a:t>
+            </a:r>
+          </a:p>
+          <a:p>
+            <a:r>
+              <a:rPr lang="en-US" dirty="0"/>
+              <a:t>Play, input or solve a Sudoku game.</a:t>
+            </a:r>
+          </a:p>
+          <a:p>
+            <a:endParaRPr lang="en-US" dirty="0"/>
+          </a:p>
+        </p:txBody>
+      </p:sp>
+      <p:sp>
+        <p:nvSpPr>
+          <p:cNvPr id="3" name="TextBox 2"/>
+          <p:cNvSpPr txBox="1"/>
+          <p:nvPr/>
+        </p:nvSpPr>
+        <p:spPr>
+          <a:xfrm>
+            <a:off x="5551252" y="6437383"/>
+            <a:ext cx="5134292" cy="261610"/>
+          </a:xfrm>
+          <a:prstGeom prst="rect">
+            <a:avLst/>
+          </a:prstGeom>
+          <a:noFill/>
+        </p:spPr>
+        <p:txBody>
+          <a:bodyPr wrap="square" rtlCol="0">
+            <a:spAutoFit/>
+          </a:bodyPr>
+          <a:lstStyle/>
+          <a:p>
+            <a:pPr algn="ctr"/>
+            <a:r>
+              <a:rPr lang="en-US" sz="1100" dirty="0"/>
+              <a:t>Figure 1: User constraint of TESS.</a:t>
+            </a:r>
+          </a:p>
+        </p:txBody>
+      </p:sp>
+    </p:spTree>
+    <p:extLst>
+      <p:ext uri="{BB962C8B-B14F-4D97-AF65-F5344CB8AC3E}">
+        <p14:creationId xmlns:p14="http://schemas.microsoft.com/office/powerpoint/2010/main" val="3980179067"/>
+      </p:ext>
+    </p:extLst>
+  </p:cSld>
+  <p:clrMapOvr>
+    <a:masterClrMapping/>
+  </p:clrMapOvr>
+  <p:transition spd="slow">
+    <p:push dir="u"/>
+  </p:transition>
+</p:sld>
+</file>
+
+<file path=ppt/slides/slide11.xml><?xml version="1.0" encoding="utf-8"?>
 <p:sld xmlns:a="http://schemas.openxmlformats.org/drawingml/2006/main" xmlns:r="http://schemas.openxmlformats.org/officeDocument/2006/relationships" xmlns:p="http://schemas.openxmlformats.org/presentationml/2006/main">
   <p:cSld>
     <p:spTree>
@@ -25738,7 +25926,7 @@
 </p:sld>
 </file>
 
-<file path=ppt/slides/slide11.xml><?xml version="1.0" encoding="utf-8"?>
+<file path=ppt/slides/slide12.xml><?xml version="1.0" encoding="utf-8"?>
 <p:sld xmlns:a="http://schemas.openxmlformats.org/drawingml/2006/main" xmlns:r="http://schemas.openxmlformats.org/officeDocument/2006/relationships" xmlns:p="http://schemas.openxmlformats.org/presentationml/2006/main">
   <p:cSld>
     <p:spTree>
@@ -25798,7 +25986,7 @@
         <p:spPr>
           <a:xfrm>
             <a:off x="1251679" y="645107"/>
-            <a:ext cx="3384329" cy="1640894"/>
+            <a:ext cx="3962004" cy="1640894"/>
           </a:xfrm>
         </p:spPr>
         <p:txBody>
@@ -25813,7 +26001,7 @@
               </a:lnSpc>
             </a:pPr>
             <a:r>
-              <a:rPr lang="en-US" sz="4000"/>
+              <a:rPr lang="en-US" sz="4000" dirty="0"/>
               <a:t>System Model | Use Case </a:t>
             </a:r>
           </a:p>
@@ -26031,13 +26219,13 @@
   <p:clrMapOvr>
     <a:masterClrMapping/>
   </p:clrMapOvr>
-  <mc:AlternateContent xmlns:mc="http://schemas.openxmlformats.org/markup-compatibility/2006">
-    <mc:Choice xmlns:p159="http://schemas.microsoft.com/office/powerpoint/2015/09/main" Requires="p159">
+  <mc:AlternateContent xmlns:mc="http://schemas.openxmlformats.org/markup-compatibility/2006" xmlns:p159="http://schemas.microsoft.com/office/powerpoint/2015/09/main">
+    <mc:Choice Requires="p159">
       <p:transition xmlns:p14="http://schemas.microsoft.com/office/powerpoint/2010/main" spd="slow" p14:dur="2000">
         <p159:morph option="byObject"/>
       </p:transition>
     </mc:Choice>
-    <mc:Fallback>
+    <mc:Fallback xmlns="">
       <p:transition spd="slow">
         <p:fade/>
       </p:transition>
@@ -26046,7 +26234,7 @@
 </p:sld>
 </file>
 
-<file path=ppt/slides/slide12.xml><?xml version="1.0" encoding="utf-8"?>
+<file path=ppt/slides/slide13.xml><?xml version="1.0" encoding="utf-8"?>
 <p:sld xmlns:a="http://schemas.openxmlformats.org/drawingml/2006/main" xmlns:r="http://schemas.openxmlformats.org/officeDocument/2006/relationships" xmlns:p="http://schemas.openxmlformats.org/presentationml/2006/main">
   <p:cSld>
     <p:spTree>
@@ -26170,7 +26358,7 @@
               </a:lnSpc>
             </a:pPr>
             <a:r>
-              <a:rPr lang="en-US" sz="3200"/>
+              <a:rPr lang="en-US" sz="3200" dirty="0"/>
               <a:t>System Model | Traceability Matrix</a:t>
             </a:r>
           </a:p>
@@ -26198,10 +26386,7 @@
           </a:bodyPr>
           <a:lstStyle/>
           <a:p>
-            <a:r>
-              <a:rPr lang="en-US" sz="1600" dirty="0"/>
-              <a:t>Explanation ..</a:t>
-            </a:r>
+            <a:endParaRPr lang="en-US" sz="1600" dirty="0"/>
           </a:p>
         </p:txBody>
       </p:sp>
@@ -26245,207 +26430,13 @@
   <p:clrMapOvr>
     <a:masterClrMapping/>
   </p:clrMapOvr>
-  <mc:AlternateContent xmlns:mc="http://schemas.openxmlformats.org/markup-compatibility/2006">
-    <mc:Choice xmlns:p159="http://schemas.microsoft.com/office/powerpoint/2015/09/main" Requires="p159">
+  <mc:AlternateContent xmlns:mc="http://schemas.openxmlformats.org/markup-compatibility/2006" xmlns:p159="http://schemas.microsoft.com/office/powerpoint/2015/09/main">
+    <mc:Choice Requires="p159">
       <p:transition xmlns:p14="http://schemas.microsoft.com/office/powerpoint/2010/main" spd="slow" p14:dur="2000">
         <p159:morph option="byObject"/>
       </p:transition>
     </mc:Choice>
-    <mc:Fallback>
-      <p:transition spd="slow">
-        <p:fade/>
-      </p:transition>
-    </mc:Fallback>
-  </mc:AlternateContent>
-</p:sld>
-</file>
-
-<file path=ppt/slides/slide13.xml><?xml version="1.0" encoding="utf-8"?>
-<p:sld xmlns:a="http://schemas.openxmlformats.org/drawingml/2006/main" xmlns:r="http://schemas.openxmlformats.org/officeDocument/2006/relationships" xmlns:p="http://schemas.openxmlformats.org/presentationml/2006/main">
-  <p:cSld>
-    <p:spTree>
-      <p:nvGrpSpPr>
-        <p:cNvPr id="1" name=""/>
-        <p:cNvGrpSpPr/>
-        <p:nvPr/>
-      </p:nvGrpSpPr>
-      <p:grpSpPr>
-        <a:xfrm>
-          <a:off x="0" y="0"/>
-          <a:ext cx="0" cy="0"/>
-          <a:chOff x="0" y="0"/>
-          <a:chExt cx="0" cy="0"/>
-        </a:xfrm>
-      </p:grpSpPr>
-      <p:pic>
-        <p:nvPicPr>
-          <p:cNvPr id="6" name="Picture 5"/>
-          <p:cNvPicPr>
-            <a:picLocks noChangeAspect="1"/>
-          </p:cNvPicPr>
-          <p:nvPr/>
-        </p:nvPicPr>
-        <p:blipFill>
-          <a:blip r:embed="rId2"/>
-          <a:stretch>
-            <a:fillRect/>
-          </a:stretch>
-        </p:blipFill>
-        <p:spPr>
-          <a:xfrm>
-            <a:off x="6043734" y="411297"/>
-            <a:ext cx="4833815" cy="6323157"/>
-          </a:xfrm>
-          <a:prstGeom prst="roundRect">
-            <a:avLst>
-              <a:gd name="adj" fmla="val 4167"/>
-            </a:avLst>
-          </a:prstGeom>
-          <a:solidFill>
-            <a:srgbClr val="FFFFFF"/>
-          </a:solidFill>
-          <a:ln w="76200" cap="sq">
-            <a:solidFill>
-              <a:srgbClr val="EAEAEA"/>
-            </a:solidFill>
-            <a:miter lim="800000"/>
-          </a:ln>
-          <a:effectLst>
-            <a:reflection blurRad="12700" stA="33000" endPos="28000" dist="5000" dir="5400000" sy="-100000" algn="bl" rotWithShape="0"/>
-          </a:effectLst>
-          <a:scene3d>
-            <a:camera prst="orthographicFront"/>
-            <a:lightRig rig="threePt" dir="t">
-              <a:rot lat="0" lon="0" rev="2700000"/>
-            </a:lightRig>
-          </a:scene3d>
-          <a:sp3d contourW="6350">
-            <a:bevelT h="38100"/>
-            <a:contourClr>
-              <a:srgbClr val="C0C0C0"/>
-            </a:contourClr>
-          </a:sp3d>
-        </p:spPr>
-      </p:pic>
-      <p:sp>
-        <p:nvSpPr>
-          <p:cNvPr id="2" name="Title 1"/>
-          <p:cNvSpPr>
-            <a:spLocks noGrp="1"/>
-          </p:cNvSpPr>
-          <p:nvPr>
-            <p:ph type="title"/>
-          </p:nvPr>
-        </p:nvSpPr>
-        <p:spPr>
-          <a:xfrm>
-            <a:off x="1251679" y="645107"/>
-            <a:ext cx="3384329" cy="1640894"/>
-          </a:xfrm>
-        </p:spPr>
-        <p:txBody>
-          <a:bodyPr anchor="t">
-            <a:normAutofit/>
-          </a:bodyPr>
-          <a:lstStyle/>
-          <a:p>
-            <a:pPr>
-              <a:lnSpc>
-                <a:spcPct val="80000"/>
-              </a:lnSpc>
-            </a:pPr>
-            <a:r>
-              <a:rPr lang="en-US" sz="4000" dirty="0"/>
-              <a:t>System Model | Prototyping</a:t>
-            </a:r>
-          </a:p>
-        </p:txBody>
-      </p:sp>
-      <p:sp>
-        <p:nvSpPr>
-          <p:cNvPr id="10" name="Content Placeholder 9"/>
-          <p:cNvSpPr>
-            <a:spLocks noGrp="1"/>
-          </p:cNvSpPr>
-          <p:nvPr>
-            <p:ph idx="1"/>
-          </p:nvPr>
-        </p:nvSpPr>
-        <p:spPr>
-          <a:xfrm>
-            <a:off x="1251679" y="2286001"/>
-            <a:ext cx="3384330" cy="3940844"/>
-          </a:xfrm>
-        </p:spPr>
-        <p:txBody>
-          <a:bodyPr>
-            <a:normAutofit/>
-          </a:bodyPr>
-          <a:lstStyle/>
-          <a:p>
-            <a:r>
-              <a:rPr lang="en-US" dirty="0"/>
-              <a:t>We went through multiple design iterations.</a:t>
-            </a:r>
-          </a:p>
-          <a:p>
-            <a:r>
-              <a:rPr lang="en-US" dirty="0"/>
-              <a:t>(stuff)</a:t>
-            </a:r>
-          </a:p>
-          <a:p>
-            <a:endParaRPr lang="en-US" dirty="0"/>
-          </a:p>
-        </p:txBody>
-      </p:sp>
-      <p:sp>
-        <p:nvSpPr>
-          <p:cNvPr id="5" name="TextBox 4"/>
-          <p:cNvSpPr txBox="1"/>
-          <p:nvPr/>
-        </p:nvSpPr>
-        <p:spPr>
-          <a:xfrm>
-            <a:off x="5971129" y="6472844"/>
-            <a:ext cx="5134292" cy="261610"/>
-          </a:xfrm>
-          <a:prstGeom prst="rect">
-            <a:avLst/>
-          </a:prstGeom>
-          <a:noFill/>
-        </p:spPr>
-        <p:txBody>
-          <a:bodyPr wrap="square" rtlCol="0">
-            <a:spAutoFit/>
-          </a:bodyPr>
-          <a:lstStyle/>
-          <a:p>
-            <a:pPr algn="ctr"/>
-            <a:r>
-              <a:rPr lang="en-US" sz="1100" dirty="0"/>
-              <a:t>Figure 4: The top four design iterations of TESS.</a:t>
-            </a:r>
-          </a:p>
-        </p:txBody>
-      </p:sp>
-    </p:spTree>
-    <p:extLst>
-      <p:ext uri="{BB962C8B-B14F-4D97-AF65-F5344CB8AC3E}">
-        <p14:creationId xmlns:p14="http://schemas.microsoft.com/office/powerpoint/2010/main" val="2683639474"/>
-      </p:ext>
-    </p:extLst>
-  </p:cSld>
-  <p:clrMapOvr>
-    <a:masterClrMapping/>
-  </p:clrMapOvr>
-  <mc:AlternateContent xmlns:mc="http://schemas.openxmlformats.org/markup-compatibility/2006">
-    <mc:Choice xmlns:p159="http://schemas.microsoft.com/office/powerpoint/2015/09/main" Requires="p159">
-      <p:transition xmlns:p14="http://schemas.microsoft.com/office/powerpoint/2010/main" spd="slow" p14:dur="2000">
-        <p159:morph option="byObject"/>
-      </p:transition>
-    </mc:Choice>
-    <mc:Fallback>
+    <mc:Fallback xmlns="">
       <p:transition spd="slow">
         <p:fade/>
       </p:transition>
@@ -26577,8 +26568,8 @@
               </a:lnSpc>
             </a:pPr>
             <a:r>
-              <a:rPr lang="en-US" sz="3200"/>
-              <a:t>Alternative Designs | Activity Diagram</a:t>
+              <a:rPr lang="en-US" sz="3200" dirty="0"/>
+              <a:t>System Implementation| Activity Diagram</a:t>
             </a:r>
           </a:p>
         </p:txBody>
@@ -26605,10 +26596,7 @@
           </a:bodyPr>
           <a:lstStyle/>
           <a:p>
-            <a:r>
-              <a:rPr lang="en-US" sz="1600" dirty="0"/>
-              <a:t>Explanation</a:t>
-            </a:r>
+            <a:endParaRPr lang="en-US" sz="1600" dirty="0"/>
           </a:p>
         </p:txBody>
       </p:sp>
@@ -26782,8 +26770,8 @@
               </a:lnSpc>
             </a:pPr>
             <a:r>
-              <a:rPr lang="en-US" sz="3200"/>
-              <a:t>Alternative Designs | Sequence Diagram</a:t>
+              <a:rPr lang="en-US" sz="3200" dirty="0"/>
+              <a:t>System Implementation | Sequence Diagram</a:t>
             </a:r>
           </a:p>
         </p:txBody>
@@ -26810,10 +26798,7 @@
           </a:bodyPr>
           <a:lstStyle/>
           <a:p>
-            <a:r>
-              <a:rPr lang="en-US" sz="1600" dirty="0"/>
-              <a:t>Explanation ..</a:t>
-            </a:r>
+            <a:endParaRPr lang="en-US" sz="1600" dirty="0"/>
           </a:p>
         </p:txBody>
       </p:sp>
@@ -26923,7 +26908,7 @@
         <p:spPr>
           <a:xfrm>
             <a:off x="1251679" y="645107"/>
-            <a:ext cx="3384329" cy="1640894"/>
+            <a:ext cx="6196043" cy="1640894"/>
           </a:xfrm>
         </p:spPr>
         <p:txBody>
@@ -26938,8 +26923,12 @@
               </a:lnSpc>
             </a:pPr>
             <a:r>
+              <a:rPr lang="en-US" sz="3600" dirty="0"/>
+              <a:t>System Implementation </a:t>
+            </a:r>
+            <a:r>
               <a:rPr lang="en-US" sz="3400" dirty="0"/>
-              <a:t>Alternative Designs | Class Diagram</a:t>
+              <a:t>| Class Diagram</a:t>
             </a:r>
           </a:p>
         </p:txBody>
@@ -27107,83 +27096,6 @@
 </file>
 
 <file path=ppt/slides/slide18.xml><?xml version="1.0" encoding="utf-8"?>
-<p:sld xmlns:a="http://schemas.openxmlformats.org/drawingml/2006/main" xmlns:r="http://schemas.openxmlformats.org/officeDocument/2006/relationships" xmlns:p="http://schemas.openxmlformats.org/presentationml/2006/main">
-  <p:cSld>
-    <p:spTree>
-      <p:nvGrpSpPr>
-        <p:cNvPr id="1" name=""/>
-        <p:cNvGrpSpPr/>
-        <p:nvPr/>
-      </p:nvGrpSpPr>
-      <p:grpSpPr>
-        <a:xfrm>
-          <a:off x="0" y="0"/>
-          <a:ext cx="0" cy="0"/>
-          <a:chOff x="0" y="0"/>
-          <a:chExt cx="0" cy="0"/>
-        </a:xfrm>
-      </p:grpSpPr>
-      <p:sp>
-        <p:nvSpPr>
-          <p:cNvPr id="2" name="Title 1"/>
-          <p:cNvSpPr>
-            <a:spLocks noGrp="1"/>
-          </p:cNvSpPr>
-          <p:nvPr>
-            <p:ph type="title"/>
-          </p:nvPr>
-        </p:nvSpPr>
-        <p:spPr/>
-        <p:txBody>
-          <a:bodyPr/>
-          <a:lstStyle/>
-          <a:p>
-            <a:r>
-              <a:rPr lang="en-US" dirty="0"/>
-              <a:t>System Implementation</a:t>
-            </a:r>
-          </a:p>
-        </p:txBody>
-      </p:sp>
-      <p:sp>
-        <p:nvSpPr>
-          <p:cNvPr id="3" name="Content Placeholder 2"/>
-          <p:cNvSpPr>
-            <a:spLocks noGrp="1"/>
-          </p:cNvSpPr>
-          <p:nvPr>
-            <p:ph idx="1"/>
-          </p:nvPr>
-        </p:nvSpPr>
-        <p:spPr/>
-        <p:txBody>
-          <a:bodyPr/>
-          <a:lstStyle/>
-          <a:p>
-            <a:r>
-              <a:rPr lang="en-US" dirty="0"/>
-              <a:t>**</a:t>
-            </a:r>
-          </a:p>
-        </p:txBody>
-      </p:sp>
-    </p:spTree>
-    <p:extLst>
-      <p:ext uri="{BB962C8B-B14F-4D97-AF65-F5344CB8AC3E}">
-        <p14:creationId xmlns:p14="http://schemas.microsoft.com/office/powerpoint/2010/main" val="3494827835"/>
-      </p:ext>
-    </p:extLst>
-  </p:cSld>
-  <p:clrMapOvr>
-    <a:masterClrMapping/>
-  </p:clrMapOvr>
-  <p:transition spd="slow">
-    <p:push dir="u"/>
-  </p:transition>
-</p:sld>
-</file>
-
-<file path=ppt/slides/slide19.xml><?xml version="1.0" encoding="utf-8"?>
 <p:sld xmlns:a="http://schemas.openxmlformats.org/drawingml/2006/main" xmlns:r="http://schemas.openxmlformats.org/officeDocument/2006/relationships" xmlns:p="http://schemas.openxmlformats.org/presentationml/2006/main">
   <p:cSld>
     <p:spTree>
@@ -27434,18 +27346,150 @@
   <p:clrMapOvr>
     <a:masterClrMapping/>
   </p:clrMapOvr>
-  <mc:AlternateContent xmlns:mc="http://schemas.openxmlformats.org/markup-compatibility/2006">
-    <mc:Choice xmlns:p14="http://schemas.microsoft.com/office/powerpoint/2010/main" Requires="p14">
+  <mc:AlternateContent xmlns:mc="http://schemas.openxmlformats.org/markup-compatibility/2006" xmlns:p14="http://schemas.microsoft.com/office/powerpoint/2010/main">
+    <mc:Choice Requires="p14">
       <p:transition spd="slow" p14:dur="800">
         <p:circle/>
       </p:transition>
     </mc:Choice>
-    <mc:Fallback>
+    <mc:Fallback xmlns="">
       <p:transition spd="slow">
         <p:circle/>
       </p:transition>
     </mc:Fallback>
   </mc:AlternateContent>
+</p:sld>
+</file>
+
+<file path=ppt/slides/slide19.xml><?xml version="1.0" encoding="utf-8"?>
+<p:sld xmlns:a="http://schemas.openxmlformats.org/drawingml/2006/main" xmlns:r="http://schemas.openxmlformats.org/officeDocument/2006/relationships" xmlns:p="http://schemas.openxmlformats.org/presentationml/2006/main">
+  <p:cSld>
+    <p:spTree>
+      <p:nvGrpSpPr>
+        <p:cNvPr id="1" name=""/>
+        <p:cNvGrpSpPr/>
+        <p:nvPr/>
+      </p:nvGrpSpPr>
+      <p:grpSpPr>
+        <a:xfrm>
+          <a:off x="0" y="0"/>
+          <a:ext cx="0" cy="0"/>
+          <a:chOff x="0" y="0"/>
+          <a:chExt cx="0" cy="0"/>
+        </a:xfrm>
+      </p:grpSpPr>
+      <p:sp>
+        <p:nvSpPr>
+          <p:cNvPr id="2" name="Title 1"/>
+          <p:cNvSpPr>
+            <a:spLocks noGrp="1"/>
+          </p:cNvSpPr>
+          <p:nvPr>
+            <p:ph type="title"/>
+          </p:nvPr>
+        </p:nvSpPr>
+        <p:spPr/>
+        <p:txBody>
+          <a:bodyPr/>
+          <a:lstStyle/>
+          <a:p>
+            <a:r>
+              <a:rPr lang="en-US" dirty="0"/>
+              <a:t>Conclusions</a:t>
+            </a:r>
+          </a:p>
+        </p:txBody>
+      </p:sp>
+      <p:sp>
+        <p:nvSpPr>
+          <p:cNvPr id="3" name="Content Placeholder 2"/>
+          <p:cNvSpPr>
+            <a:spLocks noGrp="1"/>
+          </p:cNvSpPr>
+          <p:nvPr>
+            <p:ph idx="1"/>
+          </p:nvPr>
+        </p:nvSpPr>
+        <p:spPr/>
+        <p:txBody>
+          <a:bodyPr/>
+          <a:lstStyle/>
+          <a:p>
+            <a:r>
+              <a:rPr lang="en-US" dirty="0"/>
+              <a:t>TESS allows the user to </a:t>
+            </a:r>
+            <a:r>
+              <a:rPr lang="en-US" b="1" dirty="0"/>
+              <a:t>play</a:t>
+            </a:r>
+            <a:r>
+              <a:rPr lang="en-US" dirty="0"/>
+              <a:t> classic 9x9 Sudoku games based on </a:t>
+            </a:r>
+            <a:r>
+              <a:rPr lang="en-US" b="1" dirty="0"/>
+              <a:t>five difficulty levels</a:t>
+            </a:r>
+            <a:r>
+              <a:rPr lang="en-US" dirty="0"/>
+              <a:t>.</a:t>
+            </a:r>
+          </a:p>
+          <a:p>
+            <a:r>
+              <a:rPr lang="en-US" dirty="0"/>
+              <a:t>TESS allows the user to </a:t>
+            </a:r>
+            <a:r>
+              <a:rPr lang="en-US" b="1" dirty="0"/>
+              <a:t>input</a:t>
+            </a:r>
+            <a:r>
+              <a:rPr lang="en-US" dirty="0"/>
+              <a:t> a sudoku puzzle and it will </a:t>
+            </a:r>
+            <a:r>
+              <a:rPr lang="en-US" b="1" dirty="0"/>
+              <a:t>solve</a:t>
+            </a:r>
+            <a:r>
+              <a:rPr lang="en-US" dirty="0"/>
+              <a:t> it in seconds. </a:t>
+            </a:r>
+          </a:p>
+          <a:p>
+            <a:r>
+              <a:rPr lang="en-US" dirty="0"/>
+              <a:t>TESS </a:t>
+            </a:r>
+            <a:r>
+              <a:rPr lang="en-US" b="1" dirty="0"/>
+              <a:t>saves</a:t>
+            </a:r>
+            <a:r>
+              <a:rPr lang="en-US" dirty="0"/>
+              <a:t> the current progress of the user on a database entry, allowing users to resume their game even after closing the app.</a:t>
+            </a:r>
+          </a:p>
+          <a:p>
+            <a:endParaRPr lang="en-US" dirty="0"/>
+          </a:p>
+        </p:txBody>
+      </p:sp>
+    </p:spTree>
+    <p:extLst>
+      <p:ext uri="{BB962C8B-B14F-4D97-AF65-F5344CB8AC3E}">
+        <p14:creationId xmlns:p14="http://schemas.microsoft.com/office/powerpoint/2010/main" val="2678345255"/>
+      </p:ext>
+    </p:extLst>
+  </p:cSld>
+  <p:clrMapOvr>
+    <a:masterClrMapping/>
+  </p:clrMapOvr>
+  <p:transition spd="slow">
+    <p:push dir="u"/>
+  </p:transition>
 </p:sld>
 </file>
 
@@ -27699,215 +27743,6 @@
           <a:chExt cx="0" cy="0"/>
         </a:xfrm>
       </p:grpSpPr>
-      <p:sp>
-        <p:nvSpPr>
-          <p:cNvPr id="2" name="Title 1"/>
-          <p:cNvSpPr>
-            <a:spLocks noGrp="1"/>
-          </p:cNvSpPr>
-          <p:nvPr>
-            <p:ph type="title"/>
-          </p:nvPr>
-        </p:nvSpPr>
-        <p:spPr/>
-        <p:txBody>
-          <a:bodyPr/>
-          <a:lstStyle/>
-          <a:p>
-            <a:r>
-              <a:rPr lang="en-US" dirty="0"/>
-              <a:t>System Testing</a:t>
-            </a:r>
-          </a:p>
-        </p:txBody>
-      </p:sp>
-      <p:sp>
-        <p:nvSpPr>
-          <p:cNvPr id="3" name="Content Placeholder 2"/>
-          <p:cNvSpPr>
-            <a:spLocks noGrp="1"/>
-          </p:cNvSpPr>
-          <p:nvPr>
-            <p:ph idx="1"/>
-          </p:nvPr>
-        </p:nvSpPr>
-        <p:spPr/>
-        <p:txBody>
-          <a:bodyPr/>
-          <a:lstStyle/>
-          <a:p>
-            <a:r>
-              <a:rPr lang="en-US" dirty="0"/>
-              <a:t>**</a:t>
-            </a:r>
-          </a:p>
-        </p:txBody>
-      </p:sp>
-    </p:spTree>
-    <p:extLst>
-      <p:ext uri="{BB962C8B-B14F-4D97-AF65-F5344CB8AC3E}">
-        <p14:creationId xmlns:p14="http://schemas.microsoft.com/office/powerpoint/2010/main" val="2316129688"/>
-      </p:ext>
-    </p:extLst>
-  </p:cSld>
-  <p:clrMapOvr>
-    <a:masterClrMapping/>
-  </p:clrMapOvr>
-  <p:transition spd="slow">
-    <p:push dir="u"/>
-  </p:transition>
-</p:sld>
-</file>
-
-<file path=ppt/slides/slide21.xml><?xml version="1.0" encoding="utf-8"?>
-<p:sld xmlns:a="http://schemas.openxmlformats.org/drawingml/2006/main" xmlns:r="http://schemas.openxmlformats.org/officeDocument/2006/relationships" xmlns:p="http://schemas.openxmlformats.org/presentationml/2006/main">
-  <p:cSld>
-    <p:spTree>
-      <p:nvGrpSpPr>
-        <p:cNvPr id="1" name=""/>
-        <p:cNvGrpSpPr/>
-        <p:nvPr/>
-      </p:nvGrpSpPr>
-      <p:grpSpPr>
-        <a:xfrm>
-          <a:off x="0" y="0"/>
-          <a:ext cx="0" cy="0"/>
-          <a:chOff x="0" y="0"/>
-          <a:chExt cx="0" cy="0"/>
-        </a:xfrm>
-      </p:grpSpPr>
-      <p:sp>
-        <p:nvSpPr>
-          <p:cNvPr id="2" name="Title 1"/>
-          <p:cNvSpPr>
-            <a:spLocks noGrp="1"/>
-          </p:cNvSpPr>
-          <p:nvPr>
-            <p:ph type="title"/>
-          </p:nvPr>
-        </p:nvSpPr>
-        <p:spPr/>
-        <p:txBody>
-          <a:bodyPr/>
-          <a:lstStyle/>
-          <a:p>
-            <a:r>
-              <a:rPr lang="en-US" dirty="0"/>
-              <a:t>Conclusions</a:t>
-            </a:r>
-          </a:p>
-        </p:txBody>
-      </p:sp>
-      <p:sp>
-        <p:nvSpPr>
-          <p:cNvPr id="3" name="Content Placeholder 2"/>
-          <p:cNvSpPr>
-            <a:spLocks noGrp="1"/>
-          </p:cNvSpPr>
-          <p:nvPr>
-            <p:ph idx="1"/>
-          </p:nvPr>
-        </p:nvSpPr>
-        <p:spPr/>
-        <p:txBody>
-          <a:bodyPr/>
-          <a:lstStyle/>
-          <a:p>
-            <a:r>
-              <a:rPr lang="en-US" dirty="0"/>
-              <a:t>TESS allows the user to </a:t>
-            </a:r>
-            <a:r>
-              <a:rPr lang="en-US" b="1" dirty="0"/>
-              <a:t>play</a:t>
-            </a:r>
-            <a:r>
-              <a:rPr lang="en-US" dirty="0"/>
-              <a:t> classic 9x9 Sudoku games based on </a:t>
-            </a:r>
-            <a:r>
-              <a:rPr lang="en-US" b="1" dirty="0"/>
-              <a:t>five difficulty levels</a:t>
-            </a:r>
-            <a:r>
-              <a:rPr lang="en-US" dirty="0"/>
-              <a:t>.</a:t>
-            </a:r>
-          </a:p>
-          <a:p>
-            <a:r>
-              <a:rPr lang="en-US" dirty="0"/>
-              <a:t>TESS allows the user to </a:t>
-            </a:r>
-            <a:r>
-              <a:rPr lang="en-US" b="1" dirty="0"/>
-              <a:t>input</a:t>
-            </a:r>
-            <a:r>
-              <a:rPr lang="en-US" dirty="0"/>
-              <a:t> a sudoku puzzle and it will </a:t>
-            </a:r>
-            <a:r>
-              <a:rPr lang="en-US" b="1" dirty="0"/>
-              <a:t>solve</a:t>
-            </a:r>
-            <a:r>
-              <a:rPr lang="en-US" dirty="0"/>
-              <a:t> it in seconds. </a:t>
-            </a:r>
-          </a:p>
-          <a:p>
-            <a:r>
-              <a:rPr lang="en-US" dirty="0"/>
-              <a:t>TESS </a:t>
-            </a:r>
-            <a:r>
-              <a:rPr lang="en-US" b="1" dirty="0"/>
-              <a:t>saves</a:t>
-            </a:r>
-            <a:r>
-              <a:rPr lang="en-US" dirty="0"/>
-              <a:t> the current progress of the user on a database entry, allowing users to resume their game even after closing the app.</a:t>
-            </a:r>
-          </a:p>
-          <a:p>
-            <a:endParaRPr lang="en-US" dirty="0"/>
-          </a:p>
-        </p:txBody>
-      </p:sp>
-    </p:spTree>
-    <p:extLst>
-      <p:ext uri="{BB962C8B-B14F-4D97-AF65-F5344CB8AC3E}">
-        <p14:creationId xmlns:p14="http://schemas.microsoft.com/office/powerpoint/2010/main" val="2678345255"/>
-      </p:ext>
-    </p:extLst>
-  </p:cSld>
-  <p:clrMapOvr>
-    <a:masterClrMapping/>
-  </p:clrMapOvr>
-  <p:transition spd="slow">
-    <p:push dir="u"/>
-  </p:transition>
-</p:sld>
-</file>
-
-<file path=ppt/slides/slide22.xml><?xml version="1.0" encoding="utf-8"?>
-<p:sld xmlns:a="http://schemas.openxmlformats.org/drawingml/2006/main" xmlns:r="http://schemas.openxmlformats.org/officeDocument/2006/relationships" xmlns:p="http://schemas.openxmlformats.org/presentationml/2006/main">
-  <p:cSld>
-    <p:spTree>
-      <p:nvGrpSpPr>
-        <p:cNvPr id="1" name=""/>
-        <p:cNvGrpSpPr/>
-        <p:nvPr/>
-      </p:nvGrpSpPr>
-      <p:grpSpPr>
-        <a:xfrm>
-          <a:off x="0" y="0"/>
-          <a:ext cx="0" cy="0"/>
-          <a:chOff x="0" y="0"/>
-          <a:chExt cx="0" cy="0"/>
-        </a:xfrm>
-      </p:grpSpPr>
       <p:sp useBgFill="1">
         <p:nvSpPr>
           <p:cNvPr id="10" name="Rectangle 9"/>
@@ -28117,13 +27952,13 @@
   <p:clrMapOvr>
     <a:masterClrMapping/>
   </p:clrMapOvr>
-  <mc:AlternateContent xmlns:mc="http://schemas.openxmlformats.org/markup-compatibility/2006">
-    <mc:Choice xmlns:p15="http://schemas.microsoft.com/office/powerpoint/2012/main" Requires="p15">
+  <mc:AlternateContent xmlns:mc="http://schemas.openxmlformats.org/markup-compatibility/2006" xmlns:p15="http://schemas.microsoft.com/office/powerpoint/2012/main">
+    <mc:Choice Requires="p15">
       <p:transition xmlns:p14="http://schemas.microsoft.com/office/powerpoint/2010/main" spd="slow" p14:dur="1250">
         <p15:prstTrans prst="peelOff"/>
       </p:transition>
     </mc:Choice>
-    <mc:Fallback>
+    <mc:Fallback xmlns="">
       <p:transition spd="slow">
         <p:fade/>
       </p:transition>
@@ -28132,7 +27967,7 @@
 </p:sld>
 </file>
 
-<file path=ppt/slides/slide23.xml><?xml version="1.0" encoding="utf-8"?>
+<file path=ppt/slides/slide21.xml><?xml version="1.0" encoding="utf-8"?>
 <p:sld xmlns:a="http://schemas.openxmlformats.org/drawingml/2006/main" xmlns:r="http://schemas.openxmlformats.org/officeDocument/2006/relationships" xmlns:p="http://schemas.openxmlformats.org/presentationml/2006/main">
   <p:cSld>
     <p:spTree>
@@ -28303,7 +28138,7 @@
 </p:sld>
 </file>
 
-<file path=ppt/slides/slide24.xml><?xml version="1.0" encoding="utf-8"?>
+<file path=ppt/slides/slide22.xml><?xml version="1.0" encoding="utf-8"?>
 <p:sld xmlns:a="http://schemas.openxmlformats.org/drawingml/2006/main" xmlns:r="http://schemas.openxmlformats.org/officeDocument/2006/relationships" xmlns:p="http://schemas.openxmlformats.org/presentationml/2006/main">
   <p:cSld>
     <p:spTree>
@@ -29028,7 +28863,7 @@
                 </a:solidFill>
               </a:rPr>
               <a:pPr algn="r"/>
-              <a:t>3</a:t>
+              <a:t>22</a:t>
             </a:fld>
             <a:endParaRPr lang="en-US" sz="1050">
               <a:solidFill>
@@ -29048,13 +28883,13 @@
   <p:clrMapOvr>
     <a:overrideClrMapping bg1="dk1" tx1="lt1" bg2="dk2" tx2="lt2" accent1="accent1" accent2="accent2" accent3="accent3" accent4="accent4" accent5="accent5" accent6="accent6" hlink="hlink" folHlink="folHlink"/>
   </p:clrMapOvr>
-  <mc:AlternateContent xmlns:mc="http://schemas.openxmlformats.org/markup-compatibility/2006">
-    <mc:Choice xmlns:p14="http://schemas.microsoft.com/office/powerpoint/2010/main" Requires="p14">
+  <mc:AlternateContent xmlns:mc="http://schemas.openxmlformats.org/markup-compatibility/2006" xmlns:p14="http://schemas.microsoft.com/office/powerpoint/2010/main">
+    <mc:Choice Requires="p14">
       <p:transition spd="slow" p14:dur="1400">
         <p14:doors dir="vert"/>
       </p:transition>
     </mc:Choice>
-    <mc:Fallback>
+    <mc:Fallback xmlns="">
       <p:transition spd="slow">
         <p:fade/>
       </p:transition>
@@ -29176,6 +29011,25 @@
             <a:pPr lvl="1"/>
             <a:r>
               <a:rPr lang="en-US" dirty="0"/>
+              <a:t>9</a:t>
+            </a:r>
+            <a:r>
+              <a:rPr lang="en-US" baseline="30000" dirty="0"/>
+              <a:t>81</a:t>
+            </a:r>
+            <a:r>
+              <a:rPr lang="en-US" dirty="0"/>
+              <a:t>  = </a:t>
+            </a:r>
+            <a:r>
+              <a:rPr lang="en-US" sz="1100" dirty="0"/>
+              <a:t>196,627,050,475,552,913,618,075,908,526,912,116,283,103,450,944,214,766,927,315,415,537,966,391,196,809</a:t>
+            </a:r>
+          </a:p>
+          <a:p>
+            <a:pPr lvl="1"/>
+            <a:r>
+              <a:rPr lang="en-US" dirty="0"/>
               <a:t>We kept the design as </a:t>
             </a:r>
             <a:r>
@@ -29186,10 +29040,6 @@
               <a:rPr lang="en-US" dirty="0"/>
               <a:t> as possible.</a:t>
             </a:r>
-          </a:p>
-          <a:p>
-            <a:pPr lvl="1"/>
-            <a:endParaRPr lang="en-US" dirty="0"/>
           </a:p>
           <a:p>
             <a:pPr lvl="1"/>
@@ -29307,7 +29157,14 @@
             <a:pPr lvl="1"/>
             <a:r>
               <a:rPr lang="en-US" dirty="0"/>
-              <a:t>Successfully solving a given sudoku game under the customer’s time constraint.</a:t>
+              <a:t>Successfully solving a given sudoku game.</a:t>
+            </a:r>
+          </a:p>
+          <a:p>
+            <a:pPr lvl="1"/>
+            <a:r>
+              <a:rPr lang="en-US" dirty="0"/>
+              <a:t>Finding an efficient algorithm to solve a game under 5 seconds.</a:t>
             </a:r>
           </a:p>
           <a:p>
@@ -29480,13 +29337,13 @@
   <p:clrMapOvr>
     <a:masterClrMapping/>
   </p:clrMapOvr>
-  <mc:AlternateContent xmlns:mc="http://schemas.openxmlformats.org/markup-compatibility/2006">
-    <mc:Choice xmlns:p159="http://schemas.microsoft.com/office/powerpoint/2015/09/main" Requires="p159">
+  <mc:AlternateContent xmlns:mc="http://schemas.openxmlformats.org/markup-compatibility/2006" xmlns:p159="http://schemas.microsoft.com/office/powerpoint/2015/09/main">
+    <mc:Choice Requires="p159">
       <p:transition xmlns:p14="http://schemas.microsoft.com/office/powerpoint/2010/main" spd="slow" p14:dur="2000">
         <p159:morph option="byObject"/>
       </p:transition>
     </mc:Choice>
-    <mc:Fallback>
+    <mc:Fallback xmlns="">
       <p:transition spd="slow">
         <p:fade/>
       </p:transition>
@@ -29571,13 +29428,13 @@
   <p:clrMapOvr>
     <a:masterClrMapping/>
   </p:clrMapOvr>
-  <mc:AlternateContent xmlns:mc="http://schemas.openxmlformats.org/markup-compatibility/2006">
-    <mc:Choice xmlns:p159="http://schemas.microsoft.com/office/powerpoint/2015/09/main" Requires="p159">
+  <mc:AlternateContent xmlns:mc="http://schemas.openxmlformats.org/markup-compatibility/2006" xmlns:p159="http://schemas.microsoft.com/office/powerpoint/2015/09/main">
+    <mc:Choice Requires="p159">
       <p:transition xmlns:p14="http://schemas.microsoft.com/office/powerpoint/2010/main" spd="slow" p14:dur="2000">
         <p159:morph option="byObject"/>
       </p:transition>
     </mc:Choice>
-    <mc:Fallback>
+    <mc:Fallback xmlns="">
       <p:transition spd="slow">
         <p:fade/>
       </p:transition>
@@ -29662,13 +29519,13 @@
   <p:clrMapOvr>
     <a:masterClrMapping/>
   </p:clrMapOvr>
-  <mc:AlternateContent xmlns:mc="http://schemas.openxmlformats.org/markup-compatibility/2006">
-    <mc:Choice xmlns:p159="http://schemas.microsoft.com/office/powerpoint/2015/09/main" Requires="p159">
+  <mc:AlternateContent xmlns:mc="http://schemas.openxmlformats.org/markup-compatibility/2006" xmlns:p159="http://schemas.microsoft.com/office/powerpoint/2015/09/main">
+    <mc:Choice Requires="p159">
       <p:transition xmlns:p14="http://schemas.microsoft.com/office/powerpoint/2010/main" spd="slow" p14:dur="2000">
         <p159:morph option="byObject"/>
       </p:transition>
     </mc:Choice>
-    <mc:Fallback>
+    <mc:Fallback xmlns="">
       <p:transition spd="slow">
         <p:fade/>
       </p:transition>
@@ -29773,45 +29630,52 @@
       </p:grpSpPr>
       <p:pic>
         <p:nvPicPr>
-          <p:cNvPr id="8" name="Content Placeholder 4"/>
+          <p:cNvPr id="6" name="Picture 5"/>
           <p:cNvPicPr>
             <a:picLocks noChangeAspect="1"/>
           </p:cNvPicPr>
           <p:nvPr/>
         </p:nvPicPr>
         <p:blipFill>
-          <a:blip r:embed="rId2">
-            <a:extLst>
-              <a:ext uri="{28A0092B-C50C-407E-A947-70E740481C1C}">
-                <a14:useLocalDpi xmlns:a14="http://schemas.microsoft.com/office/drawing/2010/main" val="0"/>
-              </a:ext>
-            </a:extLst>
-          </a:blip>
+          <a:blip r:embed="rId2"/>
           <a:stretch>
             <a:fillRect/>
           </a:stretch>
         </p:blipFill>
         <p:spPr>
           <a:xfrm>
-            <a:off x="5931814" y="645107"/>
-            <a:ext cx="4373168" cy="5792276"/>
+            <a:off x="6043734" y="411297"/>
+            <a:ext cx="4833815" cy="6323157"/>
           </a:xfrm>
           <a:prstGeom prst="roundRect">
             <a:avLst>
-              <a:gd name="adj" fmla="val 8594"/>
+              <a:gd name="adj" fmla="val 4167"/>
             </a:avLst>
           </a:prstGeom>
           <a:solidFill>
-            <a:srgbClr val="FFFFFF">
-              <a:shade val="85000"/>
-            </a:srgbClr>
+            <a:srgbClr val="FFFFFF"/>
           </a:solidFill>
-          <a:ln>
-            <a:noFill/>
+          <a:ln w="76200" cap="sq">
+            <a:solidFill>
+              <a:srgbClr val="EAEAEA"/>
+            </a:solidFill>
+            <a:miter lim="800000"/>
           </a:ln>
           <a:effectLst>
-            <a:reflection blurRad="12700" stA="38000" endPos="28000" dist="5000" dir="5400000" sy="-100000" algn="bl" rotWithShape="0"/>
+            <a:reflection blurRad="12700" stA="33000" endPos="28000" dist="5000" dir="5400000" sy="-100000" algn="bl" rotWithShape="0"/>
           </a:effectLst>
+          <a:scene3d>
+            <a:camera prst="orthographicFront"/>
+            <a:lightRig rig="threePt" dir="t">
+              <a:rot lat="0" lon="0" rev="2700000"/>
+            </a:lightRig>
+          </a:scene3d>
+          <a:sp3d contourW="6350">
+            <a:bevelT h="38100"/>
+            <a:contourClr>
+              <a:srgbClr val="C0C0C0"/>
+            </a:contourClr>
+          </a:sp3d>
         </p:spPr>
       </p:pic>
       <p:sp>
@@ -29827,12 +29691,12 @@
         <p:spPr>
           <a:xfrm>
             <a:off x="1251679" y="645107"/>
-            <a:ext cx="3384329" cy="1640894"/>
+            <a:ext cx="4208217" cy="1640894"/>
           </a:xfrm>
         </p:spPr>
         <p:txBody>
           <a:bodyPr anchor="t">
-            <a:normAutofit fontScale="90000"/>
+            <a:normAutofit/>
           </a:bodyPr>
           <a:lstStyle/>
           <a:p>
@@ -29842,8 +29706,8 @@
               </a:lnSpc>
             </a:pPr>
             <a:r>
-              <a:rPr lang="en-US" sz="4000"/>
-              <a:t>System Design | User Constraints</a:t>
+              <a:rPr lang="en-US" sz="4000" dirty="0"/>
+              <a:t>System Design | Prototyping</a:t>
             </a:r>
           </a:p>
         </p:txBody>
@@ -29870,45 +29734,19 @@
           </a:bodyPr>
           <a:lstStyle/>
           <a:p>
-            <a:r>
-              <a:rPr lang="en-US" dirty="0"/>
-              <a:t>Client proposed the following design outlined in figure 1. </a:t>
-            </a:r>
-          </a:p>
-          <a:p>
-            <a:pPr lvl="1"/>
-            <a:r>
-              <a:rPr lang="en-US" dirty="0"/>
-              <a:t>Simple design.</a:t>
-            </a:r>
-          </a:p>
-          <a:p>
-            <a:pPr lvl="1"/>
-            <a:r>
-              <a:rPr lang="en-US" dirty="0"/>
-              <a:t>9x9 classic Sudoku game.</a:t>
-            </a:r>
-          </a:p>
-          <a:p>
-            <a:r>
-              <a:rPr lang="en-US" dirty="0"/>
-              <a:t>Play, input or solve a Sudoku game.</a:t>
-            </a:r>
-          </a:p>
-          <a:p>
             <a:endParaRPr lang="en-US" dirty="0"/>
           </a:p>
         </p:txBody>
       </p:sp>
       <p:sp>
         <p:nvSpPr>
-          <p:cNvPr id="3" name="TextBox 2"/>
+          <p:cNvPr id="5" name="TextBox 4"/>
           <p:cNvSpPr txBox="1"/>
           <p:nvPr/>
         </p:nvSpPr>
         <p:spPr>
           <a:xfrm>
-            <a:off x="5551252" y="6437383"/>
+            <a:off x="5971129" y="6472844"/>
             <a:ext cx="5134292" cy="261610"/>
           </a:xfrm>
           <a:prstGeom prst="rect">
@@ -29925,7 +29763,7 @@
             <a:pPr algn="ctr"/>
             <a:r>
               <a:rPr lang="en-US" sz="1100" dirty="0"/>
-              <a:t>Figure 1: User constraint of TESS.</a:t>
+              <a:t>Figure 4: The top four design iterations of TESS.</a:t>
             </a:r>
           </a:p>
         </p:txBody>
@@ -29933,16 +29771,25 @@
     </p:spTree>
     <p:extLst>
       <p:ext uri="{BB962C8B-B14F-4D97-AF65-F5344CB8AC3E}">
-        <p14:creationId xmlns:p14="http://schemas.microsoft.com/office/powerpoint/2010/main" val="3980179067"/>
+        <p14:creationId xmlns:p14="http://schemas.microsoft.com/office/powerpoint/2010/main" val="2683639474"/>
       </p:ext>
     </p:extLst>
   </p:cSld>
   <p:clrMapOvr>
     <a:masterClrMapping/>
   </p:clrMapOvr>
-  <p:transition spd="slow">
-    <p:push dir="u"/>
-  </p:transition>
+  <mc:AlternateContent xmlns:mc="http://schemas.openxmlformats.org/markup-compatibility/2006" xmlns:p159="http://schemas.microsoft.com/office/powerpoint/2015/09/main">
+    <mc:Choice Requires="p159">
+      <p:transition xmlns:p14="http://schemas.microsoft.com/office/powerpoint/2010/main" spd="slow" p14:dur="2000">
+        <p159:morph option="byObject"/>
+      </p:transition>
+    </mc:Choice>
+    <mc:Fallback xmlns="">
+      <p:transition spd="slow">
+        <p:fade/>
+      </p:transition>
+    </mc:Fallback>
+  </mc:AlternateContent>
 </p:sld>
 </file>
 

--- a/Project Report/Final Project Report Presentation.pptx
+++ b/Project Report/Final Project Report Presentation.pptx
@@ -4012,16 +4012,17 @@
       </dgm:t>
     </dgm:pt>
     <dgm:pt modelId="{E77749A5-67E6-4A5A-8617-88373E12A1E8}">
-      <dgm:prSet/>
+      <dgm:prSet custT="1"/>
       <dgm:spPr/>
       <dgm:t>
         <a:bodyPr/>
         <a:lstStyle/>
         <a:p>
           <a:r>
-            <a:rPr lang="en-US"/>
+            <a:rPr lang="en-US" sz="1100" dirty="0"/>
             <a:t>Introduction</a:t>
           </a:r>
+          <a:endParaRPr lang="en-US" sz="1000" dirty="0"/>
         </a:p>
       </dgm:t>
     </dgm:pt>
@@ -4048,16 +4049,17 @@
       </dgm:t>
     </dgm:pt>
     <dgm:pt modelId="{C26185C6-2A53-4352-8CAA-76BE58DE1CD9}">
-      <dgm:prSet/>
+      <dgm:prSet custT="1"/>
       <dgm:spPr/>
       <dgm:t>
         <a:bodyPr/>
         <a:lstStyle/>
         <a:p>
           <a:r>
-            <a:rPr lang="en-US" dirty="0"/>
+            <a:rPr lang="en-US" sz="1100" dirty="0"/>
             <a:t>Goals</a:t>
           </a:r>
+          <a:endParaRPr lang="en-US" sz="1000" dirty="0"/>
         </a:p>
       </dgm:t>
     </dgm:pt>
@@ -4084,16 +4086,17 @@
       </dgm:t>
     </dgm:pt>
     <dgm:pt modelId="{5FBEE584-64CB-4E56-979A-C6462E462CFD}">
-      <dgm:prSet/>
+      <dgm:prSet custT="1"/>
       <dgm:spPr/>
       <dgm:t>
         <a:bodyPr/>
         <a:lstStyle/>
         <a:p>
           <a:r>
-            <a:rPr lang="en-US" dirty="0"/>
+            <a:rPr lang="en-US" sz="1100" dirty="0"/>
             <a:t>Requirements</a:t>
           </a:r>
+          <a:endParaRPr lang="en-US" sz="1000" dirty="0"/>
         </a:p>
       </dgm:t>
     </dgm:pt>
@@ -4120,14 +4123,14 @@
       </dgm:t>
     </dgm:pt>
     <dgm:pt modelId="{913F7EA0-C30A-4C5F-8FE5-D48856259AB0}">
-      <dgm:prSet/>
+      <dgm:prSet custT="1"/>
       <dgm:spPr/>
       <dgm:t>
         <a:bodyPr/>
         <a:lstStyle/>
         <a:p>
           <a:r>
-            <a:rPr lang="en-US"/>
+            <a:rPr lang="en-US" sz="1100" dirty="0"/>
             <a:t>System Model | Design</a:t>
           </a:r>
         </a:p>
@@ -4156,14 +4159,14 @@
       </dgm:t>
     </dgm:pt>
     <dgm:pt modelId="{26036600-B97C-403B-A3C8-DC51F97B9087}">
-      <dgm:prSet/>
+      <dgm:prSet custT="1"/>
       <dgm:spPr/>
       <dgm:t>
         <a:bodyPr/>
         <a:lstStyle/>
         <a:p>
           <a:r>
-            <a:rPr lang="en-US"/>
+            <a:rPr lang="en-US" sz="1050" dirty="0"/>
             <a:t>System Implementation</a:t>
           </a:r>
         </a:p>
@@ -4199,7 +4202,7 @@
         <a:lstStyle/>
         <a:p>
           <a:r>
-            <a:rPr lang="en-US"/>
+            <a:rPr lang="en-US" dirty="0"/>
             <a:t>System Testing | Conclusion</a:t>
           </a:r>
         </a:p>
@@ -4268,7 +4271,7 @@
         <a:lstStyle/>
         <a:p>
           <a:r>
-            <a:rPr lang="en-US"/>
+            <a:rPr lang="en-US" dirty="0"/>
             <a:t>Demo</a:t>
           </a:r>
         </a:p>
@@ -7173,7 +7176,7 @@
         </a:bodyPr>
         <a:lstStyle/>
         <a:p>
-          <a:pPr marL="0" lvl="0" indent="0" algn="ctr" defTabSz="444500">
+          <a:pPr marL="0" lvl="0" indent="0" algn="ctr" defTabSz="488950">
             <a:lnSpc>
               <a:spcPct val="90000"/>
             </a:lnSpc>
@@ -7186,9 +7189,10 @@
             <a:buNone/>
           </a:pPr>
           <a:r>
-            <a:rPr lang="en-US" sz="1000" kern="1200"/>
+            <a:rPr lang="en-US" sz="1100" kern="1200" dirty="0"/>
             <a:t>Introduction</a:t>
           </a:r>
+          <a:endParaRPr lang="en-US" sz="1000" kern="1200" dirty="0"/>
         </a:p>
       </dsp:txBody>
       <dsp:txXfrm>
@@ -7250,7 +7254,7 @@
         </a:bodyPr>
         <a:lstStyle/>
         <a:p>
-          <a:pPr marL="0" lvl="0" indent="0" algn="ctr" defTabSz="444500">
+          <a:pPr marL="0" lvl="0" indent="0" algn="ctr" defTabSz="488950">
             <a:lnSpc>
               <a:spcPct val="90000"/>
             </a:lnSpc>
@@ -7263,9 +7267,10 @@
             <a:buNone/>
           </a:pPr>
           <a:r>
-            <a:rPr lang="en-US" sz="1000" kern="1200" dirty="0"/>
+            <a:rPr lang="en-US" sz="1100" kern="1200" dirty="0"/>
             <a:t>Goals</a:t>
           </a:r>
+          <a:endParaRPr lang="en-US" sz="1000" kern="1200" dirty="0"/>
         </a:p>
       </dsp:txBody>
       <dsp:txXfrm>
@@ -7327,7 +7332,7 @@
         </a:bodyPr>
         <a:lstStyle/>
         <a:p>
-          <a:pPr marL="0" lvl="0" indent="0" algn="ctr" defTabSz="444500">
+          <a:pPr marL="0" lvl="0" indent="0" algn="ctr" defTabSz="488950">
             <a:lnSpc>
               <a:spcPct val="90000"/>
             </a:lnSpc>
@@ -7340,9 +7345,10 @@
             <a:buNone/>
           </a:pPr>
           <a:r>
-            <a:rPr lang="en-US" sz="1000" kern="1200" dirty="0"/>
+            <a:rPr lang="en-US" sz="1100" kern="1200" dirty="0"/>
             <a:t>Requirements</a:t>
           </a:r>
+          <a:endParaRPr lang="en-US" sz="1000" kern="1200" dirty="0"/>
         </a:p>
       </dsp:txBody>
       <dsp:txXfrm>
@@ -7404,7 +7410,7 @@
         </a:bodyPr>
         <a:lstStyle/>
         <a:p>
-          <a:pPr marL="0" lvl="0" indent="0" algn="ctr" defTabSz="444500">
+          <a:pPr marL="0" lvl="0" indent="0" algn="ctr" defTabSz="488950">
             <a:lnSpc>
               <a:spcPct val="90000"/>
             </a:lnSpc>
@@ -7417,7 +7423,7 @@
             <a:buNone/>
           </a:pPr>
           <a:r>
-            <a:rPr lang="en-US" sz="1000" kern="1200"/>
+            <a:rPr lang="en-US" sz="1100" kern="1200" dirty="0"/>
             <a:t>System Model | Design</a:t>
           </a:r>
         </a:p>
@@ -7481,7 +7487,7 @@
         </a:bodyPr>
         <a:lstStyle/>
         <a:p>
-          <a:pPr marL="0" lvl="0" indent="0" algn="ctr" defTabSz="444500">
+          <a:pPr marL="0" lvl="0" indent="0" algn="ctr" defTabSz="466725">
             <a:lnSpc>
               <a:spcPct val="90000"/>
             </a:lnSpc>
@@ -7494,7 +7500,7 @@
             <a:buNone/>
           </a:pPr>
           <a:r>
-            <a:rPr lang="en-US" sz="1000" kern="1200"/>
+            <a:rPr lang="en-US" sz="1050" kern="1200" dirty="0"/>
             <a:t>System Implementation</a:t>
           </a:r>
         </a:p>
@@ -7558,7 +7564,7 @@
         </a:bodyPr>
         <a:lstStyle/>
         <a:p>
-          <a:pPr marL="0" lvl="0" indent="0" algn="ctr" defTabSz="444500">
+          <a:pPr marL="0" lvl="0" indent="0" algn="ctr" defTabSz="666750">
             <a:lnSpc>
               <a:spcPct val="90000"/>
             </a:lnSpc>
@@ -7571,7 +7577,7 @@
             <a:buNone/>
           </a:pPr>
           <a:r>
-            <a:rPr lang="en-US" sz="1000" kern="1200"/>
+            <a:rPr lang="en-US" sz="1500" kern="1200" dirty="0"/>
             <a:t>Demo</a:t>
           </a:r>
         </a:p>
@@ -7635,7 +7641,7 @@
         </a:bodyPr>
         <a:lstStyle/>
         <a:p>
-          <a:pPr marL="0" lvl="0" indent="0" algn="ctr" defTabSz="444500">
+          <a:pPr marL="0" lvl="0" indent="0" algn="ctr" defTabSz="666750">
             <a:lnSpc>
               <a:spcPct val="90000"/>
             </a:lnSpc>
@@ -7648,7 +7654,7 @@
             <a:buNone/>
           </a:pPr>
           <a:r>
-            <a:rPr lang="en-US" sz="1000" kern="1200"/>
+            <a:rPr lang="en-US" sz="1500" kern="1200" dirty="0"/>
             <a:t>System Testing | Conclusion</a:t>
           </a:r>
         </a:p>
@@ -25795,7 +25801,7 @@
             <a:pPr algn="ctr"/>
             <a:r>
               <a:rPr lang="en-US" sz="1100" dirty="0"/>
-              <a:t>Figure 1: User constraint of TESS.</a:t>
+              <a:t>Figure 2: User constraint of TESS.</a:t>
             </a:r>
           </a:p>
         </p:txBody>
@@ -26204,7 +26210,7 @@
             <a:pPr algn="ctr"/>
             <a:r>
               <a:rPr lang="en-US" sz="1100" dirty="0"/>
-              <a:t>Figure 2: Use case diagram of TESS.</a:t>
+              <a:t>Figure 3: Use case diagram of TESS.</a:t>
             </a:r>
           </a:p>
         </p:txBody>
@@ -26366,32 +26372,6 @@
       </p:sp>
       <p:sp>
         <p:nvSpPr>
-          <p:cNvPr id="10" name="Content Placeholder 9"/>
-          <p:cNvSpPr>
-            <a:spLocks noGrp="1"/>
-          </p:cNvSpPr>
-          <p:nvPr>
-            <p:ph idx="1"/>
-          </p:nvPr>
-        </p:nvSpPr>
-        <p:spPr>
-          <a:xfrm>
-            <a:off x="643831" y="1936955"/>
-            <a:ext cx="3690425" cy="4243182"/>
-          </a:xfrm>
-        </p:spPr>
-        <p:txBody>
-          <a:bodyPr>
-            <a:normAutofit/>
-          </a:bodyPr>
-          <a:lstStyle/>
-          <a:p>
-            <a:endParaRPr lang="en-US" sz="1600" dirty="0"/>
-          </a:p>
-        </p:txBody>
-      </p:sp>
-      <p:sp>
-        <p:nvSpPr>
           <p:cNvPr id="6" name="TextBox 5"/>
           <p:cNvSpPr txBox="1"/>
           <p:nvPr/>
@@ -26415,7 +26395,7 @@
             <a:pPr algn="ctr"/>
             <a:r>
               <a:rPr lang="en-US" sz="1100" dirty="0"/>
-              <a:t>Figure 3: Traceability matrix of the use cases.</a:t>
+              <a:t>Figure 4: Traceability matrix of the use cases.</a:t>
             </a:r>
           </a:p>
         </p:txBody>
@@ -26571,32 +26551,6 @@
               <a:rPr lang="en-US" sz="3200" dirty="0"/>
               <a:t>System Implementation| Activity Diagram</a:t>
             </a:r>
-          </a:p>
-        </p:txBody>
-      </p:sp>
-      <p:sp>
-        <p:nvSpPr>
-          <p:cNvPr id="10" name="Content Placeholder 9"/>
-          <p:cNvSpPr>
-            <a:spLocks noGrp="1"/>
-          </p:cNvSpPr>
-          <p:nvPr>
-            <p:ph idx="1"/>
-          </p:nvPr>
-        </p:nvSpPr>
-        <p:spPr>
-          <a:xfrm>
-            <a:off x="643831" y="1936955"/>
-            <a:ext cx="3690425" cy="4243182"/>
-          </a:xfrm>
-        </p:spPr>
-        <p:txBody>
-          <a:bodyPr>
-            <a:normAutofit/>
-          </a:bodyPr>
-          <a:lstStyle/>
-          <a:p>
-            <a:endParaRPr lang="en-US" sz="1600" dirty="0"/>
           </a:p>
         </p:txBody>
       </p:sp>
@@ -26773,32 +26727,6 @@
               <a:rPr lang="en-US" sz="3200" dirty="0"/>
               <a:t>System Implementation | Sequence Diagram</a:t>
             </a:r>
-          </a:p>
-        </p:txBody>
-      </p:sp>
-      <p:sp>
-        <p:nvSpPr>
-          <p:cNvPr id="10" name="Content Placeholder 9"/>
-          <p:cNvSpPr>
-            <a:spLocks noGrp="1"/>
-          </p:cNvSpPr>
-          <p:nvPr>
-            <p:ph idx="1"/>
-          </p:nvPr>
-        </p:nvSpPr>
-        <p:spPr>
-          <a:xfrm>
-            <a:off x="643831" y="1936955"/>
-            <a:ext cx="3690425" cy="4243182"/>
-          </a:xfrm>
-        </p:spPr>
-        <p:txBody>
-          <a:bodyPr>
-            <a:normAutofit/>
-          </a:bodyPr>
-          <a:lstStyle/>
-          <a:p>
-            <a:endParaRPr lang="en-US" sz="1600" dirty="0"/>
           </a:p>
         </p:txBody>
       </p:sp>
@@ -27695,7 +27623,7 @@
             <p:ph idx="1"/>
             <p:extLst>
               <p:ext uri="{D42A27DB-BD31-4B8C-83A1-F6EECF244321}">
-                <p14:modId xmlns:p14="http://schemas.microsoft.com/office/powerpoint/2010/main" val="2826832457"/>
+                <p14:modId xmlns:p14="http://schemas.microsoft.com/office/powerpoint/2010/main" val="887940830"/>
               </p:ext>
             </p:extLst>
           </p:nvPr>
@@ -29714,32 +29642,6 @@
       </p:sp>
       <p:sp>
         <p:nvSpPr>
-          <p:cNvPr id="10" name="Content Placeholder 9"/>
-          <p:cNvSpPr>
-            <a:spLocks noGrp="1"/>
-          </p:cNvSpPr>
-          <p:nvPr>
-            <p:ph idx="1"/>
-          </p:nvPr>
-        </p:nvSpPr>
-        <p:spPr>
-          <a:xfrm>
-            <a:off x="1251679" y="2286001"/>
-            <a:ext cx="3384330" cy="3940844"/>
-          </a:xfrm>
-        </p:spPr>
-        <p:txBody>
-          <a:bodyPr>
-            <a:normAutofit/>
-          </a:bodyPr>
-          <a:lstStyle/>
-          <a:p>
-            <a:endParaRPr lang="en-US" dirty="0"/>
-          </a:p>
-        </p:txBody>
-      </p:sp>
-      <p:sp>
-        <p:nvSpPr>
           <p:cNvPr id="5" name="TextBox 4"/>
           <p:cNvSpPr txBox="1"/>
           <p:nvPr/>
@@ -29763,7 +29665,7 @@
             <a:pPr algn="ctr"/>
             <a:r>
               <a:rPr lang="en-US" sz="1100" dirty="0"/>
-              <a:t>Figure 4: The top four design iterations of TESS.</a:t>
+              <a:t>Figure 1: The top four design iterations of TESS.</a:t>
             </a:r>
           </a:p>
         </p:txBody>

--- a/Project Report/Final Project Report Presentation.pptx
+++ b/Project Report/Final Project Report Presentation.pptx
@@ -4,6 +4,12 @@
   <p:sldMasterIdLst>
     <p:sldMasterId id="2147483720" r:id="rId1"/>
   </p:sldMasterIdLst>
+  <p:notesMasterIdLst>
+    <p:notesMasterId r:id="rId24"/>
+  </p:notesMasterIdLst>
+  <p:handoutMasterIdLst>
+    <p:handoutMasterId r:id="rId25"/>
+  </p:handoutMasterIdLst>
   <p:sldIdLst>
     <p:sldId id="256" r:id="rId2"/>
     <p:sldId id="257" r:id="rId3"/>
@@ -22170,6 +22176,522 @@
 </dgm:styleDef>
 </file>
 
+<file path=ppt/handoutMasters/handoutMaster1.xml><?xml version="1.0" encoding="utf-8"?>
+<p:handoutMaster xmlns:a="http://schemas.openxmlformats.org/drawingml/2006/main" xmlns:r="http://schemas.openxmlformats.org/officeDocument/2006/relationships" xmlns:p="http://schemas.openxmlformats.org/presentationml/2006/main">
+  <p:cSld>
+    <p:bg>
+      <p:bgRef idx="1001">
+        <a:schemeClr val="bg1"/>
+      </p:bgRef>
+    </p:bg>
+    <p:spTree>
+      <p:nvGrpSpPr>
+        <p:cNvPr id="1" name=""/>
+        <p:cNvGrpSpPr/>
+        <p:nvPr/>
+      </p:nvGrpSpPr>
+      <p:grpSpPr>
+        <a:xfrm>
+          <a:off x="0" y="0"/>
+          <a:ext cx="0" cy="0"/>
+          <a:chOff x="0" y="0"/>
+          <a:chExt cx="0" cy="0"/>
+        </a:xfrm>
+      </p:grpSpPr>
+      <p:sp>
+        <p:nvSpPr>
+          <p:cNvPr id="2" name="Header Placeholder 1"/>
+          <p:cNvSpPr>
+            <a:spLocks noGrp="1"/>
+          </p:cNvSpPr>
+          <p:nvPr>
+            <p:ph type="hdr" sz="quarter"/>
+          </p:nvPr>
+        </p:nvSpPr>
+        <p:spPr>
+          <a:xfrm>
+            <a:off x="0" y="0"/>
+            <a:ext cx="2971800" cy="458788"/>
+          </a:xfrm>
+          <a:prstGeom prst="rect">
+            <a:avLst/>
+          </a:prstGeom>
+        </p:spPr>
+        <p:txBody>
+          <a:bodyPr vert="horz" lIns="91440" tIns="45720" rIns="91440" bIns="45720" rtlCol="0"/>
+          <a:lstStyle>
+            <a:lvl1pPr algn="l">
+              <a:defRPr sz="1200"/>
+            </a:lvl1pPr>
+          </a:lstStyle>
+          <a:p>
+            <a:endParaRPr lang="en-US"/>
+          </a:p>
+        </p:txBody>
+      </p:sp>
+      <p:sp>
+        <p:nvSpPr>
+          <p:cNvPr id="3" name="Date Placeholder 2"/>
+          <p:cNvSpPr>
+            <a:spLocks noGrp="1"/>
+          </p:cNvSpPr>
+          <p:nvPr>
+            <p:ph type="dt" sz="quarter" idx="1"/>
+          </p:nvPr>
+        </p:nvSpPr>
+        <p:spPr>
+          <a:xfrm>
+            <a:off x="3884613" y="0"/>
+            <a:ext cx="2971800" cy="458788"/>
+          </a:xfrm>
+          <a:prstGeom prst="rect">
+            <a:avLst/>
+          </a:prstGeom>
+        </p:spPr>
+        <p:txBody>
+          <a:bodyPr vert="horz" lIns="91440" tIns="45720" rIns="91440" bIns="45720" rtlCol="0"/>
+          <a:lstStyle>
+            <a:lvl1pPr algn="r">
+              <a:defRPr sz="1200"/>
+            </a:lvl1pPr>
+          </a:lstStyle>
+          <a:p>
+            <a:fld id="{10BED5FB-9517-4E4D-BDD0-F586958A9424}" type="datetimeFigureOut">
+              <a:rPr lang="en-US" smtClean="0"/>
+              <a:t>4/21/2017</a:t>
+            </a:fld>
+            <a:endParaRPr lang="en-US"/>
+          </a:p>
+        </p:txBody>
+      </p:sp>
+      <p:sp>
+        <p:nvSpPr>
+          <p:cNvPr id="4" name="Footer Placeholder 3"/>
+          <p:cNvSpPr>
+            <a:spLocks noGrp="1"/>
+          </p:cNvSpPr>
+          <p:nvPr>
+            <p:ph type="ftr" sz="quarter" idx="2"/>
+          </p:nvPr>
+        </p:nvSpPr>
+        <p:spPr>
+          <a:xfrm>
+            <a:off x="0" y="8685213"/>
+            <a:ext cx="2971800" cy="458787"/>
+          </a:xfrm>
+          <a:prstGeom prst="rect">
+            <a:avLst/>
+          </a:prstGeom>
+        </p:spPr>
+        <p:txBody>
+          <a:bodyPr vert="horz" lIns="91440" tIns="45720" rIns="91440" bIns="45720" rtlCol="0" anchor="b"/>
+          <a:lstStyle>
+            <a:lvl1pPr algn="l">
+              <a:defRPr sz="1200"/>
+            </a:lvl1pPr>
+          </a:lstStyle>
+          <a:p>
+            <a:endParaRPr lang="en-US"/>
+          </a:p>
+        </p:txBody>
+      </p:sp>
+      <p:sp>
+        <p:nvSpPr>
+          <p:cNvPr id="5" name="Slide Number Placeholder 4"/>
+          <p:cNvSpPr>
+            <a:spLocks noGrp="1"/>
+          </p:cNvSpPr>
+          <p:nvPr>
+            <p:ph type="sldNum" sz="quarter" idx="3"/>
+          </p:nvPr>
+        </p:nvSpPr>
+        <p:spPr>
+          <a:xfrm>
+            <a:off x="3884613" y="8685213"/>
+            <a:ext cx="2971800" cy="458787"/>
+          </a:xfrm>
+          <a:prstGeom prst="rect">
+            <a:avLst/>
+          </a:prstGeom>
+        </p:spPr>
+        <p:txBody>
+          <a:bodyPr vert="horz" lIns="91440" tIns="45720" rIns="91440" bIns="45720" rtlCol="0" anchor="b"/>
+          <a:lstStyle>
+            <a:lvl1pPr algn="r">
+              <a:defRPr sz="1200"/>
+            </a:lvl1pPr>
+          </a:lstStyle>
+          <a:p>
+            <a:fld id="{E82417F6-84F4-485C-8469-3EA11CF73861}" type="slidenum">
+              <a:rPr lang="en-US" smtClean="0"/>
+              <a:t>‹#›</a:t>
+            </a:fld>
+            <a:endParaRPr lang="en-US"/>
+          </a:p>
+        </p:txBody>
+      </p:sp>
+    </p:spTree>
+    <p:extLst>
+      <p:ext uri="{BB962C8B-B14F-4D97-AF65-F5344CB8AC3E}">
+        <p14:creationId xmlns:p14="http://schemas.microsoft.com/office/powerpoint/2010/main" val="2419179012"/>
+      </p:ext>
+    </p:extLst>
+  </p:cSld>
+  <p:clrMap bg1="lt1" tx1="dk1" bg2="lt2" tx2="dk2" accent1="accent1" accent2="accent2" accent3="accent3" accent4="accent4" accent5="accent5" accent6="accent6" hlink="hlink" folHlink="folHlink"/>
+  <p:hf hdr="0" ftr="0" dt="0"/>
+</p:handoutMaster>
+</file>
+
+<file path=ppt/notesMasters/notesMaster1.xml><?xml version="1.0" encoding="utf-8"?>
+<p:notesMaster xmlns:a="http://schemas.openxmlformats.org/drawingml/2006/main" xmlns:r="http://schemas.openxmlformats.org/officeDocument/2006/relationships" xmlns:p="http://schemas.openxmlformats.org/presentationml/2006/main">
+  <p:cSld>
+    <p:bg>
+      <p:bgRef idx="1001">
+        <a:schemeClr val="bg1"/>
+      </p:bgRef>
+    </p:bg>
+    <p:spTree>
+      <p:nvGrpSpPr>
+        <p:cNvPr id="1" name=""/>
+        <p:cNvGrpSpPr/>
+        <p:nvPr/>
+      </p:nvGrpSpPr>
+      <p:grpSpPr>
+        <a:xfrm>
+          <a:off x="0" y="0"/>
+          <a:ext cx="0" cy="0"/>
+          <a:chOff x="0" y="0"/>
+          <a:chExt cx="0" cy="0"/>
+        </a:xfrm>
+      </p:grpSpPr>
+      <p:sp>
+        <p:nvSpPr>
+          <p:cNvPr id="2" name="Header Placeholder 1"/>
+          <p:cNvSpPr>
+            <a:spLocks noGrp="1"/>
+          </p:cNvSpPr>
+          <p:nvPr>
+            <p:ph type="hdr" sz="quarter"/>
+          </p:nvPr>
+        </p:nvSpPr>
+        <p:spPr>
+          <a:xfrm>
+            <a:off x="0" y="0"/>
+            <a:ext cx="2971800" cy="458788"/>
+          </a:xfrm>
+          <a:prstGeom prst="rect">
+            <a:avLst/>
+          </a:prstGeom>
+        </p:spPr>
+        <p:txBody>
+          <a:bodyPr vert="horz" lIns="91440" tIns="45720" rIns="91440" bIns="45720" rtlCol="0"/>
+          <a:lstStyle>
+            <a:lvl1pPr algn="l">
+              <a:defRPr sz="1200"/>
+            </a:lvl1pPr>
+          </a:lstStyle>
+          <a:p>
+            <a:endParaRPr lang="en-US"/>
+          </a:p>
+        </p:txBody>
+      </p:sp>
+      <p:sp>
+        <p:nvSpPr>
+          <p:cNvPr id="3" name="Date Placeholder 2"/>
+          <p:cNvSpPr>
+            <a:spLocks noGrp="1"/>
+          </p:cNvSpPr>
+          <p:nvPr>
+            <p:ph type="dt" idx="1"/>
+          </p:nvPr>
+        </p:nvSpPr>
+        <p:spPr>
+          <a:xfrm>
+            <a:off x="3884613" y="0"/>
+            <a:ext cx="2971800" cy="458788"/>
+          </a:xfrm>
+          <a:prstGeom prst="rect">
+            <a:avLst/>
+          </a:prstGeom>
+        </p:spPr>
+        <p:txBody>
+          <a:bodyPr vert="horz" lIns="91440" tIns="45720" rIns="91440" bIns="45720" rtlCol="0"/>
+          <a:lstStyle>
+            <a:lvl1pPr algn="r">
+              <a:defRPr sz="1200"/>
+            </a:lvl1pPr>
+          </a:lstStyle>
+          <a:p>
+            <a:fld id="{D595554D-A261-4A9F-9EAF-DD18B2C21132}" type="datetimeFigureOut">
+              <a:rPr lang="en-US" smtClean="0"/>
+              <a:t>4/21/2017</a:t>
+            </a:fld>
+            <a:endParaRPr lang="en-US"/>
+          </a:p>
+        </p:txBody>
+      </p:sp>
+      <p:sp>
+        <p:nvSpPr>
+          <p:cNvPr id="4" name="Slide Image Placeholder 3"/>
+          <p:cNvSpPr>
+            <a:spLocks noGrp="1" noRot="1" noChangeAspect="1"/>
+          </p:cNvSpPr>
+          <p:nvPr>
+            <p:ph type="sldImg" idx="2"/>
+          </p:nvPr>
+        </p:nvSpPr>
+        <p:spPr>
+          <a:xfrm>
+            <a:off x="685800" y="1143000"/>
+            <a:ext cx="5486400" cy="3086100"/>
+          </a:xfrm>
+          <a:prstGeom prst="rect">
+            <a:avLst/>
+          </a:prstGeom>
+          <a:noFill/>
+          <a:ln w="12700">
+            <a:solidFill>
+              <a:prstClr val="black"/>
+            </a:solidFill>
+          </a:ln>
+        </p:spPr>
+        <p:txBody>
+          <a:bodyPr vert="horz" lIns="91440" tIns="45720" rIns="91440" bIns="45720" rtlCol="0" anchor="ctr"/>
+          <a:lstStyle/>
+          <a:p>
+            <a:endParaRPr lang="en-US"/>
+          </a:p>
+        </p:txBody>
+      </p:sp>
+      <p:sp>
+        <p:nvSpPr>
+          <p:cNvPr id="5" name="Notes Placeholder 4"/>
+          <p:cNvSpPr>
+            <a:spLocks noGrp="1"/>
+          </p:cNvSpPr>
+          <p:nvPr>
+            <p:ph type="body" sz="quarter" idx="3"/>
+          </p:nvPr>
+        </p:nvSpPr>
+        <p:spPr>
+          <a:xfrm>
+            <a:off x="685800" y="4400550"/>
+            <a:ext cx="5486400" cy="3600450"/>
+          </a:xfrm>
+          <a:prstGeom prst="rect">
+            <a:avLst/>
+          </a:prstGeom>
+        </p:spPr>
+        <p:txBody>
+          <a:bodyPr vert="horz" lIns="91440" tIns="45720" rIns="91440" bIns="45720" rtlCol="0"/>
+          <a:lstStyle/>
+          <a:p>
+            <a:pPr lvl="0"/>
+            <a:r>
+              <a:rPr lang="en-US"/>
+              <a:t>Edit Master text styles</a:t>
+            </a:r>
+          </a:p>
+          <a:p>
+            <a:pPr lvl="1"/>
+            <a:r>
+              <a:rPr lang="en-US"/>
+              <a:t>Second level</a:t>
+            </a:r>
+          </a:p>
+          <a:p>
+            <a:pPr lvl="2"/>
+            <a:r>
+              <a:rPr lang="en-US"/>
+              <a:t>Third level</a:t>
+            </a:r>
+          </a:p>
+          <a:p>
+            <a:pPr lvl="3"/>
+            <a:r>
+              <a:rPr lang="en-US"/>
+              <a:t>Fourth level</a:t>
+            </a:r>
+          </a:p>
+          <a:p>
+            <a:pPr lvl="4"/>
+            <a:r>
+              <a:rPr lang="en-US"/>
+              <a:t>Fifth level</a:t>
+            </a:r>
+          </a:p>
+        </p:txBody>
+      </p:sp>
+      <p:sp>
+        <p:nvSpPr>
+          <p:cNvPr id="6" name="Footer Placeholder 5"/>
+          <p:cNvSpPr>
+            <a:spLocks noGrp="1"/>
+          </p:cNvSpPr>
+          <p:nvPr>
+            <p:ph type="ftr" sz="quarter" idx="4"/>
+          </p:nvPr>
+        </p:nvSpPr>
+        <p:spPr>
+          <a:xfrm>
+            <a:off x="0" y="8685213"/>
+            <a:ext cx="2971800" cy="458787"/>
+          </a:xfrm>
+          <a:prstGeom prst="rect">
+            <a:avLst/>
+          </a:prstGeom>
+        </p:spPr>
+        <p:txBody>
+          <a:bodyPr vert="horz" lIns="91440" tIns="45720" rIns="91440" bIns="45720" rtlCol="0" anchor="b"/>
+          <a:lstStyle>
+            <a:lvl1pPr algn="l">
+              <a:defRPr sz="1200"/>
+            </a:lvl1pPr>
+          </a:lstStyle>
+          <a:p>
+            <a:endParaRPr lang="en-US"/>
+          </a:p>
+        </p:txBody>
+      </p:sp>
+      <p:sp>
+        <p:nvSpPr>
+          <p:cNvPr id="7" name="Slide Number Placeholder 6"/>
+          <p:cNvSpPr>
+            <a:spLocks noGrp="1"/>
+          </p:cNvSpPr>
+          <p:nvPr>
+            <p:ph type="sldNum" sz="quarter" idx="5"/>
+          </p:nvPr>
+        </p:nvSpPr>
+        <p:spPr>
+          <a:xfrm>
+            <a:off x="3884613" y="8685213"/>
+            <a:ext cx="2971800" cy="458787"/>
+          </a:xfrm>
+          <a:prstGeom prst="rect">
+            <a:avLst/>
+          </a:prstGeom>
+        </p:spPr>
+        <p:txBody>
+          <a:bodyPr vert="horz" lIns="91440" tIns="45720" rIns="91440" bIns="45720" rtlCol="0" anchor="b"/>
+          <a:lstStyle>
+            <a:lvl1pPr algn="r">
+              <a:defRPr sz="1200"/>
+            </a:lvl1pPr>
+          </a:lstStyle>
+          <a:p>
+            <a:fld id="{2D9A4DD2-8831-4A7D-AD78-F3F67C00D163}" type="slidenum">
+              <a:rPr lang="en-US" smtClean="0"/>
+              <a:t>‹#›</a:t>
+            </a:fld>
+            <a:endParaRPr lang="en-US"/>
+          </a:p>
+        </p:txBody>
+      </p:sp>
+    </p:spTree>
+    <p:extLst>
+      <p:ext uri="{BB962C8B-B14F-4D97-AF65-F5344CB8AC3E}">
+        <p14:creationId xmlns:p14="http://schemas.microsoft.com/office/powerpoint/2010/main" val="799458482"/>
+      </p:ext>
+    </p:extLst>
+  </p:cSld>
+  <p:clrMap bg1="lt1" tx1="dk1" bg2="lt2" tx2="dk2" accent1="accent1" accent2="accent2" accent3="accent3" accent4="accent4" accent5="accent5" accent6="accent6" hlink="hlink" folHlink="folHlink"/>
+  <p:hf hdr="0" ftr="0" dt="0"/>
+  <p:notesStyle>
+    <a:lvl1pPr marL="0" algn="l" defTabSz="914400" rtl="0" eaLnBrk="1" latinLnBrk="0" hangingPunct="1">
+      <a:defRPr sz="1200" kern="1200">
+        <a:solidFill>
+          <a:schemeClr val="tx1"/>
+        </a:solidFill>
+        <a:latin typeface="+mn-lt"/>
+        <a:ea typeface="+mn-ea"/>
+        <a:cs typeface="+mn-cs"/>
+      </a:defRPr>
+    </a:lvl1pPr>
+    <a:lvl2pPr marL="457200" algn="l" defTabSz="914400" rtl="0" eaLnBrk="1" latinLnBrk="0" hangingPunct="1">
+      <a:defRPr sz="1200" kern="1200">
+        <a:solidFill>
+          <a:schemeClr val="tx1"/>
+        </a:solidFill>
+        <a:latin typeface="+mn-lt"/>
+        <a:ea typeface="+mn-ea"/>
+        <a:cs typeface="+mn-cs"/>
+      </a:defRPr>
+    </a:lvl2pPr>
+    <a:lvl3pPr marL="914400" algn="l" defTabSz="914400" rtl="0" eaLnBrk="1" latinLnBrk="0" hangingPunct="1">
+      <a:defRPr sz="1200" kern="1200">
+        <a:solidFill>
+          <a:schemeClr val="tx1"/>
+        </a:solidFill>
+        <a:latin typeface="+mn-lt"/>
+        <a:ea typeface="+mn-ea"/>
+        <a:cs typeface="+mn-cs"/>
+      </a:defRPr>
+    </a:lvl3pPr>
+    <a:lvl4pPr marL="1371600" algn="l" defTabSz="914400" rtl="0" eaLnBrk="1" latinLnBrk="0" hangingPunct="1">
+      <a:defRPr sz="1200" kern="1200">
+        <a:solidFill>
+          <a:schemeClr val="tx1"/>
+        </a:solidFill>
+        <a:latin typeface="+mn-lt"/>
+        <a:ea typeface="+mn-ea"/>
+        <a:cs typeface="+mn-cs"/>
+      </a:defRPr>
+    </a:lvl4pPr>
+    <a:lvl5pPr marL="1828800" algn="l" defTabSz="914400" rtl="0" eaLnBrk="1" latinLnBrk="0" hangingPunct="1">
+      <a:defRPr sz="1200" kern="1200">
+        <a:solidFill>
+          <a:schemeClr val="tx1"/>
+        </a:solidFill>
+        <a:latin typeface="+mn-lt"/>
+        <a:ea typeface="+mn-ea"/>
+        <a:cs typeface="+mn-cs"/>
+      </a:defRPr>
+    </a:lvl5pPr>
+    <a:lvl6pPr marL="2286000" algn="l" defTabSz="914400" rtl="0" eaLnBrk="1" latinLnBrk="0" hangingPunct="1">
+      <a:defRPr sz="1200" kern="1200">
+        <a:solidFill>
+          <a:schemeClr val="tx1"/>
+        </a:solidFill>
+        <a:latin typeface="+mn-lt"/>
+        <a:ea typeface="+mn-ea"/>
+        <a:cs typeface="+mn-cs"/>
+      </a:defRPr>
+    </a:lvl6pPr>
+    <a:lvl7pPr marL="2743200" algn="l" defTabSz="914400" rtl="0" eaLnBrk="1" latinLnBrk="0" hangingPunct="1">
+      <a:defRPr sz="1200" kern="1200">
+        <a:solidFill>
+          <a:schemeClr val="tx1"/>
+        </a:solidFill>
+        <a:latin typeface="+mn-lt"/>
+        <a:ea typeface="+mn-ea"/>
+        <a:cs typeface="+mn-cs"/>
+      </a:defRPr>
+    </a:lvl7pPr>
+    <a:lvl8pPr marL="3200400" algn="l" defTabSz="914400" rtl="0" eaLnBrk="1" latinLnBrk="0" hangingPunct="1">
+      <a:defRPr sz="1200" kern="1200">
+        <a:solidFill>
+          <a:schemeClr val="tx1"/>
+        </a:solidFill>
+        <a:latin typeface="+mn-lt"/>
+        <a:ea typeface="+mn-ea"/>
+        <a:cs typeface="+mn-cs"/>
+      </a:defRPr>
+    </a:lvl8pPr>
+    <a:lvl9pPr marL="3657600" algn="l" defTabSz="914400" rtl="0" eaLnBrk="1" latinLnBrk="0" hangingPunct="1">
+      <a:defRPr sz="1200" kern="1200">
+        <a:solidFill>
+          <a:schemeClr val="tx1"/>
+        </a:solidFill>
+        <a:latin typeface="+mn-lt"/>
+        <a:ea typeface="+mn-ea"/>
+        <a:cs typeface="+mn-cs"/>
+      </a:defRPr>
+    </a:lvl9pPr>
+  </p:notesStyle>
+</p:notesMaster>
+</file>
+
 <file path=ppt/slideLayouts/slideLayout1.xml><?xml version="1.0" encoding="utf-8"?>
 <p:sldLayout xmlns:a="http://schemas.openxmlformats.org/drawingml/2006/main" xmlns:r="http://schemas.openxmlformats.org/officeDocument/2006/relationships" xmlns:p="http://schemas.openxmlformats.org/presentationml/2006/main" showMasterSp="0" type="title" preserve="1">
   <p:cSld name="Title Slide">
@@ -22336,9 +22858,9 @@
             </a:lvl1pPr>
           </a:lstStyle>
           <a:p>
-            <a:fld id="{CBB1ACC3-3D62-4966-B308-6E6265B0D0CA}" type="datetimeFigureOut">
+            <a:fld id="{DD31FA7C-19E2-4C34-B7DE-38BB469DD7A5}" type="datetime1">
               <a:rPr lang="en-US" smtClean="0"/>
-              <a:t>4/20/2017</a:t>
+              <a:t>4/21/2017</a:t>
             </a:fld>
             <a:endParaRPr lang="en-US"/>
           </a:p>
@@ -22369,7 +22891,10 @@
             </a:lvl1pPr>
           </a:lstStyle>
           <a:p>
-            <a:endParaRPr lang="en-US"/>
+            <a:r>
+              <a:rPr lang="en-US"/>
+              <a:t>TESS by David Koval and Joseph Mammo</a:t>
+            </a:r>
           </a:p>
         </p:txBody>
       </p:sp>
@@ -22564,9 +23089,9 @@
           <a:bodyPr/>
           <a:lstStyle/>
           <a:p>
-            <a:fld id="{CBB1ACC3-3D62-4966-B308-6E6265B0D0CA}" type="datetimeFigureOut">
+            <a:fld id="{C1BE5A0B-DF49-41BA-8278-20D405E2766A}" type="datetime1">
               <a:rPr lang="en-US" smtClean="0"/>
-              <a:t>4/20/2017</a:t>
+              <a:t>4/21/2017</a:t>
             </a:fld>
             <a:endParaRPr lang="en-US"/>
           </a:p>
@@ -22587,7 +23112,10 @@
           <a:bodyPr/>
           <a:lstStyle/>
           <a:p>
-            <a:endParaRPr lang="en-US"/>
+            <a:r>
+              <a:rPr lang="en-US"/>
+              <a:t>TESS by David Koval and Joseph Mammo</a:t>
+            </a:r>
           </a:p>
         </p:txBody>
       </p:sp>
@@ -22744,9 +23272,9 @@
           <a:bodyPr/>
           <a:lstStyle/>
           <a:p>
-            <a:fld id="{CBB1ACC3-3D62-4966-B308-6E6265B0D0CA}" type="datetimeFigureOut">
+            <a:fld id="{97363E15-023C-40AB-8ADB-2C72D093D1A9}" type="datetime1">
               <a:rPr lang="en-US" smtClean="0"/>
-              <a:t>4/20/2017</a:t>
+              <a:t>4/21/2017</a:t>
             </a:fld>
             <a:endParaRPr lang="en-US"/>
           </a:p>
@@ -22767,7 +23295,10 @@
           <a:bodyPr/>
           <a:lstStyle/>
           <a:p>
-            <a:endParaRPr lang="en-US"/>
+            <a:r>
+              <a:rPr lang="en-US"/>
+              <a:t>TESS by David Koval and Joseph Mammo</a:t>
+            </a:r>
           </a:p>
         </p:txBody>
       </p:sp>
@@ -22914,9 +23445,9 @@
           <a:bodyPr/>
           <a:lstStyle/>
           <a:p>
-            <a:fld id="{CBB1ACC3-3D62-4966-B308-6E6265B0D0CA}" type="datetimeFigureOut">
+            <a:fld id="{684D4C47-DA75-415C-BB06-F65F53AA9C1D}" type="datetime1">
               <a:rPr lang="en-US" smtClean="0"/>
-              <a:t>4/20/2017</a:t>
+              <a:t>4/21/2017</a:t>
             </a:fld>
             <a:endParaRPr lang="en-US"/>
           </a:p>
@@ -22937,7 +23468,10 @@
           <a:bodyPr/>
           <a:lstStyle/>
           <a:p>
-            <a:endParaRPr lang="en-US"/>
+            <a:r>
+              <a:rPr lang="en-US"/>
+              <a:t>TESS by David Koval and Joseph Mammo</a:t>
+            </a:r>
           </a:p>
         </p:txBody>
       </p:sp>
@@ -23168,9 +23702,9 @@
           <a:bodyPr/>
           <a:lstStyle/>
           <a:p>
-            <a:fld id="{CBB1ACC3-3D62-4966-B308-6E6265B0D0CA}" type="datetimeFigureOut">
+            <a:fld id="{3C5A44FA-1BD4-45A4-8005-0C80B5C8A41C}" type="datetime1">
               <a:rPr lang="en-US" smtClean="0"/>
-              <a:t>4/20/2017</a:t>
+              <a:t>4/21/2017</a:t>
             </a:fld>
             <a:endParaRPr lang="en-US"/>
           </a:p>
@@ -23191,7 +23725,10 @@
           <a:bodyPr/>
           <a:lstStyle/>
           <a:p>
-            <a:endParaRPr lang="en-US"/>
+            <a:r>
+              <a:rPr lang="en-US"/>
+              <a:t>TESS by David Koval and Joseph Mammo</a:t>
+            </a:r>
           </a:p>
         </p:txBody>
       </p:sp>
@@ -23494,9 +24031,9 @@
           <a:bodyPr/>
           <a:lstStyle/>
           <a:p>
-            <a:fld id="{CBB1ACC3-3D62-4966-B308-6E6265B0D0CA}" type="datetimeFigureOut">
+            <a:fld id="{23A1CBBF-0ADD-4BC9-AE73-90C13DB6E85F}" type="datetime1">
               <a:rPr lang="en-US" smtClean="0"/>
-              <a:t>4/20/2017</a:t>
+              <a:t>4/21/2017</a:t>
             </a:fld>
             <a:endParaRPr lang="en-US"/>
           </a:p>
@@ -23517,7 +24054,10 @@
           <a:bodyPr/>
           <a:lstStyle/>
           <a:p>
-            <a:endParaRPr lang="en-US"/>
+            <a:r>
+              <a:rPr lang="en-US"/>
+              <a:t>TESS by David Koval and Joseph Mammo</a:t>
+            </a:r>
           </a:p>
         </p:txBody>
       </p:sp>
@@ -23554,7 +24094,7 @@
   <p:clrMapOvr>
     <a:masterClrMapping/>
   </p:clrMapOvr>
-  <p:extLst>
+  <p:extLst mod="1">
     <p:ext uri="{DCECCB84-F9BA-43D5-87BE-67443E8EF086}">
       <p15:sldGuideLst xmlns:p15="http://schemas.microsoft.com/office/powerpoint/2012/main"/>
     </p:ext>
@@ -23950,9 +24490,9 @@
           <a:bodyPr/>
           <a:lstStyle/>
           <a:p>
-            <a:fld id="{CBB1ACC3-3D62-4966-B308-6E6265B0D0CA}" type="datetimeFigureOut">
+            <a:fld id="{AF8C9BFD-ED7F-4264-9AA5-E167DBE5823C}" type="datetime1">
               <a:rPr lang="en-US" smtClean="0"/>
-              <a:t>4/20/2017</a:t>
+              <a:t>4/21/2017</a:t>
             </a:fld>
             <a:endParaRPr lang="en-US"/>
           </a:p>
@@ -23973,7 +24513,10 @@
           <a:bodyPr/>
           <a:lstStyle/>
           <a:p>
-            <a:endParaRPr lang="en-US"/>
+            <a:r>
+              <a:rPr lang="en-US"/>
+              <a:t>TESS by David Koval and Joseph Mammo</a:t>
+            </a:r>
           </a:p>
         </p:txBody>
       </p:sp>
@@ -24010,7 +24553,7 @@
   <p:clrMapOvr>
     <a:masterClrMapping/>
   </p:clrMapOvr>
-  <p:extLst>
+  <p:extLst mod="1">
     <p:ext uri="{DCECCB84-F9BA-43D5-87BE-67443E8EF086}">
       <p15:sldGuideLst xmlns:p15="http://schemas.microsoft.com/office/powerpoint/2012/main"/>
     </p:ext>
@@ -24073,9 +24616,9 @@
           <a:bodyPr/>
           <a:lstStyle/>
           <a:p>
-            <a:fld id="{CBB1ACC3-3D62-4966-B308-6E6265B0D0CA}" type="datetimeFigureOut">
+            <a:fld id="{63E9E8C6-F0A4-4F89-BD1F-872F87EE9E62}" type="datetime1">
               <a:rPr lang="en-US" smtClean="0"/>
-              <a:t>4/20/2017</a:t>
+              <a:t>4/21/2017</a:t>
             </a:fld>
             <a:endParaRPr lang="en-US"/>
           </a:p>
@@ -24096,7 +24639,10 @@
           <a:bodyPr/>
           <a:lstStyle/>
           <a:p>
-            <a:endParaRPr lang="en-US"/>
+            <a:r>
+              <a:rPr lang="en-US"/>
+              <a:t>TESS by David Koval and Joseph Mammo</a:t>
+            </a:r>
           </a:p>
         </p:txBody>
       </p:sp>
@@ -24168,9 +24714,9 @@
           <a:bodyPr/>
           <a:lstStyle/>
           <a:p>
-            <a:fld id="{CBB1ACC3-3D62-4966-B308-6E6265B0D0CA}" type="datetimeFigureOut">
+            <a:fld id="{5763E17F-CCD8-4C34-BD46-850F2D2378BF}" type="datetime1">
               <a:rPr lang="en-US" smtClean="0"/>
-              <a:t>4/20/2017</a:t>
+              <a:t>4/21/2017</a:t>
             </a:fld>
             <a:endParaRPr lang="en-US"/>
           </a:p>
@@ -24191,7 +24737,10 @@
           <a:bodyPr/>
           <a:lstStyle/>
           <a:p>
-            <a:endParaRPr lang="en-US"/>
+            <a:r>
+              <a:rPr lang="en-US"/>
+              <a:t>TESS by David Koval and Joseph Mammo</a:t>
+            </a:r>
           </a:p>
         </p:txBody>
       </p:sp>
@@ -24455,9 +25004,9 @@
           <a:bodyPr/>
           <a:lstStyle/>
           <a:p>
-            <a:fld id="{CBB1ACC3-3D62-4966-B308-6E6265B0D0CA}" type="datetimeFigureOut">
+            <a:fld id="{188C375A-CE8D-400C-A320-E75C05503D5B}" type="datetime1">
               <a:rPr lang="en-US" smtClean="0"/>
-              <a:t>4/20/2017</a:t>
+              <a:t>4/21/2017</a:t>
             </a:fld>
             <a:endParaRPr lang="en-US"/>
           </a:p>
@@ -24478,7 +25027,10 @@
           <a:bodyPr/>
           <a:lstStyle/>
           <a:p>
-            <a:endParaRPr lang="en-US"/>
+            <a:r>
+              <a:rPr lang="en-US"/>
+              <a:t>TESS by David Koval and Joseph Mammo</a:t>
+            </a:r>
           </a:p>
         </p:txBody>
       </p:sp>
@@ -24515,7 +25067,7 @@
   <p:clrMapOvr>
     <a:masterClrMapping/>
   </p:clrMapOvr>
-  <p:extLst>
+  <p:extLst mod="1">
     <p:ext uri="{DCECCB84-F9BA-43D5-87BE-67443E8EF086}">
       <p15:sldGuideLst xmlns:p15="http://schemas.microsoft.com/office/powerpoint/2012/main"/>
     </p:ext>
@@ -24782,9 +25334,9 @@
           <a:bodyPr/>
           <a:lstStyle/>
           <a:p>
-            <a:fld id="{CBB1ACC3-3D62-4966-B308-6E6265B0D0CA}" type="datetimeFigureOut">
+            <a:fld id="{F931B62A-5608-4FBA-A5F8-AB9D9D9427EF}" type="datetime1">
               <a:rPr lang="en-US" smtClean="0"/>
-              <a:t>4/20/2017</a:t>
+              <a:t>4/21/2017</a:t>
             </a:fld>
             <a:endParaRPr lang="en-US"/>
           </a:p>
@@ -24805,7 +25357,10 @@
           <a:bodyPr/>
           <a:lstStyle/>
           <a:p>
-            <a:endParaRPr lang="en-US"/>
+            <a:r>
+              <a:rPr lang="en-US"/>
+              <a:t>TESS by David Koval and Joseph Mammo</a:t>
+            </a:r>
           </a:p>
         </p:txBody>
       </p:sp>
@@ -25036,9 +25591,9 @@
             </a:lvl1pPr>
           </a:lstStyle>
           <a:p>
-            <a:fld id="{CBB1ACC3-3D62-4966-B308-6E6265B0D0CA}" type="datetimeFigureOut">
+            <a:fld id="{551572C0-177F-4C4E-ABD3-FCBD1F16E63C}" type="datetime1">
               <a:rPr lang="en-US" smtClean="0"/>
-              <a:t>4/20/2017</a:t>
+              <a:t>4/21/2017</a:t>
             </a:fld>
             <a:endParaRPr lang="en-US"/>
           </a:p>
@@ -25078,7 +25633,10 @@
             </a:lvl1pPr>
           </a:lstStyle>
           <a:p>
-            <a:endParaRPr lang="en-US"/>
+            <a:r>
+              <a:rPr lang="en-US"/>
+              <a:t>TESS by David Koval and Joseph Mammo</a:t>
+            </a:r>
           </a:p>
         </p:txBody>
       </p:sp>
@@ -25147,6 +25705,7 @@
     <p:sldLayoutId id="2147483730" r:id="rId10"/>
     <p:sldLayoutId id="2147483731" r:id="rId11"/>
   </p:sldLayoutIdLst>
+  <p:hf sldNum="0" hdr="0" ftr="0" dt="0"/>
   <p:txStyles>
     <p:titleStyle>
       <a:lvl1pPr algn="l" defTabSz="914400" rtl="0" eaLnBrk="1" latinLnBrk="0" hangingPunct="1">
@@ -25506,7 +26065,7 @@
       </a:lvl9pPr>
     </p:otherStyle>
   </p:txStyles>
-  <p:extLst>
+  <p:extLst mod="1">
     <p:ext uri="{27BBF7A9-308A-43DC-89C8-2F10F3537804}">
       <p15:sldGuideLst xmlns:p15="http://schemas.microsoft.com/office/powerpoint/2012/main"/>
     </p:ext>
@@ -28512,7 +29071,7 @@
                 </a:solidFill>
               </a:rPr>
               <a:pPr/>
-              <a:t>4/20/2017</a:t>
+              <a:t>4/21/2017</a:t>
             </a:fld>
             <a:endParaRPr lang="en-US" dirty="0">
               <a:solidFill>
@@ -28798,6 +29357,107 @@
                 <a:srgbClr val="FFFFFF"/>
               </a:solidFill>
             </a:endParaRPr>
+          </a:p>
+        </p:txBody>
+      </p:sp>
+      <p:pic>
+        <p:nvPicPr>
+          <p:cNvPr id="4" name="Picture 3"/>
+          <p:cNvPicPr>
+            <a:picLocks noChangeAspect="1"/>
+          </p:cNvPicPr>
+          <p:nvPr/>
+        </p:nvPicPr>
+        <p:blipFill>
+          <a:blip r:embed="rId3"/>
+          <a:stretch>
+            <a:fillRect/>
+          </a:stretch>
+        </p:blipFill>
+        <p:spPr>
+          <a:xfrm>
+            <a:off x="600152" y="6454472"/>
+            <a:ext cx="628650" cy="257175"/>
+          </a:xfrm>
+          <a:prstGeom prst="rect">
+            <a:avLst/>
+          </a:prstGeom>
+        </p:spPr>
+      </p:pic>
+      <p:pic>
+        <p:nvPicPr>
+          <p:cNvPr id="5" name="Picture 4"/>
+          <p:cNvPicPr>
+            <a:picLocks noChangeAspect="1"/>
+          </p:cNvPicPr>
+          <p:nvPr/>
+        </p:nvPicPr>
+        <p:blipFill>
+          <a:blip r:embed="rId3"/>
+          <a:stretch>
+            <a:fillRect/>
+          </a:stretch>
+        </p:blipFill>
+        <p:spPr>
+          <a:xfrm>
+            <a:off x="1228802" y="6446734"/>
+            <a:ext cx="628650" cy="257175"/>
+          </a:xfrm>
+          <a:prstGeom prst="rect">
+            <a:avLst/>
+          </a:prstGeom>
+        </p:spPr>
+      </p:pic>
+      <p:pic>
+        <p:nvPicPr>
+          <p:cNvPr id="6" name="Picture 5"/>
+          <p:cNvPicPr>
+            <a:picLocks noChangeAspect="1"/>
+          </p:cNvPicPr>
+          <p:nvPr/>
+        </p:nvPicPr>
+        <p:blipFill>
+          <a:blip r:embed="rId3"/>
+          <a:stretch>
+            <a:fillRect/>
+          </a:stretch>
+        </p:blipFill>
+        <p:spPr>
+          <a:xfrm>
+            <a:off x="1322528" y="6463989"/>
+            <a:ext cx="628650" cy="257175"/>
+          </a:xfrm>
+          <a:prstGeom prst="rect">
+            <a:avLst/>
+          </a:prstGeom>
+        </p:spPr>
+      </p:pic>
+      <p:sp>
+        <p:nvSpPr>
+          <p:cNvPr id="3" name="TextBox 2"/>
+          <p:cNvSpPr txBox="1"/>
+          <p:nvPr/>
+        </p:nvSpPr>
+        <p:spPr>
+          <a:xfrm>
+            <a:off x="443684" y="6406243"/>
+            <a:ext cx="2943434" cy="261610"/>
+          </a:xfrm>
+          <a:prstGeom prst="rect">
+            <a:avLst/>
+          </a:prstGeom>
+          <a:noFill/>
+        </p:spPr>
+        <p:txBody>
+          <a:bodyPr wrap="none" rtlCol="0">
+            <a:spAutoFit/>
+          </a:bodyPr>
+          <a:lstStyle/>
+          <a:p>
+            <a:r>
+              <a:rPr lang="en-US" sz="1100" dirty="0"/>
+              <a:t>TESS by David Koval and Joseph Mammo</a:t>
+            </a:r>
           </a:p>
         </p:txBody>
       </p:sp>
@@ -29946,4 +30606,594 @@
     </a:ext>
   </a:extLst>
 </a:theme>
+</file>
+
+<file path=ppt/theme/theme2.xml><?xml version="1.0" encoding="utf-8"?>
+<a:theme xmlns:a="http://schemas.openxmlformats.org/drawingml/2006/main" name="Office Theme">
+  <a:themeElements>
+    <a:clrScheme name="Office">
+      <a:dk1>
+        <a:sysClr val="windowText" lastClr="000000"/>
+      </a:dk1>
+      <a:lt1>
+        <a:sysClr val="window" lastClr="FFFFFF"/>
+      </a:lt1>
+      <a:dk2>
+        <a:srgbClr val="44546A"/>
+      </a:dk2>
+      <a:lt2>
+        <a:srgbClr val="E7E6E6"/>
+      </a:lt2>
+      <a:accent1>
+        <a:srgbClr val="4472C4"/>
+      </a:accent1>
+      <a:accent2>
+        <a:srgbClr val="ED7D31"/>
+      </a:accent2>
+      <a:accent3>
+        <a:srgbClr val="A5A5A5"/>
+      </a:accent3>
+      <a:accent4>
+        <a:srgbClr val="FFC000"/>
+      </a:accent4>
+      <a:accent5>
+        <a:srgbClr val="5B9BD5"/>
+      </a:accent5>
+      <a:accent6>
+        <a:srgbClr val="70AD47"/>
+      </a:accent6>
+      <a:hlink>
+        <a:srgbClr val="0563C1"/>
+      </a:hlink>
+      <a:folHlink>
+        <a:srgbClr val="954F72"/>
+      </a:folHlink>
+    </a:clrScheme>
+    <a:fontScheme name="Office">
+      <a:majorFont>
+        <a:latin typeface="Calibri Light" panose="020F0302020204030204"/>
+        <a:ea typeface=""/>
+        <a:cs typeface=""/>
+        <a:font script="Jpan" typeface="游ゴシック Light"/>
+        <a:font script="Hang" typeface="맑은 고딕"/>
+        <a:font script="Hans" typeface="等线 Light"/>
+        <a:font script="Hant" typeface="新細明體"/>
+        <a:font script="Arab" typeface="Times New Roman"/>
+        <a:font script="Hebr" typeface="Times New Roman"/>
+        <a:font script="Thai" typeface="Angsana New"/>
+        <a:font script="Ethi" typeface="Nyala"/>
+        <a:font script="Beng" typeface="Vrinda"/>
+        <a:font script="Gujr" typeface="Shruti"/>
+        <a:font script="Khmr" typeface="MoolBoran"/>
+        <a:font script="Knda" typeface="Tunga"/>
+        <a:font script="Guru" typeface="Raavi"/>
+        <a:font script="Cans" typeface="Euphemia"/>
+        <a:font script="Cher" typeface="Plantagenet Cherokee"/>
+        <a:font script="Yiii" typeface="Microsoft Yi Baiti"/>
+        <a:font script="Tibt" typeface="Microsoft Himalaya"/>
+        <a:font script="Thaa" typeface="MV Boli"/>
+        <a:font script="Deva" typeface="Mangal"/>
+        <a:font script="Telu" typeface="Gautami"/>
+        <a:font script="Taml" typeface="Latha"/>
+        <a:font script="Syrc" typeface="Estrangelo Edessa"/>
+        <a:font script="Orya" typeface="Kalinga"/>
+        <a:font script="Mlym" typeface="Kartika"/>
+        <a:font script="Laoo" typeface="DokChampa"/>
+        <a:font script="Sinh" typeface="Iskoola Pota"/>
+        <a:font script="Mong" typeface="Mongolian Baiti"/>
+        <a:font script="Viet" typeface="Times New Roman"/>
+        <a:font script="Uigh" typeface="Microsoft Uighur"/>
+        <a:font script="Geor" typeface="Sylfaen"/>
+        <a:font script="Armn" typeface="Arial"/>
+        <a:font script="Bugi" typeface="Leelawadee UI"/>
+        <a:font script="Bopo" typeface="Microsoft JhengHei"/>
+        <a:font script="Java" typeface="Javanese Text"/>
+        <a:font script="Lisu" typeface="Segoe UI"/>
+        <a:font script="Mymr" typeface="Myanmar Text"/>
+        <a:font script="Nkoo" typeface="Ebrima"/>
+        <a:font script="Olck" typeface="Nirmala UI"/>
+        <a:font script="Osma" typeface="Ebrima"/>
+        <a:font script="Phag" typeface="Phagspa"/>
+        <a:font script="Syrn" typeface="Estrangelo Edessa"/>
+        <a:font script="Syrj" typeface="Estrangelo Edessa"/>
+        <a:font script="Syre" typeface="Estrangelo Edessa"/>
+        <a:font script="Sora" typeface="Nirmala UI"/>
+        <a:font script="Tale" typeface="Microsoft Tai Le"/>
+        <a:font script="Talu" typeface="Microsoft New Tai Lue"/>
+        <a:font script="Tfng" typeface="Ebrima"/>
+      </a:majorFont>
+      <a:minorFont>
+        <a:latin typeface="Calibri" panose="020F0502020204030204"/>
+        <a:ea typeface=""/>
+        <a:cs typeface=""/>
+        <a:font script="Jpan" typeface="游ゴシック"/>
+        <a:font script="Hang" typeface="맑은 고딕"/>
+        <a:font script="Hans" typeface="等线"/>
+        <a:font script="Hant" typeface="新細明體"/>
+        <a:font script="Arab" typeface="Arial"/>
+        <a:font script="Hebr" typeface="Arial"/>
+        <a:font script="Thai" typeface="Cordia New"/>
+        <a:font script="Ethi" typeface="Nyala"/>
+        <a:font script="Beng" typeface="Vrinda"/>
+        <a:font script="Gujr" typeface="Shruti"/>
+        <a:font script="Khmr" typeface="DaunPenh"/>
+        <a:font script="Knda" typeface="Tunga"/>
+        <a:font script="Guru" typeface="Raavi"/>
+        <a:font script="Cans" typeface="Euphemia"/>
+        <a:font script="Cher" typeface="Plantagenet Cherokee"/>
+        <a:font script="Yiii" typeface="Microsoft Yi Baiti"/>
+        <a:font script="Tibt" typeface="Microsoft Himalaya"/>
+        <a:font script="Thaa" typeface="MV Boli"/>
+        <a:font script="Deva" typeface="Mangal"/>
+        <a:font script="Telu" typeface="Gautami"/>
+        <a:font script="Taml" typeface="Latha"/>
+        <a:font script="Syrc" typeface="Estrangelo Edessa"/>
+        <a:font script="Orya" typeface="Kalinga"/>
+        <a:font script="Mlym" typeface="Kartika"/>
+        <a:font script="Laoo" typeface="DokChampa"/>
+        <a:font script="Sinh" typeface="Iskoola Pota"/>
+        <a:font script="Mong" typeface="Mongolian Baiti"/>
+        <a:font script="Viet" typeface="Arial"/>
+        <a:font script="Uigh" typeface="Microsoft Uighur"/>
+        <a:font script="Geor" typeface="Sylfaen"/>
+        <a:font script="Armn" typeface="Arial"/>
+        <a:font script="Bugi" typeface="Leelawadee UI"/>
+        <a:font script="Bopo" typeface="Microsoft JhengHei"/>
+        <a:font script="Java" typeface="Javanese Text"/>
+        <a:font script="Lisu" typeface="Segoe UI"/>
+        <a:font script="Mymr" typeface="Myanmar Text"/>
+        <a:font script="Nkoo" typeface="Ebrima"/>
+        <a:font script="Olck" typeface="Nirmala UI"/>
+        <a:font script="Osma" typeface="Ebrima"/>
+        <a:font script="Phag" typeface="Phagspa"/>
+        <a:font script="Syrn" typeface="Estrangelo Edessa"/>
+        <a:font script="Syrj" typeface="Estrangelo Edessa"/>
+        <a:font script="Syre" typeface="Estrangelo Edessa"/>
+        <a:font script="Sora" typeface="Nirmala UI"/>
+        <a:font script="Tale" typeface="Microsoft Tai Le"/>
+        <a:font script="Talu" typeface="Microsoft New Tai Lue"/>
+        <a:font script="Tfng" typeface="Ebrima"/>
+      </a:minorFont>
+    </a:fontScheme>
+    <a:fmtScheme name="Office">
+      <a:fillStyleLst>
+        <a:solidFill>
+          <a:schemeClr val="phClr"/>
+        </a:solidFill>
+        <a:gradFill rotWithShape="1">
+          <a:gsLst>
+            <a:gs pos="0">
+              <a:schemeClr val="phClr">
+                <a:lumMod val="110000"/>
+                <a:satMod val="105000"/>
+                <a:tint val="67000"/>
+              </a:schemeClr>
+            </a:gs>
+            <a:gs pos="50000">
+              <a:schemeClr val="phClr">
+                <a:lumMod val="105000"/>
+                <a:satMod val="103000"/>
+                <a:tint val="73000"/>
+              </a:schemeClr>
+            </a:gs>
+            <a:gs pos="100000">
+              <a:schemeClr val="phClr">
+                <a:lumMod val="105000"/>
+                <a:satMod val="109000"/>
+                <a:tint val="81000"/>
+              </a:schemeClr>
+            </a:gs>
+          </a:gsLst>
+          <a:lin ang="5400000" scaled="0"/>
+        </a:gradFill>
+        <a:gradFill rotWithShape="1">
+          <a:gsLst>
+            <a:gs pos="0">
+              <a:schemeClr val="phClr">
+                <a:satMod val="103000"/>
+                <a:lumMod val="102000"/>
+                <a:tint val="94000"/>
+              </a:schemeClr>
+            </a:gs>
+            <a:gs pos="50000">
+              <a:schemeClr val="phClr">
+                <a:satMod val="110000"/>
+                <a:lumMod val="100000"/>
+                <a:shade val="100000"/>
+              </a:schemeClr>
+            </a:gs>
+            <a:gs pos="100000">
+              <a:schemeClr val="phClr">
+                <a:lumMod val="99000"/>
+                <a:satMod val="120000"/>
+                <a:shade val="78000"/>
+              </a:schemeClr>
+            </a:gs>
+          </a:gsLst>
+          <a:lin ang="5400000" scaled="0"/>
+        </a:gradFill>
+      </a:fillStyleLst>
+      <a:lnStyleLst>
+        <a:ln w="6350" cap="flat" cmpd="sng" algn="ctr">
+          <a:solidFill>
+            <a:schemeClr val="phClr"/>
+          </a:solidFill>
+          <a:prstDash val="solid"/>
+          <a:miter lim="800000"/>
+        </a:ln>
+        <a:ln w="12700" cap="flat" cmpd="sng" algn="ctr">
+          <a:solidFill>
+            <a:schemeClr val="phClr"/>
+          </a:solidFill>
+          <a:prstDash val="solid"/>
+          <a:miter lim="800000"/>
+        </a:ln>
+        <a:ln w="19050" cap="flat" cmpd="sng" algn="ctr">
+          <a:solidFill>
+            <a:schemeClr val="phClr"/>
+          </a:solidFill>
+          <a:prstDash val="solid"/>
+          <a:miter lim="800000"/>
+        </a:ln>
+      </a:lnStyleLst>
+      <a:effectStyleLst>
+        <a:effectStyle>
+          <a:effectLst/>
+        </a:effectStyle>
+        <a:effectStyle>
+          <a:effectLst/>
+        </a:effectStyle>
+        <a:effectStyle>
+          <a:effectLst>
+            <a:outerShdw blurRad="57150" dist="19050" dir="5400000" algn="ctr" rotWithShape="0">
+              <a:srgbClr val="000000">
+                <a:alpha val="63000"/>
+              </a:srgbClr>
+            </a:outerShdw>
+          </a:effectLst>
+        </a:effectStyle>
+      </a:effectStyleLst>
+      <a:bgFillStyleLst>
+        <a:solidFill>
+          <a:schemeClr val="phClr"/>
+        </a:solidFill>
+        <a:solidFill>
+          <a:schemeClr val="phClr">
+            <a:tint val="95000"/>
+            <a:satMod val="170000"/>
+          </a:schemeClr>
+        </a:solidFill>
+        <a:gradFill rotWithShape="1">
+          <a:gsLst>
+            <a:gs pos="0">
+              <a:schemeClr val="phClr">
+                <a:tint val="93000"/>
+                <a:satMod val="150000"/>
+                <a:shade val="98000"/>
+                <a:lumMod val="102000"/>
+              </a:schemeClr>
+            </a:gs>
+            <a:gs pos="50000">
+              <a:schemeClr val="phClr">
+                <a:tint val="98000"/>
+                <a:satMod val="130000"/>
+                <a:shade val="90000"/>
+                <a:lumMod val="103000"/>
+              </a:schemeClr>
+            </a:gs>
+            <a:gs pos="100000">
+              <a:schemeClr val="phClr">
+                <a:shade val="63000"/>
+                <a:satMod val="120000"/>
+              </a:schemeClr>
+            </a:gs>
+          </a:gsLst>
+          <a:lin ang="5400000" scaled="0"/>
+        </a:gradFill>
+      </a:bgFillStyleLst>
+    </a:fmtScheme>
+  </a:themeElements>
+  <a:objectDefaults/>
+  <a:extraClrSchemeLst/>
+  <a:extLst>
+    <a:ext uri="{05A4C25C-085E-4340-85A3-A5531E510DB2}">
+      <thm15:themeFamily xmlns:thm15="http://schemas.microsoft.com/office/thememl/2012/main" name="Office Theme" id="{62F939B6-93AF-4DB8-9C6B-D6C7DFDC589F}" vid="{4A3C46E8-61CC-4603-A589-7422A47A8E4A}"/>
+    </a:ext>
+  </a:extLst>
+</a:theme>
+</file>
+
+<file path=ppt/theme/theme3.xml><?xml version="1.0" encoding="utf-8"?>
+<a:theme xmlns:a="http://schemas.openxmlformats.org/drawingml/2006/main" name="Office Theme">
+  <a:themeElements>
+    <a:clrScheme name="Office">
+      <a:dk1>
+        <a:sysClr val="windowText" lastClr="000000"/>
+      </a:dk1>
+      <a:lt1>
+        <a:sysClr val="window" lastClr="FFFFFF"/>
+      </a:lt1>
+      <a:dk2>
+        <a:srgbClr val="44546A"/>
+      </a:dk2>
+      <a:lt2>
+        <a:srgbClr val="E7E6E6"/>
+      </a:lt2>
+      <a:accent1>
+        <a:srgbClr val="4472C4"/>
+      </a:accent1>
+      <a:accent2>
+        <a:srgbClr val="ED7D31"/>
+      </a:accent2>
+      <a:accent3>
+        <a:srgbClr val="A5A5A5"/>
+      </a:accent3>
+      <a:accent4>
+        <a:srgbClr val="FFC000"/>
+      </a:accent4>
+      <a:accent5>
+        <a:srgbClr val="5B9BD5"/>
+      </a:accent5>
+      <a:accent6>
+        <a:srgbClr val="70AD47"/>
+      </a:accent6>
+      <a:hlink>
+        <a:srgbClr val="0563C1"/>
+      </a:hlink>
+      <a:folHlink>
+        <a:srgbClr val="954F72"/>
+      </a:folHlink>
+    </a:clrScheme>
+    <a:fontScheme name="Office">
+      <a:majorFont>
+        <a:latin typeface="Calibri Light" panose="020F0302020204030204"/>
+        <a:ea typeface=""/>
+        <a:cs typeface=""/>
+        <a:font script="Jpan" typeface="游ゴシック Light"/>
+        <a:font script="Hang" typeface="맑은 고딕"/>
+        <a:font script="Hans" typeface="等线 Light"/>
+        <a:font script="Hant" typeface="新細明體"/>
+        <a:font script="Arab" typeface="Times New Roman"/>
+        <a:font script="Hebr" typeface="Times New Roman"/>
+        <a:font script="Thai" typeface="Angsana New"/>
+        <a:font script="Ethi" typeface="Nyala"/>
+        <a:font script="Beng" typeface="Vrinda"/>
+        <a:font script="Gujr" typeface="Shruti"/>
+        <a:font script="Khmr" typeface="MoolBoran"/>
+        <a:font script="Knda" typeface="Tunga"/>
+        <a:font script="Guru" typeface="Raavi"/>
+        <a:font script="Cans" typeface="Euphemia"/>
+        <a:font script="Cher" typeface="Plantagenet Cherokee"/>
+        <a:font script="Yiii" typeface="Microsoft Yi Baiti"/>
+        <a:font script="Tibt" typeface="Microsoft Himalaya"/>
+        <a:font script="Thaa" typeface="MV Boli"/>
+        <a:font script="Deva" typeface="Mangal"/>
+        <a:font script="Telu" typeface="Gautami"/>
+        <a:font script="Taml" typeface="Latha"/>
+        <a:font script="Syrc" typeface="Estrangelo Edessa"/>
+        <a:font script="Orya" typeface="Kalinga"/>
+        <a:font script="Mlym" typeface="Kartika"/>
+        <a:font script="Laoo" typeface="DokChampa"/>
+        <a:font script="Sinh" typeface="Iskoola Pota"/>
+        <a:font script="Mong" typeface="Mongolian Baiti"/>
+        <a:font script="Viet" typeface="Times New Roman"/>
+        <a:font script="Uigh" typeface="Microsoft Uighur"/>
+        <a:font script="Geor" typeface="Sylfaen"/>
+        <a:font script="Armn" typeface="Arial"/>
+        <a:font script="Bugi" typeface="Leelawadee UI"/>
+        <a:font script="Bopo" typeface="Microsoft JhengHei"/>
+        <a:font script="Java" typeface="Javanese Text"/>
+        <a:font script="Lisu" typeface="Segoe UI"/>
+        <a:font script="Mymr" typeface="Myanmar Text"/>
+        <a:font script="Nkoo" typeface="Ebrima"/>
+        <a:font script="Olck" typeface="Nirmala UI"/>
+        <a:font script="Osma" typeface="Ebrima"/>
+        <a:font script="Phag" typeface="Phagspa"/>
+        <a:font script="Syrn" typeface="Estrangelo Edessa"/>
+        <a:font script="Syrj" typeface="Estrangelo Edessa"/>
+        <a:font script="Syre" typeface="Estrangelo Edessa"/>
+        <a:font script="Sora" typeface="Nirmala UI"/>
+        <a:font script="Tale" typeface="Microsoft Tai Le"/>
+        <a:font script="Talu" typeface="Microsoft New Tai Lue"/>
+        <a:font script="Tfng" typeface="Ebrima"/>
+      </a:majorFont>
+      <a:minorFont>
+        <a:latin typeface="Calibri" panose="020F0502020204030204"/>
+        <a:ea typeface=""/>
+        <a:cs typeface=""/>
+        <a:font script="Jpan" typeface="游ゴシック"/>
+        <a:font script="Hang" typeface="맑은 고딕"/>
+        <a:font script="Hans" typeface="等线"/>
+        <a:font script="Hant" typeface="新細明體"/>
+        <a:font script="Arab" typeface="Arial"/>
+        <a:font script="Hebr" typeface="Arial"/>
+        <a:font script="Thai" typeface="Cordia New"/>
+        <a:font script="Ethi" typeface="Nyala"/>
+        <a:font script="Beng" typeface="Vrinda"/>
+        <a:font script="Gujr" typeface="Shruti"/>
+        <a:font script="Khmr" typeface="DaunPenh"/>
+        <a:font script="Knda" typeface="Tunga"/>
+        <a:font script="Guru" typeface="Raavi"/>
+        <a:font script="Cans" typeface="Euphemia"/>
+        <a:font script="Cher" typeface="Plantagenet Cherokee"/>
+        <a:font script="Yiii" typeface="Microsoft Yi Baiti"/>
+        <a:font script="Tibt" typeface="Microsoft Himalaya"/>
+        <a:font script="Thaa" typeface="MV Boli"/>
+        <a:font script="Deva" typeface="Mangal"/>
+        <a:font script="Telu" typeface="Gautami"/>
+        <a:font script="Taml" typeface="Latha"/>
+        <a:font script="Syrc" typeface="Estrangelo Edessa"/>
+        <a:font script="Orya" typeface="Kalinga"/>
+        <a:font script="Mlym" typeface="Kartika"/>
+        <a:font script="Laoo" typeface="DokChampa"/>
+        <a:font script="Sinh" typeface="Iskoola Pota"/>
+        <a:font script="Mong" typeface="Mongolian Baiti"/>
+        <a:font script="Viet" typeface="Arial"/>
+        <a:font script="Uigh" typeface="Microsoft Uighur"/>
+        <a:font script="Geor" typeface="Sylfaen"/>
+        <a:font script="Armn" typeface="Arial"/>
+        <a:font script="Bugi" typeface="Leelawadee UI"/>
+        <a:font script="Bopo" typeface="Microsoft JhengHei"/>
+        <a:font script="Java" typeface="Javanese Text"/>
+        <a:font script="Lisu" typeface="Segoe UI"/>
+        <a:font script="Mymr" typeface="Myanmar Text"/>
+        <a:font script="Nkoo" typeface="Ebrima"/>
+        <a:font script="Olck" typeface="Nirmala UI"/>
+        <a:font script="Osma" typeface="Ebrima"/>
+        <a:font script="Phag" typeface="Phagspa"/>
+        <a:font script="Syrn" typeface="Estrangelo Edessa"/>
+        <a:font script="Syrj" typeface="Estrangelo Edessa"/>
+        <a:font script="Syre" typeface="Estrangelo Edessa"/>
+        <a:font script="Sora" typeface="Nirmala UI"/>
+        <a:font script="Tale" typeface="Microsoft Tai Le"/>
+        <a:font script="Talu" typeface="Microsoft New Tai Lue"/>
+        <a:font script="Tfng" typeface="Ebrima"/>
+      </a:minorFont>
+    </a:fontScheme>
+    <a:fmtScheme name="Office">
+      <a:fillStyleLst>
+        <a:solidFill>
+          <a:schemeClr val="phClr"/>
+        </a:solidFill>
+        <a:gradFill rotWithShape="1">
+          <a:gsLst>
+            <a:gs pos="0">
+              <a:schemeClr val="phClr">
+                <a:lumMod val="110000"/>
+                <a:satMod val="105000"/>
+                <a:tint val="67000"/>
+              </a:schemeClr>
+            </a:gs>
+            <a:gs pos="50000">
+              <a:schemeClr val="phClr">
+                <a:lumMod val="105000"/>
+                <a:satMod val="103000"/>
+                <a:tint val="73000"/>
+              </a:schemeClr>
+            </a:gs>
+            <a:gs pos="100000">
+              <a:schemeClr val="phClr">
+                <a:lumMod val="105000"/>
+                <a:satMod val="109000"/>
+                <a:tint val="81000"/>
+              </a:schemeClr>
+            </a:gs>
+          </a:gsLst>
+          <a:lin ang="5400000" scaled="0"/>
+        </a:gradFill>
+        <a:gradFill rotWithShape="1">
+          <a:gsLst>
+            <a:gs pos="0">
+              <a:schemeClr val="phClr">
+                <a:satMod val="103000"/>
+                <a:lumMod val="102000"/>
+                <a:tint val="94000"/>
+              </a:schemeClr>
+            </a:gs>
+            <a:gs pos="50000">
+              <a:schemeClr val="phClr">
+                <a:satMod val="110000"/>
+                <a:lumMod val="100000"/>
+                <a:shade val="100000"/>
+              </a:schemeClr>
+            </a:gs>
+            <a:gs pos="100000">
+              <a:schemeClr val="phClr">
+                <a:lumMod val="99000"/>
+                <a:satMod val="120000"/>
+                <a:shade val="78000"/>
+              </a:schemeClr>
+            </a:gs>
+          </a:gsLst>
+          <a:lin ang="5400000" scaled="0"/>
+        </a:gradFill>
+      </a:fillStyleLst>
+      <a:lnStyleLst>
+        <a:ln w="6350" cap="flat" cmpd="sng" algn="ctr">
+          <a:solidFill>
+            <a:schemeClr val="phClr"/>
+          </a:solidFill>
+          <a:prstDash val="solid"/>
+          <a:miter lim="800000"/>
+        </a:ln>
+        <a:ln w="12700" cap="flat" cmpd="sng" algn="ctr">
+          <a:solidFill>
+            <a:schemeClr val="phClr"/>
+          </a:solidFill>
+          <a:prstDash val="solid"/>
+          <a:miter lim="800000"/>
+        </a:ln>
+        <a:ln w="19050" cap="flat" cmpd="sng" algn="ctr">
+          <a:solidFill>
+            <a:schemeClr val="phClr"/>
+          </a:solidFill>
+          <a:prstDash val="solid"/>
+          <a:miter lim="800000"/>
+        </a:ln>
+      </a:lnStyleLst>
+      <a:effectStyleLst>
+        <a:effectStyle>
+          <a:effectLst/>
+        </a:effectStyle>
+        <a:effectStyle>
+          <a:effectLst/>
+        </a:effectStyle>
+        <a:effectStyle>
+          <a:effectLst>
+            <a:outerShdw blurRad="57150" dist="19050" dir="5400000" algn="ctr" rotWithShape="0">
+              <a:srgbClr val="000000">
+                <a:alpha val="63000"/>
+              </a:srgbClr>
+            </a:outerShdw>
+          </a:effectLst>
+        </a:effectStyle>
+      </a:effectStyleLst>
+      <a:bgFillStyleLst>
+        <a:solidFill>
+          <a:schemeClr val="phClr"/>
+        </a:solidFill>
+        <a:solidFill>
+          <a:schemeClr val="phClr">
+            <a:tint val="95000"/>
+            <a:satMod val="170000"/>
+          </a:schemeClr>
+        </a:solidFill>
+        <a:gradFill rotWithShape="1">
+          <a:gsLst>
+            <a:gs pos="0">
+              <a:schemeClr val="phClr">
+                <a:tint val="93000"/>
+                <a:satMod val="150000"/>
+                <a:shade val="98000"/>
+                <a:lumMod val="102000"/>
+              </a:schemeClr>
+            </a:gs>
+            <a:gs pos="50000">
+              <a:schemeClr val="phClr">
+                <a:tint val="98000"/>
+                <a:satMod val="130000"/>
+                <a:shade val="90000"/>
+                <a:lumMod val="103000"/>
+              </a:schemeClr>
+            </a:gs>
+            <a:gs pos="100000">
+              <a:schemeClr val="phClr">
+                <a:shade val="63000"/>
+                <a:satMod val="120000"/>
+              </a:schemeClr>
+            </a:gs>
+          </a:gsLst>
+          <a:lin ang="5400000" scaled="0"/>
+        </a:gradFill>
+      </a:bgFillStyleLst>
+    </a:fmtScheme>
+  </a:themeElements>
+  <a:objectDefaults/>
+  <a:extraClrSchemeLst/>
+  <a:extLst>
+    <a:ext uri="{05A4C25C-085E-4340-85A3-A5531E510DB2}">
+      <thm15:themeFamily xmlns:thm15="http://schemas.microsoft.com/office/thememl/2012/main" name="Office Theme" id="{62F939B6-93AF-4DB8-9C6B-D6C7DFDC589F}" vid="{4A3C46E8-61CC-4603-A589-7422A47A8E4A}"/>
+    </a:ext>
+  </a:extLst>
+</a:theme>
 </file>